--- a/20151221_吉崎.pptx
+++ b/20151221_吉崎.pptx
@@ -5,19 +5,25 @@
     <p:sldMasterId id="2147483660" r:id="rId1"/>
   </p:sldMasterIdLst>
   <p:notesMasterIdLst>
-    <p:notesMasterId r:id="rId9"/>
+    <p:notesMasterId r:id="rId15"/>
   </p:notesMasterIdLst>
   <p:handoutMasterIdLst>
-    <p:handoutMasterId r:id="rId10"/>
+    <p:handoutMasterId r:id="rId16"/>
   </p:handoutMasterIdLst>
   <p:sldIdLst>
     <p:sldId id="291" r:id="rId2"/>
-    <p:sldId id="257" r:id="rId3"/>
-    <p:sldId id="293" r:id="rId4"/>
-    <p:sldId id="294" r:id="rId5"/>
-    <p:sldId id="296" r:id="rId6"/>
+    <p:sldId id="292" r:id="rId3"/>
+    <p:sldId id="294" r:id="rId4"/>
+    <p:sldId id="299" r:id="rId5"/>
+    <p:sldId id="300" r:id="rId6"/>
     <p:sldId id="295" r:id="rId7"/>
-    <p:sldId id="292" r:id="rId8"/>
+    <p:sldId id="297" r:id="rId8"/>
+    <p:sldId id="298" r:id="rId9"/>
+    <p:sldId id="301" r:id="rId10"/>
+    <p:sldId id="302" r:id="rId11"/>
+    <p:sldId id="303" r:id="rId12"/>
+    <p:sldId id="304" r:id="rId13"/>
+    <p:sldId id="305" r:id="rId14"/>
   </p:sldIdLst>
   <p:sldSz cx="9144000" cy="6858000" type="screen4x3"/>
   <p:notesSz cx="6858000" cy="9144000"/>
@@ -118,7 +124,7 @@
   </p:defaultTextStyle>
   <p:extLst>
     <p:ext uri="{EFAFB233-063F-42B5-8137-9DF3F51BA10A}">
-      <p15:sldGuideLst xmlns:p15="http://schemas.microsoft.com/office/powerpoint/2012/main">
+      <p15:sldGuideLst xmlns:p15="http://schemas.microsoft.com/office/powerpoint/2012/main" xmlns="">
         <p15:guide id="1" orient="horz" pos="2160">
           <p15:clr>
             <a:srgbClr val="A4A3A4"/>
@@ -218,7 +224,7 @@
             <a:fld id="{60AFCC8A-0099-D94C-B9FA-71DC13BFCF34}" type="datetimeFigureOut">
               <a:rPr kumimoji="1" lang="ja-JP" altLang="en-US" smtClean="0"/>
               <a:pPr/>
-              <a:t>2015/12/21</a:t>
+              <a:t>15/12/21</a:t>
             </a:fld>
             <a:endParaRPr kumimoji="1" lang="ja-JP" altLang="en-US"/>
           </a:p>
@@ -386,7 +392,7 @@
             <a:fld id="{E8FB4E95-9F1A-4A5D-9989-8DC4282993D8}" type="datetimeFigureOut">
               <a:rPr kumimoji="1" lang="ja-JP" altLang="en-US" smtClean="0"/>
               <a:pPr/>
-              <a:t>2015/12/21</a:t>
+              <a:t>15/12/21</a:t>
             </a:fld>
             <a:endParaRPr kumimoji="1" lang="ja-JP" altLang="en-US"/>
           </a:p>
@@ -719,7 +725,7 @@
           <a:blip r:embed="rId2">
             <a:extLst>
               <a:ext uri="{28A0092B-C50C-407E-A947-70E740481C1C}">
-                <a14:useLocalDpi xmlns:a14="http://schemas.microsoft.com/office/drawing/2010/main" val="0"/>
+                <a14:useLocalDpi xmlns:a14="http://schemas.microsoft.com/office/drawing/2010/main"/>
               </a:ext>
             </a:extLst>
           </a:blip>
@@ -749,7 +755,7 @@
           <a:blip r:embed="rId3" cstate="print">
             <a:extLst>
               <a:ext uri="{28A0092B-C50C-407E-A947-70E740481C1C}">
-                <a14:useLocalDpi xmlns:a14="http://schemas.microsoft.com/office/drawing/2010/main" val="0"/>
+                <a14:useLocalDpi xmlns:a14="http://schemas.microsoft.com/office/drawing/2010/main"/>
               </a:ext>
             </a:extLst>
           </a:blip>
@@ -1029,7 +1035,7 @@
           <a:blip r:embed="rId2" cstate="print">
             <a:extLst>
               <a:ext uri="{28A0092B-C50C-407E-A947-70E740481C1C}">
-                <a14:useLocalDpi xmlns:a14="http://schemas.microsoft.com/office/drawing/2010/main" val="0"/>
+                <a14:useLocalDpi xmlns:a14="http://schemas.microsoft.com/office/drawing/2010/main"/>
               </a:ext>
             </a:extLst>
           </a:blip>
@@ -1112,14 +1118,14 @@
           </a:ln>
           <a:extLst>
             <a:ext uri="{909E8E84-426E-40dd-AFC4-6F175D3DCCD1}">
-              <a14:hiddenFill xmlns:a14="http://schemas.microsoft.com/office/drawing/2010/main" xmlns="">
+              <a14:hiddenFill xmlns:a14="http://schemas.microsoft.com/office/drawing/2010/main">
                 <a:solidFill>
                   <a:srgbClr val="FFFFFF"/>
                 </a:solidFill>
               </a14:hiddenFill>
             </a:ext>
             <a:ext uri="{91240B29-F687-4f45-9708-019B960494DF}">
-              <a14:hiddenLine xmlns:a14="http://schemas.microsoft.com/office/drawing/2010/main" xmlns="" w="9525">
+              <a14:hiddenLine xmlns:a14="http://schemas.microsoft.com/office/drawing/2010/main" w="9525">
                 <a:solidFill>
                   <a:srgbClr val="000000"/>
                 </a:solidFill>
@@ -2193,7 +2199,7 @@
           <a:blip r:embed="rId2" cstate="print">
             <a:extLst>
               <a:ext uri="{28A0092B-C50C-407E-A947-70E740481C1C}">
-                <a14:useLocalDpi xmlns:a14="http://schemas.microsoft.com/office/drawing/2010/main" val="0"/>
+                <a14:useLocalDpi xmlns:a14="http://schemas.microsoft.com/office/drawing/2010/main"/>
               </a:ext>
             </a:extLst>
           </a:blip>
@@ -2474,7 +2480,7 @@
           <a:blip r:embed="rId2" cstate="print">
             <a:extLst>
               <a:ext uri="{28A0092B-C50C-407E-A947-70E740481C1C}">
-                <a14:useLocalDpi xmlns:a14="http://schemas.microsoft.com/office/drawing/2010/main" val="0"/>
+                <a14:useLocalDpi xmlns:a14="http://schemas.microsoft.com/office/drawing/2010/main"/>
               </a:ext>
             </a:extLst>
           </a:blip>
@@ -2908,7 +2914,7 @@
           <a:blip r:embed="rId2" cstate="print">
             <a:extLst>
               <a:ext uri="{28A0092B-C50C-407E-A947-70E740481C1C}">
-                <a14:useLocalDpi xmlns:a14="http://schemas.microsoft.com/office/drawing/2010/main" val="0"/>
+                <a14:useLocalDpi xmlns:a14="http://schemas.microsoft.com/office/drawing/2010/main"/>
               </a:ext>
             </a:extLst>
           </a:blip>
@@ -3131,7 +3137,7 @@
           <a:blip r:embed="rId2" cstate="print">
             <a:extLst>
               <a:ext uri="{28A0092B-C50C-407E-A947-70E740481C1C}">
-                <a14:useLocalDpi xmlns:a14="http://schemas.microsoft.com/office/drawing/2010/main" val="0"/>
+                <a14:useLocalDpi xmlns:a14="http://schemas.microsoft.com/office/drawing/2010/main"/>
               </a:ext>
             </a:extLst>
           </a:blip>
@@ -3286,7 +3292,7 @@
           <a:blip r:embed="rId2" cstate="print">
             <a:extLst>
               <a:ext uri="{28A0092B-C50C-407E-A947-70E740481C1C}">
-                <a14:useLocalDpi xmlns:a14="http://schemas.microsoft.com/office/drawing/2010/main" val="0"/>
+                <a14:useLocalDpi xmlns:a14="http://schemas.microsoft.com/office/drawing/2010/main"/>
               </a:ext>
             </a:extLst>
           </a:blip>
@@ -3661,7 +3667,7 @@
           <a:blip r:embed="rId2" cstate="print">
             <a:extLst>
               <a:ext uri="{28A0092B-C50C-407E-A947-70E740481C1C}">
-                <a14:useLocalDpi xmlns:a14="http://schemas.microsoft.com/office/drawing/2010/main" val="0"/>
+                <a14:useLocalDpi xmlns:a14="http://schemas.microsoft.com/office/drawing/2010/main"/>
               </a:ext>
             </a:extLst>
           </a:blip>
@@ -4011,7 +4017,7 @@
           <a:blip r:embed="rId15" cstate="print">
             <a:extLst>
               <a:ext uri="{28A0092B-C50C-407E-A947-70E740481C1C}">
-                <a14:useLocalDpi xmlns:a14="http://schemas.microsoft.com/office/drawing/2010/main" val="0"/>
+                <a14:useLocalDpi xmlns:a14="http://schemas.microsoft.com/office/drawing/2010/main"/>
               </a:ext>
             </a:extLst>
           </a:blip>
@@ -4523,14 +4529,20 @@
             <p:ph type="ctrTitle"/>
           </p:nvPr>
         </p:nvSpPr>
-        <p:spPr/>
+        <p:spPr>
+          <a:xfrm>
+            <a:off x="251520" y="608856"/>
+            <a:ext cx="5717480" cy="1368152"/>
+          </a:xfrm>
+        </p:spPr>
         <p:txBody>
           <a:bodyPr/>
           <a:lstStyle/>
           <a:p>
+            <a:pPr algn="ctr"/>
             <a:r>
               <a:rPr kumimoji="1" lang="ja-JP" altLang="en-US" sz="4400" dirty="0" smtClean="0"/>
-              <a:t>課題内容</a:t>
+              <a:t>成果報告</a:t>
             </a:r>
             <a:endParaRPr kumimoji="1" lang="ja-JP" altLang="en-US" sz="4400" dirty="0"/>
           </a:p>
@@ -4561,6 +4573,379 @@
               <a:t>Engineering CAMP</a:t>
             </a:r>
             <a:endParaRPr kumimoji="1" lang="ja-JP" altLang="en-US" dirty="0"/>
+          </a:p>
+        </p:txBody>
+      </p:sp>
+      <p:sp>
+        <p:nvSpPr>
+          <p:cNvPr id="4" name="タイトル 1"/>
+          <p:cNvSpPr txBox="1">
+            <a:spLocks/>
+          </p:cNvSpPr>
+          <p:nvPr/>
+        </p:nvSpPr>
+        <p:spPr>
+          <a:xfrm>
+            <a:off x="3649475" y="3781033"/>
+            <a:ext cx="3942302" cy="1368152"/>
+          </a:xfrm>
+          <a:prstGeom prst="rect">
+            <a:avLst/>
+          </a:prstGeom>
+          <a:noFill/>
+          <a:ln w="9525">
+            <a:noFill/>
+            <a:miter lim="800000"/>
+            <a:headEnd/>
+            <a:tailEnd/>
+          </a:ln>
+        </p:spPr>
+        <p:txBody>
+          <a:bodyPr vert="horz" wrap="square" lIns="91440" tIns="45720" rIns="91440" bIns="45720" numCol="1" anchor="ctr" anchorCtr="0" compatLnSpc="1">
+            <a:prstTxWarp prst="textNoShape">
+              <a:avLst/>
+            </a:prstTxWarp>
+            <a:noAutofit/>
+          </a:bodyPr>
+          <a:lstStyle>
+            <a:lvl1pPr marL="0" algn="l" defTabSz="914400" rtl="0" eaLnBrk="1" fontAlgn="base" latinLnBrk="0" hangingPunct="1">
+              <a:spcBef>
+                <a:spcPct val="0"/>
+              </a:spcBef>
+              <a:spcAft>
+                <a:spcPct val="0"/>
+              </a:spcAft>
+              <a:defRPr kumimoji="1" lang="ja-JP" altLang="en-US" sz="4200" b="0" i="0" kern="1200" dirty="0">
+                <a:solidFill>
+                  <a:schemeClr val="tx1"/>
+                </a:solidFill>
+                <a:latin typeface="HGPｺﾞｼｯｸE" pitchFamily="50" charset="-128"/>
+                <a:ea typeface="HGPｺﾞｼｯｸE" pitchFamily="50" charset="-128"/>
+                <a:cs typeface="+mn-cs"/>
+              </a:defRPr>
+            </a:lvl1pPr>
+            <a:lvl2pPr algn="l" rtl="0" eaLnBrk="1" fontAlgn="base" hangingPunct="1">
+              <a:spcBef>
+                <a:spcPct val="0"/>
+              </a:spcBef>
+              <a:spcAft>
+                <a:spcPct val="0"/>
+              </a:spcAft>
+              <a:defRPr kumimoji="1" sz="2400">
+                <a:solidFill>
+                  <a:schemeClr val="tx1"/>
+                </a:solidFill>
+                <a:latin typeface="HGPｺﾞｼｯｸE" pitchFamily="50" charset="-128"/>
+                <a:ea typeface="HGPｺﾞｼｯｸE" pitchFamily="50" charset="-128"/>
+              </a:defRPr>
+            </a:lvl2pPr>
+            <a:lvl3pPr algn="l" rtl="0" eaLnBrk="1" fontAlgn="base" hangingPunct="1">
+              <a:spcBef>
+                <a:spcPct val="0"/>
+              </a:spcBef>
+              <a:spcAft>
+                <a:spcPct val="0"/>
+              </a:spcAft>
+              <a:defRPr kumimoji="1" sz="2400">
+                <a:solidFill>
+                  <a:schemeClr val="tx1"/>
+                </a:solidFill>
+                <a:latin typeface="HGPｺﾞｼｯｸE" pitchFamily="50" charset="-128"/>
+                <a:ea typeface="HGPｺﾞｼｯｸE" pitchFamily="50" charset="-128"/>
+              </a:defRPr>
+            </a:lvl3pPr>
+            <a:lvl4pPr algn="l" rtl="0" eaLnBrk="1" fontAlgn="base" hangingPunct="1">
+              <a:spcBef>
+                <a:spcPct val="0"/>
+              </a:spcBef>
+              <a:spcAft>
+                <a:spcPct val="0"/>
+              </a:spcAft>
+              <a:defRPr kumimoji="1" sz="2400">
+                <a:solidFill>
+                  <a:schemeClr val="tx1"/>
+                </a:solidFill>
+                <a:latin typeface="HGPｺﾞｼｯｸE" pitchFamily="50" charset="-128"/>
+                <a:ea typeface="HGPｺﾞｼｯｸE" pitchFamily="50" charset="-128"/>
+              </a:defRPr>
+            </a:lvl4pPr>
+            <a:lvl5pPr algn="l" rtl="0" eaLnBrk="1" fontAlgn="base" hangingPunct="1">
+              <a:spcBef>
+                <a:spcPct val="0"/>
+              </a:spcBef>
+              <a:spcAft>
+                <a:spcPct val="0"/>
+              </a:spcAft>
+              <a:defRPr kumimoji="1" sz="2400">
+                <a:solidFill>
+                  <a:schemeClr val="tx1"/>
+                </a:solidFill>
+                <a:latin typeface="HGPｺﾞｼｯｸE" pitchFamily="50" charset="-128"/>
+                <a:ea typeface="HGPｺﾞｼｯｸE" pitchFamily="50" charset="-128"/>
+              </a:defRPr>
+            </a:lvl5pPr>
+            <a:lvl6pPr marL="457200" algn="ctr" rtl="0" eaLnBrk="1" fontAlgn="base" hangingPunct="1">
+              <a:spcBef>
+                <a:spcPct val="0"/>
+              </a:spcBef>
+              <a:spcAft>
+                <a:spcPct val="0"/>
+              </a:spcAft>
+              <a:defRPr kumimoji="1" sz="4400">
+                <a:solidFill>
+                  <a:schemeClr val="tx1"/>
+                </a:solidFill>
+                <a:latin typeface="Calibri" pitchFamily="34" charset="0"/>
+                <a:ea typeface="ＭＳ Ｐゴシック" pitchFamily="50" charset="-128"/>
+              </a:defRPr>
+            </a:lvl6pPr>
+            <a:lvl7pPr marL="914400" algn="ctr" rtl="0" eaLnBrk="1" fontAlgn="base" hangingPunct="1">
+              <a:spcBef>
+                <a:spcPct val="0"/>
+              </a:spcBef>
+              <a:spcAft>
+                <a:spcPct val="0"/>
+              </a:spcAft>
+              <a:defRPr kumimoji="1" sz="4400">
+                <a:solidFill>
+                  <a:schemeClr val="tx1"/>
+                </a:solidFill>
+                <a:latin typeface="Calibri" pitchFamily="34" charset="0"/>
+                <a:ea typeface="ＭＳ Ｐゴシック" pitchFamily="50" charset="-128"/>
+              </a:defRPr>
+            </a:lvl7pPr>
+            <a:lvl8pPr marL="1371600" algn="ctr" rtl="0" eaLnBrk="1" fontAlgn="base" hangingPunct="1">
+              <a:spcBef>
+                <a:spcPct val="0"/>
+              </a:spcBef>
+              <a:spcAft>
+                <a:spcPct val="0"/>
+              </a:spcAft>
+              <a:defRPr kumimoji="1" sz="4400">
+                <a:solidFill>
+                  <a:schemeClr val="tx1"/>
+                </a:solidFill>
+                <a:latin typeface="Calibri" pitchFamily="34" charset="0"/>
+                <a:ea typeface="ＭＳ Ｐゴシック" pitchFamily="50" charset="-128"/>
+              </a:defRPr>
+            </a:lvl8pPr>
+            <a:lvl9pPr marL="1828800" algn="ctr" rtl="0" eaLnBrk="1" fontAlgn="base" hangingPunct="1">
+              <a:spcBef>
+                <a:spcPct val="0"/>
+              </a:spcBef>
+              <a:spcAft>
+                <a:spcPct val="0"/>
+              </a:spcAft>
+              <a:defRPr kumimoji="1" sz="4400">
+                <a:solidFill>
+                  <a:schemeClr val="tx1"/>
+                </a:solidFill>
+                <a:latin typeface="Calibri" pitchFamily="34" charset="0"/>
+                <a:ea typeface="ＭＳ Ｐゴシック" pitchFamily="50" charset="-128"/>
+              </a:defRPr>
+            </a:lvl9pPr>
+          </a:lstStyle>
+          <a:p>
+            <a:r>
+              <a:rPr lang="ja-JP" altLang="en-US" sz="3200" dirty="0" smtClean="0"/>
+              <a:t>１６卒　吉崎</a:t>
+            </a:r>
+            <a:r>
+              <a:rPr lang="en-US" altLang="ja-JP" sz="3200" dirty="0" smtClean="0"/>
+              <a:t> </a:t>
+            </a:r>
+            <a:r>
+              <a:rPr lang="ja-JP" altLang="en-US" sz="3200" dirty="0" smtClean="0"/>
+              <a:t>亮介</a:t>
+            </a:r>
+            <a:endParaRPr lang="ja-JP" altLang="en-US" sz="3200" dirty="0"/>
+          </a:p>
+        </p:txBody>
+      </p:sp>
+      <p:sp>
+        <p:nvSpPr>
+          <p:cNvPr id="6" name="タイトル 1"/>
+          <p:cNvSpPr txBox="1">
+            <a:spLocks/>
+          </p:cNvSpPr>
+          <p:nvPr/>
+        </p:nvSpPr>
+        <p:spPr>
+          <a:xfrm>
+            <a:off x="234587" y="1734922"/>
+            <a:ext cx="6863302" cy="2357300"/>
+          </a:xfrm>
+          <a:prstGeom prst="rect">
+            <a:avLst/>
+          </a:prstGeom>
+          <a:noFill/>
+          <a:ln w="9525">
+            <a:noFill/>
+            <a:miter lim="800000"/>
+            <a:headEnd/>
+            <a:tailEnd/>
+          </a:ln>
+        </p:spPr>
+        <p:txBody>
+          <a:bodyPr vert="horz" wrap="square" lIns="91440" tIns="45720" rIns="91440" bIns="45720" numCol="1" anchor="ctr" anchorCtr="0" compatLnSpc="1">
+            <a:prstTxWarp prst="textNoShape">
+              <a:avLst/>
+            </a:prstTxWarp>
+            <a:noAutofit/>
+          </a:bodyPr>
+          <a:lstStyle>
+            <a:lvl1pPr marL="0" algn="l" defTabSz="914400" rtl="0" eaLnBrk="1" fontAlgn="base" latinLnBrk="0" hangingPunct="1">
+              <a:spcBef>
+                <a:spcPct val="0"/>
+              </a:spcBef>
+              <a:spcAft>
+                <a:spcPct val="0"/>
+              </a:spcAft>
+              <a:defRPr kumimoji="1" lang="ja-JP" altLang="en-US" sz="4200" b="0" i="0" kern="1200" dirty="0">
+                <a:solidFill>
+                  <a:schemeClr val="tx1"/>
+                </a:solidFill>
+                <a:latin typeface="HGPｺﾞｼｯｸE" pitchFamily="50" charset="-128"/>
+                <a:ea typeface="HGPｺﾞｼｯｸE" pitchFamily="50" charset="-128"/>
+                <a:cs typeface="+mn-cs"/>
+              </a:defRPr>
+            </a:lvl1pPr>
+            <a:lvl2pPr algn="l" rtl="0" eaLnBrk="1" fontAlgn="base" hangingPunct="1">
+              <a:spcBef>
+                <a:spcPct val="0"/>
+              </a:spcBef>
+              <a:spcAft>
+                <a:spcPct val="0"/>
+              </a:spcAft>
+              <a:defRPr kumimoji="1" sz="2400">
+                <a:solidFill>
+                  <a:schemeClr val="tx1"/>
+                </a:solidFill>
+                <a:latin typeface="HGPｺﾞｼｯｸE" pitchFamily="50" charset="-128"/>
+                <a:ea typeface="HGPｺﾞｼｯｸE" pitchFamily="50" charset="-128"/>
+              </a:defRPr>
+            </a:lvl2pPr>
+            <a:lvl3pPr algn="l" rtl="0" eaLnBrk="1" fontAlgn="base" hangingPunct="1">
+              <a:spcBef>
+                <a:spcPct val="0"/>
+              </a:spcBef>
+              <a:spcAft>
+                <a:spcPct val="0"/>
+              </a:spcAft>
+              <a:defRPr kumimoji="1" sz="2400">
+                <a:solidFill>
+                  <a:schemeClr val="tx1"/>
+                </a:solidFill>
+                <a:latin typeface="HGPｺﾞｼｯｸE" pitchFamily="50" charset="-128"/>
+                <a:ea typeface="HGPｺﾞｼｯｸE" pitchFamily="50" charset="-128"/>
+              </a:defRPr>
+            </a:lvl3pPr>
+            <a:lvl4pPr algn="l" rtl="0" eaLnBrk="1" fontAlgn="base" hangingPunct="1">
+              <a:spcBef>
+                <a:spcPct val="0"/>
+              </a:spcBef>
+              <a:spcAft>
+                <a:spcPct val="0"/>
+              </a:spcAft>
+              <a:defRPr kumimoji="1" sz="2400">
+                <a:solidFill>
+                  <a:schemeClr val="tx1"/>
+                </a:solidFill>
+                <a:latin typeface="HGPｺﾞｼｯｸE" pitchFamily="50" charset="-128"/>
+                <a:ea typeface="HGPｺﾞｼｯｸE" pitchFamily="50" charset="-128"/>
+              </a:defRPr>
+            </a:lvl4pPr>
+            <a:lvl5pPr algn="l" rtl="0" eaLnBrk="1" fontAlgn="base" hangingPunct="1">
+              <a:spcBef>
+                <a:spcPct val="0"/>
+              </a:spcBef>
+              <a:spcAft>
+                <a:spcPct val="0"/>
+              </a:spcAft>
+              <a:defRPr kumimoji="1" sz="2400">
+                <a:solidFill>
+                  <a:schemeClr val="tx1"/>
+                </a:solidFill>
+                <a:latin typeface="HGPｺﾞｼｯｸE" pitchFamily="50" charset="-128"/>
+                <a:ea typeface="HGPｺﾞｼｯｸE" pitchFamily="50" charset="-128"/>
+              </a:defRPr>
+            </a:lvl5pPr>
+            <a:lvl6pPr marL="457200" algn="ctr" rtl="0" eaLnBrk="1" fontAlgn="base" hangingPunct="1">
+              <a:spcBef>
+                <a:spcPct val="0"/>
+              </a:spcBef>
+              <a:spcAft>
+                <a:spcPct val="0"/>
+              </a:spcAft>
+              <a:defRPr kumimoji="1" sz="4400">
+                <a:solidFill>
+                  <a:schemeClr val="tx1"/>
+                </a:solidFill>
+                <a:latin typeface="Calibri" pitchFamily="34" charset="0"/>
+                <a:ea typeface="ＭＳ Ｐゴシック" pitchFamily="50" charset="-128"/>
+              </a:defRPr>
+            </a:lvl6pPr>
+            <a:lvl7pPr marL="914400" algn="ctr" rtl="0" eaLnBrk="1" fontAlgn="base" hangingPunct="1">
+              <a:spcBef>
+                <a:spcPct val="0"/>
+              </a:spcBef>
+              <a:spcAft>
+                <a:spcPct val="0"/>
+              </a:spcAft>
+              <a:defRPr kumimoji="1" sz="4400">
+                <a:solidFill>
+                  <a:schemeClr val="tx1"/>
+                </a:solidFill>
+                <a:latin typeface="Calibri" pitchFamily="34" charset="0"/>
+                <a:ea typeface="ＭＳ Ｐゴシック" pitchFamily="50" charset="-128"/>
+              </a:defRPr>
+            </a:lvl7pPr>
+            <a:lvl8pPr marL="1371600" algn="ctr" rtl="0" eaLnBrk="1" fontAlgn="base" hangingPunct="1">
+              <a:spcBef>
+                <a:spcPct val="0"/>
+              </a:spcBef>
+              <a:spcAft>
+                <a:spcPct val="0"/>
+              </a:spcAft>
+              <a:defRPr kumimoji="1" sz="4400">
+                <a:solidFill>
+                  <a:schemeClr val="tx1"/>
+                </a:solidFill>
+                <a:latin typeface="Calibri" pitchFamily="34" charset="0"/>
+                <a:ea typeface="ＭＳ Ｐゴシック" pitchFamily="50" charset="-128"/>
+              </a:defRPr>
+            </a:lvl8pPr>
+            <a:lvl9pPr marL="1828800" algn="ctr" rtl="0" eaLnBrk="1" fontAlgn="base" hangingPunct="1">
+              <a:spcBef>
+                <a:spcPct val="0"/>
+              </a:spcBef>
+              <a:spcAft>
+                <a:spcPct val="0"/>
+              </a:spcAft>
+              <a:defRPr kumimoji="1" sz="4400">
+                <a:solidFill>
+                  <a:schemeClr val="tx1"/>
+                </a:solidFill>
+                <a:latin typeface="Calibri" pitchFamily="34" charset="0"/>
+                <a:ea typeface="ＭＳ Ｐゴシック" pitchFamily="50" charset="-128"/>
+              </a:defRPr>
+            </a:lvl9pPr>
+          </a:lstStyle>
+          <a:p>
+            <a:pPr algn="ctr"/>
+            <a:r>
+              <a:rPr lang="ja-JP" altLang="en-US" sz="3600" dirty="0" smtClean="0"/>
+              <a:t>自動化テストスクリプト</a:t>
+            </a:r>
+            <a:endParaRPr lang="en-US" altLang="ja-JP" sz="3600" dirty="0" smtClean="0"/>
+          </a:p>
+          <a:p>
+            <a:pPr algn="ctr"/>
+            <a:r>
+              <a:rPr lang="ja-JP" altLang="en-US" sz="3600" dirty="0" smtClean="0"/>
+              <a:t>自動生成プラットフォーム</a:t>
+            </a:r>
+            <a:endParaRPr lang="ja-JP" altLang="en-US" sz="3600" dirty="0"/>
           </a:p>
         </p:txBody>
       </p:sp>
@@ -4577,7 +4962,2411 @@
   <p:timing>
     <p:tnLst>
       <p:par>
-        <p:cTn id="1" dur="indefinite" restart="never" nodeType="tmRoot"/>
+        <p:cTn xmlns:p14="http://schemas.microsoft.com/office/powerpoint/2010/main" id="1" dur="indefinite" restart="never" nodeType="tmRoot"/>
+      </p:par>
+    </p:tnLst>
+  </p:timing>
+</p:sld>
+</file>
+
+<file path=ppt/slides/slide10.xml><?xml version="1.0" encoding="utf-8"?>
+<p:sld xmlns:a="http://schemas.openxmlformats.org/drawingml/2006/main" xmlns:r="http://schemas.openxmlformats.org/officeDocument/2006/relationships" xmlns:p="http://schemas.openxmlformats.org/presentationml/2006/main">
+  <p:cSld>
+    <p:spTree>
+      <p:nvGrpSpPr>
+        <p:cNvPr id="1" name=""/>
+        <p:cNvGrpSpPr/>
+        <p:nvPr/>
+      </p:nvGrpSpPr>
+      <p:grpSpPr>
+        <a:xfrm>
+          <a:off x="0" y="0"/>
+          <a:ext cx="0" cy="0"/>
+          <a:chOff x="0" y="0"/>
+          <a:chExt cx="0" cy="0"/>
+        </a:xfrm>
+      </p:grpSpPr>
+      <p:sp>
+        <p:nvSpPr>
+          <p:cNvPr id="2" name="タイトル 1"/>
+          <p:cNvSpPr>
+            <a:spLocks noGrp="1"/>
+          </p:cNvSpPr>
+          <p:nvPr>
+            <p:ph type="title"/>
+          </p:nvPr>
+        </p:nvSpPr>
+        <p:spPr/>
+        <p:txBody>
+          <a:bodyPr/>
+          <a:lstStyle/>
+          <a:p>
+            <a:r>
+              <a:rPr lang="ja-JP" altLang="en-US" dirty="0" smtClean="0"/>
+              <a:t>成果報告</a:t>
+            </a:r>
+            <a:endParaRPr kumimoji="1" lang="ja-JP" altLang="en-US" dirty="0"/>
+          </a:p>
+        </p:txBody>
+      </p:sp>
+      <p:sp>
+        <p:nvSpPr>
+          <p:cNvPr id="8" name="テキスト ボックス 7"/>
+          <p:cNvSpPr txBox="1"/>
+          <p:nvPr/>
+        </p:nvSpPr>
+        <p:spPr>
+          <a:xfrm>
+            <a:off x="423333" y="1947333"/>
+            <a:ext cx="6547556" cy="405683"/>
+          </a:xfrm>
+          <a:prstGeom prst="rect">
+            <a:avLst/>
+          </a:prstGeom>
+          <a:noFill/>
+          <a:ln w="19050">
+            <a:noFill/>
+          </a:ln>
+          <a:effectLst>
+            <a:outerShdw blurRad="76200" dir="18900000" sy="23000" kx="-1200000" algn="bl" rotWithShape="0">
+              <a:prstClr val="black">
+                <a:alpha val="20000"/>
+              </a:prstClr>
+            </a:outerShdw>
+          </a:effectLst>
+        </p:spPr>
+        <p:txBody>
+          <a:bodyPr wrap="square" lIns="18000" tIns="18000" rIns="18000" bIns="18000" rtlCol="0">
+            <a:spAutoFit/>
+          </a:bodyPr>
+          <a:lstStyle/>
+          <a:p>
+            <a:r>
+              <a:rPr kumimoji="1" lang="ja-JP" altLang="en-US" sz="2400" u="none" dirty="0" smtClean="0"/>
+              <a:t>自動化テストスクリプト自動生成プラットフォーム</a:t>
+            </a:r>
+            <a:endParaRPr kumimoji="1" lang="ja-JP" altLang="en-US" sz="2400" u="none" dirty="0" smtClean="0"/>
+          </a:p>
+        </p:txBody>
+      </p:sp>
+      <p:cxnSp>
+        <p:nvCxnSpPr>
+          <p:cNvPr id="9" name="直線コネクタ 8"/>
+          <p:cNvCxnSpPr/>
+          <p:nvPr/>
+        </p:nvCxnSpPr>
+        <p:spPr>
+          <a:xfrm>
+            <a:off x="338667" y="2370667"/>
+            <a:ext cx="6632222" cy="0"/>
+          </a:xfrm>
+          <a:prstGeom prst="line">
+            <a:avLst/>
+          </a:prstGeom>
+        </p:spPr>
+        <p:style>
+          <a:lnRef idx="2">
+            <a:schemeClr val="accent1"/>
+          </a:lnRef>
+          <a:fillRef idx="0">
+            <a:schemeClr val="accent1"/>
+          </a:fillRef>
+          <a:effectRef idx="1">
+            <a:schemeClr val="accent1"/>
+          </a:effectRef>
+          <a:fontRef idx="minor">
+            <a:schemeClr val="tx1"/>
+          </a:fontRef>
+        </p:style>
+      </p:cxnSp>
+      <p:grpSp>
+        <p:nvGrpSpPr>
+          <p:cNvPr id="22" name="図形グループ 21"/>
+          <p:cNvGrpSpPr/>
+          <p:nvPr/>
+        </p:nvGrpSpPr>
+        <p:grpSpPr>
+          <a:xfrm>
+            <a:off x="296333" y="2645392"/>
+            <a:ext cx="2370667" cy="2579830"/>
+            <a:chOff x="296333" y="2670387"/>
+            <a:chExt cx="2370667" cy="2579830"/>
+          </a:xfrm>
+        </p:grpSpPr>
+        <p:pic>
+          <p:nvPicPr>
+            <p:cNvPr id="13" name="図 12"/>
+            <p:cNvPicPr>
+              <a:picLocks noChangeAspect="1"/>
+            </p:cNvPicPr>
+            <p:nvPr/>
+          </p:nvPicPr>
+          <p:blipFill>
+            <a:blip r:embed="rId2" cstate="print">
+              <a:extLst>
+                <a:ext uri="{28A0092B-C50C-407E-A947-70E740481C1C}">
+                  <a14:useLocalDpi xmlns:a14="http://schemas.microsoft.com/office/drawing/2010/main"/>
+                </a:ext>
+              </a:extLst>
+            </a:blip>
+            <a:stretch>
+              <a:fillRect/>
+            </a:stretch>
+          </p:blipFill>
+          <p:spPr>
+            <a:xfrm>
+              <a:off x="362853" y="3395663"/>
+              <a:ext cx="2103062" cy="1854554"/>
+            </a:xfrm>
+            <a:prstGeom prst="rect">
+              <a:avLst/>
+            </a:prstGeom>
+          </p:spPr>
+        </p:pic>
+        <p:sp>
+          <p:nvSpPr>
+            <p:cNvPr id="3" name="テキスト ボックス 2"/>
+            <p:cNvSpPr txBox="1"/>
+            <p:nvPr/>
+          </p:nvSpPr>
+          <p:spPr>
+            <a:xfrm>
+              <a:off x="296333" y="2670387"/>
+              <a:ext cx="2370667" cy="651905"/>
+            </a:xfrm>
+            <a:prstGeom prst="rect">
+              <a:avLst/>
+            </a:prstGeom>
+            <a:noFill/>
+            <a:ln w="19050">
+              <a:noFill/>
+            </a:ln>
+            <a:effectLst>
+              <a:outerShdw blurRad="76200" dir="18900000" sy="23000" kx="-1200000" algn="bl" rotWithShape="0">
+                <a:prstClr val="black">
+                  <a:alpha val="20000"/>
+                </a:prstClr>
+              </a:outerShdw>
+            </a:effectLst>
+          </p:spPr>
+          <p:txBody>
+            <a:bodyPr wrap="square" lIns="18000" tIns="18000" rIns="18000" bIns="18000" rtlCol="0">
+              <a:spAutoFit/>
+            </a:bodyPr>
+            <a:lstStyle/>
+            <a:p>
+              <a:pPr algn="ctr"/>
+              <a:r>
+                <a:rPr lang="ja-JP" altLang="en-US" sz="2000" dirty="0" smtClean="0"/>
+                <a:t>プログラミング</a:t>
+              </a:r>
+              <a:endParaRPr lang="en-US" altLang="ja-JP" sz="2000" dirty="0" smtClean="0"/>
+            </a:p>
+            <a:p>
+              <a:pPr algn="ctr"/>
+              <a:r>
+                <a:rPr lang="ja-JP" altLang="en-US" sz="2000" dirty="0" smtClean="0">
+                  <a:solidFill>
+                    <a:srgbClr val="FF0000"/>
+                  </a:solidFill>
+                </a:rPr>
+                <a:t>未経験者</a:t>
+              </a:r>
+              <a:endParaRPr kumimoji="1" lang="ja-JP" altLang="en-US" sz="2000" u="none" dirty="0" smtClean="0">
+                <a:solidFill>
+                  <a:srgbClr val="FF0000"/>
+                </a:solidFill>
+              </a:endParaRPr>
+            </a:p>
+          </p:txBody>
+        </p:sp>
+      </p:grpSp>
+      <p:sp>
+        <p:nvSpPr>
+          <p:cNvPr id="5" name="正方形/長方形 4"/>
+          <p:cNvSpPr/>
+          <p:nvPr/>
+        </p:nvSpPr>
+        <p:spPr>
+          <a:xfrm>
+            <a:off x="3312583" y="2649432"/>
+            <a:ext cx="2391834" cy="2571750"/>
+          </a:xfrm>
+          <a:prstGeom prst="rect">
+            <a:avLst/>
+          </a:prstGeom>
+          <a:solidFill>
+            <a:schemeClr val="accent1"/>
+          </a:solidFill>
+          <a:ln w="19050">
+            <a:noFill/>
+          </a:ln>
+        </p:spPr>
+        <p:style>
+          <a:lnRef idx="2">
+            <a:schemeClr val="accent1">
+              <a:shade val="50000"/>
+            </a:schemeClr>
+          </a:lnRef>
+          <a:fillRef idx="1">
+            <a:schemeClr val="accent1"/>
+          </a:fillRef>
+          <a:effectRef idx="0">
+            <a:schemeClr val="accent1"/>
+          </a:effectRef>
+          <a:fontRef idx="minor">
+            <a:schemeClr val="lt1"/>
+          </a:fontRef>
+        </p:style>
+        <p:txBody>
+          <a:bodyPr rtlCol="0" anchor="ctr"/>
+          <a:lstStyle/>
+          <a:p>
+            <a:pPr algn="ctr"/>
+            <a:r>
+              <a:rPr kumimoji="1" lang="ja-JP" altLang="en-US" sz="2400" u="none" dirty="0" smtClean="0">
+                <a:solidFill>
+                  <a:schemeClr val="bg1"/>
+                </a:solidFill>
+              </a:rPr>
+              <a:t>自動化テスト</a:t>
+            </a:r>
+            <a:endParaRPr kumimoji="1" lang="en-US" altLang="ja-JP" sz="2400" u="none" dirty="0" smtClean="0">
+              <a:solidFill>
+                <a:schemeClr val="bg1"/>
+              </a:solidFill>
+            </a:endParaRPr>
+          </a:p>
+          <a:p>
+            <a:pPr algn="ctr"/>
+            <a:r>
+              <a:rPr kumimoji="1" lang="ja-JP" altLang="en-US" sz="2400" u="none" dirty="0" smtClean="0">
+                <a:solidFill>
+                  <a:schemeClr val="bg1"/>
+                </a:solidFill>
+              </a:rPr>
+              <a:t>スクリプト</a:t>
+            </a:r>
+            <a:endParaRPr kumimoji="1" lang="en-US" altLang="ja-JP" sz="2400" u="none" dirty="0" smtClean="0">
+              <a:solidFill>
+                <a:schemeClr val="bg1"/>
+              </a:solidFill>
+            </a:endParaRPr>
+          </a:p>
+          <a:p>
+            <a:pPr algn="ctr"/>
+            <a:r>
+              <a:rPr lang="ja-JP" altLang="en-US" sz="2400" dirty="0" smtClean="0">
+                <a:solidFill>
+                  <a:schemeClr val="bg1"/>
+                </a:solidFill>
+              </a:rPr>
+              <a:t>自動生成</a:t>
+            </a:r>
+            <a:endParaRPr lang="en-US" altLang="ja-JP" sz="2400" dirty="0" smtClean="0">
+              <a:solidFill>
+                <a:schemeClr val="bg1"/>
+              </a:solidFill>
+            </a:endParaRPr>
+          </a:p>
+          <a:p>
+            <a:pPr algn="ctr"/>
+            <a:r>
+              <a:rPr lang="ja-JP" altLang="en-US" sz="2400" dirty="0" smtClean="0">
+                <a:solidFill>
+                  <a:schemeClr val="bg1"/>
+                </a:solidFill>
+              </a:rPr>
+              <a:t>プラットフォーム</a:t>
+            </a:r>
+            <a:endParaRPr kumimoji="1" lang="ja-JP" altLang="en-US" sz="2400" u="none" dirty="0" smtClean="0">
+              <a:solidFill>
+                <a:schemeClr val="bg1"/>
+              </a:solidFill>
+            </a:endParaRPr>
+          </a:p>
+        </p:txBody>
+      </p:sp>
+      <p:sp>
+        <p:nvSpPr>
+          <p:cNvPr id="7" name="右矢印 6"/>
+          <p:cNvSpPr/>
+          <p:nvPr/>
+        </p:nvSpPr>
+        <p:spPr>
+          <a:xfrm>
+            <a:off x="2645833" y="3697182"/>
+            <a:ext cx="444500" cy="476250"/>
+          </a:xfrm>
+          <a:prstGeom prst="rightArrow">
+            <a:avLst/>
+          </a:prstGeom>
+          <a:solidFill>
+            <a:schemeClr val="tx1"/>
+          </a:solidFill>
+          <a:ln w="19050">
+            <a:noFill/>
+          </a:ln>
+        </p:spPr>
+        <p:style>
+          <a:lnRef idx="2">
+            <a:schemeClr val="accent1">
+              <a:shade val="50000"/>
+            </a:schemeClr>
+          </a:lnRef>
+          <a:fillRef idx="1">
+            <a:schemeClr val="accent1"/>
+          </a:fillRef>
+          <a:effectRef idx="0">
+            <a:schemeClr val="accent1"/>
+          </a:effectRef>
+          <a:fontRef idx="minor">
+            <a:schemeClr val="lt1"/>
+          </a:fontRef>
+        </p:style>
+        <p:txBody>
+          <a:bodyPr rtlCol="0" anchor="ctr"/>
+          <a:lstStyle/>
+          <a:p>
+            <a:pPr algn="ctr"/>
+            <a:endParaRPr kumimoji="1" lang="ja-JP" altLang="en-US" sz="1400" u="none" dirty="0" smtClean="0">
+              <a:solidFill>
+                <a:schemeClr val="tx1"/>
+              </a:solidFill>
+            </a:endParaRPr>
+          </a:p>
+        </p:txBody>
+      </p:sp>
+      <p:sp>
+        <p:nvSpPr>
+          <p:cNvPr id="18" name="右矢印 17"/>
+          <p:cNvSpPr/>
+          <p:nvPr/>
+        </p:nvSpPr>
+        <p:spPr>
+          <a:xfrm>
+            <a:off x="5867399" y="3697182"/>
+            <a:ext cx="444500" cy="476250"/>
+          </a:xfrm>
+          <a:prstGeom prst="rightArrow">
+            <a:avLst/>
+          </a:prstGeom>
+          <a:solidFill>
+            <a:schemeClr val="tx1"/>
+          </a:solidFill>
+          <a:ln w="19050">
+            <a:noFill/>
+          </a:ln>
+        </p:spPr>
+        <p:style>
+          <a:lnRef idx="2">
+            <a:schemeClr val="accent1">
+              <a:shade val="50000"/>
+            </a:schemeClr>
+          </a:lnRef>
+          <a:fillRef idx="1">
+            <a:schemeClr val="accent1"/>
+          </a:fillRef>
+          <a:effectRef idx="0">
+            <a:schemeClr val="accent1"/>
+          </a:effectRef>
+          <a:fontRef idx="minor">
+            <a:schemeClr val="lt1"/>
+          </a:fontRef>
+        </p:style>
+        <p:txBody>
+          <a:bodyPr rtlCol="0" anchor="ctr"/>
+          <a:lstStyle/>
+          <a:p>
+            <a:pPr algn="ctr"/>
+            <a:endParaRPr kumimoji="1" lang="ja-JP" altLang="en-US" sz="1400" u="none" dirty="0" smtClean="0">
+              <a:solidFill>
+                <a:schemeClr val="tx1"/>
+              </a:solidFill>
+            </a:endParaRPr>
+          </a:p>
+        </p:txBody>
+      </p:sp>
+      <p:grpSp>
+        <p:nvGrpSpPr>
+          <p:cNvPr id="15" name="図形グループ 14"/>
+          <p:cNvGrpSpPr/>
+          <p:nvPr/>
+        </p:nvGrpSpPr>
+        <p:grpSpPr>
+          <a:xfrm>
+            <a:off x="6413500" y="2666366"/>
+            <a:ext cx="2497667" cy="2537882"/>
+            <a:chOff x="6413500" y="2476501"/>
+            <a:chExt cx="2497667" cy="2537882"/>
+          </a:xfrm>
+        </p:grpSpPr>
+        <p:pic>
+          <p:nvPicPr>
+            <p:cNvPr id="12" name="図 11"/>
+            <p:cNvPicPr>
+              <a:picLocks noChangeAspect="1"/>
+            </p:cNvPicPr>
+            <p:nvPr/>
+          </p:nvPicPr>
+          <p:blipFill rotWithShape="1">
+            <a:blip r:embed="rId3" cstate="print">
+              <a:extLst>
+                <a:ext uri="{28A0092B-C50C-407E-A947-70E740481C1C}">
+                  <a14:useLocalDpi xmlns:a14="http://schemas.microsoft.com/office/drawing/2010/main"/>
+                </a:ext>
+              </a:extLst>
+            </a:blip>
+            <a:srcRect/>
+            <a:stretch/>
+          </p:blipFill>
+          <p:spPr>
+            <a:xfrm>
+              <a:off x="6470201" y="2995085"/>
+              <a:ext cx="2398632" cy="2019298"/>
+            </a:xfrm>
+            <a:prstGeom prst="rect">
+              <a:avLst/>
+            </a:prstGeom>
+            <a:ln>
+              <a:noFill/>
+            </a:ln>
+            <a:effectLst>
+              <a:softEdge rad="112500"/>
+            </a:effectLst>
+          </p:spPr>
+        </p:pic>
+        <p:sp>
+          <p:nvSpPr>
+            <p:cNvPr id="14" name="テキスト ボックス 13"/>
+            <p:cNvSpPr txBox="1"/>
+            <p:nvPr/>
+          </p:nvSpPr>
+          <p:spPr>
+            <a:xfrm>
+              <a:off x="6413500" y="2476501"/>
+              <a:ext cx="2497667" cy="590349"/>
+            </a:xfrm>
+            <a:prstGeom prst="rect">
+              <a:avLst/>
+            </a:prstGeom>
+            <a:noFill/>
+            <a:ln w="19050">
+              <a:noFill/>
+            </a:ln>
+            <a:effectLst>
+              <a:outerShdw blurRad="76200" dir="18900000" sy="23000" kx="-1200000" algn="bl" rotWithShape="0">
+                <a:prstClr val="black">
+                  <a:alpha val="20000"/>
+                </a:prstClr>
+              </a:outerShdw>
+            </a:effectLst>
+          </p:spPr>
+          <p:txBody>
+            <a:bodyPr wrap="square" lIns="18000" tIns="18000" rIns="18000" bIns="18000" rtlCol="0">
+              <a:spAutoFit/>
+            </a:bodyPr>
+            <a:lstStyle/>
+            <a:p>
+              <a:pPr algn="ctr"/>
+              <a:r>
+                <a:rPr kumimoji="1" lang="ja-JP" altLang="en-US" u="none" dirty="0" smtClean="0">
+                  <a:solidFill>
+                    <a:srgbClr val="FF0000"/>
+                  </a:solidFill>
+                </a:rPr>
+                <a:t>保守性</a:t>
+              </a:r>
+              <a:r>
+                <a:rPr kumimoji="1" lang="ja-JP" altLang="en-US" u="none" dirty="0" smtClean="0"/>
+                <a:t>や</a:t>
+              </a:r>
+              <a:r>
+                <a:rPr kumimoji="1" lang="ja-JP" altLang="en-US" u="none" dirty="0" smtClean="0">
+                  <a:solidFill>
+                    <a:srgbClr val="FF0000"/>
+                  </a:solidFill>
+                </a:rPr>
+                <a:t>可読性</a:t>
+              </a:r>
+              <a:r>
+                <a:rPr kumimoji="1" lang="ja-JP" altLang="en-US" u="none" dirty="0" smtClean="0"/>
+                <a:t>の高い</a:t>
+              </a:r>
+              <a:endParaRPr lang="en-US" altLang="ja-JP" dirty="0"/>
+            </a:p>
+            <a:p>
+              <a:pPr algn="ctr"/>
+              <a:r>
+                <a:rPr kumimoji="1" lang="ja-JP" altLang="en-US" u="none" dirty="0" smtClean="0"/>
+                <a:t>自動化テストスクリプト</a:t>
+              </a:r>
+              <a:endParaRPr kumimoji="1" lang="en-US" altLang="ja-JP" u="none" dirty="0" smtClean="0"/>
+            </a:p>
+          </p:txBody>
+        </p:sp>
+      </p:grpSp>
+      <p:sp>
+        <p:nvSpPr>
+          <p:cNvPr id="16" name="左中かっこ 15"/>
+          <p:cNvSpPr/>
+          <p:nvPr/>
+        </p:nvSpPr>
+        <p:spPr>
+          <a:xfrm rot="16200000">
+            <a:off x="2890311" y="3141769"/>
+            <a:ext cx="315380" cy="4720166"/>
+          </a:xfrm>
+          <a:prstGeom prst="leftBrace">
+            <a:avLst>
+              <a:gd name="adj1" fmla="val 164559"/>
+              <a:gd name="adj2" fmla="val 50000"/>
+            </a:avLst>
+          </a:prstGeom>
+        </p:spPr>
+        <p:style>
+          <a:lnRef idx="2">
+            <a:schemeClr val="accent1"/>
+          </a:lnRef>
+          <a:fillRef idx="0">
+            <a:schemeClr val="accent1"/>
+          </a:fillRef>
+          <a:effectRef idx="1">
+            <a:schemeClr val="accent1"/>
+          </a:effectRef>
+          <a:fontRef idx="minor">
+            <a:schemeClr val="tx1"/>
+          </a:fontRef>
+        </p:style>
+        <p:txBody>
+          <a:bodyPr rtlCol="0" anchor="ctr"/>
+          <a:lstStyle/>
+          <a:p>
+            <a:pPr algn="ctr"/>
+            <a:endParaRPr kumimoji="1" lang="ja-JP" altLang="en-US"/>
+          </a:p>
+        </p:txBody>
+      </p:sp>
+      <p:sp>
+        <p:nvSpPr>
+          <p:cNvPr id="23" name="テキスト ボックス 22"/>
+          <p:cNvSpPr txBox="1"/>
+          <p:nvPr/>
+        </p:nvSpPr>
+        <p:spPr>
+          <a:xfrm>
+            <a:off x="1706880" y="5730240"/>
+            <a:ext cx="2692400" cy="651905"/>
+          </a:xfrm>
+          <a:prstGeom prst="rect">
+            <a:avLst/>
+          </a:prstGeom>
+          <a:noFill/>
+          <a:ln w="19050">
+            <a:noFill/>
+          </a:ln>
+          <a:effectLst>
+            <a:outerShdw blurRad="76200" dir="18900000" sy="23000" kx="-1200000" algn="bl" rotWithShape="0">
+              <a:prstClr val="black">
+                <a:alpha val="20000"/>
+              </a:prstClr>
+            </a:outerShdw>
+          </a:effectLst>
+        </p:spPr>
+        <p:txBody>
+          <a:bodyPr wrap="square" lIns="18000" tIns="18000" rIns="18000" bIns="18000" rtlCol="0">
+            <a:spAutoFit/>
+          </a:bodyPr>
+          <a:lstStyle/>
+          <a:p>
+            <a:pPr algn="ctr"/>
+            <a:r>
+              <a:rPr kumimoji="1" lang="en-US" altLang="ja-JP" sz="2000" u="none" dirty="0" smtClean="0"/>
+              <a:t>GUI </a:t>
+            </a:r>
+            <a:r>
+              <a:rPr kumimoji="1" lang="ja-JP" altLang="en-US" sz="2000" u="none" dirty="0" smtClean="0"/>
+              <a:t>操作のため</a:t>
+            </a:r>
+            <a:r>
+              <a:rPr kumimoji="1" lang="ja-JP" altLang="en-US" sz="2000" u="none" dirty="0" smtClean="0">
+                <a:solidFill>
+                  <a:srgbClr val="FF0000"/>
+                </a:solidFill>
+              </a:rPr>
+              <a:t>容易</a:t>
+            </a:r>
+            <a:endParaRPr lang="en-US" altLang="ja-JP" sz="2000" dirty="0">
+              <a:solidFill>
+                <a:srgbClr val="FF0000"/>
+              </a:solidFill>
+            </a:endParaRPr>
+          </a:p>
+          <a:p>
+            <a:pPr algn="ctr"/>
+            <a:r>
+              <a:rPr kumimoji="1" lang="ja-JP" altLang="en-US" sz="2000" u="none" dirty="0" smtClean="0"/>
+              <a:t>しかも，</a:t>
+            </a:r>
+            <a:r>
+              <a:rPr kumimoji="1" lang="ja-JP" altLang="en-US" sz="2000" u="none" dirty="0" smtClean="0">
+                <a:solidFill>
+                  <a:srgbClr val="FF0000"/>
+                </a:solidFill>
+              </a:rPr>
+              <a:t>高速</a:t>
+            </a:r>
+            <a:endParaRPr kumimoji="1" lang="en-US" altLang="ja-JP" sz="2000" u="none" dirty="0" smtClean="0">
+              <a:solidFill>
+                <a:srgbClr val="FF0000"/>
+              </a:solidFill>
+            </a:endParaRPr>
+          </a:p>
+        </p:txBody>
+      </p:sp>
+    </p:spTree>
+    <p:extLst>
+      <p:ext uri="{BB962C8B-B14F-4D97-AF65-F5344CB8AC3E}">
+        <p14:creationId xmlns:p14="http://schemas.microsoft.com/office/powerpoint/2010/main" val="1618123871"/>
+      </p:ext>
+    </p:extLst>
+  </p:cSld>
+  <p:clrMapOvr>
+    <a:masterClrMapping/>
+  </p:clrMapOvr>
+  <p:timing>
+    <p:tnLst>
+      <p:par>
+        <p:cTn xmlns:p14="http://schemas.microsoft.com/office/powerpoint/2010/main" id="1" dur="indefinite" restart="never" nodeType="tmRoot"/>
+      </p:par>
+    </p:tnLst>
+  </p:timing>
+</p:sld>
+</file>
+
+<file path=ppt/slides/slide11.xml><?xml version="1.0" encoding="utf-8"?>
+<p:sld xmlns:a="http://schemas.openxmlformats.org/drawingml/2006/main" xmlns:r="http://schemas.openxmlformats.org/officeDocument/2006/relationships" xmlns:p="http://schemas.openxmlformats.org/presentationml/2006/main">
+  <p:cSld>
+    <p:spTree>
+      <p:nvGrpSpPr>
+        <p:cNvPr id="1" name=""/>
+        <p:cNvGrpSpPr/>
+        <p:nvPr/>
+      </p:nvGrpSpPr>
+      <p:grpSpPr>
+        <a:xfrm>
+          <a:off x="0" y="0"/>
+          <a:ext cx="0" cy="0"/>
+          <a:chOff x="0" y="0"/>
+          <a:chExt cx="0" cy="0"/>
+        </a:xfrm>
+      </p:grpSpPr>
+      <p:sp>
+        <p:nvSpPr>
+          <p:cNvPr id="2" name="タイトル 1"/>
+          <p:cNvSpPr>
+            <a:spLocks noGrp="1"/>
+          </p:cNvSpPr>
+          <p:nvPr>
+            <p:ph type="title"/>
+          </p:nvPr>
+        </p:nvSpPr>
+        <p:spPr/>
+        <p:txBody>
+          <a:bodyPr/>
+          <a:lstStyle/>
+          <a:p>
+            <a:r>
+              <a:rPr lang="ja-JP" altLang="en-US" dirty="0" smtClean="0"/>
+              <a:t>成果報告</a:t>
+            </a:r>
+            <a:endParaRPr kumimoji="1" lang="ja-JP" altLang="en-US" dirty="0"/>
+          </a:p>
+        </p:txBody>
+      </p:sp>
+      <p:sp>
+        <p:nvSpPr>
+          <p:cNvPr id="8" name="テキスト ボックス 7"/>
+          <p:cNvSpPr txBox="1"/>
+          <p:nvPr/>
+        </p:nvSpPr>
+        <p:spPr>
+          <a:xfrm>
+            <a:off x="423333" y="1947333"/>
+            <a:ext cx="6547556" cy="405683"/>
+          </a:xfrm>
+          <a:prstGeom prst="rect">
+            <a:avLst/>
+          </a:prstGeom>
+          <a:noFill/>
+          <a:ln w="19050">
+            <a:noFill/>
+          </a:ln>
+          <a:effectLst>
+            <a:outerShdw blurRad="76200" dir="18900000" sy="23000" kx="-1200000" algn="bl" rotWithShape="0">
+              <a:prstClr val="black">
+                <a:alpha val="20000"/>
+              </a:prstClr>
+            </a:outerShdw>
+          </a:effectLst>
+        </p:spPr>
+        <p:txBody>
+          <a:bodyPr wrap="square" lIns="18000" tIns="18000" rIns="18000" bIns="18000" rtlCol="0">
+            <a:spAutoFit/>
+          </a:bodyPr>
+          <a:lstStyle/>
+          <a:p>
+            <a:r>
+              <a:rPr kumimoji="1" lang="ja-JP" altLang="en-US" sz="2400" u="none" dirty="0" smtClean="0"/>
+              <a:t>デモ</a:t>
+            </a:r>
+            <a:endParaRPr kumimoji="1" lang="ja-JP" altLang="en-US" sz="2400" u="none" dirty="0" smtClean="0"/>
+          </a:p>
+        </p:txBody>
+      </p:sp>
+      <p:cxnSp>
+        <p:nvCxnSpPr>
+          <p:cNvPr id="9" name="直線コネクタ 8"/>
+          <p:cNvCxnSpPr/>
+          <p:nvPr/>
+        </p:nvCxnSpPr>
+        <p:spPr>
+          <a:xfrm>
+            <a:off x="338667" y="2370667"/>
+            <a:ext cx="2485813" cy="0"/>
+          </a:xfrm>
+          <a:prstGeom prst="line">
+            <a:avLst/>
+          </a:prstGeom>
+        </p:spPr>
+        <p:style>
+          <a:lnRef idx="2">
+            <a:schemeClr val="accent1"/>
+          </a:lnRef>
+          <a:fillRef idx="0">
+            <a:schemeClr val="accent1"/>
+          </a:fillRef>
+          <a:effectRef idx="1">
+            <a:schemeClr val="accent1"/>
+          </a:effectRef>
+          <a:fontRef idx="minor">
+            <a:schemeClr val="tx1"/>
+          </a:fontRef>
+        </p:style>
+      </p:cxnSp>
+      <p:grpSp>
+        <p:nvGrpSpPr>
+          <p:cNvPr id="10" name="図形グループ 9"/>
+          <p:cNvGrpSpPr/>
+          <p:nvPr/>
+        </p:nvGrpSpPr>
+        <p:grpSpPr>
+          <a:xfrm>
+            <a:off x="1481667" y="2751667"/>
+            <a:ext cx="6434666" cy="3570111"/>
+            <a:chOff x="1481667" y="2751667"/>
+            <a:chExt cx="6434666" cy="3570111"/>
+          </a:xfrm>
+        </p:grpSpPr>
+        <p:grpSp>
+          <p:nvGrpSpPr>
+            <p:cNvPr id="17" name="図形グループ 16"/>
+            <p:cNvGrpSpPr/>
+            <p:nvPr/>
+          </p:nvGrpSpPr>
+          <p:grpSpPr>
+            <a:xfrm>
+              <a:off x="1707444" y="2889583"/>
+              <a:ext cx="6057900" cy="3212930"/>
+              <a:chOff x="1707444" y="2889583"/>
+              <a:chExt cx="6057900" cy="3212930"/>
+            </a:xfrm>
+          </p:grpSpPr>
+          <p:pic>
+            <p:nvPicPr>
+              <p:cNvPr id="19" name="図 18" descr="スクリーンショット 2015-12-21 11.14.23.png"/>
+              <p:cNvPicPr>
+                <a:picLocks noChangeAspect="1"/>
+              </p:cNvPicPr>
+              <p:nvPr/>
+            </p:nvPicPr>
+            <p:blipFill rotWithShape="1">
+              <a:blip r:embed="rId2" cstate="print">
+                <a:extLst>
+                  <a:ext uri="{28A0092B-C50C-407E-A947-70E740481C1C}">
+                    <a14:useLocalDpi xmlns:a14="http://schemas.microsoft.com/office/drawing/2010/main"/>
+                  </a:ext>
+                </a:extLst>
+              </a:blip>
+              <a:srcRect/>
+              <a:stretch/>
+            </p:blipFill>
+            <p:spPr>
+              <a:xfrm>
+                <a:off x="1707444" y="2889583"/>
+                <a:ext cx="6057900" cy="1428417"/>
+              </a:xfrm>
+              <a:prstGeom prst="rect">
+                <a:avLst/>
+              </a:prstGeom>
+            </p:spPr>
+          </p:pic>
+          <p:pic>
+            <p:nvPicPr>
+              <p:cNvPr id="20" name="図 19" descr="スクリーンショット 2015-12-21 11.14.23.png"/>
+              <p:cNvPicPr>
+                <a:picLocks noChangeAspect="1"/>
+              </p:cNvPicPr>
+              <p:nvPr/>
+            </p:nvPicPr>
+            <p:blipFill rotWithShape="1">
+              <a:blip r:embed="rId3" cstate="print">
+                <a:extLst>
+                  <a:ext uri="{28A0092B-C50C-407E-A947-70E740481C1C}">
+                    <a14:useLocalDpi xmlns:a14="http://schemas.microsoft.com/office/drawing/2010/main"/>
+                  </a:ext>
+                </a:extLst>
+              </a:blip>
+              <a:srcRect/>
+              <a:stretch/>
+            </p:blipFill>
+            <p:spPr>
+              <a:xfrm>
+                <a:off x="1707444" y="4543777"/>
+                <a:ext cx="6057900" cy="1558736"/>
+              </a:xfrm>
+              <a:prstGeom prst="rect">
+                <a:avLst/>
+              </a:prstGeom>
+            </p:spPr>
+          </p:pic>
+        </p:grpSp>
+        <p:sp>
+          <p:nvSpPr>
+            <p:cNvPr id="21" name="正方形/長方形 20"/>
+            <p:cNvSpPr/>
+            <p:nvPr/>
+          </p:nvSpPr>
+          <p:spPr>
+            <a:xfrm>
+              <a:off x="1481667" y="2751667"/>
+              <a:ext cx="6434666" cy="3570111"/>
+            </a:xfrm>
+            <a:prstGeom prst="rect">
+              <a:avLst/>
+            </a:prstGeom>
+            <a:noFill/>
+            <a:ln w="19050" cmpd="sng"/>
+          </p:spPr>
+          <p:style>
+            <a:lnRef idx="2">
+              <a:schemeClr val="dk1"/>
+            </a:lnRef>
+            <a:fillRef idx="1">
+              <a:schemeClr val="lt1"/>
+            </a:fillRef>
+            <a:effectRef idx="0">
+              <a:schemeClr val="dk1"/>
+            </a:effectRef>
+            <a:fontRef idx="minor">
+              <a:schemeClr val="dk1"/>
+            </a:fontRef>
+          </p:style>
+          <p:txBody>
+            <a:bodyPr rtlCol="0" anchor="ctr"/>
+            <a:lstStyle/>
+            <a:p>
+              <a:pPr algn="ctr"/>
+              <a:endParaRPr kumimoji="1" lang="ja-JP" altLang="en-US" sz="1400" u="none" dirty="0" smtClean="0">
+                <a:solidFill>
+                  <a:schemeClr val="tx1"/>
+                </a:solidFill>
+              </a:endParaRPr>
+            </a:p>
+          </p:txBody>
+        </p:sp>
+      </p:grpSp>
+    </p:spTree>
+    <p:extLst>
+      <p:ext uri="{BB962C8B-B14F-4D97-AF65-F5344CB8AC3E}">
+        <p14:creationId xmlns:p14="http://schemas.microsoft.com/office/powerpoint/2010/main" val="3008908232"/>
+      </p:ext>
+    </p:extLst>
+  </p:cSld>
+  <p:clrMapOvr>
+    <a:masterClrMapping/>
+  </p:clrMapOvr>
+  <p:timing>
+    <p:tnLst>
+      <p:par>
+        <p:cTn xmlns:p14="http://schemas.microsoft.com/office/powerpoint/2010/main" id="1" dur="indefinite" restart="never" nodeType="tmRoot"/>
+      </p:par>
+    </p:tnLst>
+  </p:timing>
+</p:sld>
+</file>
+
+<file path=ppt/slides/slide12.xml><?xml version="1.0" encoding="utf-8"?>
+<p:sld xmlns:a="http://schemas.openxmlformats.org/drawingml/2006/main" xmlns:r="http://schemas.openxmlformats.org/officeDocument/2006/relationships" xmlns:p="http://schemas.openxmlformats.org/presentationml/2006/main">
+  <p:cSld>
+    <p:spTree>
+      <p:nvGrpSpPr>
+        <p:cNvPr id="1" name=""/>
+        <p:cNvGrpSpPr/>
+        <p:nvPr/>
+      </p:nvGrpSpPr>
+      <p:grpSpPr>
+        <a:xfrm>
+          <a:off x="0" y="0"/>
+          <a:ext cx="0" cy="0"/>
+          <a:chOff x="0" y="0"/>
+          <a:chExt cx="0" cy="0"/>
+        </a:xfrm>
+      </p:grpSpPr>
+      <p:sp>
+        <p:nvSpPr>
+          <p:cNvPr id="2" name="タイトル 1"/>
+          <p:cNvSpPr>
+            <a:spLocks noGrp="1"/>
+          </p:cNvSpPr>
+          <p:nvPr>
+            <p:ph type="title"/>
+          </p:nvPr>
+        </p:nvSpPr>
+        <p:spPr/>
+        <p:txBody>
+          <a:bodyPr/>
+          <a:lstStyle/>
+          <a:p>
+            <a:r>
+              <a:rPr lang="ja-JP" altLang="en-US" dirty="0" smtClean="0"/>
+              <a:t>成果報告</a:t>
+            </a:r>
+            <a:endParaRPr kumimoji="1" lang="ja-JP" altLang="en-US" dirty="0"/>
+          </a:p>
+        </p:txBody>
+      </p:sp>
+      <p:sp>
+        <p:nvSpPr>
+          <p:cNvPr id="8" name="テキスト ボックス 7"/>
+          <p:cNvSpPr txBox="1"/>
+          <p:nvPr/>
+        </p:nvSpPr>
+        <p:spPr>
+          <a:xfrm>
+            <a:off x="423333" y="1947333"/>
+            <a:ext cx="6547556" cy="405683"/>
+          </a:xfrm>
+          <a:prstGeom prst="rect">
+            <a:avLst/>
+          </a:prstGeom>
+          <a:noFill/>
+          <a:ln w="19050">
+            <a:noFill/>
+          </a:ln>
+          <a:effectLst>
+            <a:outerShdw blurRad="76200" dir="18900000" sy="23000" kx="-1200000" algn="bl" rotWithShape="0">
+              <a:prstClr val="black">
+                <a:alpha val="20000"/>
+              </a:prstClr>
+            </a:outerShdw>
+          </a:effectLst>
+        </p:spPr>
+        <p:txBody>
+          <a:bodyPr wrap="square" lIns="18000" tIns="18000" rIns="18000" bIns="18000" rtlCol="0">
+            <a:spAutoFit/>
+          </a:bodyPr>
+          <a:lstStyle/>
+          <a:p>
+            <a:r>
+              <a:rPr lang="ja-JP" altLang="en-US" sz="2400" dirty="0" smtClean="0"/>
+              <a:t>技術のお話</a:t>
+            </a:r>
+            <a:endParaRPr kumimoji="1" lang="ja-JP" altLang="en-US" sz="2400" u="none" dirty="0" smtClean="0"/>
+          </a:p>
+        </p:txBody>
+      </p:sp>
+      <p:cxnSp>
+        <p:nvCxnSpPr>
+          <p:cNvPr id="9" name="直線コネクタ 8"/>
+          <p:cNvCxnSpPr/>
+          <p:nvPr/>
+        </p:nvCxnSpPr>
+        <p:spPr>
+          <a:xfrm>
+            <a:off x="338667" y="2370667"/>
+            <a:ext cx="2485813" cy="0"/>
+          </a:xfrm>
+          <a:prstGeom prst="line">
+            <a:avLst/>
+          </a:prstGeom>
+        </p:spPr>
+        <p:style>
+          <a:lnRef idx="2">
+            <a:schemeClr val="accent1"/>
+          </a:lnRef>
+          <a:fillRef idx="0">
+            <a:schemeClr val="accent1"/>
+          </a:fillRef>
+          <a:effectRef idx="1">
+            <a:schemeClr val="accent1"/>
+          </a:effectRef>
+          <a:fontRef idx="minor">
+            <a:schemeClr val="tx1"/>
+          </a:fontRef>
+        </p:style>
+      </p:cxnSp>
+      <p:sp>
+        <p:nvSpPr>
+          <p:cNvPr id="3" name="テキスト ボックス 2"/>
+          <p:cNvSpPr txBox="1"/>
+          <p:nvPr/>
+        </p:nvSpPr>
+        <p:spPr>
+          <a:xfrm>
+            <a:off x="488215" y="2513372"/>
+            <a:ext cx="3281680" cy="4283668"/>
+          </a:xfrm>
+          <a:prstGeom prst="rect">
+            <a:avLst/>
+          </a:prstGeom>
+          <a:noFill/>
+          <a:ln w="19050">
+            <a:noFill/>
+          </a:ln>
+          <a:effectLst>
+            <a:outerShdw blurRad="76200" dir="18900000" sy="23000" kx="-1200000" algn="bl" rotWithShape="0">
+              <a:prstClr val="black">
+                <a:alpha val="20000"/>
+              </a:prstClr>
+            </a:outerShdw>
+          </a:effectLst>
+        </p:spPr>
+        <p:txBody>
+          <a:bodyPr wrap="square" lIns="18000" tIns="18000" rIns="18000" bIns="18000" rtlCol="0">
+            <a:spAutoFit/>
+          </a:bodyPr>
+          <a:lstStyle/>
+          <a:p>
+            <a:r>
+              <a:rPr kumimoji="1" lang="ja-JP" altLang="en-US" sz="2400" u="none" dirty="0" smtClean="0"/>
+              <a:t>使用言語</a:t>
+            </a:r>
+            <a:r>
+              <a:rPr kumimoji="1" lang="en-US" altLang="ja-JP" sz="2400" u="none" dirty="0" smtClean="0"/>
+              <a:t> </a:t>
+            </a:r>
+            <a:r>
+              <a:rPr kumimoji="1" lang="ja-JP" altLang="en-US" sz="2400" u="none" dirty="0" smtClean="0"/>
+              <a:t>：</a:t>
+            </a:r>
+            <a:r>
+              <a:rPr kumimoji="1" lang="en-US" altLang="ja-JP" sz="2400" u="none" dirty="0" smtClean="0"/>
+              <a:t> Python</a:t>
+            </a:r>
+          </a:p>
+          <a:p>
+            <a:r>
+              <a:rPr lang="ja-JP" altLang="en-US" sz="2400" dirty="0" smtClean="0"/>
+              <a:t>　</a:t>
+            </a:r>
+            <a:r>
+              <a:rPr kumimoji="1" lang="en-US" altLang="ja-JP" sz="2400" u="none" dirty="0" smtClean="0"/>
+              <a:t> </a:t>
+            </a:r>
+            <a:r>
+              <a:rPr kumimoji="1" lang="en-US" altLang="ja-JP" u="none" dirty="0" smtClean="0"/>
+              <a:t>(</a:t>
+            </a:r>
+            <a:r>
+              <a:rPr kumimoji="1" lang="ja-JP" altLang="en-US" u="none" dirty="0" smtClean="0"/>
+              <a:t>ほぼ初めて書きました</a:t>
+            </a:r>
+            <a:r>
+              <a:rPr kumimoji="1" lang="en-US" altLang="ja-JP" u="none" dirty="0" smtClean="0"/>
+              <a:t>)</a:t>
+            </a:r>
+          </a:p>
+          <a:p>
+            <a:r>
+              <a:rPr lang="en-US" altLang="ja-JP" sz="1200" dirty="0"/>
+              <a:t> </a:t>
+            </a:r>
+            <a:endParaRPr lang="en-US" altLang="ja-JP" sz="1200" dirty="0" smtClean="0"/>
+          </a:p>
+          <a:p>
+            <a:r>
+              <a:rPr lang="ja-JP" altLang="en-US" sz="2400" dirty="0" smtClean="0"/>
+              <a:t>主要ライブラリ：</a:t>
+            </a:r>
+            <a:endParaRPr lang="en-US" altLang="ja-JP" sz="2400" dirty="0" smtClean="0"/>
+          </a:p>
+          <a:p>
+            <a:r>
+              <a:rPr lang="ja-JP" altLang="en-US" sz="2400" dirty="0" smtClean="0"/>
+              <a:t>　</a:t>
+            </a:r>
+            <a:r>
+              <a:rPr lang="en-US" altLang="ja-JP" sz="2400" dirty="0" smtClean="0"/>
+              <a:t>Selenium </a:t>
+            </a:r>
+            <a:endParaRPr lang="en-US" altLang="ja-JP" sz="2400" dirty="0"/>
+          </a:p>
+          <a:p>
+            <a:r>
+              <a:rPr lang="ja-JP" altLang="en-US" sz="2400" dirty="0" smtClean="0"/>
+              <a:t>　</a:t>
+            </a:r>
+            <a:r>
+              <a:rPr lang="en-US" altLang="ja-JP" sz="2400" dirty="0" smtClean="0"/>
+              <a:t>urlib2 </a:t>
+            </a:r>
+            <a:r>
+              <a:rPr lang="en-US" altLang="ja-JP" dirty="0" smtClean="0"/>
+              <a:t>(html</a:t>
+            </a:r>
+            <a:r>
+              <a:rPr lang="ja-JP" altLang="en-US" dirty="0" smtClean="0"/>
+              <a:t>関連</a:t>
+            </a:r>
+            <a:r>
+              <a:rPr lang="en-US" altLang="ja-JP" dirty="0" smtClean="0"/>
+              <a:t>)</a:t>
+            </a:r>
+          </a:p>
+          <a:p>
+            <a:r>
+              <a:rPr lang="ja-JP" altLang="en-US" sz="2400" dirty="0" smtClean="0"/>
+              <a:t>　</a:t>
+            </a:r>
+            <a:r>
+              <a:rPr lang="en-US" altLang="ja-JP" sz="2400" dirty="0" err="1" smtClean="0"/>
+              <a:t>BeautifulSoup</a:t>
+            </a:r>
+            <a:endParaRPr lang="en-US" altLang="ja-JP" sz="2400" dirty="0" smtClean="0"/>
+          </a:p>
+          <a:p>
+            <a:r>
+              <a:rPr lang="ja-JP" altLang="en-US" sz="2400" dirty="0" smtClean="0"/>
+              <a:t>　</a:t>
+            </a:r>
+            <a:r>
+              <a:rPr lang="en-US" altLang="ja-JP" sz="2400" dirty="0" smtClean="0"/>
+              <a:t> </a:t>
+            </a:r>
+            <a:r>
+              <a:rPr lang="en-US" altLang="ja-JP" dirty="0" smtClean="0"/>
+              <a:t>(Web</a:t>
+            </a:r>
+            <a:r>
+              <a:rPr lang="ja-JP" altLang="en-US" dirty="0" smtClean="0"/>
+              <a:t>スクレイピング</a:t>
+            </a:r>
+            <a:r>
+              <a:rPr lang="en-US" altLang="ja-JP" dirty="0" smtClean="0"/>
+              <a:t>)</a:t>
+            </a:r>
+            <a:endParaRPr lang="en-US" altLang="ja-JP" sz="2400" dirty="0"/>
+          </a:p>
+          <a:p>
+            <a:r>
+              <a:rPr lang="ja-JP" altLang="en-US" sz="2400" dirty="0" smtClean="0"/>
+              <a:t>　</a:t>
+            </a:r>
+            <a:r>
+              <a:rPr lang="en-US" altLang="ja-JP" sz="2400" dirty="0" smtClean="0"/>
+              <a:t>re </a:t>
+            </a:r>
+            <a:r>
+              <a:rPr lang="en-US" altLang="ja-JP" dirty="0" smtClean="0"/>
+              <a:t>(</a:t>
+            </a:r>
+            <a:r>
+              <a:rPr lang="ja-JP" altLang="en-US" dirty="0" smtClean="0"/>
+              <a:t>正規表現解析</a:t>
+            </a:r>
+            <a:r>
+              <a:rPr lang="en-US" altLang="ja-JP" dirty="0" smtClean="0"/>
+              <a:t>)</a:t>
+            </a:r>
+          </a:p>
+          <a:p>
+            <a:r>
+              <a:rPr lang="ja-JP" altLang="en-US" sz="2400" dirty="0" smtClean="0"/>
+              <a:t>　</a:t>
+            </a:r>
+            <a:r>
+              <a:rPr lang="en-US" altLang="ja-JP" sz="2400" dirty="0" err="1" smtClean="0"/>
+              <a:t>OpenCV</a:t>
+            </a:r>
+            <a:r>
+              <a:rPr lang="en-US" altLang="ja-JP" sz="2400" dirty="0" smtClean="0"/>
+              <a:t> </a:t>
+            </a:r>
+            <a:r>
+              <a:rPr lang="en-US" altLang="ja-JP" dirty="0" smtClean="0"/>
+              <a:t>(</a:t>
+            </a:r>
+            <a:r>
+              <a:rPr lang="ja-JP" altLang="en-US" dirty="0" smtClean="0"/>
+              <a:t>画像処理</a:t>
+            </a:r>
+            <a:r>
+              <a:rPr lang="en-US" altLang="ja-JP" dirty="0" smtClean="0"/>
+              <a:t>)</a:t>
+            </a:r>
+          </a:p>
+          <a:p>
+            <a:r>
+              <a:rPr lang="ja-JP" altLang="en-US" sz="2400" dirty="0" smtClean="0"/>
+              <a:t>　</a:t>
+            </a:r>
+            <a:r>
+              <a:rPr lang="en-US" altLang="ja-JP" sz="2400" dirty="0" err="1" smtClean="0"/>
+              <a:t>Tkinter</a:t>
+            </a:r>
+            <a:r>
+              <a:rPr lang="en-US" altLang="ja-JP" sz="2400" dirty="0" smtClean="0"/>
+              <a:t> </a:t>
+            </a:r>
+            <a:r>
+              <a:rPr lang="en-US" altLang="ja-JP" dirty="0" smtClean="0"/>
+              <a:t>(GUI)</a:t>
+            </a:r>
+          </a:p>
+          <a:p>
+            <a:r>
+              <a:rPr lang="ja-JP" altLang="en-US" sz="2400" dirty="0" smtClean="0"/>
+              <a:t>　　　　　　　　　　</a:t>
+            </a:r>
+            <a:endParaRPr lang="en-US" altLang="ja-JP" sz="2400" dirty="0" smtClean="0"/>
+          </a:p>
+        </p:txBody>
+      </p:sp>
+      <p:grpSp>
+        <p:nvGrpSpPr>
+          <p:cNvPr id="13" name="図形グループ 12"/>
+          <p:cNvGrpSpPr/>
+          <p:nvPr/>
+        </p:nvGrpSpPr>
+        <p:grpSpPr>
+          <a:xfrm>
+            <a:off x="3170156" y="3382211"/>
+            <a:ext cx="2377738" cy="2871669"/>
+            <a:chOff x="3357314" y="2981158"/>
+            <a:chExt cx="2377738" cy="2871669"/>
+          </a:xfrm>
+        </p:grpSpPr>
+        <p:pic>
+          <p:nvPicPr>
+            <p:cNvPr id="4" name="図 3"/>
+            <p:cNvPicPr>
+              <a:picLocks noChangeAspect="1"/>
+            </p:cNvPicPr>
+            <p:nvPr/>
+          </p:nvPicPr>
+          <p:blipFill>
+            <a:blip r:embed="rId2" cstate="print">
+              <a:extLst>
+                <a:ext uri="{28A0092B-C50C-407E-A947-70E740481C1C}">
+                  <a14:useLocalDpi xmlns:a14="http://schemas.microsoft.com/office/drawing/2010/main"/>
+                </a:ext>
+              </a:extLst>
+            </a:blip>
+            <a:stretch>
+              <a:fillRect/>
+            </a:stretch>
+          </p:blipFill>
+          <p:spPr>
+            <a:xfrm>
+              <a:off x="3357314" y="2981158"/>
+              <a:ext cx="2135266" cy="1551404"/>
+            </a:xfrm>
+            <a:prstGeom prst="rect">
+              <a:avLst/>
+            </a:prstGeom>
+          </p:spPr>
+        </p:pic>
+        <p:sp>
+          <p:nvSpPr>
+            <p:cNvPr id="5" name="テキスト ボックス 4"/>
+            <p:cNvSpPr txBox="1"/>
+            <p:nvPr/>
+          </p:nvSpPr>
+          <p:spPr>
+            <a:xfrm>
+              <a:off x="3395579" y="4585369"/>
+              <a:ext cx="2339473" cy="1267458"/>
+            </a:xfrm>
+            <a:prstGeom prst="rect">
+              <a:avLst/>
+            </a:prstGeom>
+            <a:noFill/>
+            <a:ln w="19050">
+              <a:noFill/>
+            </a:ln>
+            <a:effectLst>
+              <a:outerShdw blurRad="76200" dir="18900000" sy="23000" kx="-1200000" algn="bl" rotWithShape="0">
+                <a:prstClr val="black">
+                  <a:alpha val="20000"/>
+                </a:prstClr>
+              </a:outerShdw>
+            </a:effectLst>
+          </p:spPr>
+          <p:txBody>
+            <a:bodyPr wrap="square" lIns="18000" tIns="18000" rIns="18000" bIns="18000" rtlCol="0">
+              <a:spAutoFit/>
+            </a:bodyPr>
+            <a:lstStyle/>
+            <a:p>
+              <a:pPr marL="342900" indent="-342900">
+                <a:buFont typeface="Wingdings" charset="2"/>
+                <a:buChar char="ü"/>
+              </a:pPr>
+              <a:r>
+                <a:rPr lang="en-US" altLang="ja-JP" sz="2000" dirty="0" smtClean="0"/>
+                <a:t>html </a:t>
+              </a:r>
+              <a:r>
+                <a:rPr lang="ja-JP" altLang="en-US" sz="2000" dirty="0" smtClean="0"/>
+                <a:t>取得</a:t>
+              </a:r>
+              <a:endParaRPr lang="en-US" altLang="ja-JP" sz="2000" dirty="0" smtClean="0"/>
+            </a:p>
+            <a:p>
+              <a:pPr marL="342900" indent="-342900">
+                <a:buFont typeface="Wingdings" charset="2"/>
+                <a:buChar char="ü"/>
+              </a:pPr>
+              <a:r>
+                <a:rPr kumimoji="1" lang="ja-JP" altLang="en-US" sz="2000" u="none" dirty="0" smtClean="0"/>
+                <a:t>スクレイピングで</a:t>
+              </a:r>
+              <a:endParaRPr kumimoji="1" lang="en-US" altLang="ja-JP" sz="2000" u="none" dirty="0" smtClean="0"/>
+            </a:p>
+            <a:p>
+              <a:r>
+                <a:rPr lang="ja-JP" altLang="en-US" sz="2000" dirty="0" smtClean="0"/>
+                <a:t>　　</a:t>
+              </a:r>
+              <a:r>
+                <a:rPr kumimoji="1" lang="ja-JP" altLang="en-US" sz="2000" u="none" dirty="0" smtClean="0"/>
+                <a:t>タグ取得</a:t>
+              </a:r>
+              <a:endParaRPr lang="en-US" altLang="ja-JP" sz="2000" dirty="0"/>
+            </a:p>
+            <a:p>
+              <a:pPr marL="342900" indent="-342900">
+                <a:buFont typeface="Wingdings" charset="2"/>
+                <a:buChar char="ü"/>
+              </a:pPr>
+              <a:r>
+                <a:rPr lang="ja-JP" altLang="en-US" sz="2000" dirty="0" smtClean="0"/>
+                <a:t>タグの座標取得</a:t>
+              </a:r>
+              <a:endParaRPr kumimoji="1" lang="en-US" altLang="ja-JP" sz="2000" u="none" dirty="0" smtClean="0"/>
+            </a:p>
+          </p:txBody>
+        </p:sp>
+      </p:grpSp>
+      <p:grpSp>
+        <p:nvGrpSpPr>
+          <p:cNvPr id="26" name="図形グループ 25"/>
+          <p:cNvGrpSpPr/>
+          <p:nvPr/>
+        </p:nvGrpSpPr>
+        <p:grpSpPr>
+          <a:xfrm>
+            <a:off x="6082632" y="2062379"/>
+            <a:ext cx="2847474" cy="1579848"/>
+            <a:chOff x="1481667" y="2751667"/>
+            <a:chExt cx="6434666" cy="3570111"/>
+          </a:xfrm>
+        </p:grpSpPr>
+        <p:grpSp>
+          <p:nvGrpSpPr>
+            <p:cNvPr id="27" name="図形グループ 26"/>
+            <p:cNvGrpSpPr/>
+            <p:nvPr/>
+          </p:nvGrpSpPr>
+          <p:grpSpPr>
+            <a:xfrm>
+              <a:off x="1707444" y="2889583"/>
+              <a:ext cx="6057900" cy="3212930"/>
+              <a:chOff x="1707444" y="2889583"/>
+              <a:chExt cx="6057900" cy="3212930"/>
+            </a:xfrm>
+          </p:grpSpPr>
+          <p:pic>
+            <p:nvPicPr>
+              <p:cNvPr id="29" name="図 28" descr="スクリーンショット 2015-12-21 11.14.23.png"/>
+              <p:cNvPicPr>
+                <a:picLocks noChangeAspect="1"/>
+              </p:cNvPicPr>
+              <p:nvPr/>
+            </p:nvPicPr>
+            <p:blipFill rotWithShape="1">
+              <a:blip r:embed="rId3" cstate="print">
+                <a:extLst>
+                  <a:ext uri="{28A0092B-C50C-407E-A947-70E740481C1C}">
+                    <a14:useLocalDpi xmlns:a14="http://schemas.microsoft.com/office/drawing/2010/main"/>
+                  </a:ext>
+                </a:extLst>
+              </a:blip>
+              <a:srcRect/>
+              <a:stretch/>
+            </p:blipFill>
+            <p:spPr>
+              <a:xfrm>
+                <a:off x="1707444" y="2889583"/>
+                <a:ext cx="6057900" cy="1428417"/>
+              </a:xfrm>
+              <a:prstGeom prst="rect">
+                <a:avLst/>
+              </a:prstGeom>
+            </p:spPr>
+          </p:pic>
+          <p:pic>
+            <p:nvPicPr>
+              <p:cNvPr id="30" name="図 29" descr="スクリーンショット 2015-12-21 11.14.23.png"/>
+              <p:cNvPicPr>
+                <a:picLocks noChangeAspect="1"/>
+              </p:cNvPicPr>
+              <p:nvPr/>
+            </p:nvPicPr>
+            <p:blipFill rotWithShape="1">
+              <a:blip r:embed="rId4" cstate="print">
+                <a:extLst>
+                  <a:ext uri="{28A0092B-C50C-407E-A947-70E740481C1C}">
+                    <a14:useLocalDpi xmlns:a14="http://schemas.microsoft.com/office/drawing/2010/main"/>
+                  </a:ext>
+                </a:extLst>
+              </a:blip>
+              <a:srcRect/>
+              <a:stretch/>
+            </p:blipFill>
+            <p:spPr>
+              <a:xfrm>
+                <a:off x="1707444" y="4543777"/>
+                <a:ext cx="6057900" cy="1558736"/>
+              </a:xfrm>
+              <a:prstGeom prst="rect">
+                <a:avLst/>
+              </a:prstGeom>
+            </p:spPr>
+          </p:pic>
+        </p:grpSp>
+        <p:sp>
+          <p:nvSpPr>
+            <p:cNvPr id="28" name="正方形/長方形 27"/>
+            <p:cNvSpPr/>
+            <p:nvPr/>
+          </p:nvSpPr>
+          <p:spPr>
+            <a:xfrm>
+              <a:off x="1481667" y="2751667"/>
+              <a:ext cx="6434666" cy="3570111"/>
+            </a:xfrm>
+            <a:prstGeom prst="rect">
+              <a:avLst/>
+            </a:prstGeom>
+            <a:noFill/>
+            <a:ln w="19050" cmpd="sng"/>
+          </p:spPr>
+          <p:style>
+            <a:lnRef idx="2">
+              <a:schemeClr val="dk1"/>
+            </a:lnRef>
+            <a:fillRef idx="1">
+              <a:schemeClr val="lt1"/>
+            </a:fillRef>
+            <a:effectRef idx="0">
+              <a:schemeClr val="dk1"/>
+            </a:effectRef>
+            <a:fontRef idx="minor">
+              <a:schemeClr val="dk1"/>
+            </a:fontRef>
+          </p:style>
+          <p:txBody>
+            <a:bodyPr rtlCol="0" anchor="ctr"/>
+            <a:lstStyle/>
+            <a:p>
+              <a:pPr algn="ctr"/>
+              <a:endParaRPr kumimoji="1" lang="ja-JP" altLang="en-US" sz="1400" u="none" dirty="0" smtClean="0">
+                <a:solidFill>
+                  <a:schemeClr val="tx1"/>
+                </a:solidFill>
+              </a:endParaRPr>
+            </a:p>
+          </p:txBody>
+        </p:sp>
+      </p:grpSp>
+      <p:pic>
+        <p:nvPicPr>
+          <p:cNvPr id="32" name="図 31"/>
+          <p:cNvPicPr>
+            <a:picLocks noChangeAspect="1"/>
+          </p:cNvPicPr>
+          <p:nvPr/>
+        </p:nvPicPr>
+        <p:blipFill>
+          <a:blip r:embed="rId5" cstate="print">
+            <a:extLst>
+              <a:ext uri="{28A0092B-C50C-407E-A947-70E740481C1C}">
+                <a14:useLocalDpi xmlns:a14="http://schemas.microsoft.com/office/drawing/2010/main"/>
+              </a:ext>
+            </a:extLst>
+          </a:blip>
+          <a:stretch>
+            <a:fillRect/>
+          </a:stretch>
+        </p:blipFill>
+        <p:spPr>
+          <a:xfrm>
+            <a:off x="4058664" y="579278"/>
+            <a:ext cx="1395652" cy="1230734"/>
+          </a:xfrm>
+          <a:prstGeom prst="rect">
+            <a:avLst/>
+          </a:prstGeom>
+        </p:spPr>
+      </p:pic>
+      <p:cxnSp>
+        <p:nvCxnSpPr>
+          <p:cNvPr id="7" name="直線矢印コネクタ 6"/>
+          <p:cNvCxnSpPr/>
+          <p:nvPr/>
+        </p:nvCxnSpPr>
+        <p:spPr>
+          <a:xfrm>
+            <a:off x="5293895" y="1858211"/>
+            <a:ext cx="494631" cy="374315"/>
+          </a:xfrm>
+          <a:prstGeom prst="straightConnector1">
+            <a:avLst/>
+          </a:prstGeom>
+          <a:ln>
+            <a:headEnd type="none"/>
+            <a:tailEnd type="triangle"/>
+          </a:ln>
+        </p:spPr>
+        <p:style>
+          <a:lnRef idx="2">
+            <a:schemeClr val="accent1"/>
+          </a:lnRef>
+          <a:fillRef idx="0">
+            <a:schemeClr val="accent1"/>
+          </a:fillRef>
+          <a:effectRef idx="1">
+            <a:schemeClr val="accent1"/>
+          </a:effectRef>
+          <a:fontRef idx="minor">
+            <a:schemeClr val="tx1"/>
+          </a:fontRef>
+        </p:style>
+      </p:cxnSp>
+      <p:cxnSp>
+        <p:nvCxnSpPr>
+          <p:cNvPr id="34" name="直線矢印コネクタ 33"/>
+          <p:cNvCxnSpPr/>
+          <p:nvPr/>
+        </p:nvCxnSpPr>
+        <p:spPr>
+          <a:xfrm>
+            <a:off x="5112085" y="1970508"/>
+            <a:ext cx="494631" cy="374315"/>
+          </a:xfrm>
+          <a:prstGeom prst="straightConnector1">
+            <a:avLst/>
+          </a:prstGeom>
+          <a:ln>
+            <a:headEnd type="triangle"/>
+            <a:tailEnd type="none"/>
+          </a:ln>
+        </p:spPr>
+        <p:style>
+          <a:lnRef idx="2">
+            <a:schemeClr val="accent1"/>
+          </a:lnRef>
+          <a:fillRef idx="0">
+            <a:schemeClr val="accent1"/>
+          </a:fillRef>
+          <a:effectRef idx="1">
+            <a:schemeClr val="accent1"/>
+          </a:effectRef>
+          <a:fontRef idx="minor">
+            <a:schemeClr val="tx1"/>
+          </a:fontRef>
+        </p:style>
+      </p:cxnSp>
+      <p:sp>
+        <p:nvSpPr>
+          <p:cNvPr id="11" name="テキスト ボックス 10"/>
+          <p:cNvSpPr txBox="1"/>
+          <p:nvPr/>
+        </p:nvSpPr>
+        <p:spPr>
+          <a:xfrm>
+            <a:off x="5481054" y="1470531"/>
+            <a:ext cx="681789" cy="590349"/>
+          </a:xfrm>
+          <a:prstGeom prst="rect">
+            <a:avLst/>
+          </a:prstGeom>
+          <a:noFill/>
+          <a:ln w="19050">
+            <a:noFill/>
+          </a:ln>
+          <a:effectLst>
+            <a:outerShdw blurRad="76200" dir="18900000" sy="23000" kx="-1200000" algn="bl" rotWithShape="0">
+              <a:prstClr val="black">
+                <a:alpha val="20000"/>
+              </a:prstClr>
+            </a:outerShdw>
+          </a:effectLst>
+        </p:spPr>
+        <p:txBody>
+          <a:bodyPr wrap="square" lIns="18000" tIns="18000" rIns="18000" bIns="18000" rtlCol="0">
+            <a:spAutoFit/>
+          </a:bodyPr>
+          <a:lstStyle/>
+          <a:p>
+            <a:pPr algn="ctr"/>
+            <a:r>
+              <a:rPr lang="en-US" altLang="ja-JP" dirty="0" smtClean="0"/>
+              <a:t>GUI</a:t>
+            </a:r>
+          </a:p>
+          <a:p>
+            <a:pPr algn="ctr"/>
+            <a:r>
+              <a:rPr lang="ja-JP" altLang="en-US" dirty="0" smtClean="0"/>
+              <a:t>操作</a:t>
+            </a:r>
+            <a:endParaRPr kumimoji="1" lang="ja-JP" altLang="en-US" u="none" dirty="0" smtClean="0"/>
+          </a:p>
+        </p:txBody>
+      </p:sp>
+      <p:sp>
+        <p:nvSpPr>
+          <p:cNvPr id="35" name="テキスト ボックス 34"/>
+          <p:cNvSpPr txBox="1"/>
+          <p:nvPr/>
+        </p:nvSpPr>
+        <p:spPr>
+          <a:xfrm>
+            <a:off x="4697667" y="2064084"/>
+            <a:ext cx="681789" cy="313350"/>
+          </a:xfrm>
+          <a:prstGeom prst="rect">
+            <a:avLst/>
+          </a:prstGeom>
+          <a:noFill/>
+          <a:ln w="19050">
+            <a:noFill/>
+          </a:ln>
+          <a:effectLst>
+            <a:outerShdw blurRad="76200" dir="18900000" sy="23000" kx="-1200000" algn="bl" rotWithShape="0">
+              <a:prstClr val="black">
+                <a:alpha val="20000"/>
+              </a:prstClr>
+            </a:outerShdw>
+          </a:effectLst>
+        </p:spPr>
+        <p:txBody>
+          <a:bodyPr wrap="square" lIns="18000" tIns="18000" rIns="18000" bIns="18000" rtlCol="0">
+            <a:spAutoFit/>
+          </a:bodyPr>
+          <a:lstStyle/>
+          <a:p>
+            <a:r>
+              <a:rPr lang="ja-JP" altLang="en-US" dirty="0" smtClean="0"/>
+              <a:t>反映</a:t>
+            </a:r>
+            <a:endParaRPr kumimoji="1" lang="ja-JP" altLang="en-US" u="none" dirty="0" smtClean="0"/>
+          </a:p>
+        </p:txBody>
+      </p:sp>
+      <p:sp>
+        <p:nvSpPr>
+          <p:cNvPr id="12" name="テキスト ボックス 11"/>
+          <p:cNvSpPr txBox="1"/>
+          <p:nvPr/>
+        </p:nvSpPr>
+        <p:spPr>
+          <a:xfrm>
+            <a:off x="3154946" y="160421"/>
+            <a:ext cx="3074738" cy="405683"/>
+          </a:xfrm>
+          <a:prstGeom prst="rect">
+            <a:avLst/>
+          </a:prstGeom>
+          <a:noFill/>
+          <a:ln w="19050">
+            <a:noFill/>
+          </a:ln>
+          <a:effectLst>
+            <a:outerShdw blurRad="76200" dir="18900000" sy="23000" kx="-1200000" algn="bl" rotWithShape="0">
+              <a:prstClr val="black">
+                <a:alpha val="20000"/>
+              </a:prstClr>
+            </a:outerShdw>
+          </a:effectLst>
+        </p:spPr>
+        <p:txBody>
+          <a:bodyPr wrap="square" lIns="18000" tIns="18000" rIns="18000" bIns="18000" rtlCol="0">
+            <a:spAutoFit/>
+          </a:bodyPr>
+          <a:lstStyle/>
+          <a:p>
+            <a:pPr algn="ctr"/>
+            <a:r>
+              <a:rPr kumimoji="1" lang="ja-JP" altLang="en-US" sz="2400" u="none" dirty="0" smtClean="0"/>
+              <a:t>プログラミング未経験者</a:t>
+            </a:r>
+            <a:endParaRPr kumimoji="1" lang="ja-JP" altLang="en-US" sz="2400" u="none" dirty="0" smtClean="0"/>
+          </a:p>
+        </p:txBody>
+      </p:sp>
+      <p:sp>
+        <p:nvSpPr>
+          <p:cNvPr id="36" name="テキスト ボックス 35"/>
+          <p:cNvSpPr txBox="1"/>
+          <p:nvPr/>
+        </p:nvSpPr>
+        <p:spPr>
+          <a:xfrm>
+            <a:off x="6154820" y="1622928"/>
+            <a:ext cx="2606842" cy="405683"/>
+          </a:xfrm>
+          <a:prstGeom prst="rect">
+            <a:avLst/>
+          </a:prstGeom>
+          <a:noFill/>
+          <a:ln w="19050">
+            <a:noFill/>
+          </a:ln>
+          <a:effectLst>
+            <a:outerShdw blurRad="76200" dir="18900000" sy="23000" kx="-1200000" algn="bl" rotWithShape="0">
+              <a:prstClr val="black">
+                <a:alpha val="20000"/>
+              </a:prstClr>
+            </a:outerShdw>
+          </a:effectLst>
+        </p:spPr>
+        <p:txBody>
+          <a:bodyPr wrap="square" lIns="18000" tIns="18000" rIns="18000" bIns="18000" rtlCol="0">
+            <a:spAutoFit/>
+          </a:bodyPr>
+          <a:lstStyle/>
+          <a:p>
+            <a:pPr algn="ctr"/>
+            <a:r>
+              <a:rPr kumimoji="1" lang="ja-JP" altLang="en-US" sz="2400" u="none" dirty="0" smtClean="0"/>
+              <a:t>プラットフォーム</a:t>
+            </a:r>
+            <a:endParaRPr kumimoji="1" lang="ja-JP" altLang="en-US" sz="2400" u="none" dirty="0" smtClean="0"/>
+          </a:p>
+        </p:txBody>
+      </p:sp>
+      <p:cxnSp>
+        <p:nvCxnSpPr>
+          <p:cNvPr id="37" name="直線矢印コネクタ 36"/>
+          <p:cNvCxnSpPr/>
+          <p:nvPr/>
+        </p:nvCxnSpPr>
+        <p:spPr>
+          <a:xfrm flipV="1">
+            <a:off x="5374105" y="3566697"/>
+            <a:ext cx="518695" cy="417093"/>
+          </a:xfrm>
+          <a:prstGeom prst="straightConnector1">
+            <a:avLst/>
+          </a:prstGeom>
+          <a:ln>
+            <a:headEnd type="triangle"/>
+            <a:tailEnd type="none"/>
+          </a:ln>
+        </p:spPr>
+        <p:style>
+          <a:lnRef idx="2">
+            <a:schemeClr val="accent1"/>
+          </a:lnRef>
+          <a:fillRef idx="0">
+            <a:schemeClr val="accent1"/>
+          </a:fillRef>
+          <a:effectRef idx="1">
+            <a:schemeClr val="accent1"/>
+          </a:effectRef>
+          <a:fontRef idx="minor">
+            <a:schemeClr val="tx1"/>
+          </a:fontRef>
+        </p:style>
+      </p:cxnSp>
+      <p:cxnSp>
+        <p:nvCxnSpPr>
+          <p:cNvPr id="40" name="直線矢印コネクタ 39"/>
+          <p:cNvCxnSpPr/>
+          <p:nvPr/>
+        </p:nvCxnSpPr>
+        <p:spPr>
+          <a:xfrm flipV="1">
+            <a:off x="5526505" y="3719097"/>
+            <a:ext cx="518695" cy="417093"/>
+          </a:xfrm>
+          <a:prstGeom prst="straightConnector1">
+            <a:avLst/>
+          </a:prstGeom>
+          <a:ln>
+            <a:headEnd type="none"/>
+            <a:tailEnd type="triangle"/>
+          </a:ln>
+        </p:spPr>
+        <p:style>
+          <a:lnRef idx="2">
+            <a:schemeClr val="accent1"/>
+          </a:lnRef>
+          <a:fillRef idx="0">
+            <a:schemeClr val="accent1"/>
+          </a:fillRef>
+          <a:effectRef idx="1">
+            <a:schemeClr val="accent1"/>
+          </a:effectRef>
+          <a:fontRef idx="minor">
+            <a:schemeClr val="tx1"/>
+          </a:fontRef>
+        </p:style>
+      </p:cxnSp>
+      <p:sp>
+        <p:nvSpPr>
+          <p:cNvPr id="41" name="テキスト ボックス 40"/>
+          <p:cNvSpPr txBox="1"/>
+          <p:nvPr/>
+        </p:nvSpPr>
+        <p:spPr>
+          <a:xfrm>
+            <a:off x="5272508" y="3267241"/>
+            <a:ext cx="681789" cy="313350"/>
+          </a:xfrm>
+          <a:prstGeom prst="rect">
+            <a:avLst/>
+          </a:prstGeom>
+          <a:noFill/>
+          <a:ln w="19050">
+            <a:noFill/>
+          </a:ln>
+          <a:effectLst>
+            <a:outerShdw blurRad="76200" dir="18900000" sy="23000" kx="-1200000" algn="bl" rotWithShape="0">
+              <a:prstClr val="black">
+                <a:alpha val="20000"/>
+              </a:prstClr>
+            </a:outerShdw>
+          </a:effectLst>
+        </p:spPr>
+        <p:txBody>
+          <a:bodyPr wrap="square" lIns="18000" tIns="18000" rIns="18000" bIns="18000" rtlCol="0">
+            <a:spAutoFit/>
+          </a:bodyPr>
+          <a:lstStyle/>
+          <a:p>
+            <a:pPr algn="ctr"/>
+            <a:r>
+              <a:rPr lang="ja-JP" altLang="en-US" dirty="0" smtClean="0"/>
+              <a:t>操作</a:t>
+            </a:r>
+            <a:endParaRPr kumimoji="1" lang="ja-JP" altLang="en-US" u="none" dirty="0" smtClean="0"/>
+          </a:p>
+        </p:txBody>
+      </p:sp>
+      <p:sp>
+        <p:nvSpPr>
+          <p:cNvPr id="42" name="テキスト ボックス 41"/>
+          <p:cNvSpPr txBox="1"/>
+          <p:nvPr/>
+        </p:nvSpPr>
+        <p:spPr>
+          <a:xfrm>
+            <a:off x="5531856" y="4074693"/>
+            <a:ext cx="938459" cy="313350"/>
+          </a:xfrm>
+          <a:prstGeom prst="rect">
+            <a:avLst/>
+          </a:prstGeom>
+          <a:noFill/>
+          <a:ln w="19050">
+            <a:noFill/>
+          </a:ln>
+          <a:effectLst>
+            <a:outerShdw blurRad="76200" dir="18900000" sy="23000" kx="-1200000" algn="bl" rotWithShape="0">
+              <a:prstClr val="black">
+                <a:alpha val="20000"/>
+              </a:prstClr>
+            </a:outerShdw>
+          </a:effectLst>
+        </p:spPr>
+        <p:txBody>
+          <a:bodyPr wrap="square" lIns="18000" tIns="18000" rIns="18000" bIns="18000" rtlCol="0">
+            <a:spAutoFit/>
+          </a:bodyPr>
+          <a:lstStyle/>
+          <a:p>
+            <a:pPr algn="ctr"/>
+            <a:r>
+              <a:rPr lang="ja-JP" altLang="en-US" dirty="0" smtClean="0"/>
+              <a:t>値渡し</a:t>
+            </a:r>
+            <a:endParaRPr kumimoji="1" lang="ja-JP" altLang="en-US" u="none" dirty="0" smtClean="0"/>
+          </a:p>
+        </p:txBody>
+      </p:sp>
+      <p:sp>
+        <p:nvSpPr>
+          <p:cNvPr id="43" name="テキスト ボックス 42"/>
+          <p:cNvSpPr txBox="1"/>
+          <p:nvPr/>
+        </p:nvSpPr>
+        <p:spPr>
+          <a:xfrm>
+            <a:off x="2938378" y="2978488"/>
+            <a:ext cx="2606842" cy="405683"/>
+          </a:xfrm>
+          <a:prstGeom prst="rect">
+            <a:avLst/>
+          </a:prstGeom>
+          <a:noFill/>
+          <a:ln w="19050">
+            <a:noFill/>
+          </a:ln>
+          <a:effectLst>
+            <a:outerShdw blurRad="76200" dir="18900000" sy="23000" kx="-1200000" algn="bl" rotWithShape="0">
+              <a:prstClr val="black">
+                <a:alpha val="20000"/>
+              </a:prstClr>
+            </a:outerShdw>
+          </a:effectLst>
+        </p:spPr>
+        <p:txBody>
+          <a:bodyPr wrap="square" lIns="18000" tIns="18000" rIns="18000" bIns="18000" rtlCol="0">
+            <a:spAutoFit/>
+          </a:bodyPr>
+          <a:lstStyle/>
+          <a:p>
+            <a:pPr algn="ctr"/>
+            <a:r>
+              <a:rPr kumimoji="1" lang="en-US" altLang="ja-JP" sz="2400" u="none" dirty="0" smtClean="0"/>
+              <a:t>Web </a:t>
+            </a:r>
+            <a:r>
+              <a:rPr kumimoji="1" lang="ja-JP" altLang="en-US" sz="2400" u="none" dirty="0" smtClean="0"/>
+              <a:t>ページ</a:t>
+            </a:r>
+            <a:endParaRPr kumimoji="1" lang="ja-JP" altLang="en-US" sz="2400" u="none" dirty="0" smtClean="0"/>
+          </a:p>
+        </p:txBody>
+      </p:sp>
+      <p:sp>
+        <p:nvSpPr>
+          <p:cNvPr id="44" name="テキスト ボックス 43"/>
+          <p:cNvSpPr txBox="1"/>
+          <p:nvPr/>
+        </p:nvSpPr>
+        <p:spPr>
+          <a:xfrm>
+            <a:off x="6248397" y="2785981"/>
+            <a:ext cx="1130969" cy="651905"/>
+          </a:xfrm>
+          <a:prstGeom prst="rect">
+            <a:avLst/>
+          </a:prstGeom>
+          <a:noFill/>
+          <a:ln w="19050">
+            <a:noFill/>
+          </a:ln>
+          <a:effectLst>
+            <a:outerShdw blurRad="76200" dir="18900000" sy="23000" kx="-1200000" algn="bl" rotWithShape="0">
+              <a:prstClr val="black">
+                <a:alpha val="20000"/>
+              </a:prstClr>
+            </a:outerShdw>
+          </a:effectLst>
+        </p:spPr>
+        <p:txBody>
+          <a:bodyPr wrap="square" lIns="18000" tIns="18000" rIns="18000" bIns="18000" rtlCol="0">
+            <a:spAutoFit/>
+          </a:bodyPr>
+          <a:lstStyle/>
+          <a:p>
+            <a:pPr marL="342900" indent="-342900">
+              <a:buFont typeface="Wingdings" charset="2"/>
+              <a:buChar char="ü"/>
+            </a:pPr>
+            <a:r>
+              <a:rPr lang="ja-JP" altLang="en-US" sz="2000" dirty="0" smtClean="0"/>
+              <a:t>描画</a:t>
+            </a:r>
+            <a:endParaRPr lang="en-US" altLang="ja-JP" sz="2000" dirty="0" smtClean="0"/>
+          </a:p>
+          <a:p>
+            <a:pPr marL="342900" indent="-342900">
+              <a:buFont typeface="Wingdings" charset="2"/>
+              <a:buChar char="ü"/>
+            </a:pPr>
+            <a:r>
+              <a:rPr lang="ja-JP" altLang="en-US" sz="2000" dirty="0" smtClean="0"/>
+              <a:t>入力</a:t>
+            </a:r>
+            <a:endParaRPr lang="en-US" altLang="ja-JP" sz="2000" dirty="0" smtClean="0"/>
+          </a:p>
+        </p:txBody>
+      </p:sp>
+      <p:cxnSp>
+        <p:nvCxnSpPr>
+          <p:cNvPr id="45" name="直線矢印コネクタ 44"/>
+          <p:cNvCxnSpPr/>
+          <p:nvPr/>
+        </p:nvCxnSpPr>
+        <p:spPr>
+          <a:xfrm flipH="1">
+            <a:off x="7513052" y="3801980"/>
+            <a:ext cx="5348" cy="435810"/>
+          </a:xfrm>
+          <a:prstGeom prst="straightConnector1">
+            <a:avLst/>
+          </a:prstGeom>
+          <a:ln>
+            <a:headEnd type="none"/>
+            <a:tailEnd type="triangle"/>
+          </a:ln>
+        </p:spPr>
+        <p:style>
+          <a:lnRef idx="2">
+            <a:schemeClr val="accent1"/>
+          </a:lnRef>
+          <a:fillRef idx="0">
+            <a:schemeClr val="accent1"/>
+          </a:fillRef>
+          <a:effectRef idx="1">
+            <a:schemeClr val="accent1"/>
+          </a:effectRef>
+          <a:fontRef idx="minor">
+            <a:schemeClr val="tx1"/>
+          </a:fontRef>
+        </p:style>
+      </p:cxnSp>
+      <p:sp>
+        <p:nvSpPr>
+          <p:cNvPr id="47" name="テキスト ボックス 46"/>
+          <p:cNvSpPr txBox="1"/>
+          <p:nvPr/>
+        </p:nvSpPr>
+        <p:spPr>
+          <a:xfrm>
+            <a:off x="7617330" y="3860800"/>
+            <a:ext cx="1152354" cy="313350"/>
+          </a:xfrm>
+          <a:prstGeom prst="rect">
+            <a:avLst/>
+          </a:prstGeom>
+          <a:noFill/>
+          <a:ln w="19050">
+            <a:noFill/>
+          </a:ln>
+          <a:effectLst>
+            <a:outerShdw blurRad="76200" dir="18900000" sy="23000" kx="-1200000" algn="bl" rotWithShape="0">
+              <a:prstClr val="black">
+                <a:alpha val="20000"/>
+              </a:prstClr>
+            </a:outerShdw>
+          </a:effectLst>
+        </p:spPr>
+        <p:txBody>
+          <a:bodyPr wrap="square" lIns="18000" tIns="18000" rIns="18000" bIns="18000" rtlCol="0">
+            <a:spAutoFit/>
+          </a:bodyPr>
+          <a:lstStyle/>
+          <a:p>
+            <a:pPr algn="ctr"/>
+            <a:r>
+              <a:rPr kumimoji="1" lang="ja-JP" altLang="en-US" u="none" dirty="0" smtClean="0"/>
+              <a:t>コード生成</a:t>
+            </a:r>
+            <a:endParaRPr kumimoji="1" lang="ja-JP" altLang="en-US" u="none" dirty="0" smtClean="0"/>
+          </a:p>
+        </p:txBody>
+      </p:sp>
+      <p:pic>
+        <p:nvPicPr>
+          <p:cNvPr id="48" name="図 47"/>
+          <p:cNvPicPr>
+            <a:picLocks noChangeAspect="1"/>
+          </p:cNvPicPr>
+          <p:nvPr/>
+        </p:nvPicPr>
+        <p:blipFill rotWithShape="1">
+          <a:blip r:embed="rId6" cstate="print">
+            <a:extLst>
+              <a:ext uri="{28A0092B-C50C-407E-A947-70E740481C1C}">
+                <a14:useLocalDpi xmlns:a14="http://schemas.microsoft.com/office/drawing/2010/main"/>
+              </a:ext>
+            </a:extLst>
+          </a:blip>
+          <a:srcRect/>
+          <a:stretch/>
+        </p:blipFill>
+        <p:spPr>
+          <a:xfrm>
+            <a:off x="6416728" y="4648846"/>
+            <a:ext cx="2152431" cy="1812033"/>
+          </a:xfrm>
+          <a:prstGeom prst="rect">
+            <a:avLst/>
+          </a:prstGeom>
+          <a:ln>
+            <a:noFill/>
+          </a:ln>
+          <a:effectLst>
+            <a:softEdge rad="112500"/>
+          </a:effectLst>
+        </p:spPr>
+      </p:pic>
+      <p:sp>
+        <p:nvSpPr>
+          <p:cNvPr id="49" name="テキスト ボックス 48"/>
+          <p:cNvSpPr txBox="1"/>
+          <p:nvPr/>
+        </p:nvSpPr>
+        <p:spPr>
+          <a:xfrm>
+            <a:off x="6213641" y="4288592"/>
+            <a:ext cx="2606842" cy="405683"/>
+          </a:xfrm>
+          <a:prstGeom prst="rect">
+            <a:avLst/>
+          </a:prstGeom>
+          <a:noFill/>
+          <a:ln w="19050">
+            <a:noFill/>
+          </a:ln>
+          <a:effectLst>
+            <a:outerShdw blurRad="76200" dir="18900000" sy="23000" kx="-1200000" algn="bl" rotWithShape="0">
+              <a:prstClr val="black">
+                <a:alpha val="20000"/>
+              </a:prstClr>
+            </a:outerShdw>
+          </a:effectLst>
+        </p:spPr>
+        <p:txBody>
+          <a:bodyPr wrap="square" lIns="18000" tIns="18000" rIns="18000" bIns="18000" rtlCol="0">
+            <a:spAutoFit/>
+          </a:bodyPr>
+          <a:lstStyle/>
+          <a:p>
+            <a:pPr algn="ctr"/>
+            <a:r>
+              <a:rPr lang="ja-JP" altLang="en-US" sz="2400" dirty="0" smtClean="0"/>
+              <a:t>テストスクリプト</a:t>
+            </a:r>
+            <a:endParaRPr lang="en-US" altLang="ja-JP" sz="2400" dirty="0" smtClean="0"/>
+          </a:p>
+        </p:txBody>
+      </p:sp>
+    </p:spTree>
+    <p:extLst>
+      <p:ext uri="{BB962C8B-B14F-4D97-AF65-F5344CB8AC3E}">
+        <p14:creationId xmlns:p14="http://schemas.microsoft.com/office/powerpoint/2010/main" val="697175882"/>
+      </p:ext>
+    </p:extLst>
+  </p:cSld>
+  <p:clrMapOvr>
+    <a:masterClrMapping/>
+  </p:clrMapOvr>
+  <p:timing>
+    <p:tnLst>
+      <p:par>
+        <p:cTn xmlns:p14="http://schemas.microsoft.com/office/powerpoint/2010/main" id="1" dur="indefinite" restart="never" nodeType="tmRoot"/>
+      </p:par>
+    </p:tnLst>
+  </p:timing>
+</p:sld>
+</file>
+
+<file path=ppt/slides/slide13.xml><?xml version="1.0" encoding="utf-8"?>
+<p:sld xmlns:a="http://schemas.openxmlformats.org/drawingml/2006/main" xmlns:r="http://schemas.openxmlformats.org/officeDocument/2006/relationships" xmlns:p="http://schemas.openxmlformats.org/presentationml/2006/main">
+  <p:cSld>
+    <p:spTree>
+      <p:nvGrpSpPr>
+        <p:cNvPr id="1" name=""/>
+        <p:cNvGrpSpPr/>
+        <p:nvPr/>
+      </p:nvGrpSpPr>
+      <p:grpSpPr>
+        <a:xfrm>
+          <a:off x="0" y="0"/>
+          <a:ext cx="0" cy="0"/>
+          <a:chOff x="0" y="0"/>
+          <a:chExt cx="0" cy="0"/>
+        </a:xfrm>
+      </p:grpSpPr>
+      <p:sp>
+        <p:nvSpPr>
+          <p:cNvPr id="2" name="タイトル 1"/>
+          <p:cNvSpPr>
+            <a:spLocks noGrp="1"/>
+          </p:cNvSpPr>
+          <p:nvPr>
+            <p:ph type="title"/>
+          </p:nvPr>
+        </p:nvSpPr>
+        <p:spPr/>
+        <p:txBody>
+          <a:bodyPr/>
+          <a:lstStyle/>
+          <a:p>
+            <a:r>
+              <a:rPr lang="ja-JP" altLang="en-US" dirty="0" smtClean="0"/>
+              <a:t>まとめ</a:t>
+            </a:r>
+            <a:endParaRPr kumimoji="1" lang="ja-JP" altLang="en-US" dirty="0"/>
+          </a:p>
+        </p:txBody>
+      </p:sp>
+      <p:sp>
+        <p:nvSpPr>
+          <p:cNvPr id="11" name="テキスト ボックス 10"/>
+          <p:cNvSpPr txBox="1"/>
+          <p:nvPr/>
+        </p:nvSpPr>
+        <p:spPr>
+          <a:xfrm>
+            <a:off x="663222" y="1933223"/>
+            <a:ext cx="7493000" cy="898126"/>
+          </a:xfrm>
+          <a:prstGeom prst="rect">
+            <a:avLst/>
+          </a:prstGeom>
+          <a:noFill/>
+          <a:ln w="19050">
+            <a:noFill/>
+          </a:ln>
+          <a:effectLst>
+            <a:outerShdw blurRad="76200" dir="18900000" sy="23000" kx="-1200000" algn="bl" rotWithShape="0">
+              <a:prstClr val="black">
+                <a:alpha val="20000"/>
+              </a:prstClr>
+            </a:outerShdw>
+          </a:effectLst>
+        </p:spPr>
+        <p:txBody>
+          <a:bodyPr wrap="square" lIns="18000" tIns="18000" rIns="18000" bIns="18000" rtlCol="0">
+            <a:spAutoFit/>
+          </a:bodyPr>
+          <a:lstStyle/>
+          <a:p>
+            <a:pPr algn="ctr"/>
+            <a:r>
+              <a:rPr kumimoji="1" lang="ja-JP" altLang="en-US" sz="2800" u="none" dirty="0" smtClean="0">
+                <a:solidFill>
+                  <a:srgbClr val="FF0000"/>
+                </a:solidFill>
+              </a:rPr>
+              <a:t>保守性</a:t>
+            </a:r>
+            <a:r>
+              <a:rPr kumimoji="1" lang="ja-JP" altLang="en-US" sz="2800" u="none" dirty="0" smtClean="0"/>
+              <a:t>や</a:t>
+            </a:r>
+            <a:r>
+              <a:rPr kumimoji="1" lang="ja-JP" altLang="en-US" sz="2800" u="none" dirty="0" smtClean="0">
+                <a:solidFill>
+                  <a:srgbClr val="FF0000"/>
+                </a:solidFill>
+              </a:rPr>
+              <a:t>可読性</a:t>
+            </a:r>
+            <a:r>
+              <a:rPr kumimoji="1" lang="ja-JP" altLang="en-US" sz="2800" u="none" dirty="0" smtClean="0"/>
+              <a:t>が高く，</a:t>
+            </a:r>
+            <a:r>
+              <a:rPr kumimoji="1" lang="ja-JP" altLang="en-US" sz="2800" u="none" dirty="0" smtClean="0">
+                <a:solidFill>
+                  <a:srgbClr val="FF0000"/>
+                </a:solidFill>
+              </a:rPr>
+              <a:t>容易</a:t>
+            </a:r>
+            <a:r>
+              <a:rPr kumimoji="1" lang="ja-JP" altLang="en-US" sz="2800" u="none" dirty="0" smtClean="0"/>
+              <a:t>かつ</a:t>
+            </a:r>
+            <a:r>
+              <a:rPr kumimoji="1" lang="ja-JP" altLang="en-US" sz="2800" u="none" dirty="0" smtClean="0">
+                <a:solidFill>
+                  <a:srgbClr val="FF0000"/>
+                </a:solidFill>
+              </a:rPr>
+              <a:t>高速</a:t>
+            </a:r>
+            <a:r>
+              <a:rPr kumimoji="1" lang="ja-JP" altLang="en-US" sz="2800" u="none" dirty="0" smtClean="0"/>
+              <a:t>に</a:t>
+            </a:r>
+            <a:endParaRPr kumimoji="1" lang="en-US" altLang="ja-JP" sz="2800" u="none" dirty="0" smtClean="0"/>
+          </a:p>
+          <a:p>
+            <a:pPr algn="ctr"/>
+            <a:r>
+              <a:rPr kumimoji="1" lang="ja-JP" altLang="en-US" sz="2800" u="none" dirty="0" smtClean="0"/>
+              <a:t>スクリプト作成ができるプラットフォームを作成！</a:t>
+            </a:r>
+            <a:endParaRPr kumimoji="1" lang="en-US" altLang="ja-JP" sz="2800" u="none" dirty="0" smtClean="0"/>
+          </a:p>
+        </p:txBody>
+      </p:sp>
+      <p:pic>
+        <p:nvPicPr>
+          <p:cNvPr id="12" name="図 11"/>
+          <p:cNvPicPr>
+            <a:picLocks noChangeAspect="1"/>
+          </p:cNvPicPr>
+          <p:nvPr/>
+        </p:nvPicPr>
+        <p:blipFill>
+          <a:blip r:embed="rId2"/>
+          <a:stretch>
+            <a:fillRect/>
+          </a:stretch>
+        </p:blipFill>
+        <p:spPr>
+          <a:xfrm>
+            <a:off x="2102556" y="3019778"/>
+            <a:ext cx="4938888" cy="3289300"/>
+          </a:xfrm>
+          <a:prstGeom prst="rect">
+            <a:avLst/>
+          </a:prstGeom>
+          <a:ln>
+            <a:noFill/>
+          </a:ln>
+          <a:effectLst>
+            <a:softEdge rad="112500"/>
+          </a:effectLst>
+        </p:spPr>
+      </p:pic>
+    </p:spTree>
+    <p:extLst>
+      <p:ext uri="{BB962C8B-B14F-4D97-AF65-F5344CB8AC3E}">
+        <p14:creationId xmlns:p14="http://schemas.microsoft.com/office/powerpoint/2010/main" val="1057140071"/>
+      </p:ext>
+    </p:extLst>
+  </p:cSld>
+  <p:clrMapOvr>
+    <a:masterClrMapping/>
+  </p:clrMapOvr>
+  <p:timing>
+    <p:tnLst>
+      <p:par>
+        <p:cTn xmlns:p14="http://schemas.microsoft.com/office/powerpoint/2010/main" id="1" dur="indefinite" restart="never" nodeType="tmRoot"/>
       </p:par>
     </p:tnLst>
   </p:timing>
@@ -4627,89 +7416,6 @@
       </p:sp>
       <p:sp>
         <p:nvSpPr>
-          <p:cNvPr id="3" name="コンテンツ プレースホルダー 2"/>
-          <p:cNvSpPr>
-            <a:spLocks noGrp="1"/>
-          </p:cNvSpPr>
-          <p:nvPr>
-            <p:ph sz="quarter" idx="13"/>
-          </p:nvPr>
-        </p:nvSpPr>
-        <p:spPr/>
-        <p:txBody>
-          <a:bodyPr/>
-          <a:lstStyle/>
-          <a:p>
-            <a:pPr>
-              <a:buFont typeface="Wingdings" charset="2"/>
-              <a:buChar char="n"/>
-            </a:pPr>
-            <a:r>
-              <a:rPr kumimoji="1" lang="en-US" altLang="ja-JP" sz="3200" dirty="0" smtClean="0"/>
-              <a:t>OSS</a:t>
-            </a:r>
-            <a:r>
-              <a:rPr kumimoji="1" lang="ja-JP" altLang="en-US" sz="3200" dirty="0" smtClean="0"/>
-              <a:t>の</a:t>
-            </a:r>
-            <a:r>
-              <a:rPr kumimoji="1" lang="en-US" altLang="ja-JP" sz="3200" dirty="0" smtClean="0"/>
-              <a:t>EC</a:t>
-            </a:r>
-            <a:r>
-              <a:rPr kumimoji="1" lang="ja-JP" altLang="en-US" sz="3200" dirty="0" smtClean="0"/>
-              <a:t>サイトである「</a:t>
-            </a:r>
-            <a:r>
-              <a:rPr kumimoji="1" lang="en-US" altLang="ja-JP" sz="3200" dirty="0" smtClean="0"/>
-              <a:t>EC-CUBE</a:t>
-            </a:r>
-            <a:r>
-              <a:rPr kumimoji="1" lang="ja-JP" altLang="en-US" sz="3200" dirty="0" smtClean="0"/>
-              <a:t>」の自動テストを設計、実装する</a:t>
-            </a:r>
-            <a:endParaRPr kumimoji="1" lang="en-US" altLang="ja-JP" sz="3200" dirty="0" smtClean="0"/>
-          </a:p>
-          <a:p>
-            <a:pPr>
-              <a:buFont typeface="Wingdings" charset="2"/>
-              <a:buChar char="n"/>
-            </a:pPr>
-            <a:endParaRPr lang="en-US" altLang="ja-JP" sz="3200" dirty="0"/>
-          </a:p>
-          <a:p>
-            <a:pPr>
-              <a:buFont typeface="Wingdings" charset="2"/>
-              <a:buChar char="n"/>
-            </a:pPr>
-            <a:r>
-              <a:rPr kumimoji="1" lang="ja-JP" altLang="en-US" sz="3200" dirty="0" smtClean="0"/>
-              <a:t>使う技術は自由。ただし、有償のソフトウェアやサービスの使用は控えること。</a:t>
-            </a:r>
-            <a:endParaRPr kumimoji="1" lang="en-US" altLang="ja-JP" sz="3200" dirty="0" smtClean="0"/>
-          </a:p>
-          <a:p>
-            <a:pPr>
-              <a:buFont typeface="Wingdings" charset="2"/>
-              <a:buChar char="n"/>
-            </a:pPr>
-            <a:endParaRPr lang="en-US" altLang="ja-JP" sz="3200" dirty="0"/>
-          </a:p>
-          <a:p>
-            <a:pPr>
-              <a:buFont typeface="Wingdings" charset="2"/>
-              <a:buChar char="n"/>
-            </a:pPr>
-            <a:r>
-              <a:rPr kumimoji="1" lang="ja-JP" altLang="en-US" sz="3200" dirty="0" smtClean="0"/>
-              <a:t>最終日に、作成の意図を含めた成果発表とデモを行う</a:t>
-            </a:r>
-            <a:endParaRPr kumimoji="1" lang="ja-JP" altLang="en-US" sz="3200" dirty="0"/>
-          </a:p>
-        </p:txBody>
-      </p:sp>
-      <p:sp>
-        <p:nvSpPr>
           <p:cNvPr id="2" name="タイトル 1"/>
           <p:cNvSpPr>
             <a:spLocks noGrp="1"/>
@@ -4725,7 +7431,7 @@
           <a:p>
             <a:r>
               <a:rPr kumimoji="1" lang="ja-JP" altLang="en-US" dirty="0" smtClean="0"/>
-              <a:t>今回のお題</a:t>
+              <a:t>はじめに</a:t>
             </a:r>
             <a:endParaRPr kumimoji="1" lang="ja-JP" altLang="en-US" dirty="0"/>
           </a:p>
@@ -4733,27 +7439,282 @@
       </p:sp>
       <p:sp>
         <p:nvSpPr>
-          <p:cNvPr id="5" name="テキスト プレースホルダー 4"/>
-          <p:cNvSpPr>
-            <a:spLocks noGrp="1"/>
-          </p:cNvSpPr>
-          <p:nvPr>
-            <p:ph type="body" sz="quarter" idx="14"/>
-          </p:nvPr>
+          <p:cNvPr id="5" name="テキスト ボックス 4"/>
+          <p:cNvSpPr txBox="1"/>
+          <p:nvPr/>
         </p:nvSpPr>
-        <p:spPr/>
+        <p:spPr>
+          <a:xfrm>
+            <a:off x="423333" y="1947333"/>
+            <a:ext cx="5672667" cy="405683"/>
+          </a:xfrm>
+          <a:prstGeom prst="rect">
+            <a:avLst/>
+          </a:prstGeom>
+          <a:noFill/>
+          <a:ln w="19050">
+            <a:noFill/>
+          </a:ln>
+          <a:effectLst>
+            <a:outerShdw blurRad="76200" dir="18900000" sy="23000" kx="-1200000" algn="bl" rotWithShape="0">
+              <a:prstClr val="black">
+                <a:alpha val="20000"/>
+              </a:prstClr>
+            </a:outerShdw>
+          </a:effectLst>
+        </p:spPr>
         <p:txBody>
-          <a:bodyPr/>
+          <a:bodyPr wrap="square" lIns="18000" tIns="18000" rIns="18000" bIns="18000" rtlCol="0">
+            <a:spAutoFit/>
+          </a:bodyPr>
           <a:lstStyle/>
           <a:p>
-            <a:endParaRPr kumimoji="1" lang="ja-JP" altLang="en-US"/>
+            <a:r>
+              <a:rPr kumimoji="1" lang="ja-JP" altLang="en-US" sz="2400" u="none" dirty="0" smtClean="0"/>
+              <a:t>今回は．．．</a:t>
+            </a:r>
+            <a:endParaRPr kumimoji="1" lang="ja-JP" altLang="en-US" sz="2400" u="none" dirty="0" smtClean="0"/>
+          </a:p>
+        </p:txBody>
+      </p:sp>
+      <p:pic>
+        <p:nvPicPr>
+          <p:cNvPr id="8" name="図 7"/>
+          <p:cNvPicPr>
+            <a:picLocks noChangeAspect="1"/>
+          </p:cNvPicPr>
+          <p:nvPr/>
+        </p:nvPicPr>
+        <p:blipFill>
+          <a:blip r:embed="rId2" cstate="print">
+            <a:extLst>
+              <a:ext uri="{28A0092B-C50C-407E-A947-70E740481C1C}">
+                <a14:useLocalDpi xmlns:a14="http://schemas.microsoft.com/office/drawing/2010/main"/>
+              </a:ext>
+            </a:extLst>
+          </a:blip>
+          <a:stretch>
+            <a:fillRect/>
+          </a:stretch>
+        </p:blipFill>
+        <p:spPr>
+          <a:xfrm>
+            <a:off x="2953999" y="2781789"/>
+            <a:ext cx="3000892" cy="2677310"/>
+          </a:xfrm>
+          <a:prstGeom prst="rect">
+            <a:avLst/>
+          </a:prstGeom>
+        </p:spPr>
+      </p:pic>
+      <p:pic>
+        <p:nvPicPr>
+          <p:cNvPr id="9" name="図 8"/>
+          <p:cNvPicPr>
+            <a:picLocks noChangeAspect="1"/>
+          </p:cNvPicPr>
+          <p:nvPr/>
+        </p:nvPicPr>
+        <p:blipFill>
+          <a:blip r:embed="rId3"/>
+          <a:stretch>
+            <a:fillRect/>
+          </a:stretch>
+        </p:blipFill>
+        <p:spPr>
+          <a:xfrm>
+            <a:off x="493889" y="2977444"/>
+            <a:ext cx="2455334" cy="2455334"/>
+          </a:xfrm>
+          <a:prstGeom prst="rect">
+            <a:avLst/>
+          </a:prstGeom>
+        </p:spPr>
+      </p:pic>
+      <p:pic>
+        <p:nvPicPr>
+          <p:cNvPr id="10" name="図 9"/>
+          <p:cNvPicPr>
+            <a:picLocks noChangeAspect="1"/>
+          </p:cNvPicPr>
+          <p:nvPr/>
+        </p:nvPicPr>
+        <p:blipFill>
+          <a:blip r:embed="rId4"/>
+          <a:stretch>
+            <a:fillRect/>
+          </a:stretch>
+        </p:blipFill>
+        <p:spPr>
+          <a:xfrm>
+            <a:off x="6266746" y="3106792"/>
+            <a:ext cx="2298698" cy="1712224"/>
+          </a:xfrm>
+          <a:prstGeom prst="rect">
+            <a:avLst/>
+          </a:prstGeom>
+        </p:spPr>
+      </p:pic>
+      <p:sp>
+        <p:nvSpPr>
+          <p:cNvPr id="11" name="乗算記号 10"/>
+          <p:cNvSpPr/>
+          <p:nvPr/>
+        </p:nvSpPr>
+        <p:spPr>
+          <a:xfrm>
+            <a:off x="282222" y="2638778"/>
+            <a:ext cx="3146778" cy="3146778"/>
+          </a:xfrm>
+          <a:prstGeom prst="mathMultiply">
+            <a:avLst/>
+          </a:prstGeom>
+          <a:solidFill>
+            <a:srgbClr val="FF0000"/>
+          </a:solidFill>
+          <a:ln w="19050">
+            <a:solidFill>
+              <a:schemeClr val="accent2"/>
+            </a:solidFill>
+          </a:ln>
+        </p:spPr>
+        <p:style>
+          <a:lnRef idx="2">
+            <a:schemeClr val="accent1">
+              <a:shade val="50000"/>
+            </a:schemeClr>
+          </a:lnRef>
+          <a:fillRef idx="1">
+            <a:schemeClr val="accent1"/>
+          </a:fillRef>
+          <a:effectRef idx="0">
+            <a:schemeClr val="accent1"/>
+          </a:effectRef>
+          <a:fontRef idx="minor">
+            <a:schemeClr val="lt1"/>
+          </a:fontRef>
+        </p:style>
+        <p:txBody>
+          <a:bodyPr rtlCol="0" anchor="ctr"/>
+          <a:lstStyle/>
+          <a:p>
+            <a:pPr algn="ctr"/>
+            <a:endParaRPr kumimoji="1" lang="ja-JP" altLang="en-US" sz="1400" u="none" dirty="0" smtClean="0">
+              <a:solidFill>
+                <a:schemeClr val="tx1"/>
+              </a:solidFill>
+            </a:endParaRPr>
+          </a:p>
+        </p:txBody>
+      </p:sp>
+      <p:sp>
+        <p:nvSpPr>
+          <p:cNvPr id="12" name="乗算記号 11"/>
+          <p:cNvSpPr/>
+          <p:nvPr/>
+        </p:nvSpPr>
+        <p:spPr>
+          <a:xfrm>
+            <a:off x="3087511" y="2523068"/>
+            <a:ext cx="3146778" cy="3146778"/>
+          </a:xfrm>
+          <a:prstGeom prst="mathMultiply">
+            <a:avLst/>
+          </a:prstGeom>
+          <a:solidFill>
+            <a:srgbClr val="FF0000"/>
+          </a:solidFill>
+          <a:ln w="19050">
+            <a:solidFill>
+              <a:schemeClr val="accent2"/>
+            </a:solidFill>
+          </a:ln>
+        </p:spPr>
+        <p:style>
+          <a:lnRef idx="2">
+            <a:schemeClr val="accent1">
+              <a:shade val="50000"/>
+            </a:schemeClr>
+          </a:lnRef>
+          <a:fillRef idx="1">
+            <a:schemeClr val="accent1"/>
+          </a:fillRef>
+          <a:effectRef idx="0">
+            <a:schemeClr val="accent1"/>
+          </a:effectRef>
+          <a:fontRef idx="minor">
+            <a:schemeClr val="lt1"/>
+          </a:fontRef>
+        </p:style>
+        <p:txBody>
+          <a:bodyPr rtlCol="0" anchor="ctr"/>
+          <a:lstStyle/>
+          <a:p>
+            <a:pPr algn="ctr"/>
+            <a:endParaRPr kumimoji="1" lang="ja-JP" altLang="en-US" sz="1400" u="none" dirty="0" smtClean="0">
+              <a:solidFill>
+                <a:schemeClr val="tx1"/>
+              </a:solidFill>
+            </a:endParaRPr>
+          </a:p>
+        </p:txBody>
+      </p:sp>
+      <p:sp>
+        <p:nvSpPr>
+          <p:cNvPr id="13" name="乗算記号 12"/>
+          <p:cNvSpPr/>
+          <p:nvPr/>
+        </p:nvSpPr>
+        <p:spPr>
+          <a:xfrm>
+            <a:off x="5839178" y="2635956"/>
+            <a:ext cx="3146778" cy="3146778"/>
+          </a:xfrm>
+          <a:prstGeom prst="mathMultiply">
+            <a:avLst/>
+          </a:prstGeom>
+          <a:solidFill>
+            <a:srgbClr val="FF0000"/>
+          </a:solidFill>
+          <a:ln w="19050">
+            <a:solidFill>
+              <a:schemeClr val="accent2"/>
+            </a:solidFill>
+          </a:ln>
+        </p:spPr>
+        <p:style>
+          <a:lnRef idx="2">
+            <a:schemeClr val="accent1">
+              <a:shade val="50000"/>
+            </a:schemeClr>
+          </a:lnRef>
+          <a:fillRef idx="1">
+            <a:schemeClr val="accent1"/>
+          </a:fillRef>
+          <a:effectRef idx="0">
+            <a:schemeClr val="accent1"/>
+          </a:effectRef>
+          <a:fontRef idx="minor">
+            <a:schemeClr val="lt1"/>
+          </a:fontRef>
+        </p:style>
+        <p:txBody>
+          <a:bodyPr rtlCol="0" anchor="ctr"/>
+          <a:lstStyle/>
+          <a:p>
+            <a:pPr algn="ctr"/>
+            <a:endParaRPr kumimoji="1" lang="ja-JP" altLang="en-US" sz="1400" u="none" dirty="0" smtClean="0">
+              <a:solidFill>
+                <a:schemeClr val="tx1"/>
+              </a:solidFill>
+            </a:endParaRPr>
           </a:p>
         </p:txBody>
       </p:sp>
     </p:spTree>
     <p:extLst>
       <p:ext uri="{BB962C8B-B14F-4D97-AF65-F5344CB8AC3E}">
-        <p14:creationId xmlns:p14="http://schemas.microsoft.com/office/powerpoint/2010/main" val="1238066850"/>
+        <p14:creationId xmlns:p14="http://schemas.microsoft.com/office/powerpoint/2010/main" val="3752496713"/>
       </p:ext>
     </p:extLst>
   </p:cSld>
@@ -4763,9 +7724,316 @@
   <p:timing>
     <p:tnLst>
       <p:par>
-        <p:cTn id="1" dur="indefinite" restart="never" nodeType="tmRoot"/>
+        <p:cTn xmlns:p14="http://schemas.microsoft.com/office/powerpoint/2010/main" id="1" dur="indefinite" restart="never" nodeType="tmRoot">
+          <p:childTnLst>
+            <p:seq concurrent="1" nextAc="seek">
+              <p:cTn id="2" dur="indefinite" nodeType="mainSeq">
+                <p:childTnLst>
+                  <p:par>
+                    <p:cTn id="3" fill="hold">
+                      <p:stCondLst>
+                        <p:cond delay="indefinite"/>
+                      </p:stCondLst>
+                      <p:childTnLst>
+                        <p:par>
+                          <p:cTn id="4" fill="hold">
+                            <p:stCondLst>
+                              <p:cond delay="0"/>
+                            </p:stCondLst>
+                            <p:childTnLst>
+                              <p:par>
+                                <p:cTn id="5" presetID="53" presetClass="entr" presetSubtype="16" fill="hold" grpId="0" nodeType="clickEffect">
+                                  <p:stCondLst>
+                                    <p:cond delay="0"/>
+                                  </p:stCondLst>
+                                  <p:childTnLst>
+                                    <p:set>
+                                      <p:cBhvr>
+                                        <p:cTn id="6" dur="1" fill="hold">
+                                          <p:stCondLst>
+                                            <p:cond delay="0"/>
+                                          </p:stCondLst>
+                                        </p:cTn>
+                                        <p:tgtEl>
+                                          <p:spTgt spid="11"/>
+                                        </p:tgtEl>
+                                        <p:attrNameLst>
+                                          <p:attrName>style.visibility</p:attrName>
+                                        </p:attrNameLst>
+                                      </p:cBhvr>
+                                      <p:to>
+                                        <p:strVal val="visible"/>
+                                      </p:to>
+                                    </p:set>
+                                    <p:anim calcmode="lin" valueType="num">
+                                      <p:cBhvr>
+                                        <p:cTn id="7" dur="2000" fill="hold"/>
+                                        <p:tgtEl>
+                                          <p:spTgt spid="11"/>
+                                        </p:tgtEl>
+                                        <p:attrNameLst>
+                                          <p:attrName>ppt_w</p:attrName>
+                                        </p:attrNameLst>
+                                      </p:cBhvr>
+                                      <p:tavLst>
+                                        <p:tav tm="0">
+                                          <p:val>
+                                            <p:fltVal val="0"/>
+                                          </p:val>
+                                        </p:tav>
+                                        <p:tav tm="100000">
+                                          <p:val>
+                                            <p:strVal val="#ppt_w"/>
+                                          </p:val>
+                                        </p:tav>
+                                      </p:tavLst>
+                                    </p:anim>
+                                    <p:anim calcmode="lin" valueType="num">
+                                      <p:cBhvr>
+                                        <p:cTn id="8" dur="2000" fill="hold"/>
+                                        <p:tgtEl>
+                                          <p:spTgt spid="11"/>
+                                        </p:tgtEl>
+                                        <p:attrNameLst>
+                                          <p:attrName>ppt_h</p:attrName>
+                                        </p:attrNameLst>
+                                      </p:cBhvr>
+                                      <p:tavLst>
+                                        <p:tav tm="0">
+                                          <p:val>
+                                            <p:fltVal val="0"/>
+                                          </p:val>
+                                        </p:tav>
+                                        <p:tav tm="100000">
+                                          <p:val>
+                                            <p:strVal val="#ppt_h"/>
+                                          </p:val>
+                                        </p:tav>
+                                      </p:tavLst>
+                                    </p:anim>
+                                    <p:animEffect transition="in" filter="fade">
+                                      <p:cBhvr>
+                                        <p:cTn id="9" dur="2000"/>
+                                        <p:tgtEl>
+                                          <p:spTgt spid="11"/>
+                                        </p:tgtEl>
+                                      </p:cBhvr>
+                                    </p:animEffect>
+                                  </p:childTnLst>
+                                </p:cTn>
+                              </p:par>
+                            </p:childTnLst>
+                          </p:cTn>
+                        </p:par>
+                        <p:par>
+                          <p:cTn id="10" fill="hold">
+                            <p:stCondLst>
+                              <p:cond delay="2000"/>
+                            </p:stCondLst>
+                            <p:childTnLst>
+                              <p:par>
+                                <p:cTn id="11" presetID="53" presetClass="entr" presetSubtype="16" fill="hold" grpId="0" nodeType="afterEffect">
+                                  <p:stCondLst>
+                                    <p:cond delay="0"/>
+                                  </p:stCondLst>
+                                  <p:childTnLst>
+                                    <p:set>
+                                      <p:cBhvr>
+                                        <p:cTn id="12" dur="1" fill="hold">
+                                          <p:stCondLst>
+                                            <p:cond delay="0"/>
+                                          </p:stCondLst>
+                                        </p:cTn>
+                                        <p:tgtEl>
+                                          <p:spTgt spid="12"/>
+                                        </p:tgtEl>
+                                        <p:attrNameLst>
+                                          <p:attrName>style.visibility</p:attrName>
+                                        </p:attrNameLst>
+                                      </p:cBhvr>
+                                      <p:to>
+                                        <p:strVal val="visible"/>
+                                      </p:to>
+                                    </p:set>
+                                    <p:anim calcmode="lin" valueType="num">
+                                      <p:cBhvr>
+                                        <p:cTn id="13" dur="2000" fill="hold"/>
+                                        <p:tgtEl>
+                                          <p:spTgt spid="12"/>
+                                        </p:tgtEl>
+                                        <p:attrNameLst>
+                                          <p:attrName>ppt_w</p:attrName>
+                                        </p:attrNameLst>
+                                      </p:cBhvr>
+                                      <p:tavLst>
+                                        <p:tav tm="0">
+                                          <p:val>
+                                            <p:fltVal val="0"/>
+                                          </p:val>
+                                        </p:tav>
+                                        <p:tav tm="100000">
+                                          <p:val>
+                                            <p:strVal val="#ppt_w"/>
+                                          </p:val>
+                                        </p:tav>
+                                      </p:tavLst>
+                                    </p:anim>
+                                    <p:anim calcmode="lin" valueType="num">
+                                      <p:cBhvr>
+                                        <p:cTn id="14" dur="2000" fill="hold"/>
+                                        <p:tgtEl>
+                                          <p:spTgt spid="12"/>
+                                        </p:tgtEl>
+                                        <p:attrNameLst>
+                                          <p:attrName>ppt_h</p:attrName>
+                                        </p:attrNameLst>
+                                      </p:cBhvr>
+                                      <p:tavLst>
+                                        <p:tav tm="0">
+                                          <p:val>
+                                            <p:fltVal val="0"/>
+                                          </p:val>
+                                        </p:tav>
+                                        <p:tav tm="100000">
+                                          <p:val>
+                                            <p:strVal val="#ppt_h"/>
+                                          </p:val>
+                                        </p:tav>
+                                      </p:tavLst>
+                                    </p:anim>
+                                    <p:animEffect transition="in" filter="fade">
+                                      <p:cBhvr>
+                                        <p:cTn id="15" dur="2000"/>
+                                        <p:tgtEl>
+                                          <p:spTgt spid="12"/>
+                                        </p:tgtEl>
+                                      </p:cBhvr>
+                                    </p:animEffect>
+                                  </p:childTnLst>
+                                </p:cTn>
+                              </p:par>
+                            </p:childTnLst>
+                          </p:cTn>
+                        </p:par>
+                        <p:par>
+                          <p:cTn id="16" fill="hold">
+                            <p:stCondLst>
+                              <p:cond delay="4000"/>
+                            </p:stCondLst>
+                            <p:childTnLst>
+                              <p:par>
+                                <p:cTn id="17" presetID="53" presetClass="entr" presetSubtype="16" fill="hold" grpId="0" nodeType="afterEffect">
+                                  <p:stCondLst>
+                                    <p:cond delay="0"/>
+                                  </p:stCondLst>
+                                  <p:childTnLst>
+                                    <p:set>
+                                      <p:cBhvr>
+                                        <p:cTn id="18" dur="1" fill="hold">
+                                          <p:stCondLst>
+                                            <p:cond delay="0"/>
+                                          </p:stCondLst>
+                                        </p:cTn>
+                                        <p:tgtEl>
+                                          <p:spTgt spid="13"/>
+                                        </p:tgtEl>
+                                        <p:attrNameLst>
+                                          <p:attrName>style.visibility</p:attrName>
+                                        </p:attrNameLst>
+                                      </p:cBhvr>
+                                      <p:to>
+                                        <p:strVal val="visible"/>
+                                      </p:to>
+                                    </p:set>
+                                    <p:anim calcmode="lin" valueType="num">
+                                      <p:cBhvr>
+                                        <p:cTn id="19" dur="2000" fill="hold"/>
+                                        <p:tgtEl>
+                                          <p:spTgt spid="13"/>
+                                        </p:tgtEl>
+                                        <p:attrNameLst>
+                                          <p:attrName>ppt_w</p:attrName>
+                                        </p:attrNameLst>
+                                      </p:cBhvr>
+                                      <p:tavLst>
+                                        <p:tav tm="0">
+                                          <p:val>
+                                            <p:fltVal val="0"/>
+                                          </p:val>
+                                        </p:tav>
+                                        <p:tav tm="100000">
+                                          <p:val>
+                                            <p:strVal val="#ppt_w"/>
+                                          </p:val>
+                                        </p:tav>
+                                      </p:tavLst>
+                                    </p:anim>
+                                    <p:anim calcmode="lin" valueType="num">
+                                      <p:cBhvr>
+                                        <p:cTn id="20" dur="2000" fill="hold"/>
+                                        <p:tgtEl>
+                                          <p:spTgt spid="13"/>
+                                        </p:tgtEl>
+                                        <p:attrNameLst>
+                                          <p:attrName>ppt_h</p:attrName>
+                                        </p:attrNameLst>
+                                      </p:cBhvr>
+                                      <p:tavLst>
+                                        <p:tav tm="0">
+                                          <p:val>
+                                            <p:fltVal val="0"/>
+                                          </p:val>
+                                        </p:tav>
+                                        <p:tav tm="100000">
+                                          <p:val>
+                                            <p:strVal val="#ppt_h"/>
+                                          </p:val>
+                                        </p:tav>
+                                      </p:tavLst>
+                                    </p:anim>
+                                    <p:animEffect transition="in" filter="fade">
+                                      <p:cBhvr>
+                                        <p:cTn id="21" dur="2000"/>
+                                        <p:tgtEl>
+                                          <p:spTgt spid="13"/>
+                                        </p:tgtEl>
+                                      </p:cBhvr>
+                                    </p:animEffect>
+                                  </p:childTnLst>
+                                </p:cTn>
+                              </p:par>
+                            </p:childTnLst>
+                          </p:cTn>
+                        </p:par>
+                      </p:childTnLst>
+                    </p:cTn>
+                  </p:par>
+                </p:childTnLst>
+              </p:cTn>
+              <p:prevCondLst>
+                <p:cond evt="onPrev" delay="0">
+                  <p:tgtEl>
+                    <p:sldTgt/>
+                  </p:tgtEl>
+                </p:cond>
+              </p:prevCondLst>
+              <p:nextCondLst>
+                <p:cond evt="onNext" delay="0">
+                  <p:tgtEl>
+                    <p:sldTgt/>
+                  </p:tgtEl>
+                </p:cond>
+              </p:nextCondLst>
+            </p:seq>
+          </p:childTnLst>
+        </p:cTn>
       </p:par>
     </p:tnLst>
+    <p:bldLst>
+      <p:bldP spid="11" grpId="0" animBg="1"/>
+      <p:bldP spid="12" grpId="0" animBg="1"/>
+      <p:bldP spid="13" grpId="0" animBg="1"/>
+    </p:bldLst>
   </p:timing>
 </p:sld>
 </file>
@@ -4813,166 +8081,6 @@
       </p:sp>
       <p:sp>
         <p:nvSpPr>
-          <p:cNvPr id="3" name="コンテンツ プレースホルダー 2"/>
-          <p:cNvSpPr>
-            <a:spLocks noGrp="1"/>
-          </p:cNvSpPr>
-          <p:nvPr>
-            <p:ph sz="quarter" idx="13"/>
-          </p:nvPr>
-        </p:nvSpPr>
-        <p:spPr>
-          <a:xfrm>
-            <a:off x="323528" y="1772816"/>
-            <a:ext cx="8496944" cy="4373984"/>
-          </a:xfrm>
-        </p:spPr>
-        <p:txBody>
-          <a:bodyPr>
-            <a:normAutofit fontScale="77500" lnSpcReduction="20000"/>
-          </a:bodyPr>
-          <a:lstStyle/>
-          <a:p>
-            <a:pPr>
-              <a:buFont typeface="Wingdings" charset="2"/>
-              <a:buChar char="n"/>
-            </a:pPr>
-            <a:r>
-              <a:rPr lang="en-US" altLang="ja-JP" sz="3200" dirty="0" smtClean="0"/>
-              <a:t>EC</a:t>
-            </a:r>
-            <a:r>
-              <a:rPr lang="ja-JP" altLang="en-US" sz="3200" dirty="0" smtClean="0"/>
-              <a:t>サイトを構築するための国産</a:t>
-            </a:r>
-            <a:r>
-              <a:rPr lang="en-US" altLang="ja-JP" sz="3200" dirty="0" smtClean="0"/>
-              <a:t>OSS</a:t>
-            </a:r>
-          </a:p>
-          <a:p>
-            <a:pPr lvl="1">
-              <a:buFont typeface="Wingdings" charset="2"/>
-              <a:buChar char="n"/>
-            </a:pPr>
-            <a:r>
-              <a:rPr lang="en-US" altLang="ja-JP" sz="2400" dirty="0">
-                <a:hlinkClick r:id="rId2"/>
-              </a:rPr>
-              <a:t>http://www.ec-cube.net/product</a:t>
-            </a:r>
-            <a:r>
-              <a:rPr lang="en-US" altLang="ja-JP" sz="2400" dirty="0" smtClean="0">
-                <a:hlinkClick r:id="rId2"/>
-              </a:rPr>
-              <a:t>/</a:t>
-            </a:r>
-            <a:endParaRPr lang="en-US" altLang="ja-JP" sz="2400" dirty="0" smtClean="0"/>
-          </a:p>
-          <a:p>
-            <a:pPr lvl="1">
-              <a:buFont typeface="Wingdings" charset="2"/>
-              <a:buChar char="n"/>
-            </a:pPr>
-            <a:r>
-              <a:rPr kumimoji="1" lang="ja-JP" altLang="en-US" sz="2400" dirty="0" smtClean="0"/>
-              <a:t>株式会社ロックオンが提供</a:t>
-            </a:r>
-            <a:endParaRPr kumimoji="1" lang="en-US" altLang="ja-JP" sz="2400" dirty="0" smtClean="0"/>
-          </a:p>
-          <a:p>
-            <a:pPr lvl="1">
-              <a:buFont typeface="Wingdings" charset="2"/>
-              <a:buChar char="n"/>
-            </a:pPr>
-            <a:r>
-              <a:rPr lang="ja-JP" altLang="en-US" sz="2400" dirty="0" smtClean="0"/>
-              <a:t>簡単なインストール手順でフロント（買い物をする側）と管理機能が構築できる</a:t>
-            </a:r>
-            <a:endParaRPr lang="en-US" altLang="ja-JP" sz="2400" dirty="0" smtClean="0"/>
-          </a:p>
-          <a:p>
-            <a:pPr lvl="1">
-              <a:buFont typeface="Wingdings" charset="2"/>
-              <a:buChar char="n"/>
-            </a:pPr>
-            <a:endParaRPr kumimoji="1" lang="en-US" altLang="ja-JP" sz="2400" dirty="0" smtClean="0"/>
-          </a:p>
-          <a:p>
-            <a:pPr lvl="1">
-              <a:buFont typeface="Wingdings" charset="2"/>
-              <a:buChar char="n"/>
-            </a:pPr>
-            <a:endParaRPr kumimoji="1" lang="en-US" altLang="ja-JP" sz="2400" dirty="0"/>
-          </a:p>
-          <a:p>
-            <a:pPr lvl="1">
-              <a:buFont typeface="Wingdings" charset="2"/>
-              <a:buChar char="n"/>
-            </a:pPr>
-            <a:endParaRPr lang="en-US" altLang="ja-JP" sz="2400" dirty="0" smtClean="0"/>
-          </a:p>
-          <a:p>
-            <a:pPr>
-              <a:buFont typeface="Wingdings" charset="2"/>
-              <a:buChar char="n"/>
-            </a:pPr>
-            <a:r>
-              <a:rPr kumimoji="1" lang="ja-JP" altLang="en-US" sz="3200" dirty="0" smtClean="0"/>
-              <a:t>実は、</a:t>
-            </a:r>
-            <a:r>
-              <a:rPr kumimoji="1" lang="en-US" altLang="ja-JP" sz="3200" dirty="0" smtClean="0"/>
-              <a:t>EC-CUBE</a:t>
-            </a:r>
-            <a:r>
-              <a:rPr kumimoji="1" lang="ja-JP" altLang="en-US" sz="3200" dirty="0" smtClean="0"/>
-              <a:t>の自動単体テストの基礎は</a:t>
-            </a:r>
-            <a:r>
-              <a:rPr kumimoji="1" lang="en-US" altLang="ja-JP" sz="3200" dirty="0" smtClean="0"/>
-              <a:t>SHIFT</a:t>
-            </a:r>
-            <a:r>
-              <a:rPr kumimoji="1" lang="ja-JP" altLang="en-US" sz="3200" dirty="0" smtClean="0"/>
-              <a:t>で作成</a:t>
-            </a:r>
-            <a:endParaRPr lang="en-US" altLang="ja-JP" sz="3200" dirty="0"/>
-          </a:p>
-          <a:p>
-            <a:pPr lvl="1">
-              <a:buFont typeface="Wingdings" charset="2"/>
-              <a:buChar char="n"/>
-            </a:pPr>
-            <a:r>
-              <a:rPr lang="en-US" altLang="ja-JP" sz="2400" dirty="0">
-                <a:hlinkClick r:id="rId3"/>
-              </a:rPr>
-              <a:t>http://svn.ec-cube.net/open_trac/wiki/EC-CUBE%E6%A8%99%E6%BA%96%E8%A6%8F%E7%B4%84/%E5%8D%98%E4%BD%93%E3%83%86%E3%82%B9%E3%83%88%E3%82%AC%E3%82%A4%E3%83%89%E3%83%A9%E3%82%A4%E3%83%</a:t>
-            </a:r>
-            <a:r>
-              <a:rPr lang="en-US" altLang="ja-JP" sz="2400" dirty="0" smtClean="0">
-                <a:hlinkClick r:id="rId3"/>
-              </a:rPr>
-              <a:t>B3</a:t>
-            </a:r>
-            <a:endParaRPr lang="en-US" altLang="ja-JP" sz="2400" dirty="0" smtClean="0"/>
-          </a:p>
-          <a:p>
-            <a:pPr lvl="1">
-              <a:buFont typeface="Wingdings" charset="2"/>
-              <a:buChar char="n"/>
-            </a:pPr>
-            <a:r>
-              <a:rPr kumimoji="1" lang="ja-JP" altLang="en-US" sz="2400" dirty="0" smtClean="0"/>
-              <a:t>地味にロゴ掲載されてます</a:t>
-            </a:r>
-            <a:endParaRPr kumimoji="1" lang="ja-JP" altLang="en-US" sz="2400" dirty="0"/>
-          </a:p>
-        </p:txBody>
-      </p:sp>
-      <p:sp>
-        <p:nvSpPr>
           <p:cNvPr id="2" name="タイトル 1"/>
           <p:cNvSpPr>
             <a:spLocks noGrp="1"/>
@@ -4988,11 +8096,7 @@
           <a:p>
             <a:r>
               <a:rPr kumimoji="1" lang="ja-JP" altLang="en-US" dirty="0" smtClean="0"/>
-              <a:t>テスト対象：</a:t>
-            </a:r>
-            <a:r>
-              <a:rPr kumimoji="1" lang="en-US" altLang="ja-JP" dirty="0" smtClean="0"/>
-              <a:t>EC-CUBE</a:t>
+              <a:t>はじめに</a:t>
             </a:r>
             <a:endParaRPr kumimoji="1" lang="ja-JP" altLang="en-US" dirty="0"/>
           </a:p>
@@ -5000,51 +8104,322 @@
       </p:sp>
       <p:sp>
         <p:nvSpPr>
-          <p:cNvPr id="5" name="テキスト プレースホルダー 4"/>
-          <p:cNvSpPr>
-            <a:spLocks noGrp="1"/>
-          </p:cNvSpPr>
-          <p:nvPr>
-            <p:ph type="body" sz="quarter" idx="14"/>
-          </p:nvPr>
+          <p:cNvPr id="14" name="テキスト ボックス 13"/>
+          <p:cNvSpPr txBox="1"/>
+          <p:nvPr/>
         </p:nvSpPr>
-        <p:spPr/>
+        <p:spPr>
+          <a:xfrm>
+            <a:off x="423333" y="1947333"/>
+            <a:ext cx="5672667" cy="405683"/>
+          </a:xfrm>
+          <a:prstGeom prst="rect">
+            <a:avLst/>
+          </a:prstGeom>
+          <a:noFill/>
+          <a:ln w="19050">
+            <a:noFill/>
+          </a:ln>
+          <a:effectLst>
+            <a:outerShdw blurRad="76200" dir="18900000" sy="23000" kx="-1200000" algn="bl" rotWithShape="0">
+              <a:prstClr val="black">
+                <a:alpha val="20000"/>
+              </a:prstClr>
+            </a:outerShdw>
+          </a:effectLst>
+        </p:spPr>
         <p:txBody>
-          <a:bodyPr/>
+          <a:bodyPr wrap="square" lIns="18000" tIns="18000" rIns="18000" bIns="18000" rtlCol="0">
+            <a:spAutoFit/>
+          </a:bodyPr>
           <a:lstStyle/>
           <a:p>
-            <a:endParaRPr kumimoji="1" lang="ja-JP" altLang="en-US"/>
+            <a:r>
+              <a:rPr kumimoji="1" lang="ja-JP" altLang="en-US" sz="2400" u="none" dirty="0" smtClean="0"/>
+              <a:t>今回</a:t>
+            </a:r>
+            <a:r>
+              <a:rPr lang="ja-JP" altLang="en-US" sz="2400" dirty="0" smtClean="0"/>
+              <a:t>の課題：顧客の要望</a:t>
+            </a:r>
+            <a:endParaRPr kumimoji="1" lang="ja-JP" altLang="en-US" sz="2400" u="none" dirty="0" smtClean="0"/>
           </a:p>
         </p:txBody>
       </p:sp>
-      <p:pic>
-        <p:nvPicPr>
-          <p:cNvPr id="7" name="図 6"/>
-          <p:cNvPicPr>
-            <a:picLocks noChangeAspect="1"/>
-          </p:cNvPicPr>
+      <p:sp>
+        <p:nvSpPr>
+          <p:cNvPr id="3" name="円/楕円 2"/>
+          <p:cNvSpPr/>
           <p:nvPr/>
-        </p:nvPicPr>
-        <p:blipFill>
-          <a:blip r:embed="rId4"/>
-          <a:stretch>
-            <a:fillRect/>
-          </a:stretch>
-        </p:blipFill>
-        <p:spPr>
-          <a:xfrm>
-            <a:off x="4673599" y="3175001"/>
-            <a:ext cx="3949701" cy="775512"/>
+        </p:nvSpPr>
+        <p:spPr>
+          <a:xfrm>
+            <a:off x="762001" y="4854220"/>
+            <a:ext cx="3979333" cy="1382892"/>
+          </a:xfrm>
+          <a:prstGeom prst="ellipse">
+            <a:avLst/>
+          </a:prstGeom>
+          <a:noFill/>
+          <a:ln w="19050">
+            <a:solidFill>
+              <a:schemeClr val="tx2"/>
+            </a:solidFill>
+          </a:ln>
+        </p:spPr>
+        <p:style>
+          <a:lnRef idx="2">
+            <a:schemeClr val="accent1">
+              <a:shade val="50000"/>
+            </a:schemeClr>
+          </a:lnRef>
+          <a:fillRef idx="1">
+            <a:schemeClr val="accent1"/>
+          </a:fillRef>
+          <a:effectRef idx="0">
+            <a:schemeClr val="accent1"/>
+          </a:effectRef>
+          <a:fontRef idx="minor">
+            <a:schemeClr val="lt1"/>
+          </a:fontRef>
+        </p:style>
+        <p:txBody>
+          <a:bodyPr rtlCol="0" anchor="ctr"/>
+          <a:lstStyle/>
+          <a:p>
+            <a:pPr algn="ctr"/>
+            <a:r>
+              <a:rPr lang="ja-JP" altLang="en-US" sz="2400" dirty="0" smtClean="0">
+                <a:solidFill>
+                  <a:schemeClr val="tx1"/>
+                </a:solidFill>
+              </a:rPr>
+              <a:t>頻繁なカスタマイズ</a:t>
+            </a:r>
+            <a:endParaRPr lang="en-US" altLang="ja-JP" sz="2400" dirty="0" smtClean="0">
+              <a:solidFill>
+                <a:schemeClr val="tx1"/>
+              </a:solidFill>
+            </a:endParaRPr>
+          </a:p>
+        </p:txBody>
+      </p:sp>
+      <p:sp>
+        <p:nvSpPr>
+          <p:cNvPr id="16" name="円/楕円 15"/>
+          <p:cNvSpPr/>
+          <p:nvPr/>
+        </p:nvSpPr>
+        <p:spPr>
+          <a:xfrm>
+            <a:off x="4399845" y="4865509"/>
+            <a:ext cx="3979333" cy="1382892"/>
+          </a:xfrm>
+          <a:prstGeom prst="ellipse">
+            <a:avLst/>
+          </a:prstGeom>
+          <a:noFill/>
+          <a:ln w="19050">
+            <a:solidFill>
+              <a:schemeClr val="tx2"/>
+            </a:solidFill>
+          </a:ln>
+        </p:spPr>
+        <p:style>
+          <a:lnRef idx="2">
+            <a:schemeClr val="accent1">
+              <a:shade val="50000"/>
+            </a:schemeClr>
+          </a:lnRef>
+          <a:fillRef idx="1">
+            <a:schemeClr val="accent1"/>
+          </a:fillRef>
+          <a:effectRef idx="0">
+            <a:schemeClr val="accent1"/>
+          </a:effectRef>
+          <a:fontRef idx="minor">
+            <a:schemeClr val="lt1"/>
+          </a:fontRef>
+        </p:style>
+        <p:txBody>
+          <a:bodyPr rtlCol="0" anchor="ctr"/>
+          <a:lstStyle/>
+          <a:p>
+            <a:pPr algn="ctr"/>
+            <a:r>
+              <a:rPr lang="ja-JP" altLang="en-US" sz="2400" dirty="0" smtClean="0">
+                <a:solidFill>
+                  <a:schemeClr val="tx1"/>
+                </a:solidFill>
+              </a:rPr>
+              <a:t>既存機能の保証</a:t>
+            </a:r>
+            <a:endParaRPr lang="en-US" altLang="ja-JP" sz="2400" dirty="0" smtClean="0">
+              <a:solidFill>
+                <a:schemeClr val="tx1"/>
+              </a:solidFill>
+            </a:endParaRPr>
+          </a:p>
+        </p:txBody>
+      </p:sp>
+      <p:sp>
+        <p:nvSpPr>
+          <p:cNvPr id="17" name="テキスト ボックス 16"/>
+          <p:cNvSpPr txBox="1"/>
+          <p:nvPr/>
+        </p:nvSpPr>
+        <p:spPr>
+          <a:xfrm>
+            <a:off x="945444" y="2723443"/>
+            <a:ext cx="7478890" cy="1698345"/>
           </a:xfrm>
           <a:prstGeom prst="rect">
             <a:avLst/>
           </a:prstGeom>
-        </p:spPr>
-      </p:pic>
+          <a:noFill/>
+          <a:ln w="19050">
+            <a:noFill/>
+          </a:ln>
+          <a:effectLst>
+            <a:outerShdw blurRad="76200" dir="18900000" sy="23000" kx="-1200000" algn="bl" rotWithShape="0">
+              <a:prstClr val="black">
+                <a:alpha val="20000"/>
+              </a:prstClr>
+            </a:outerShdw>
+          </a:effectLst>
+        </p:spPr>
+        <p:txBody>
+          <a:bodyPr wrap="square" lIns="18000" tIns="18000" rIns="18000" bIns="18000" rtlCol="0">
+            <a:spAutoFit/>
+          </a:bodyPr>
+          <a:lstStyle/>
+          <a:p>
+            <a:pPr marL="171450" indent="-171450">
+              <a:buFont typeface="Wingdings" charset="2"/>
+              <a:buChar char="ü"/>
+            </a:pPr>
+            <a:r>
+              <a:rPr kumimoji="1" lang="en-US" altLang="ja-JP" u="none" dirty="0" smtClean="0"/>
+              <a:t>EC-CUBE </a:t>
+            </a:r>
+            <a:r>
+              <a:rPr kumimoji="1" lang="ja-JP" altLang="en-US" u="none" dirty="0" smtClean="0"/>
+              <a:t>のカスタマイズを多数行っており，異なるサイトでのリリースが頻繁に発生する</a:t>
+            </a:r>
+            <a:endParaRPr kumimoji="1" lang="en-US" altLang="ja-JP" u="none" dirty="0" smtClean="0"/>
+          </a:p>
+          <a:p>
+            <a:pPr marL="171450" indent="-171450">
+              <a:buFont typeface="Wingdings" charset="2"/>
+              <a:buChar char="ü"/>
+            </a:pPr>
+            <a:r>
+              <a:rPr lang="ja-JP" altLang="en-US" dirty="0" smtClean="0"/>
+              <a:t>カスタマイズ部分は重点的にテストしているが，それ以外の箇所で想定外の影響が出て不具合が頻発している</a:t>
+            </a:r>
+            <a:endParaRPr lang="en-US" altLang="ja-JP" dirty="0" smtClean="0"/>
+          </a:p>
+          <a:p>
+            <a:pPr marL="171450" indent="-171450">
+              <a:buFont typeface="Wingdings" charset="2"/>
+              <a:buChar char="ü"/>
+            </a:pPr>
+            <a:r>
+              <a:rPr lang="ja-JP" altLang="en-US" dirty="0" smtClean="0"/>
+              <a:t>１</a:t>
+            </a:r>
+            <a:r>
+              <a:rPr kumimoji="1" lang="ja-JP" altLang="en-US" u="none" dirty="0" smtClean="0"/>
+              <a:t>つのカスタマイズにかけられる期間は短く，既存機能のテストに十分な時間を割けない</a:t>
+            </a:r>
+            <a:endParaRPr kumimoji="1" lang="ja-JP" altLang="en-US" u="none" dirty="0" smtClean="0"/>
+          </a:p>
+        </p:txBody>
+      </p:sp>
+      <p:sp>
+        <p:nvSpPr>
+          <p:cNvPr id="18" name="角丸四角形 17"/>
+          <p:cNvSpPr/>
+          <p:nvPr/>
+        </p:nvSpPr>
+        <p:spPr>
+          <a:xfrm>
+            <a:off x="663223" y="2525889"/>
+            <a:ext cx="8156222" cy="2046110"/>
+          </a:xfrm>
+          <a:prstGeom prst="roundRect">
+            <a:avLst/>
+          </a:prstGeom>
+          <a:noFill/>
+          <a:ln w="19050">
+            <a:solidFill>
+              <a:srgbClr val="1F497D"/>
+            </a:solidFill>
+          </a:ln>
+        </p:spPr>
+        <p:style>
+          <a:lnRef idx="2">
+            <a:schemeClr val="accent1">
+              <a:shade val="50000"/>
+            </a:schemeClr>
+          </a:lnRef>
+          <a:fillRef idx="1">
+            <a:schemeClr val="accent1"/>
+          </a:fillRef>
+          <a:effectRef idx="0">
+            <a:schemeClr val="accent1"/>
+          </a:effectRef>
+          <a:fontRef idx="minor">
+            <a:schemeClr val="lt1"/>
+          </a:fontRef>
+        </p:style>
+        <p:txBody>
+          <a:bodyPr rtlCol="0" anchor="ctr"/>
+          <a:lstStyle/>
+          <a:p>
+            <a:pPr algn="ctr"/>
+            <a:endParaRPr kumimoji="1" lang="ja-JP" altLang="en-US" sz="1400" u="none" dirty="0" smtClean="0">
+              <a:solidFill>
+                <a:schemeClr val="tx1"/>
+              </a:solidFill>
+            </a:endParaRPr>
+          </a:p>
+        </p:txBody>
+      </p:sp>
+      <p:cxnSp>
+        <p:nvCxnSpPr>
+          <p:cNvPr id="20" name="直線コネクタ 19"/>
+          <p:cNvCxnSpPr/>
+          <p:nvPr/>
+        </p:nvCxnSpPr>
+        <p:spPr>
+          <a:xfrm>
+            <a:off x="338667" y="2370667"/>
+            <a:ext cx="4670777" cy="0"/>
+          </a:xfrm>
+          <a:prstGeom prst="line">
+            <a:avLst/>
+          </a:prstGeom>
+        </p:spPr>
+        <p:style>
+          <a:lnRef idx="2">
+            <a:schemeClr val="accent1"/>
+          </a:lnRef>
+          <a:fillRef idx="0">
+            <a:schemeClr val="accent1"/>
+          </a:fillRef>
+          <a:effectRef idx="1">
+            <a:schemeClr val="accent1"/>
+          </a:effectRef>
+          <a:fontRef idx="minor">
+            <a:schemeClr val="tx1"/>
+          </a:fontRef>
+        </p:style>
+      </p:cxnSp>
     </p:spTree>
     <p:extLst>
       <p:ext uri="{BB962C8B-B14F-4D97-AF65-F5344CB8AC3E}">
-        <p14:creationId xmlns:p14="http://schemas.microsoft.com/office/powerpoint/2010/main" val="1864375750"/>
+        <p14:creationId xmlns:p14="http://schemas.microsoft.com/office/powerpoint/2010/main" val="1522514848"/>
       </p:ext>
     </p:extLst>
   </p:cSld>
@@ -5054,7 +8429,7 @@
   <p:timing>
     <p:tnLst>
       <p:par>
-        <p:cTn id="1" dur="indefinite" restart="never" nodeType="tmRoot"/>
+        <p:cTn xmlns:p14="http://schemas.microsoft.com/office/powerpoint/2010/main" id="1" dur="indefinite" restart="never" nodeType="tmRoot"/>
       </p:par>
     </p:tnLst>
   </p:timing>
@@ -5104,144 +8479,6 @@
       </p:sp>
       <p:sp>
         <p:nvSpPr>
-          <p:cNvPr id="3" name="コンテンツ プレースホルダー 2"/>
-          <p:cNvSpPr>
-            <a:spLocks noGrp="1"/>
-          </p:cNvSpPr>
-          <p:nvPr>
-            <p:ph sz="quarter" idx="13"/>
-          </p:nvPr>
-        </p:nvSpPr>
-        <p:spPr>
-          <a:xfrm>
-            <a:off x="323528" y="1772816"/>
-            <a:ext cx="8496944" cy="4488284"/>
-          </a:xfrm>
-        </p:spPr>
-        <p:txBody>
-          <a:bodyPr>
-            <a:noAutofit/>
-          </a:bodyPr>
-          <a:lstStyle/>
-          <a:p>
-            <a:pPr>
-              <a:buFont typeface="Wingdings" charset="2"/>
-              <a:buChar char="n"/>
-            </a:pPr>
-            <a:r>
-              <a:rPr lang="ja-JP" altLang="en-US" sz="1800" dirty="0" smtClean="0"/>
-              <a:t>以下の顧客からの要望に対して、課題解決につながるような自動テストを作成すること</a:t>
-            </a:r>
-            <a:endParaRPr lang="en-US" altLang="ja-JP" sz="1800" dirty="0" smtClean="0"/>
-          </a:p>
-          <a:p>
-            <a:pPr>
-              <a:buFont typeface="Wingdings" charset="2"/>
-              <a:buChar char="n"/>
-            </a:pPr>
-            <a:endParaRPr kumimoji="1" lang="en-US" altLang="ja-JP" sz="1800" dirty="0"/>
-          </a:p>
-          <a:p>
-            <a:pPr>
-              <a:buFont typeface="Wingdings" charset="2"/>
-              <a:buChar char="n"/>
-            </a:pPr>
-            <a:endParaRPr lang="en-US" altLang="ja-JP" sz="1800" dirty="0" smtClean="0"/>
-          </a:p>
-          <a:p>
-            <a:pPr>
-              <a:buFont typeface="Wingdings" charset="2"/>
-              <a:buChar char="n"/>
-            </a:pPr>
-            <a:endParaRPr kumimoji="1" lang="en-US" altLang="ja-JP" sz="1800" dirty="0" smtClean="0"/>
-          </a:p>
-          <a:p>
-            <a:pPr>
-              <a:buFont typeface="Wingdings" charset="2"/>
-              <a:buChar char="n"/>
-            </a:pPr>
-            <a:endParaRPr kumimoji="1" lang="en-US" altLang="ja-JP" sz="1800" dirty="0"/>
-          </a:p>
-          <a:p>
-            <a:pPr>
-              <a:buFont typeface="Wingdings" charset="2"/>
-              <a:buChar char="n"/>
-            </a:pPr>
-            <a:endParaRPr lang="en-US" altLang="ja-JP" sz="1800" dirty="0" smtClean="0"/>
-          </a:p>
-          <a:p>
-            <a:pPr>
-              <a:buFont typeface="Wingdings" charset="2"/>
-              <a:buChar char="n"/>
-            </a:pPr>
-            <a:r>
-              <a:rPr lang="ja-JP" altLang="en-US" sz="1800" dirty="0" smtClean="0"/>
-              <a:t>必須条件</a:t>
-            </a:r>
-            <a:endParaRPr lang="en-US" altLang="ja-JP" sz="1800" dirty="0" smtClean="0"/>
-          </a:p>
-          <a:p>
-            <a:pPr lvl="1">
-              <a:buFont typeface="Wingdings" charset="2"/>
-              <a:buChar char="n"/>
-            </a:pPr>
-            <a:r>
-              <a:rPr kumimoji="1" lang="ja-JP" altLang="en-US" sz="1600" dirty="0" smtClean="0"/>
-              <a:t>自動テスト以外の改善案もスコープに含めて良いが、最低</a:t>
-            </a:r>
-            <a:r>
-              <a:rPr kumimoji="1" lang="en-US" altLang="ja-JP" sz="1600" dirty="0" smtClean="0"/>
-              <a:t>1</a:t>
-            </a:r>
-            <a:r>
-              <a:rPr kumimoji="1" lang="ja-JP" altLang="en-US" sz="1600" dirty="0" smtClean="0"/>
-              <a:t>ケースは動作する自動テストを作成すること</a:t>
-            </a:r>
-            <a:endParaRPr kumimoji="1" lang="en-US" altLang="ja-JP" sz="1600" dirty="0" smtClean="0"/>
-          </a:p>
-          <a:p>
-            <a:pPr lvl="1">
-              <a:buFont typeface="Wingdings" charset="2"/>
-              <a:buChar char="n"/>
-            </a:pPr>
-            <a:r>
-              <a:rPr lang="ja-JP" altLang="en-US" sz="1600" dirty="0" smtClean="0"/>
-              <a:t>自動テストを実装する前に、どの部分を自動化するのかを示すテスト設計書を作成すること</a:t>
-            </a:r>
-            <a:endParaRPr lang="en-US" altLang="ja-JP" sz="1600" dirty="0" smtClean="0"/>
-          </a:p>
-          <a:p>
-            <a:pPr>
-              <a:buFont typeface="Wingdings" charset="2"/>
-              <a:buChar char="n"/>
-            </a:pPr>
-            <a:r>
-              <a:rPr lang="ja-JP" altLang="en-US" sz="1800" dirty="0" smtClean="0"/>
-              <a:t>その他注意</a:t>
-            </a:r>
-            <a:endParaRPr lang="en-US" altLang="ja-JP" sz="1800" dirty="0" smtClean="0"/>
-          </a:p>
-          <a:p>
-            <a:pPr lvl="1">
-              <a:buFont typeface="Wingdings" charset="2"/>
-              <a:buChar char="n"/>
-            </a:pPr>
-            <a:r>
-              <a:rPr lang="ja-JP" altLang="en-US" sz="1600" dirty="0" smtClean="0"/>
-              <a:t>動作確認は必ずローカルに構築した環境で行い、外部サーバに負荷をかけないよう注意すること</a:t>
-            </a:r>
-            <a:endParaRPr lang="en-US" altLang="ja-JP" sz="1600" dirty="0" smtClean="0"/>
-          </a:p>
-          <a:p>
-            <a:pPr marL="0" indent="0">
-              <a:buNone/>
-            </a:pPr>
-            <a:endParaRPr kumimoji="1" lang="ja-JP" altLang="en-US" sz="1800" dirty="0"/>
-          </a:p>
-        </p:txBody>
-      </p:sp>
-      <p:sp>
-        <p:nvSpPr>
           <p:cNvPr id="2" name="タイトル 1"/>
           <p:cNvSpPr>
             <a:spLocks noGrp="1"/>
@@ -5257,7 +8494,7 @@
           <a:p>
             <a:r>
               <a:rPr kumimoji="1" lang="ja-JP" altLang="en-US" dirty="0" smtClean="0"/>
-              <a:t>課題内容</a:t>
+              <a:t>はじめに</a:t>
             </a:r>
             <a:endParaRPr kumimoji="1" lang="ja-JP" altLang="en-US" dirty="0"/>
           </a:p>
@@ -5265,50 +8502,267 @@
       </p:sp>
       <p:sp>
         <p:nvSpPr>
-          <p:cNvPr id="5" name="テキスト プレースホルダー 4"/>
-          <p:cNvSpPr>
-            <a:spLocks noGrp="1"/>
-          </p:cNvSpPr>
-          <p:nvPr>
-            <p:ph type="body" sz="quarter" idx="14"/>
-          </p:nvPr>
+          <p:cNvPr id="14" name="テキスト ボックス 13"/>
+          <p:cNvSpPr txBox="1"/>
+          <p:nvPr/>
         </p:nvSpPr>
-        <p:spPr/>
+        <p:spPr>
+          <a:xfrm>
+            <a:off x="423333" y="1947333"/>
+            <a:ext cx="5672667" cy="405683"/>
+          </a:xfrm>
+          <a:prstGeom prst="rect">
+            <a:avLst/>
+          </a:prstGeom>
+          <a:noFill/>
+          <a:ln w="19050">
+            <a:noFill/>
+          </a:ln>
+          <a:effectLst>
+            <a:outerShdw blurRad="76200" dir="18900000" sy="23000" kx="-1200000" algn="bl" rotWithShape="0">
+              <a:prstClr val="black">
+                <a:alpha val="20000"/>
+              </a:prstClr>
+            </a:outerShdw>
+          </a:effectLst>
+        </p:spPr>
         <p:txBody>
-          <a:bodyPr/>
+          <a:bodyPr wrap="square" lIns="18000" tIns="18000" rIns="18000" bIns="18000" rtlCol="0">
+            <a:spAutoFit/>
+          </a:bodyPr>
           <a:lstStyle/>
           <a:p>
-            <a:endParaRPr kumimoji="1" lang="ja-JP" altLang="en-US"/>
+            <a:r>
+              <a:rPr kumimoji="1" lang="ja-JP" altLang="en-US" sz="2400" u="none" dirty="0" smtClean="0"/>
+              <a:t>テスト自動化の合計時間</a:t>
+            </a:r>
+            <a:endParaRPr kumimoji="1" lang="ja-JP" altLang="en-US" sz="2400" u="none" dirty="0" smtClean="0"/>
           </a:p>
         </p:txBody>
       </p:sp>
       <p:sp>
         <p:nvSpPr>
-          <p:cNvPr id="6" name="正方形/長方形 5"/>
+          <p:cNvPr id="5" name="テキスト ボックス 4"/>
+          <p:cNvSpPr txBox="1"/>
+          <p:nvPr/>
+        </p:nvSpPr>
+        <p:spPr>
+          <a:xfrm>
+            <a:off x="423333" y="2568223"/>
+            <a:ext cx="5672666" cy="405683"/>
+          </a:xfrm>
+          <a:prstGeom prst="rect">
+            <a:avLst/>
+          </a:prstGeom>
+          <a:noFill/>
+          <a:ln w="19050">
+            <a:noFill/>
+          </a:ln>
+          <a:effectLst>
+            <a:outerShdw blurRad="76200" dir="18900000" sy="23000" kx="-1200000" algn="bl" rotWithShape="0">
+              <a:prstClr val="black">
+                <a:alpha val="20000"/>
+              </a:prstClr>
+            </a:outerShdw>
+          </a:effectLst>
+        </p:spPr>
+        <p:txBody>
+          <a:bodyPr wrap="square" lIns="18000" tIns="18000" rIns="18000" bIns="18000" rtlCol="0">
+            <a:spAutoFit/>
+          </a:bodyPr>
+          <a:lstStyle/>
+          <a:p>
+            <a:r>
+              <a:rPr kumimoji="1" lang="en-US" altLang="ja-JP" sz="2400" u="none" dirty="0" smtClean="0"/>
+              <a:t>ex) </a:t>
+            </a:r>
+            <a:r>
+              <a:rPr kumimoji="1" lang="ja-JP" altLang="en-US" sz="2400" u="none" dirty="0" smtClean="0"/>
+              <a:t>初日の</a:t>
+            </a:r>
+            <a:r>
+              <a:rPr kumimoji="1" lang="en-US" altLang="ja-JP" sz="2400" u="none" dirty="0" smtClean="0"/>
+              <a:t> practice work</a:t>
+            </a:r>
+            <a:endParaRPr kumimoji="1" lang="ja-JP" altLang="en-US" sz="2400" u="none" dirty="0" smtClean="0"/>
+          </a:p>
+        </p:txBody>
+      </p:sp>
+      <p:sp>
+        <p:nvSpPr>
+          <p:cNvPr id="10" name="テキスト ボックス 9"/>
+          <p:cNvSpPr txBox="1"/>
+          <p:nvPr/>
+        </p:nvSpPr>
+        <p:spPr>
+          <a:xfrm>
+            <a:off x="928510" y="3200400"/>
+            <a:ext cx="4052712" cy="1521373"/>
+          </a:xfrm>
+          <a:prstGeom prst="rect">
+            <a:avLst/>
+          </a:prstGeom>
+          <a:noFill/>
+          <a:ln w="19050">
+            <a:noFill/>
+          </a:ln>
+          <a:effectLst>
+            <a:outerShdw blurRad="76200" dir="18900000" sy="23000" kx="-1200000" algn="bl" rotWithShape="0">
+              <a:prstClr val="black">
+                <a:alpha val="20000"/>
+              </a:prstClr>
+            </a:outerShdw>
+          </a:effectLst>
+        </p:spPr>
+        <p:txBody>
+          <a:bodyPr wrap="square" lIns="18000" tIns="18000" rIns="18000" bIns="18000" rtlCol="0">
+            <a:spAutoFit/>
+          </a:bodyPr>
+          <a:lstStyle/>
+          <a:p>
+            <a:pPr algn="ctr"/>
+            <a:r>
+              <a:rPr kumimoji="1" lang="ja-JP" altLang="en-US" sz="2400" u="none" dirty="0" smtClean="0">
+                <a:solidFill>
+                  <a:schemeClr val="accent2"/>
+                </a:solidFill>
+              </a:rPr>
+              <a:t>スクリプト作成</a:t>
+            </a:r>
+            <a:r>
+              <a:rPr kumimoji="1" lang="en-US" altLang="ja-JP" sz="2400" u="none" dirty="0" smtClean="0">
+                <a:solidFill>
+                  <a:schemeClr val="accent2"/>
+                </a:solidFill>
+              </a:rPr>
+              <a:t> </a:t>
+            </a:r>
+            <a:r>
+              <a:rPr kumimoji="1" lang="ja-JP" altLang="en-US" sz="2400" u="none" dirty="0" smtClean="0">
+                <a:solidFill>
+                  <a:schemeClr val="accent2"/>
+                </a:solidFill>
+              </a:rPr>
+              <a:t>：</a:t>
+            </a:r>
+            <a:r>
+              <a:rPr kumimoji="1" lang="en-US" altLang="ja-JP" sz="2400" u="none" dirty="0" smtClean="0">
+                <a:solidFill>
+                  <a:schemeClr val="accent2"/>
+                </a:solidFill>
+              </a:rPr>
+              <a:t> 30</a:t>
+            </a:r>
+            <a:r>
+              <a:rPr kumimoji="1" lang="ja-JP" altLang="en-US" sz="2400" u="none" dirty="0" smtClean="0">
+                <a:solidFill>
+                  <a:schemeClr val="accent2"/>
+                </a:solidFill>
+              </a:rPr>
+              <a:t>分</a:t>
+            </a:r>
+            <a:r>
+              <a:rPr kumimoji="1" lang="en-US" altLang="ja-JP" sz="2400" u="none" dirty="0" smtClean="0">
+                <a:solidFill>
+                  <a:schemeClr val="accent2"/>
+                </a:solidFill>
+              </a:rPr>
+              <a:t> (1800</a:t>
+            </a:r>
+            <a:r>
+              <a:rPr kumimoji="1" lang="ja-JP" altLang="en-US" sz="2400" u="none" dirty="0" smtClean="0">
+                <a:solidFill>
+                  <a:schemeClr val="accent2"/>
+                </a:solidFill>
+              </a:rPr>
+              <a:t>秒</a:t>
+            </a:r>
+            <a:r>
+              <a:rPr kumimoji="1" lang="en-US" altLang="ja-JP" sz="2400" u="none" dirty="0" smtClean="0">
+                <a:solidFill>
+                  <a:schemeClr val="accent2"/>
+                </a:solidFill>
+              </a:rPr>
+              <a:t>)</a:t>
+            </a:r>
+          </a:p>
+          <a:p>
+            <a:pPr algn="ctr"/>
+            <a:endParaRPr kumimoji="1" lang="en-US" altLang="ja-JP" sz="1050" u="none" dirty="0" smtClean="0"/>
+          </a:p>
+          <a:p>
+            <a:pPr algn="ctr"/>
+            <a:r>
+              <a:rPr lang="ja-JP" altLang="en-US" sz="2400" dirty="0" smtClean="0"/>
+              <a:t>＋</a:t>
+            </a:r>
+            <a:endParaRPr lang="en-US" altLang="ja-JP" sz="2400" dirty="0" smtClean="0"/>
+          </a:p>
+          <a:p>
+            <a:pPr algn="ctr"/>
+            <a:endParaRPr lang="en-US" altLang="ja-JP" sz="1050" dirty="0"/>
+          </a:p>
+          <a:p>
+            <a:pPr algn="ctr"/>
+            <a:r>
+              <a:rPr lang="ja-JP" altLang="en-US" sz="2400" dirty="0">
+                <a:solidFill>
+                  <a:schemeClr val="accent1"/>
+                </a:solidFill>
+              </a:rPr>
+              <a:t>テスト実行</a:t>
+            </a:r>
+            <a:r>
+              <a:rPr kumimoji="1" lang="ja-JP" altLang="en-US" sz="2400" u="none" dirty="0" smtClean="0">
+                <a:solidFill>
+                  <a:schemeClr val="accent1"/>
+                </a:solidFill>
+              </a:rPr>
+              <a:t>：</a:t>
+            </a:r>
+            <a:r>
+              <a:rPr kumimoji="1" lang="en-US" altLang="ja-JP" sz="2400" u="none" dirty="0" smtClean="0">
+                <a:solidFill>
+                  <a:schemeClr val="accent1"/>
+                </a:solidFill>
+              </a:rPr>
+              <a:t> 10</a:t>
+            </a:r>
+            <a:r>
+              <a:rPr kumimoji="1" lang="ja-JP" altLang="en-US" sz="2400" u="none" dirty="0" smtClean="0">
+                <a:solidFill>
+                  <a:schemeClr val="accent1"/>
+                </a:solidFill>
+              </a:rPr>
+              <a:t>秒</a:t>
+            </a:r>
+            <a:endParaRPr kumimoji="1" lang="ja-JP" altLang="en-US" sz="2400" u="none" dirty="0" smtClean="0">
+              <a:solidFill>
+                <a:schemeClr val="accent1"/>
+              </a:solidFill>
+            </a:endParaRPr>
+          </a:p>
+        </p:txBody>
+      </p:sp>
+      <p:sp>
+        <p:nvSpPr>
+          <p:cNvPr id="9" name="正方形/長方形 8"/>
           <p:cNvSpPr/>
           <p:nvPr/>
         </p:nvSpPr>
         <p:spPr>
           <a:xfrm>
-            <a:off x="927100" y="2413000"/>
-            <a:ext cx="7950200" cy="1320800"/>
+            <a:off x="6604000" y="254000"/>
+            <a:ext cx="578555" cy="5545667"/>
           </a:xfrm>
           <a:prstGeom prst="rect">
             <a:avLst/>
           </a:prstGeom>
           <a:solidFill>
-            <a:schemeClr val="tx2">
-              <a:lumMod val="20000"/>
-              <a:lumOff val="80000"/>
-            </a:schemeClr>
+            <a:schemeClr val="accent2"/>
           </a:solidFill>
           <a:ln w="19050">
-            <a:solidFill>
-              <a:schemeClr val="tx1">
-                <a:lumMod val="75000"/>
-                <a:lumOff val="25000"/>
-              </a:schemeClr>
-            </a:solidFill>
+            <a:noFill/>
           </a:ln>
         </p:spPr>
         <p:style>
@@ -5331,93 +8785,429 @@
           <a:bodyPr rtlCol="0" anchor="ctr"/>
           <a:lstStyle/>
           <a:p>
-            <a:pPr marL="285750" indent="-285750">
-              <a:buFont typeface="Wingdings" charset="2"/>
-              <a:buChar char="ü"/>
-            </a:pPr>
-            <a:r>
-              <a:rPr kumimoji="1" lang="en-US" altLang="ja-JP" sz="1600" u="none" dirty="0" smtClean="0">
-                <a:solidFill>
-                  <a:schemeClr val="tx1"/>
-                </a:solidFill>
-                <a:latin typeface="+mj-ea"/>
-                <a:ea typeface="+mj-ea"/>
-              </a:rPr>
-              <a:t>EC-CUBE</a:t>
-            </a:r>
-            <a:r>
-              <a:rPr kumimoji="1" lang="ja-JP" altLang="en-US" sz="1600" u="none" dirty="0" smtClean="0">
-                <a:solidFill>
-                  <a:schemeClr val="tx1"/>
-                </a:solidFill>
-                <a:latin typeface="+mj-ea"/>
-                <a:ea typeface="+mj-ea"/>
-              </a:rPr>
-              <a:t>のカスタマイズを多数行っており、異なるサイトでのリリースが頻繁に発生する</a:t>
-            </a:r>
-            <a:endParaRPr kumimoji="1" lang="en-US" altLang="ja-JP" sz="1600" u="none" dirty="0" smtClean="0">
+            <a:pPr algn="ctr"/>
+            <a:endParaRPr kumimoji="1" lang="ja-JP" altLang="en-US" sz="1400" u="none" dirty="0" smtClean="0">
               <a:solidFill>
                 <a:schemeClr val="tx1"/>
               </a:solidFill>
-              <a:latin typeface="+mj-ea"/>
-              <a:ea typeface="+mj-ea"/>
             </a:endParaRPr>
           </a:p>
-          <a:p>
-            <a:pPr marL="285750" indent="-285750">
-              <a:buFont typeface="Wingdings" charset="2"/>
-              <a:buChar char="ü"/>
-            </a:pPr>
-            <a:r>
-              <a:rPr lang="ja-JP" altLang="en-US" sz="1600" dirty="0" smtClean="0">
-                <a:solidFill>
-                  <a:schemeClr val="tx1"/>
-                </a:solidFill>
-                <a:latin typeface="+mj-ea"/>
-                <a:ea typeface="+mj-ea"/>
-              </a:rPr>
-              <a:t>カスタマイズ部分は重点的にテストしているが、それ以外の箇所で想定外の影響が出て不具合が頻発している</a:t>
-            </a:r>
-            <a:endParaRPr lang="en-US" altLang="ja-JP" sz="1600" dirty="0" smtClean="0">
+        </p:txBody>
+      </p:sp>
+      <p:sp>
+        <p:nvSpPr>
+          <p:cNvPr id="15" name="正方形/長方形 14"/>
+          <p:cNvSpPr/>
+          <p:nvPr/>
+        </p:nvSpPr>
+        <p:spPr>
+          <a:xfrm>
+            <a:off x="7772400" y="5695758"/>
+            <a:ext cx="578555" cy="101087"/>
+          </a:xfrm>
+          <a:prstGeom prst="rect">
+            <a:avLst/>
+          </a:prstGeom>
+          <a:solidFill>
+            <a:schemeClr val="accent1"/>
+          </a:solidFill>
+          <a:ln w="19050">
+            <a:noFill/>
+          </a:ln>
+        </p:spPr>
+        <p:style>
+          <a:lnRef idx="2">
+            <a:schemeClr val="accent1">
+              <a:shade val="50000"/>
+            </a:schemeClr>
+          </a:lnRef>
+          <a:fillRef idx="1">
+            <a:schemeClr val="accent1"/>
+          </a:fillRef>
+          <a:effectRef idx="0">
+            <a:schemeClr val="accent1"/>
+          </a:effectRef>
+          <a:fontRef idx="minor">
+            <a:schemeClr val="lt1"/>
+          </a:fontRef>
+        </p:style>
+        <p:txBody>
+          <a:bodyPr rtlCol="0" anchor="ctr"/>
+          <a:lstStyle/>
+          <a:p>
+            <a:pPr algn="ctr"/>
+            <a:endParaRPr kumimoji="1" lang="ja-JP" altLang="en-US" sz="1400" u="none" dirty="0" smtClean="0">
               <a:solidFill>
                 <a:schemeClr val="tx1"/>
               </a:solidFill>
-              <a:latin typeface="+mj-ea"/>
-              <a:ea typeface="+mj-ea"/>
             </a:endParaRPr>
-          </a:p>
-          <a:p>
-            <a:pPr marL="285750" indent="-285750">
-              <a:buFont typeface="Wingdings" charset="2"/>
-              <a:buChar char="ü"/>
-            </a:pPr>
-            <a:r>
-              <a:rPr kumimoji="1" lang="en-US" altLang="ja-JP" sz="1600" u="none" dirty="0" smtClean="0">
-                <a:solidFill>
-                  <a:schemeClr val="tx1"/>
-                </a:solidFill>
-                <a:latin typeface="+mj-ea"/>
-                <a:ea typeface="+mj-ea"/>
-              </a:rPr>
-              <a:t>1</a:t>
-            </a:r>
-            <a:r>
-              <a:rPr kumimoji="1" lang="ja-JP" altLang="en-US" sz="1600" u="none" dirty="0" smtClean="0">
-                <a:solidFill>
-                  <a:schemeClr val="tx1"/>
-                </a:solidFill>
-                <a:latin typeface="+mj-ea"/>
-                <a:ea typeface="+mj-ea"/>
-              </a:rPr>
-              <a:t>つのカスタマイズにかけられる期間は短く、既存機能のテストに十分な時間を割けない</a:t>
-            </a:r>
           </a:p>
         </p:txBody>
       </p:sp>
+      <p:cxnSp>
+        <p:nvCxnSpPr>
+          <p:cNvPr id="7" name="直線矢印コネクタ 6"/>
+          <p:cNvCxnSpPr/>
+          <p:nvPr/>
+        </p:nvCxnSpPr>
+        <p:spPr>
+          <a:xfrm>
+            <a:off x="5983111" y="5785555"/>
+            <a:ext cx="3033889" cy="0"/>
+          </a:xfrm>
+          <a:prstGeom prst="straightConnector1">
+            <a:avLst/>
+          </a:prstGeom>
+          <a:ln w="38100" cmpd="sng">
+            <a:headEnd type="none"/>
+            <a:tailEnd type="triangle"/>
+          </a:ln>
+        </p:spPr>
+        <p:style>
+          <a:lnRef idx="1">
+            <a:schemeClr val="dk1"/>
+          </a:lnRef>
+          <a:fillRef idx="0">
+            <a:schemeClr val="dk1"/>
+          </a:fillRef>
+          <a:effectRef idx="0">
+            <a:schemeClr val="dk1"/>
+          </a:effectRef>
+          <a:fontRef idx="minor">
+            <a:schemeClr val="tx1"/>
+          </a:fontRef>
+        </p:style>
+      </p:cxnSp>
+      <p:sp>
+        <p:nvSpPr>
+          <p:cNvPr id="11" name="正方形/長方形 10"/>
+          <p:cNvSpPr/>
+          <p:nvPr/>
+        </p:nvSpPr>
+        <p:spPr>
+          <a:xfrm>
+            <a:off x="6341280" y="5798446"/>
+            <a:ext cx="1104389" cy="646331"/>
+          </a:xfrm>
+          <a:prstGeom prst="rect">
+            <a:avLst/>
+          </a:prstGeom>
+        </p:spPr>
+        <p:txBody>
+          <a:bodyPr wrap="none">
+            <a:spAutoFit/>
+          </a:bodyPr>
+          <a:lstStyle/>
+          <a:p>
+            <a:pPr algn="ctr"/>
+            <a:r>
+              <a:rPr lang="ja-JP" altLang="en-US" dirty="0" smtClean="0">
+                <a:solidFill>
+                  <a:schemeClr val="accent2"/>
+                </a:solidFill>
+              </a:rPr>
+              <a:t>スクリプト</a:t>
+            </a:r>
+            <a:endParaRPr lang="en-US" altLang="ja-JP" dirty="0" smtClean="0">
+              <a:solidFill>
+                <a:schemeClr val="accent2"/>
+              </a:solidFill>
+            </a:endParaRPr>
+          </a:p>
+          <a:p>
+            <a:pPr algn="ctr"/>
+            <a:r>
+              <a:rPr lang="ja-JP" altLang="en-US" dirty="0" smtClean="0">
+                <a:solidFill>
+                  <a:schemeClr val="accent2"/>
+                </a:solidFill>
+              </a:rPr>
+              <a:t>作成</a:t>
+            </a:r>
+            <a:endParaRPr lang="ja-JP" altLang="en-US" dirty="0"/>
+          </a:p>
+        </p:txBody>
+      </p:sp>
+      <p:sp>
+        <p:nvSpPr>
+          <p:cNvPr id="12" name="正方形/長方形 11"/>
+          <p:cNvSpPr/>
+          <p:nvPr/>
+        </p:nvSpPr>
+        <p:spPr>
+          <a:xfrm>
+            <a:off x="7706949" y="5798446"/>
+            <a:ext cx="747320" cy="646331"/>
+          </a:xfrm>
+          <a:prstGeom prst="rect">
+            <a:avLst/>
+          </a:prstGeom>
+        </p:spPr>
+        <p:txBody>
+          <a:bodyPr wrap="none">
+            <a:spAutoFit/>
+          </a:bodyPr>
+          <a:lstStyle/>
+          <a:p>
+            <a:pPr algn="ctr"/>
+            <a:r>
+              <a:rPr lang="ja-JP" altLang="en-US" dirty="0" smtClean="0">
+                <a:solidFill>
+                  <a:schemeClr val="accent1"/>
+                </a:solidFill>
+              </a:rPr>
+              <a:t>テスト</a:t>
+            </a:r>
+            <a:endParaRPr lang="en-US" altLang="ja-JP" dirty="0" smtClean="0">
+              <a:solidFill>
+                <a:schemeClr val="accent1"/>
+              </a:solidFill>
+            </a:endParaRPr>
+          </a:p>
+          <a:p>
+            <a:pPr algn="ctr"/>
+            <a:r>
+              <a:rPr lang="ja-JP" altLang="en-US" dirty="0" smtClean="0">
+                <a:solidFill>
+                  <a:schemeClr val="accent1"/>
+                </a:solidFill>
+              </a:rPr>
+              <a:t>実行</a:t>
+            </a:r>
+            <a:endParaRPr lang="ja-JP" altLang="en-US" dirty="0"/>
+          </a:p>
+        </p:txBody>
+      </p:sp>
+      <p:sp>
+        <p:nvSpPr>
+          <p:cNvPr id="13" name="テキスト ボックス 12"/>
+          <p:cNvSpPr txBox="1"/>
+          <p:nvPr/>
+        </p:nvSpPr>
+        <p:spPr>
+          <a:xfrm>
+            <a:off x="578556" y="5150554"/>
+            <a:ext cx="5207000" cy="1144347"/>
+          </a:xfrm>
+          <a:prstGeom prst="rect">
+            <a:avLst/>
+          </a:prstGeom>
+          <a:noFill/>
+          <a:ln w="19050">
+            <a:noFill/>
+          </a:ln>
+          <a:effectLst>
+            <a:outerShdw blurRad="76200" dir="18900000" sy="23000" kx="-1200000" algn="bl" rotWithShape="0">
+              <a:prstClr val="black">
+                <a:alpha val="20000"/>
+              </a:prstClr>
+            </a:outerShdw>
+          </a:effectLst>
+        </p:spPr>
+        <p:txBody>
+          <a:bodyPr wrap="square" lIns="18000" tIns="18000" rIns="18000" bIns="18000" rtlCol="0">
+            <a:spAutoFit/>
+          </a:bodyPr>
+          <a:lstStyle/>
+          <a:p>
+            <a:r>
+              <a:rPr kumimoji="1" lang="ja-JP" altLang="en-US" sz="2400" u="none" dirty="0" smtClean="0">
+                <a:solidFill>
+                  <a:srgbClr val="4F81BD"/>
+                </a:solidFill>
+              </a:rPr>
+              <a:t>テスト実行</a:t>
+            </a:r>
+            <a:r>
+              <a:rPr kumimoji="1" lang="ja-JP" altLang="en-US" sz="2400" u="none" dirty="0" smtClean="0"/>
+              <a:t>を高速化するよりも</a:t>
+            </a:r>
+            <a:endParaRPr kumimoji="1" lang="en-US" altLang="ja-JP" sz="2400" u="none" dirty="0" smtClean="0"/>
+          </a:p>
+          <a:p>
+            <a:r>
+              <a:rPr lang="ja-JP" altLang="en-US" sz="2400" dirty="0" smtClean="0">
+                <a:solidFill>
+                  <a:schemeClr val="accent2"/>
+                </a:solidFill>
+              </a:rPr>
+              <a:t>スクリプト作成</a:t>
+            </a:r>
+            <a:r>
+              <a:rPr lang="ja-JP" altLang="en-US" sz="2400" dirty="0" smtClean="0"/>
+              <a:t>を高速する方が遙かに</a:t>
+            </a:r>
+            <a:endParaRPr lang="en-US" altLang="ja-JP" sz="2400" dirty="0" smtClean="0"/>
+          </a:p>
+          <a:p>
+            <a:r>
+              <a:rPr lang="ja-JP" altLang="en-US" sz="2400" dirty="0" smtClean="0"/>
+              <a:t>合計時間が短縮される</a:t>
+            </a:r>
+            <a:endParaRPr lang="en-US" altLang="ja-JP" sz="2400" dirty="0" smtClean="0"/>
+          </a:p>
+        </p:txBody>
+      </p:sp>
+      <p:cxnSp>
+        <p:nvCxnSpPr>
+          <p:cNvPr id="20" name="直線矢印コネクタ 19"/>
+          <p:cNvCxnSpPr/>
+          <p:nvPr/>
+        </p:nvCxnSpPr>
+        <p:spPr>
+          <a:xfrm flipH="1">
+            <a:off x="8071558" y="4614333"/>
+            <a:ext cx="56443" cy="945445"/>
+          </a:xfrm>
+          <a:prstGeom prst="straightConnector1">
+            <a:avLst/>
+          </a:prstGeom>
+          <a:ln>
+            <a:tailEnd type="arrow"/>
+          </a:ln>
+        </p:spPr>
+        <p:style>
+          <a:lnRef idx="2">
+            <a:schemeClr val="accent1"/>
+          </a:lnRef>
+          <a:fillRef idx="0">
+            <a:schemeClr val="accent1"/>
+          </a:fillRef>
+          <a:effectRef idx="1">
+            <a:schemeClr val="accent1"/>
+          </a:effectRef>
+          <a:fontRef idx="minor">
+            <a:schemeClr val="tx1"/>
+          </a:fontRef>
+        </p:style>
+      </p:cxnSp>
+      <p:sp>
+        <p:nvSpPr>
+          <p:cNvPr id="22" name="テキスト ボックス 21"/>
+          <p:cNvSpPr txBox="1"/>
+          <p:nvPr/>
+        </p:nvSpPr>
+        <p:spPr>
+          <a:xfrm>
+            <a:off x="7273997" y="3289017"/>
+            <a:ext cx="1870003" cy="1267458"/>
+          </a:xfrm>
+          <a:prstGeom prst="rect">
+            <a:avLst/>
+          </a:prstGeom>
+          <a:noFill/>
+          <a:ln w="19050">
+            <a:noFill/>
+          </a:ln>
+          <a:effectLst>
+            <a:outerShdw blurRad="76200" dir="18900000" sy="23000" kx="-1200000" algn="bl" rotWithShape="0">
+              <a:prstClr val="black">
+                <a:alpha val="20000"/>
+              </a:prstClr>
+            </a:outerShdw>
+          </a:effectLst>
+        </p:spPr>
+        <p:txBody>
+          <a:bodyPr wrap="square" lIns="18000" tIns="18000" rIns="18000" bIns="18000" rtlCol="0">
+            <a:spAutoFit/>
+          </a:bodyPr>
+          <a:lstStyle/>
+          <a:p>
+            <a:r>
+              <a:rPr lang="ja-JP" altLang="en-US" sz="1600" dirty="0" smtClean="0">
+                <a:solidFill>
+                  <a:schemeClr val="accent1"/>
+                </a:solidFill>
+              </a:rPr>
+              <a:t>もちろんテスト</a:t>
+            </a:r>
+            <a:endParaRPr lang="en-US" altLang="ja-JP" sz="1600" dirty="0" smtClean="0">
+              <a:solidFill>
+                <a:schemeClr val="accent1"/>
+              </a:solidFill>
+            </a:endParaRPr>
+          </a:p>
+          <a:p>
+            <a:r>
+              <a:rPr lang="ja-JP" altLang="en-US" sz="1600" dirty="0" smtClean="0">
+                <a:solidFill>
+                  <a:schemeClr val="accent1"/>
+                </a:solidFill>
+              </a:rPr>
+              <a:t>回数が増えれば</a:t>
+            </a:r>
+            <a:endParaRPr lang="en-US" altLang="ja-JP" sz="1600" dirty="0" smtClean="0">
+              <a:solidFill>
+                <a:schemeClr val="accent1"/>
+              </a:solidFill>
+            </a:endParaRPr>
+          </a:p>
+          <a:p>
+            <a:r>
+              <a:rPr lang="ja-JP" altLang="en-US" sz="1600" dirty="0" smtClean="0">
+                <a:solidFill>
+                  <a:schemeClr val="accent1"/>
+                </a:solidFill>
+              </a:rPr>
+              <a:t>重要度は高まるが</a:t>
+            </a:r>
+            <a:endParaRPr lang="en-US" altLang="ja-JP" sz="1600" dirty="0" smtClean="0">
+              <a:solidFill>
+                <a:schemeClr val="accent1"/>
+              </a:solidFill>
+            </a:endParaRPr>
+          </a:p>
+          <a:p>
+            <a:r>
+              <a:rPr lang="ja-JP" altLang="en-US" sz="1600" dirty="0" smtClean="0">
+                <a:solidFill>
+                  <a:schemeClr val="accent1"/>
+                </a:solidFill>
+              </a:rPr>
+              <a:t>頻繁カスタマイズは実行回数が多くない</a:t>
+            </a:r>
+            <a:endParaRPr lang="en-US" altLang="ja-JP" sz="1600" dirty="0" smtClean="0">
+              <a:solidFill>
+                <a:schemeClr val="accent1"/>
+              </a:solidFill>
+            </a:endParaRPr>
+          </a:p>
+        </p:txBody>
+      </p:sp>
+      <p:cxnSp>
+        <p:nvCxnSpPr>
+          <p:cNvPr id="24" name="直線コネクタ 23"/>
+          <p:cNvCxnSpPr/>
+          <p:nvPr/>
+        </p:nvCxnSpPr>
+        <p:spPr>
+          <a:xfrm>
+            <a:off x="338667" y="2370667"/>
+            <a:ext cx="4670777" cy="0"/>
+          </a:xfrm>
+          <a:prstGeom prst="line">
+            <a:avLst/>
+          </a:prstGeom>
+        </p:spPr>
+        <p:style>
+          <a:lnRef idx="2">
+            <a:schemeClr val="accent1"/>
+          </a:lnRef>
+          <a:fillRef idx="0">
+            <a:schemeClr val="accent1"/>
+          </a:fillRef>
+          <a:effectRef idx="1">
+            <a:schemeClr val="accent1"/>
+          </a:effectRef>
+          <a:fontRef idx="minor">
+            <a:schemeClr val="tx1"/>
+          </a:fontRef>
+        </p:style>
+      </p:cxnSp>
     </p:spTree>
     <p:extLst>
       <p:ext uri="{BB962C8B-B14F-4D97-AF65-F5344CB8AC3E}">
-        <p14:creationId xmlns:p14="http://schemas.microsoft.com/office/powerpoint/2010/main" val="1800861656"/>
+        <p14:creationId xmlns:p14="http://schemas.microsoft.com/office/powerpoint/2010/main" val="1984967626"/>
       </p:ext>
     </p:extLst>
   </p:cSld>
@@ -5427,7 +9217,7 @@
   <p:timing>
     <p:tnLst>
       <p:par>
-        <p:cTn id="1" dur="indefinite" restart="never" nodeType="tmRoot"/>
+        <p:cTn xmlns:p14="http://schemas.microsoft.com/office/powerpoint/2010/main" id="1" dur="indefinite" restart="never" nodeType="tmRoot"/>
       </p:par>
     </p:tnLst>
   </p:timing>
@@ -5477,158 +9267,6 @@
       </p:sp>
       <p:sp>
         <p:nvSpPr>
-          <p:cNvPr id="3" name="コンテンツ プレースホルダー 2"/>
-          <p:cNvSpPr>
-            <a:spLocks noGrp="1"/>
-          </p:cNvSpPr>
-          <p:nvPr>
-            <p:ph sz="quarter" idx="13"/>
-          </p:nvPr>
-        </p:nvSpPr>
-        <p:spPr>
-          <a:xfrm>
-            <a:off x="323528" y="1772816"/>
-            <a:ext cx="8496944" cy="4488284"/>
-          </a:xfrm>
-        </p:spPr>
-        <p:txBody>
-          <a:bodyPr>
-            <a:normAutofit lnSpcReduction="10000"/>
-          </a:bodyPr>
-          <a:lstStyle/>
-          <a:p>
-            <a:pPr>
-              <a:buFont typeface="Wingdings" charset="2"/>
-              <a:buChar char="n"/>
-            </a:pPr>
-            <a:r>
-              <a:rPr lang="ja-JP" altLang="en-US" sz="2400" dirty="0" smtClean="0"/>
-              <a:t>テストケースの内容だけでなく、自動テストの作成・運用のための仕組み部分で工夫してくれても</a:t>
-            </a:r>
-            <a:r>
-              <a:rPr lang="en-US" altLang="ja-JP" sz="2400" dirty="0" smtClean="0"/>
-              <a:t>OK</a:t>
-            </a:r>
-          </a:p>
-          <a:p>
-            <a:pPr>
-              <a:buFont typeface="Wingdings" charset="2"/>
-              <a:buChar char="n"/>
-            </a:pPr>
-            <a:endParaRPr lang="en-US" altLang="ja-JP" sz="2400" dirty="0"/>
-          </a:p>
-          <a:p>
-            <a:pPr>
-              <a:buFont typeface="Wingdings" charset="2"/>
-              <a:buChar char="n"/>
-            </a:pPr>
-            <a:r>
-              <a:rPr lang="ja-JP" altLang="en-US" sz="2400" dirty="0" smtClean="0"/>
-              <a:t>例</a:t>
-            </a:r>
-            <a:endParaRPr lang="en-US" altLang="ja-JP" sz="2400" dirty="0"/>
-          </a:p>
-          <a:p>
-            <a:pPr lvl="1">
-              <a:buFont typeface="Wingdings" charset="2"/>
-              <a:buChar char="n"/>
-            </a:pPr>
-            <a:r>
-              <a:rPr lang="ja-JP" altLang="en-US" dirty="0" smtClean="0"/>
-              <a:t>並列化による超高速実行</a:t>
-            </a:r>
-            <a:endParaRPr lang="en-US" altLang="ja-JP" dirty="0" smtClean="0"/>
-          </a:p>
-          <a:p>
-            <a:pPr lvl="1">
-              <a:buFont typeface="Wingdings" charset="2"/>
-              <a:buChar char="n"/>
-            </a:pPr>
-            <a:r>
-              <a:rPr lang="ja-JP" altLang="en-US" dirty="0" smtClean="0"/>
-              <a:t>レポーティングの工夫により、人手の介在を極限まで減らす</a:t>
-            </a:r>
-            <a:endParaRPr lang="en-US" altLang="ja-JP" dirty="0" smtClean="0"/>
-          </a:p>
-          <a:p>
-            <a:pPr lvl="1">
-              <a:buFont typeface="Wingdings" charset="2"/>
-              <a:buChar char="n"/>
-            </a:pPr>
-            <a:r>
-              <a:rPr lang="ja-JP" altLang="en-US" dirty="0" smtClean="0"/>
-              <a:t>テストスクリプトの自動生成</a:t>
-            </a:r>
-            <a:endParaRPr lang="en-US" altLang="ja-JP" dirty="0" smtClean="0"/>
-          </a:p>
-          <a:p>
-            <a:pPr lvl="1">
-              <a:buFont typeface="Wingdings" charset="2"/>
-              <a:buChar char="n"/>
-            </a:pPr>
-            <a:endParaRPr lang="en-US" altLang="ja-JP" dirty="0"/>
-          </a:p>
-          <a:p>
-            <a:pPr>
-              <a:buFont typeface="Wingdings" charset="2"/>
-              <a:buChar char="n"/>
-            </a:pPr>
-            <a:r>
-              <a:rPr lang="ja-JP" altLang="en-US" sz="2400" dirty="0" smtClean="0"/>
-              <a:t>迷ったらすぐ質問しよう</a:t>
-            </a:r>
-            <a:endParaRPr lang="en-US" altLang="ja-JP" sz="2400" dirty="0" smtClean="0"/>
-          </a:p>
-          <a:p>
-            <a:pPr lvl="1">
-              <a:buFont typeface="Wingdings" charset="2"/>
-              <a:buChar char="n"/>
-            </a:pPr>
-            <a:r>
-              <a:rPr lang="ja-JP" altLang="en-US" dirty="0" smtClean="0"/>
-              <a:t>皆さんとたくさんお話をするのもこの</a:t>
-            </a:r>
-            <a:r>
-              <a:rPr lang="en-US" altLang="ja-JP" dirty="0" smtClean="0"/>
-              <a:t>CAMP</a:t>
-            </a:r>
-            <a:r>
-              <a:rPr lang="ja-JP" altLang="en-US" dirty="0" smtClean="0"/>
-              <a:t>の目的の</a:t>
-            </a:r>
-            <a:r>
-              <a:rPr lang="en-US" altLang="ja-JP" dirty="0" smtClean="0"/>
-              <a:t>1</a:t>
-            </a:r>
-            <a:r>
-              <a:rPr lang="ja-JP" altLang="en-US" dirty="0" smtClean="0"/>
-              <a:t>つです</a:t>
-            </a:r>
-            <a:endParaRPr lang="en-US" altLang="ja-JP" dirty="0" smtClean="0"/>
-          </a:p>
-          <a:p>
-            <a:pPr lvl="1">
-              <a:buFont typeface="Wingdings" charset="2"/>
-              <a:buChar char="n"/>
-            </a:pPr>
-            <a:r>
-              <a:rPr lang="ja-JP" altLang="en-US" dirty="0" smtClean="0"/>
-              <a:t>自分で手を動かすのも大事ですが、</a:t>
-            </a:r>
-            <a:r>
-              <a:rPr lang="en-US" altLang="ja-JP" dirty="0" smtClean="0"/>
-              <a:t>20〜30</a:t>
-            </a:r>
-            <a:r>
-              <a:rPr lang="ja-JP" altLang="en-US" dirty="0" smtClean="0"/>
-              <a:t>分悩んでしまうようなら手を挙げましょう</a:t>
-            </a:r>
-            <a:endParaRPr lang="en-US" altLang="ja-JP" dirty="0" smtClean="0"/>
-          </a:p>
-        </p:txBody>
-      </p:sp>
-      <p:sp>
-        <p:nvSpPr>
           <p:cNvPr id="2" name="タイトル 1"/>
           <p:cNvSpPr>
             <a:spLocks noGrp="1"/>
@@ -5643,8 +9281,8 @@
           <a:lstStyle/>
           <a:p>
             <a:r>
-              <a:rPr lang="ja-JP" altLang="en-US" dirty="0" smtClean="0"/>
-              <a:t>始めるにあたって</a:t>
+              <a:rPr kumimoji="1" lang="ja-JP" altLang="en-US" dirty="0" smtClean="0"/>
+              <a:t>はじめに</a:t>
             </a:r>
             <a:endParaRPr kumimoji="1" lang="ja-JP" altLang="en-US" dirty="0"/>
           </a:p>
@@ -5652,27 +9290,322 @@
       </p:sp>
       <p:sp>
         <p:nvSpPr>
-          <p:cNvPr id="5" name="テキスト プレースホルダー 4"/>
-          <p:cNvSpPr>
-            <a:spLocks noGrp="1"/>
-          </p:cNvSpPr>
-          <p:nvPr>
-            <p:ph type="body" sz="quarter" idx="14"/>
-          </p:nvPr>
+          <p:cNvPr id="5" name="テキスト ボックス 4"/>
+          <p:cNvSpPr txBox="1"/>
+          <p:nvPr/>
         </p:nvSpPr>
-        <p:spPr/>
+        <p:spPr>
+          <a:xfrm>
+            <a:off x="423333" y="1947333"/>
+            <a:ext cx="6265334" cy="405683"/>
+          </a:xfrm>
+          <a:prstGeom prst="rect">
+            <a:avLst/>
+          </a:prstGeom>
+          <a:noFill/>
+          <a:ln w="19050">
+            <a:noFill/>
+          </a:ln>
+          <a:effectLst>
+            <a:outerShdw blurRad="76200" dir="18900000" sy="23000" kx="-1200000" algn="bl" rotWithShape="0">
+              <a:prstClr val="black">
+                <a:alpha val="20000"/>
+              </a:prstClr>
+            </a:outerShdw>
+          </a:effectLst>
+        </p:spPr>
         <p:txBody>
-          <a:bodyPr/>
+          <a:bodyPr wrap="square" lIns="18000" tIns="18000" rIns="18000" bIns="18000" rtlCol="0">
+            <a:spAutoFit/>
+          </a:bodyPr>
           <a:lstStyle/>
           <a:p>
-            <a:endParaRPr kumimoji="1" lang="ja-JP" altLang="en-US"/>
+            <a:r>
+              <a:rPr lang="ja-JP" altLang="en-US" sz="2400" dirty="0" smtClean="0"/>
+              <a:t>そういった理由で，テスト実行を高速化してくれる</a:t>
+            </a:r>
+            <a:endParaRPr kumimoji="1" lang="ja-JP" altLang="en-US" sz="2400" u="none" dirty="0" smtClean="0"/>
+          </a:p>
+        </p:txBody>
+      </p:sp>
+      <p:pic>
+        <p:nvPicPr>
+          <p:cNvPr id="8" name="図 7"/>
+          <p:cNvPicPr>
+            <a:picLocks noChangeAspect="1"/>
+          </p:cNvPicPr>
+          <p:nvPr/>
+        </p:nvPicPr>
+        <p:blipFill>
+          <a:blip r:embed="rId2" cstate="print">
+            <a:extLst>
+              <a:ext uri="{28A0092B-C50C-407E-A947-70E740481C1C}">
+                <a14:useLocalDpi xmlns:a14="http://schemas.microsoft.com/office/drawing/2010/main"/>
+              </a:ext>
+            </a:extLst>
+          </a:blip>
+          <a:stretch>
+            <a:fillRect/>
+          </a:stretch>
+        </p:blipFill>
+        <p:spPr>
+          <a:xfrm>
+            <a:off x="2953999" y="2781789"/>
+            <a:ext cx="3000892" cy="2677310"/>
+          </a:xfrm>
+          <a:prstGeom prst="rect">
+            <a:avLst/>
+          </a:prstGeom>
+        </p:spPr>
+      </p:pic>
+      <p:pic>
+        <p:nvPicPr>
+          <p:cNvPr id="9" name="図 8"/>
+          <p:cNvPicPr>
+            <a:picLocks noChangeAspect="1"/>
+          </p:cNvPicPr>
+          <p:nvPr/>
+        </p:nvPicPr>
+        <p:blipFill>
+          <a:blip r:embed="rId3"/>
+          <a:stretch>
+            <a:fillRect/>
+          </a:stretch>
+        </p:blipFill>
+        <p:spPr>
+          <a:xfrm>
+            <a:off x="493889" y="2977444"/>
+            <a:ext cx="2455334" cy="2455334"/>
+          </a:xfrm>
+          <a:prstGeom prst="rect">
+            <a:avLst/>
+          </a:prstGeom>
+        </p:spPr>
+      </p:pic>
+      <p:pic>
+        <p:nvPicPr>
+          <p:cNvPr id="10" name="図 9"/>
+          <p:cNvPicPr>
+            <a:picLocks noChangeAspect="1"/>
+          </p:cNvPicPr>
+          <p:nvPr/>
+        </p:nvPicPr>
+        <p:blipFill>
+          <a:blip r:embed="rId4"/>
+          <a:stretch>
+            <a:fillRect/>
+          </a:stretch>
+        </p:blipFill>
+        <p:spPr>
+          <a:xfrm>
+            <a:off x="6266746" y="3106792"/>
+            <a:ext cx="2298698" cy="1712224"/>
+          </a:xfrm>
+          <a:prstGeom prst="rect">
+            <a:avLst/>
+          </a:prstGeom>
+        </p:spPr>
+      </p:pic>
+      <p:sp>
+        <p:nvSpPr>
+          <p:cNvPr id="11" name="乗算記号 10"/>
+          <p:cNvSpPr/>
+          <p:nvPr/>
+        </p:nvSpPr>
+        <p:spPr>
+          <a:xfrm>
+            <a:off x="282222" y="2638778"/>
+            <a:ext cx="3146778" cy="3146778"/>
+          </a:xfrm>
+          <a:prstGeom prst="mathMultiply">
+            <a:avLst/>
+          </a:prstGeom>
+          <a:solidFill>
+            <a:srgbClr val="FF0000"/>
+          </a:solidFill>
+          <a:ln w="19050">
+            <a:solidFill>
+              <a:schemeClr val="accent2"/>
+            </a:solidFill>
+          </a:ln>
+        </p:spPr>
+        <p:style>
+          <a:lnRef idx="2">
+            <a:schemeClr val="accent1">
+              <a:shade val="50000"/>
+            </a:schemeClr>
+          </a:lnRef>
+          <a:fillRef idx="1">
+            <a:schemeClr val="accent1"/>
+          </a:fillRef>
+          <a:effectRef idx="0">
+            <a:schemeClr val="accent1"/>
+          </a:effectRef>
+          <a:fontRef idx="minor">
+            <a:schemeClr val="lt1"/>
+          </a:fontRef>
+        </p:style>
+        <p:txBody>
+          <a:bodyPr rtlCol="0" anchor="ctr"/>
+          <a:lstStyle/>
+          <a:p>
+            <a:pPr algn="ctr"/>
+            <a:endParaRPr kumimoji="1" lang="ja-JP" altLang="en-US" sz="1400" u="none" dirty="0" smtClean="0">
+              <a:solidFill>
+                <a:schemeClr val="tx1"/>
+              </a:solidFill>
+            </a:endParaRPr>
+          </a:p>
+        </p:txBody>
+      </p:sp>
+      <p:sp>
+        <p:nvSpPr>
+          <p:cNvPr id="12" name="乗算記号 11"/>
+          <p:cNvSpPr/>
+          <p:nvPr/>
+        </p:nvSpPr>
+        <p:spPr>
+          <a:xfrm>
+            <a:off x="3087511" y="2523068"/>
+            <a:ext cx="3146778" cy="3146778"/>
+          </a:xfrm>
+          <a:prstGeom prst="mathMultiply">
+            <a:avLst/>
+          </a:prstGeom>
+          <a:solidFill>
+            <a:srgbClr val="FF0000"/>
+          </a:solidFill>
+          <a:ln w="19050">
+            <a:solidFill>
+              <a:schemeClr val="accent2"/>
+            </a:solidFill>
+          </a:ln>
+        </p:spPr>
+        <p:style>
+          <a:lnRef idx="2">
+            <a:schemeClr val="accent1">
+              <a:shade val="50000"/>
+            </a:schemeClr>
+          </a:lnRef>
+          <a:fillRef idx="1">
+            <a:schemeClr val="accent1"/>
+          </a:fillRef>
+          <a:effectRef idx="0">
+            <a:schemeClr val="accent1"/>
+          </a:effectRef>
+          <a:fontRef idx="minor">
+            <a:schemeClr val="lt1"/>
+          </a:fontRef>
+        </p:style>
+        <p:txBody>
+          <a:bodyPr rtlCol="0" anchor="ctr"/>
+          <a:lstStyle/>
+          <a:p>
+            <a:pPr algn="ctr"/>
+            <a:endParaRPr kumimoji="1" lang="ja-JP" altLang="en-US" sz="1400" u="none" dirty="0" smtClean="0">
+              <a:solidFill>
+                <a:schemeClr val="tx1"/>
+              </a:solidFill>
+            </a:endParaRPr>
+          </a:p>
+        </p:txBody>
+      </p:sp>
+      <p:sp>
+        <p:nvSpPr>
+          <p:cNvPr id="13" name="乗算記号 12"/>
+          <p:cNvSpPr/>
+          <p:nvPr/>
+        </p:nvSpPr>
+        <p:spPr>
+          <a:xfrm>
+            <a:off x="5839178" y="2635956"/>
+            <a:ext cx="3146778" cy="3146778"/>
+          </a:xfrm>
+          <a:prstGeom prst="mathMultiply">
+            <a:avLst/>
+          </a:prstGeom>
+          <a:solidFill>
+            <a:srgbClr val="FF0000"/>
+          </a:solidFill>
+          <a:ln w="19050">
+            <a:solidFill>
+              <a:schemeClr val="accent2"/>
+            </a:solidFill>
+          </a:ln>
+        </p:spPr>
+        <p:style>
+          <a:lnRef idx="2">
+            <a:schemeClr val="accent1">
+              <a:shade val="50000"/>
+            </a:schemeClr>
+          </a:lnRef>
+          <a:fillRef idx="1">
+            <a:schemeClr val="accent1"/>
+          </a:fillRef>
+          <a:effectRef idx="0">
+            <a:schemeClr val="accent1"/>
+          </a:effectRef>
+          <a:fontRef idx="minor">
+            <a:schemeClr val="lt1"/>
+          </a:fontRef>
+        </p:style>
+        <p:txBody>
+          <a:bodyPr rtlCol="0" anchor="ctr"/>
+          <a:lstStyle/>
+          <a:p>
+            <a:pPr algn="ctr"/>
+            <a:endParaRPr kumimoji="1" lang="ja-JP" altLang="en-US" sz="1400" u="none" dirty="0" smtClean="0">
+              <a:solidFill>
+                <a:schemeClr val="tx1"/>
+              </a:solidFill>
+            </a:endParaRPr>
+          </a:p>
+        </p:txBody>
+      </p:sp>
+      <p:sp>
+        <p:nvSpPr>
+          <p:cNvPr id="14" name="テキスト ボックス 13"/>
+          <p:cNvSpPr txBox="1"/>
+          <p:nvPr/>
+        </p:nvSpPr>
+        <p:spPr>
+          <a:xfrm>
+            <a:off x="491067" y="5599288"/>
+            <a:ext cx="7890933" cy="405683"/>
+          </a:xfrm>
+          <a:prstGeom prst="rect">
+            <a:avLst/>
+          </a:prstGeom>
+          <a:noFill/>
+          <a:ln w="19050">
+            <a:noFill/>
+          </a:ln>
+          <a:effectLst>
+            <a:outerShdw blurRad="76200" dir="18900000" sy="23000" kx="-1200000" algn="bl" rotWithShape="0">
+              <a:prstClr val="black">
+                <a:alpha val="20000"/>
+              </a:prstClr>
+            </a:outerShdw>
+          </a:effectLst>
+        </p:spPr>
+        <p:txBody>
+          <a:bodyPr wrap="square" lIns="18000" tIns="18000" rIns="18000" bIns="18000" rtlCol="0">
+            <a:spAutoFit/>
+          </a:bodyPr>
+          <a:lstStyle/>
+          <a:p>
+            <a:r>
+              <a:rPr kumimoji="1" lang="ja-JP" altLang="en-US" sz="2400" u="none" dirty="0" smtClean="0"/>
+              <a:t>ではなく，スクリプト作成に注力しました！</a:t>
+            </a:r>
+            <a:endParaRPr kumimoji="1" lang="ja-JP" altLang="en-US" sz="2400" u="none" dirty="0" smtClean="0"/>
           </a:p>
         </p:txBody>
       </p:sp>
     </p:spTree>
     <p:extLst>
       <p:ext uri="{BB962C8B-B14F-4D97-AF65-F5344CB8AC3E}">
-        <p14:creationId xmlns:p14="http://schemas.microsoft.com/office/powerpoint/2010/main" val="795836001"/>
+        <p14:creationId xmlns:p14="http://schemas.microsoft.com/office/powerpoint/2010/main" val="3138243355"/>
       </p:ext>
     </p:extLst>
   </p:cSld>
@@ -5682,7 +9615,7 @@
   <p:timing>
     <p:tnLst>
       <p:par>
-        <p:cTn id="1" dur="indefinite" restart="never" nodeType="tmRoot"/>
+        <p:cTn xmlns:p14="http://schemas.microsoft.com/office/powerpoint/2010/main" id="1" dur="indefinite" restart="never" nodeType="tmRoot"/>
       </p:par>
     </p:tnLst>
   </p:timing>
@@ -5708,172 +9641,6 @@
       </p:grpSpPr>
       <p:sp>
         <p:nvSpPr>
-          <p:cNvPr id="4" name="スライド番号プレースホルダー 3"/>
-          <p:cNvSpPr>
-            <a:spLocks noGrp="1"/>
-          </p:cNvSpPr>
-          <p:nvPr>
-            <p:ph type="sldNum" sz="quarter" idx="10"/>
-          </p:nvPr>
-        </p:nvSpPr>
-        <p:spPr/>
-        <p:txBody>
-          <a:bodyPr/>
-          <a:lstStyle/>
-          <a:p>
-            <a:fld id="{990DADC3-A982-4036-8418-CA3D2ADE099F}" type="slidenum">
-              <a:rPr kumimoji="1" lang="ja-JP" altLang="en-US" smtClean="0"/>
-              <a:pPr/>
-              <a:t>5</a:t>
-            </a:fld>
-            <a:endParaRPr kumimoji="1" lang="ja-JP" altLang="en-US" dirty="0"/>
-          </a:p>
-        </p:txBody>
-      </p:sp>
-      <p:sp>
-        <p:nvSpPr>
-          <p:cNvPr id="3" name="コンテンツ プレースホルダー 2"/>
-          <p:cNvSpPr>
-            <a:spLocks noGrp="1"/>
-          </p:cNvSpPr>
-          <p:nvPr>
-            <p:ph sz="quarter" idx="13"/>
-          </p:nvPr>
-        </p:nvSpPr>
-        <p:spPr/>
-        <p:txBody>
-          <a:bodyPr>
-            <a:normAutofit lnSpcReduction="10000"/>
-          </a:bodyPr>
-          <a:lstStyle/>
-          <a:p>
-            <a:pPr>
-              <a:buFont typeface="Wingdings" charset="2"/>
-              <a:buChar char="n"/>
-            </a:pPr>
-            <a:r>
-              <a:rPr lang="ja-JP" altLang="en-US" sz="2800" dirty="0" smtClean="0"/>
-              <a:t>最終日（</a:t>
-            </a:r>
-            <a:r>
-              <a:rPr lang="en-US" altLang="ja-JP" sz="2800" dirty="0" smtClean="0"/>
-              <a:t>12/21</a:t>
-            </a:r>
-            <a:r>
-              <a:rPr lang="ja-JP" altLang="en-US" sz="2800" dirty="0" smtClean="0"/>
-              <a:t>）に成果発表を実施</a:t>
-            </a:r>
-            <a:endParaRPr lang="en-US" altLang="ja-JP" sz="2800" dirty="0" smtClean="0"/>
-          </a:p>
-          <a:p>
-            <a:pPr>
-              <a:buFont typeface="Wingdings" charset="2"/>
-              <a:buChar char="n"/>
-            </a:pPr>
-            <a:r>
-              <a:rPr lang="ja-JP" altLang="en-US" sz="2800" dirty="0" smtClean="0"/>
-              <a:t>時間配分</a:t>
-            </a:r>
-            <a:endParaRPr lang="en-US" altLang="ja-JP" sz="2800" dirty="0" smtClean="0"/>
-          </a:p>
-          <a:p>
-            <a:pPr lvl="1">
-              <a:buFont typeface="Wingdings" charset="2"/>
-              <a:buChar char="n"/>
-            </a:pPr>
-            <a:r>
-              <a:rPr lang="ja-JP" altLang="en-US" sz="2100" dirty="0" smtClean="0"/>
-              <a:t>発表</a:t>
-            </a:r>
-            <a:r>
-              <a:rPr lang="en-US" altLang="ja-JP" sz="2100" dirty="0" smtClean="0"/>
-              <a:t>6</a:t>
-            </a:r>
-            <a:r>
-              <a:rPr lang="ja-JP" altLang="en-US" sz="2100" dirty="0" smtClean="0"/>
-              <a:t>分、質疑</a:t>
-            </a:r>
-            <a:r>
-              <a:rPr lang="en-US" altLang="ja-JP" sz="2100" dirty="0" smtClean="0"/>
-              <a:t>3</a:t>
-            </a:r>
-            <a:r>
-              <a:rPr lang="ja-JP" altLang="en-US" sz="2100" dirty="0" smtClean="0"/>
-              <a:t>分</a:t>
-            </a:r>
-            <a:endParaRPr lang="en-US" altLang="ja-JP" sz="2100" dirty="0" smtClean="0"/>
-          </a:p>
-          <a:p>
-            <a:pPr lvl="1">
-              <a:buFont typeface="Wingdings" charset="2"/>
-              <a:buChar char="n"/>
-            </a:pPr>
-            <a:r>
-              <a:rPr lang="en-US" altLang="ja-JP" sz="2100" dirty="0" smtClean="0"/>
-              <a:t>※</a:t>
-            </a:r>
-            <a:r>
-              <a:rPr lang="ja-JP" altLang="en-US" sz="2100" dirty="0" smtClean="0"/>
-              <a:t>特に凝った資料を用意する必要はありません。デモの配分が大きくても</a:t>
-            </a:r>
-            <a:r>
-              <a:rPr lang="en-US" altLang="ja-JP" sz="2100" dirty="0" smtClean="0"/>
-              <a:t>OK</a:t>
-            </a:r>
-            <a:r>
-              <a:rPr lang="ja-JP" altLang="en-US" sz="2100" dirty="0" smtClean="0"/>
-              <a:t>です</a:t>
-            </a:r>
-            <a:endParaRPr lang="en-US" altLang="ja-JP" sz="2100" dirty="0" smtClean="0"/>
-          </a:p>
-          <a:p>
-            <a:pPr>
-              <a:buFont typeface="Wingdings" charset="2"/>
-              <a:buChar char="n"/>
-            </a:pPr>
-            <a:r>
-              <a:rPr lang="ja-JP" altLang="en-US" sz="2800" dirty="0" smtClean="0"/>
-              <a:t>条件</a:t>
-            </a:r>
-            <a:endParaRPr lang="en-US" altLang="ja-JP" sz="2800" dirty="0" smtClean="0"/>
-          </a:p>
-          <a:p>
-            <a:pPr lvl="1">
-              <a:buFont typeface="Wingdings" charset="2"/>
-              <a:buChar char="n"/>
-            </a:pPr>
-            <a:r>
-              <a:rPr lang="ja-JP" altLang="en-US" sz="2100" dirty="0" smtClean="0"/>
-              <a:t>発表には、短時間でも良いので自動テストのデモも含めること</a:t>
-            </a:r>
-            <a:endParaRPr lang="en-US" altLang="ja-JP" sz="2100" dirty="0" smtClean="0"/>
-          </a:p>
-          <a:p>
-            <a:pPr lvl="1">
-              <a:buFont typeface="Wingdings" charset="2"/>
-              <a:buChar char="n"/>
-            </a:pPr>
-            <a:r>
-              <a:rPr lang="ja-JP" altLang="en-US" sz="2100" dirty="0" smtClean="0"/>
-              <a:t>単純に使った技術やできたものを説明するだけでなく、その技術を選んだ理由やテスト設計の意図についてなるべく説明を入れること</a:t>
-            </a:r>
-            <a:endParaRPr lang="en-US" altLang="ja-JP" sz="2100" dirty="0" smtClean="0"/>
-          </a:p>
-          <a:p>
-            <a:pPr lvl="2">
-              <a:buFont typeface="Wingdings" charset="2"/>
-              <a:buChar char="n"/>
-            </a:pPr>
-            <a:r>
-              <a:rPr lang="ja-JP" altLang="en-US" sz="1900" dirty="0" smtClean="0"/>
-              <a:t>テクニカルな部分だけでなく、ツール選定や設計意図を明確に伝えられるかどうかも評価します</a:t>
-            </a:r>
-            <a:endParaRPr lang="en-US" altLang="ja-JP" sz="1900" dirty="0" smtClean="0"/>
-          </a:p>
-        </p:txBody>
-      </p:sp>
-      <p:sp>
-        <p:nvSpPr>
           <p:cNvPr id="2" name="タイトル 1"/>
           <p:cNvSpPr>
             <a:spLocks noGrp="1"/>
@@ -5888,8 +9655,8 @@
           <a:lstStyle/>
           <a:p>
             <a:r>
-              <a:rPr kumimoji="1" lang="ja-JP" altLang="en-US" dirty="0" smtClean="0"/>
-              <a:t>成果発表</a:t>
+              <a:rPr lang="ja-JP" altLang="en-US" dirty="0" smtClean="0"/>
+              <a:t>現状</a:t>
             </a:r>
             <a:endParaRPr kumimoji="1" lang="ja-JP" altLang="en-US" dirty="0"/>
           </a:p>
@@ -5897,27 +9664,608 @@
       </p:sp>
       <p:sp>
         <p:nvSpPr>
-          <p:cNvPr id="5" name="テキスト プレースホルダー 4"/>
-          <p:cNvSpPr>
-            <a:spLocks noGrp="1"/>
-          </p:cNvSpPr>
-          <p:nvPr>
-            <p:ph type="body" sz="quarter" idx="14"/>
-          </p:nvPr>
+          <p:cNvPr id="10" name="テキスト ボックス 9"/>
+          <p:cNvSpPr txBox="1"/>
+          <p:nvPr/>
         </p:nvSpPr>
-        <p:spPr/>
+        <p:spPr>
+          <a:xfrm>
+            <a:off x="423333" y="1947333"/>
+            <a:ext cx="5672667" cy="405683"/>
+          </a:xfrm>
+          <a:prstGeom prst="rect">
+            <a:avLst/>
+          </a:prstGeom>
+          <a:noFill/>
+          <a:ln w="19050">
+            <a:noFill/>
+          </a:ln>
+          <a:effectLst>
+            <a:outerShdw blurRad="76200" dir="18900000" sy="23000" kx="-1200000" algn="bl" rotWithShape="0">
+              <a:prstClr val="black">
+                <a:alpha val="20000"/>
+              </a:prstClr>
+            </a:outerShdw>
+          </a:effectLst>
+        </p:spPr>
         <p:txBody>
-          <a:bodyPr/>
+          <a:bodyPr wrap="square" lIns="18000" tIns="18000" rIns="18000" bIns="18000" rtlCol="0">
+            <a:spAutoFit/>
+          </a:bodyPr>
           <a:lstStyle/>
           <a:p>
-            <a:endParaRPr kumimoji="1" lang="ja-JP" altLang="en-US"/>
+            <a:r>
+              <a:rPr kumimoji="1" lang="ja-JP" altLang="en-US" sz="2400" u="none" dirty="0" smtClean="0"/>
+              <a:t>「頻繁なカスタマイズ」への対応</a:t>
+            </a:r>
+            <a:endParaRPr kumimoji="1" lang="ja-JP" altLang="en-US" sz="2400" u="none" dirty="0" smtClean="0"/>
           </a:p>
         </p:txBody>
       </p:sp>
+      <p:sp>
+        <p:nvSpPr>
+          <p:cNvPr id="6" name="テキスト ボックス 5"/>
+          <p:cNvSpPr txBox="1"/>
+          <p:nvPr/>
+        </p:nvSpPr>
+        <p:spPr>
+          <a:xfrm>
+            <a:off x="677332" y="2751667"/>
+            <a:ext cx="7634111" cy="2621675"/>
+          </a:xfrm>
+          <a:prstGeom prst="rect">
+            <a:avLst/>
+          </a:prstGeom>
+          <a:noFill/>
+          <a:ln w="19050">
+            <a:noFill/>
+          </a:ln>
+          <a:effectLst>
+            <a:outerShdw blurRad="76200" dir="18900000" sy="23000" kx="-1200000" algn="bl" rotWithShape="0">
+              <a:prstClr val="black">
+                <a:alpha val="20000"/>
+              </a:prstClr>
+            </a:outerShdw>
+          </a:effectLst>
+        </p:spPr>
+        <p:txBody>
+          <a:bodyPr wrap="square" lIns="18000" tIns="18000" rIns="18000" bIns="18000" rtlCol="0">
+            <a:spAutoFit/>
+          </a:bodyPr>
+          <a:lstStyle/>
+          <a:p>
+            <a:pPr marL="342900" indent="-342900">
+              <a:buFont typeface="Wingdings" charset="2"/>
+              <a:buChar char="ü"/>
+            </a:pPr>
+            <a:r>
+              <a:rPr lang="ja-JP" altLang="en-US" sz="2400" dirty="0" smtClean="0"/>
+              <a:t>必要なこと</a:t>
+            </a:r>
+            <a:r>
+              <a:rPr lang="en-US" altLang="ja-JP" sz="2400" dirty="0" smtClean="0"/>
+              <a:t> </a:t>
+            </a:r>
+            <a:r>
+              <a:rPr lang="ja-JP" altLang="en-US" sz="2400" dirty="0" smtClean="0"/>
+              <a:t>：</a:t>
+            </a:r>
+            <a:r>
+              <a:rPr lang="en-US" altLang="ja-JP" sz="2400" dirty="0" smtClean="0"/>
+              <a:t> </a:t>
+            </a:r>
+            <a:r>
+              <a:rPr lang="ja-JP" altLang="en-US" sz="2400" dirty="0" smtClean="0"/>
+              <a:t>テストスクリプト</a:t>
+            </a:r>
+            <a:r>
+              <a:rPr lang="ja-JP" altLang="en-US" sz="2400" dirty="0"/>
+              <a:t>の迅速</a:t>
+            </a:r>
+            <a:r>
+              <a:rPr lang="ja-JP" altLang="en-US" sz="2400" dirty="0" smtClean="0"/>
+              <a:t>な</a:t>
+            </a:r>
+            <a:r>
+              <a:rPr lang="ja-JP" altLang="en-US" sz="2400" dirty="0" smtClean="0"/>
+              <a:t>作成</a:t>
+            </a:r>
+            <a:endParaRPr lang="en-US" altLang="ja-JP" sz="2400" dirty="0" smtClean="0"/>
+          </a:p>
+          <a:p>
+            <a:endParaRPr lang="en-US" altLang="ja-JP" sz="2400" dirty="0" smtClean="0"/>
+          </a:p>
+          <a:p>
+            <a:pPr marL="342900" indent="-342900">
+              <a:buFont typeface="Wingdings" charset="2"/>
+              <a:buChar char="ü"/>
+            </a:pPr>
+            <a:r>
+              <a:rPr lang="ja-JP" altLang="en-US" sz="2400" dirty="0" smtClean="0"/>
+              <a:t>対策</a:t>
+            </a:r>
+            <a:r>
+              <a:rPr lang="en-US" altLang="ja-JP" sz="2400" dirty="0" smtClean="0"/>
+              <a:t> </a:t>
+            </a:r>
+            <a:r>
+              <a:rPr lang="ja-JP" altLang="en-US" sz="2400" dirty="0" smtClean="0"/>
+              <a:t>：</a:t>
+            </a:r>
+            <a:r>
+              <a:rPr lang="en-US" altLang="ja-JP" sz="2400" dirty="0" smtClean="0"/>
+              <a:t> </a:t>
+            </a:r>
+            <a:r>
+              <a:rPr lang="en-US" altLang="ja-JP" sz="2400" dirty="0" err="1" smtClean="0"/>
+              <a:t>Selelium</a:t>
+            </a:r>
+            <a:r>
+              <a:rPr lang="en-US" altLang="ja-JP" sz="2400" dirty="0" smtClean="0"/>
+              <a:t> </a:t>
+            </a:r>
+            <a:r>
+              <a:rPr lang="en-US" altLang="ja-JP" sz="2400" dirty="0"/>
+              <a:t>IDE </a:t>
+            </a:r>
+            <a:r>
+              <a:rPr lang="ja-JP" altLang="en-US" sz="2400" dirty="0"/>
+              <a:t>を</a:t>
+            </a:r>
+            <a:r>
+              <a:rPr lang="ja-JP" altLang="en-US" sz="2400" dirty="0" smtClean="0"/>
+              <a:t>使用</a:t>
+            </a:r>
+            <a:endParaRPr lang="en-US" altLang="ja-JP" sz="2400" dirty="0" smtClean="0"/>
+          </a:p>
+          <a:p>
+            <a:r>
+              <a:rPr lang="ja-JP" altLang="en-US" sz="2400" dirty="0" smtClean="0"/>
+              <a:t>　　　　　　　初心者への敷居の低さも魅力</a:t>
+            </a:r>
+            <a:endParaRPr lang="en-US" altLang="ja-JP" sz="2400" dirty="0"/>
+          </a:p>
+          <a:p>
+            <a:pPr marL="342900" indent="-342900">
+              <a:buFont typeface="Wingdings" charset="2"/>
+              <a:buChar char="ü"/>
+            </a:pPr>
+            <a:endParaRPr lang="en-US" altLang="ja-JP" sz="2400" dirty="0" smtClean="0"/>
+          </a:p>
+          <a:p>
+            <a:pPr marL="342900" indent="-342900">
+              <a:buFont typeface="Wingdings" charset="2"/>
+              <a:buChar char="ü"/>
+            </a:pPr>
+            <a:r>
+              <a:rPr lang="ja-JP" altLang="en-US" sz="2400" dirty="0" smtClean="0"/>
+              <a:t>問題</a:t>
+            </a:r>
+            <a:r>
+              <a:rPr lang="en-US" altLang="ja-JP" sz="2400" dirty="0" smtClean="0"/>
+              <a:t> </a:t>
+            </a:r>
+            <a:r>
+              <a:rPr lang="ja-JP" altLang="en-US" sz="2400" dirty="0" smtClean="0"/>
+              <a:t>：</a:t>
+            </a:r>
+            <a:r>
+              <a:rPr lang="en-US" altLang="ja-JP" sz="2400" dirty="0" smtClean="0"/>
+              <a:t> </a:t>
+            </a:r>
+            <a:r>
+              <a:rPr lang="ja-JP" altLang="en-US" sz="2400" dirty="0" smtClean="0"/>
+              <a:t>保守性の悪さ</a:t>
+            </a:r>
+            <a:endParaRPr lang="en-US" altLang="ja-JP" sz="2400" dirty="0"/>
+          </a:p>
+          <a:p>
+            <a:r>
+              <a:rPr lang="ja-JP" altLang="en-US" sz="2400" dirty="0" smtClean="0"/>
+              <a:t>　　　　　　　別課題の「既存機能の保証」とコンフリクト</a:t>
+            </a:r>
+            <a:endParaRPr lang="en-US" altLang="ja-JP" sz="2400" dirty="0"/>
+          </a:p>
+        </p:txBody>
+      </p:sp>
+      <p:grpSp>
+        <p:nvGrpSpPr>
+          <p:cNvPr id="28" name="図形グループ 27"/>
+          <p:cNvGrpSpPr/>
+          <p:nvPr/>
+        </p:nvGrpSpPr>
+        <p:grpSpPr>
+          <a:xfrm>
+            <a:off x="6377505" y="2003778"/>
+            <a:ext cx="2643938" cy="2412999"/>
+            <a:chOff x="6377505" y="2427111"/>
+            <a:chExt cx="2643938" cy="2412999"/>
+          </a:xfrm>
+        </p:grpSpPr>
+        <p:pic>
+          <p:nvPicPr>
+            <p:cNvPr id="8" name="図 7"/>
+            <p:cNvPicPr>
+              <a:picLocks noChangeAspect="1"/>
+            </p:cNvPicPr>
+            <p:nvPr/>
+          </p:nvPicPr>
+          <p:blipFill>
+            <a:blip r:embed="rId2" cstate="print">
+              <a:extLst>
+                <a:ext uri="{28A0092B-C50C-407E-A947-70E740481C1C}">
+                  <a14:useLocalDpi xmlns:a14="http://schemas.microsoft.com/office/drawing/2010/main"/>
+                </a:ext>
+              </a:extLst>
+            </a:blip>
+            <a:stretch>
+              <a:fillRect/>
+            </a:stretch>
+          </p:blipFill>
+          <p:spPr>
+            <a:xfrm>
+              <a:off x="6377505" y="4148668"/>
+              <a:ext cx="784094" cy="691442"/>
+            </a:xfrm>
+            <a:prstGeom prst="rect">
+              <a:avLst/>
+            </a:prstGeom>
+          </p:spPr>
+        </p:pic>
+        <p:pic>
+          <p:nvPicPr>
+            <p:cNvPr id="19" name="図 18"/>
+            <p:cNvPicPr>
+              <a:picLocks noChangeAspect="1"/>
+            </p:cNvPicPr>
+            <p:nvPr/>
+          </p:nvPicPr>
+          <p:blipFill>
+            <a:blip r:embed="rId2" cstate="print">
+              <a:extLst>
+                <a:ext uri="{28A0092B-C50C-407E-A947-70E740481C1C}">
+                  <a14:useLocalDpi xmlns:a14="http://schemas.microsoft.com/office/drawing/2010/main"/>
+                </a:ext>
+              </a:extLst>
+            </a:blip>
+            <a:stretch>
+              <a:fillRect/>
+            </a:stretch>
+          </p:blipFill>
+          <p:spPr>
+            <a:xfrm>
+              <a:off x="7277794" y="4145846"/>
+              <a:ext cx="784094" cy="691442"/>
+            </a:xfrm>
+            <a:prstGeom prst="rect">
+              <a:avLst/>
+            </a:prstGeom>
+          </p:spPr>
+        </p:pic>
+        <p:pic>
+          <p:nvPicPr>
+            <p:cNvPr id="20" name="図 19"/>
+            <p:cNvPicPr>
+              <a:picLocks noChangeAspect="1"/>
+            </p:cNvPicPr>
+            <p:nvPr/>
+          </p:nvPicPr>
+          <p:blipFill>
+            <a:blip r:embed="rId2" cstate="print">
+              <a:extLst>
+                <a:ext uri="{28A0092B-C50C-407E-A947-70E740481C1C}">
+                  <a14:useLocalDpi xmlns:a14="http://schemas.microsoft.com/office/drawing/2010/main"/>
+                </a:ext>
+              </a:extLst>
+            </a:blip>
+            <a:stretch>
+              <a:fillRect/>
+            </a:stretch>
+          </p:blipFill>
+          <p:spPr>
+            <a:xfrm>
+              <a:off x="8237349" y="4145846"/>
+              <a:ext cx="784094" cy="691442"/>
+            </a:xfrm>
+            <a:prstGeom prst="rect">
+              <a:avLst/>
+            </a:prstGeom>
+          </p:spPr>
+        </p:pic>
+        <p:pic>
+          <p:nvPicPr>
+            <p:cNvPr id="9" name="図 8"/>
+            <p:cNvPicPr>
+              <a:picLocks noChangeAspect="1"/>
+            </p:cNvPicPr>
+            <p:nvPr/>
+          </p:nvPicPr>
+          <p:blipFill>
+            <a:blip r:embed="rId3" cstate="print">
+              <a:extLst>
+                <a:ext uri="{28A0092B-C50C-407E-A947-70E740481C1C}">
+                  <a14:useLocalDpi xmlns:a14="http://schemas.microsoft.com/office/drawing/2010/main"/>
+                </a:ext>
+              </a:extLst>
+            </a:blip>
+            <a:stretch>
+              <a:fillRect/>
+            </a:stretch>
+          </p:blipFill>
+          <p:spPr>
+            <a:xfrm>
+              <a:off x="7380111" y="2427111"/>
+              <a:ext cx="818446" cy="818446"/>
+            </a:xfrm>
+            <a:prstGeom prst="rect">
+              <a:avLst/>
+            </a:prstGeom>
+          </p:spPr>
+        </p:pic>
+        <p:cxnSp>
+          <p:nvCxnSpPr>
+            <p:cNvPr id="15" name="直線コネクタ 14"/>
+            <p:cNvCxnSpPr/>
+            <p:nvPr/>
+          </p:nvCxnSpPr>
+          <p:spPr>
+            <a:xfrm flipH="1">
+              <a:off x="6942666" y="3386667"/>
+              <a:ext cx="818445" cy="677333"/>
+            </a:xfrm>
+            <a:prstGeom prst="line">
+              <a:avLst/>
+            </a:prstGeom>
+          </p:spPr>
+          <p:style>
+            <a:lnRef idx="2">
+              <a:schemeClr val="accent1"/>
+            </a:lnRef>
+            <a:fillRef idx="0">
+              <a:schemeClr val="accent1"/>
+            </a:fillRef>
+            <a:effectRef idx="1">
+              <a:schemeClr val="accent1"/>
+            </a:effectRef>
+            <a:fontRef idx="minor">
+              <a:schemeClr val="tx1"/>
+            </a:fontRef>
+          </p:style>
+        </p:cxnSp>
+        <p:cxnSp>
+          <p:nvCxnSpPr>
+            <p:cNvPr id="21" name="直線コネクタ 20"/>
+            <p:cNvCxnSpPr/>
+            <p:nvPr/>
+          </p:nvCxnSpPr>
+          <p:spPr>
+            <a:xfrm flipH="1" flipV="1">
+              <a:off x="7786513" y="3383845"/>
+              <a:ext cx="835376" cy="623711"/>
+            </a:xfrm>
+            <a:prstGeom prst="line">
+              <a:avLst/>
+            </a:prstGeom>
+          </p:spPr>
+          <p:style>
+            <a:lnRef idx="2">
+              <a:schemeClr val="accent1"/>
+            </a:lnRef>
+            <a:fillRef idx="0">
+              <a:schemeClr val="accent1"/>
+            </a:fillRef>
+            <a:effectRef idx="1">
+              <a:schemeClr val="accent1"/>
+            </a:effectRef>
+            <a:fontRef idx="minor">
+              <a:schemeClr val="tx1"/>
+            </a:fontRef>
+          </p:style>
+        </p:cxnSp>
+        <p:cxnSp>
+          <p:nvCxnSpPr>
+            <p:cNvPr id="24" name="直線コネクタ 23"/>
+            <p:cNvCxnSpPr/>
+            <p:nvPr/>
+          </p:nvCxnSpPr>
+          <p:spPr>
+            <a:xfrm flipH="1">
+              <a:off x="7747000" y="3397956"/>
+              <a:ext cx="25402" cy="666044"/>
+            </a:xfrm>
+            <a:prstGeom prst="line">
+              <a:avLst/>
+            </a:prstGeom>
+          </p:spPr>
+          <p:style>
+            <a:lnRef idx="2">
+              <a:schemeClr val="accent1"/>
+            </a:lnRef>
+            <a:fillRef idx="0">
+              <a:schemeClr val="accent1"/>
+            </a:fillRef>
+            <a:effectRef idx="1">
+              <a:schemeClr val="accent1"/>
+            </a:effectRef>
+            <a:fontRef idx="minor">
+              <a:schemeClr val="tx1"/>
+            </a:fontRef>
+          </p:style>
+        </p:cxnSp>
+      </p:grpSp>
+      <p:cxnSp>
+        <p:nvCxnSpPr>
+          <p:cNvPr id="29" name="直線コネクタ 28"/>
+          <p:cNvCxnSpPr/>
+          <p:nvPr/>
+        </p:nvCxnSpPr>
+        <p:spPr>
+          <a:xfrm>
+            <a:off x="338667" y="2370667"/>
+            <a:ext cx="4670777" cy="0"/>
+          </a:xfrm>
+          <a:prstGeom prst="line">
+            <a:avLst/>
+          </a:prstGeom>
+        </p:spPr>
+        <p:style>
+          <a:lnRef idx="2">
+            <a:schemeClr val="accent1"/>
+          </a:lnRef>
+          <a:fillRef idx="0">
+            <a:schemeClr val="accent1"/>
+          </a:fillRef>
+          <a:effectRef idx="1">
+            <a:schemeClr val="accent1"/>
+          </a:effectRef>
+          <a:fontRef idx="minor">
+            <a:schemeClr val="tx1"/>
+          </a:fontRef>
+        </p:style>
+      </p:cxnSp>
+      <p:grpSp>
+        <p:nvGrpSpPr>
+          <p:cNvPr id="32" name="図形グループ 31"/>
+          <p:cNvGrpSpPr/>
+          <p:nvPr/>
+        </p:nvGrpSpPr>
+        <p:grpSpPr>
+          <a:xfrm>
+            <a:off x="3386666" y="395111"/>
+            <a:ext cx="5464798" cy="1055511"/>
+            <a:chOff x="3386666" y="395111"/>
+            <a:chExt cx="5464798" cy="1055511"/>
+          </a:xfrm>
+        </p:grpSpPr>
+        <p:sp>
+          <p:nvSpPr>
+            <p:cNvPr id="30" name="円/楕円 29"/>
+            <p:cNvSpPr/>
+            <p:nvPr/>
+          </p:nvSpPr>
+          <p:spPr>
+            <a:xfrm>
+              <a:off x="3386666" y="395111"/>
+              <a:ext cx="2913509" cy="1044222"/>
+            </a:xfrm>
+            <a:prstGeom prst="ellipse">
+              <a:avLst/>
+            </a:prstGeom>
+            <a:solidFill>
+              <a:schemeClr val="bg1">
+                <a:alpha val="80000"/>
+              </a:schemeClr>
+            </a:solidFill>
+            <a:ln w="19050">
+              <a:solidFill>
+                <a:schemeClr val="tx2"/>
+              </a:solidFill>
+            </a:ln>
+          </p:spPr>
+          <p:style>
+            <a:lnRef idx="2">
+              <a:schemeClr val="accent1">
+                <a:shade val="50000"/>
+              </a:schemeClr>
+            </a:lnRef>
+            <a:fillRef idx="1">
+              <a:schemeClr val="accent1"/>
+            </a:fillRef>
+            <a:effectRef idx="0">
+              <a:schemeClr val="accent1"/>
+            </a:effectRef>
+            <a:fontRef idx="minor">
+              <a:schemeClr val="lt1"/>
+            </a:fontRef>
+          </p:style>
+          <p:txBody>
+            <a:bodyPr rtlCol="0" anchor="ctr"/>
+            <a:lstStyle/>
+            <a:p>
+              <a:pPr algn="ctr"/>
+              <a:r>
+                <a:rPr lang="ja-JP" altLang="en-US" dirty="0" smtClean="0">
+                  <a:solidFill>
+                    <a:schemeClr val="tx1"/>
+                  </a:solidFill>
+                </a:rPr>
+                <a:t>頻繁なカスタマイズ</a:t>
+              </a:r>
+              <a:endParaRPr lang="en-US" altLang="ja-JP" dirty="0" smtClean="0">
+                <a:solidFill>
+                  <a:schemeClr val="tx1"/>
+                </a:solidFill>
+              </a:endParaRPr>
+            </a:p>
+          </p:txBody>
+        </p:sp>
+        <p:sp>
+          <p:nvSpPr>
+            <p:cNvPr id="31" name="円/楕円 30"/>
+            <p:cNvSpPr/>
+            <p:nvPr/>
+          </p:nvSpPr>
+          <p:spPr>
+            <a:xfrm>
+              <a:off x="5937955" y="406400"/>
+              <a:ext cx="2913509" cy="1044222"/>
+            </a:xfrm>
+            <a:prstGeom prst="ellipse">
+              <a:avLst/>
+            </a:prstGeom>
+            <a:solidFill>
+              <a:schemeClr val="bg1">
+                <a:alpha val="80000"/>
+              </a:schemeClr>
+            </a:solidFill>
+            <a:ln w="19050">
+              <a:solidFill>
+                <a:schemeClr val="tx2"/>
+              </a:solidFill>
+            </a:ln>
+          </p:spPr>
+          <p:style>
+            <a:lnRef idx="2">
+              <a:schemeClr val="accent1">
+                <a:shade val="50000"/>
+              </a:schemeClr>
+            </a:lnRef>
+            <a:fillRef idx="1">
+              <a:schemeClr val="accent1"/>
+            </a:fillRef>
+            <a:effectRef idx="0">
+              <a:schemeClr val="accent1"/>
+            </a:effectRef>
+            <a:fontRef idx="minor">
+              <a:schemeClr val="lt1"/>
+            </a:fontRef>
+          </p:style>
+          <p:txBody>
+            <a:bodyPr rtlCol="0" anchor="ctr"/>
+            <a:lstStyle/>
+            <a:p>
+              <a:pPr algn="ctr"/>
+              <a:r>
+                <a:rPr lang="ja-JP" altLang="en-US" dirty="0" smtClean="0">
+                  <a:solidFill>
+                    <a:schemeClr val="tx1"/>
+                  </a:solidFill>
+                </a:rPr>
+                <a:t>既存機能の保証</a:t>
+              </a:r>
+              <a:endParaRPr lang="en-US" altLang="ja-JP" dirty="0" smtClean="0">
+                <a:solidFill>
+                  <a:schemeClr val="tx1"/>
+                </a:solidFill>
+              </a:endParaRPr>
+            </a:p>
+          </p:txBody>
+        </p:sp>
+      </p:grpSp>
     </p:spTree>
     <p:extLst>
       <p:ext uri="{BB962C8B-B14F-4D97-AF65-F5344CB8AC3E}">
-        <p14:creationId xmlns:p14="http://schemas.microsoft.com/office/powerpoint/2010/main" val="239258703"/>
+        <p14:creationId xmlns:p14="http://schemas.microsoft.com/office/powerpoint/2010/main" val="1622682768"/>
       </p:ext>
     </p:extLst>
   </p:cSld>
@@ -5927,7 +10275,7 @@
   <p:timing>
     <p:tnLst>
       <p:par>
-        <p:cTn id="1" dur="indefinite" restart="never" nodeType="tmRoot"/>
+        <p:cTn xmlns:p14="http://schemas.microsoft.com/office/powerpoint/2010/main" id="1" dur="indefinite" restart="never" nodeType="tmRoot"/>
       </p:par>
     </p:tnLst>
   </p:timing>
@@ -5953,12 +10301,276 @@
       </p:grpSpPr>
       <p:sp>
         <p:nvSpPr>
-          <p:cNvPr id="4" name="スライド番号プレースホルダー 3"/>
+          <p:cNvPr id="10" name="テキスト ボックス 9"/>
+          <p:cNvSpPr txBox="1"/>
+          <p:nvPr/>
+        </p:nvSpPr>
+        <p:spPr>
+          <a:xfrm>
+            <a:off x="423333" y="1947333"/>
+            <a:ext cx="5672667" cy="405683"/>
+          </a:xfrm>
+          <a:prstGeom prst="rect">
+            <a:avLst/>
+          </a:prstGeom>
+          <a:noFill/>
+          <a:ln w="19050">
+            <a:noFill/>
+          </a:ln>
+          <a:effectLst>
+            <a:outerShdw blurRad="76200" dir="18900000" sy="23000" kx="-1200000" algn="bl" rotWithShape="0">
+              <a:prstClr val="black">
+                <a:alpha val="20000"/>
+              </a:prstClr>
+            </a:outerShdw>
+          </a:effectLst>
+        </p:spPr>
+        <p:txBody>
+          <a:bodyPr wrap="square" lIns="18000" tIns="18000" rIns="18000" bIns="18000" rtlCol="0">
+            <a:spAutoFit/>
+          </a:bodyPr>
+          <a:lstStyle/>
+          <a:p>
+            <a:r>
+              <a:rPr kumimoji="1" lang="ja-JP" altLang="en-US" sz="2400" u="none" dirty="0" smtClean="0"/>
+              <a:t>「既存機能の保守」への対応</a:t>
+            </a:r>
+            <a:endParaRPr kumimoji="1" lang="ja-JP" altLang="en-US" sz="2400" u="none" dirty="0" smtClean="0"/>
+          </a:p>
+        </p:txBody>
+      </p:sp>
+      <p:sp>
+        <p:nvSpPr>
+          <p:cNvPr id="6" name="テキスト ボックス 5"/>
+          <p:cNvSpPr txBox="1"/>
+          <p:nvPr/>
+        </p:nvSpPr>
+        <p:spPr>
+          <a:xfrm>
+            <a:off x="677332" y="2751667"/>
+            <a:ext cx="7634111" cy="2621675"/>
+          </a:xfrm>
+          <a:prstGeom prst="rect">
+            <a:avLst/>
+          </a:prstGeom>
+          <a:noFill/>
+          <a:ln w="19050">
+            <a:noFill/>
+          </a:ln>
+          <a:effectLst>
+            <a:outerShdw blurRad="76200" dir="18900000" sy="23000" kx="-1200000" algn="bl" rotWithShape="0">
+              <a:prstClr val="black">
+                <a:alpha val="20000"/>
+              </a:prstClr>
+            </a:outerShdw>
+          </a:effectLst>
+        </p:spPr>
+        <p:txBody>
+          <a:bodyPr wrap="square" lIns="18000" tIns="18000" rIns="18000" bIns="18000" rtlCol="0">
+            <a:spAutoFit/>
+          </a:bodyPr>
+          <a:lstStyle/>
+          <a:p>
+            <a:pPr marL="342900" indent="-342900">
+              <a:buFont typeface="Wingdings" charset="2"/>
+              <a:buChar char="ü"/>
+            </a:pPr>
+            <a:r>
+              <a:rPr lang="ja-JP" altLang="en-US" sz="2400" dirty="0" smtClean="0"/>
+              <a:t>必要なこと</a:t>
+            </a:r>
+            <a:r>
+              <a:rPr lang="en-US" altLang="ja-JP" sz="2400" dirty="0" smtClean="0"/>
+              <a:t> </a:t>
+            </a:r>
+            <a:r>
+              <a:rPr lang="ja-JP" altLang="en-US" sz="2400" dirty="0" smtClean="0"/>
+              <a:t>：再利用可能なスクリプトの作成</a:t>
+            </a:r>
+            <a:endParaRPr lang="en-US" altLang="ja-JP" sz="2400" dirty="0" smtClean="0"/>
+          </a:p>
+          <a:p>
+            <a:endParaRPr lang="en-US" altLang="ja-JP" sz="2400" dirty="0" smtClean="0"/>
+          </a:p>
+          <a:p>
+            <a:pPr marL="342900" indent="-342900">
+              <a:buFont typeface="Wingdings" charset="2"/>
+              <a:buChar char="ü"/>
+            </a:pPr>
+            <a:r>
+              <a:rPr lang="ja-JP" altLang="en-US" sz="2400" dirty="0" smtClean="0"/>
+              <a:t>対策</a:t>
+            </a:r>
+            <a:r>
+              <a:rPr lang="en-US" altLang="ja-JP" sz="2400" dirty="0" smtClean="0"/>
+              <a:t> </a:t>
+            </a:r>
+            <a:r>
+              <a:rPr lang="ja-JP" altLang="en-US" sz="2400" dirty="0" smtClean="0"/>
+              <a:t>：</a:t>
+            </a:r>
+            <a:r>
+              <a:rPr lang="en-US" altLang="ja-JP" sz="2400" dirty="0" smtClean="0"/>
+              <a:t> Selenium </a:t>
+            </a:r>
+            <a:r>
+              <a:rPr lang="en-US" altLang="ja-JP" sz="2400" dirty="0" err="1" smtClean="0"/>
+              <a:t>Webdriver</a:t>
+            </a:r>
+            <a:r>
+              <a:rPr lang="en-US" altLang="ja-JP" sz="2400" dirty="0" smtClean="0"/>
+              <a:t> </a:t>
+            </a:r>
+            <a:r>
+              <a:rPr lang="ja-JP" altLang="en-US" sz="2400" dirty="0" smtClean="0"/>
+              <a:t>の使用</a:t>
+            </a:r>
+            <a:endParaRPr lang="en-US" altLang="ja-JP" sz="2400" dirty="0" smtClean="0"/>
+          </a:p>
+          <a:p>
+            <a:endParaRPr lang="en-US" altLang="ja-JP" sz="2400" dirty="0" smtClean="0"/>
+          </a:p>
+          <a:p>
+            <a:pPr marL="342900" indent="-342900">
+              <a:buFont typeface="Wingdings" charset="2"/>
+              <a:buChar char="ü"/>
+            </a:pPr>
+            <a:r>
+              <a:rPr lang="ja-JP" altLang="en-US" sz="2400" dirty="0" smtClean="0"/>
+              <a:t>問題</a:t>
+            </a:r>
+            <a:r>
+              <a:rPr lang="en-US" altLang="ja-JP" sz="2400" dirty="0" smtClean="0"/>
+              <a:t> </a:t>
+            </a:r>
+            <a:r>
+              <a:rPr lang="ja-JP" altLang="en-US" sz="2400" dirty="0" smtClean="0"/>
+              <a:t>：</a:t>
+            </a:r>
+            <a:r>
+              <a:rPr lang="en-US" altLang="ja-JP" sz="2400" dirty="0" smtClean="0"/>
+              <a:t> </a:t>
+            </a:r>
+            <a:r>
+              <a:rPr lang="ja-JP" altLang="en-US" sz="2400" dirty="0" smtClean="0"/>
+              <a:t>スクリプト作成コストの高さ</a:t>
+            </a:r>
+            <a:endParaRPr lang="en-US" altLang="ja-JP" sz="2400" dirty="0"/>
+          </a:p>
+          <a:p>
+            <a:r>
+              <a:rPr lang="ja-JP" altLang="en-US" sz="2400" dirty="0" smtClean="0"/>
+              <a:t>　　　　　　　人材確保（要プログラミング）が難しく</a:t>
+            </a:r>
+            <a:endParaRPr lang="en-US" altLang="ja-JP" sz="2400" dirty="0" smtClean="0"/>
+          </a:p>
+          <a:p>
+            <a:r>
+              <a:rPr lang="ja-JP" altLang="en-US" sz="2400" dirty="0" smtClean="0"/>
+              <a:t>　　　　　　　作成にかかる時間も非常に長い</a:t>
+            </a:r>
+            <a:endParaRPr lang="en-US" altLang="ja-JP" sz="2400" dirty="0"/>
+          </a:p>
+        </p:txBody>
+      </p:sp>
+      <p:pic>
+        <p:nvPicPr>
+          <p:cNvPr id="9" name="図 8"/>
+          <p:cNvPicPr>
+            <a:picLocks noChangeAspect="1"/>
+          </p:cNvPicPr>
+          <p:nvPr/>
+        </p:nvPicPr>
+        <p:blipFill>
+          <a:blip r:embed="rId2" cstate="print">
+            <a:extLst>
+              <a:ext uri="{28A0092B-C50C-407E-A947-70E740481C1C}">
+                <a14:useLocalDpi xmlns:a14="http://schemas.microsoft.com/office/drawing/2010/main"/>
+              </a:ext>
+            </a:extLst>
+          </a:blip>
+          <a:stretch>
+            <a:fillRect/>
+          </a:stretch>
+        </p:blipFill>
+        <p:spPr>
+          <a:xfrm>
+            <a:off x="7704667" y="2215445"/>
+            <a:ext cx="818446" cy="818446"/>
+          </a:xfrm>
+          <a:prstGeom prst="rect">
+            <a:avLst/>
+          </a:prstGeom>
+        </p:spPr>
+      </p:pic>
+      <p:cxnSp>
+        <p:nvCxnSpPr>
+          <p:cNvPr id="24" name="直線コネクタ 23"/>
+          <p:cNvCxnSpPr/>
+          <p:nvPr/>
+        </p:nvCxnSpPr>
+        <p:spPr>
+          <a:xfrm flipH="1">
+            <a:off x="8071556" y="3186290"/>
+            <a:ext cx="25402" cy="666044"/>
+          </a:xfrm>
+          <a:prstGeom prst="line">
+            <a:avLst/>
+          </a:prstGeom>
+        </p:spPr>
+        <p:style>
+          <a:lnRef idx="2">
+            <a:schemeClr val="accent1"/>
+          </a:lnRef>
+          <a:fillRef idx="0">
+            <a:schemeClr val="accent1"/>
+          </a:fillRef>
+          <a:effectRef idx="1">
+            <a:schemeClr val="accent1"/>
+          </a:effectRef>
+          <a:fontRef idx="minor">
+            <a:schemeClr val="tx1"/>
+          </a:fontRef>
+        </p:style>
+      </p:cxnSp>
+      <p:pic>
+        <p:nvPicPr>
+          <p:cNvPr id="3" name="図 2"/>
+          <p:cNvPicPr>
+            <a:picLocks noChangeAspect="1"/>
+          </p:cNvPicPr>
+          <p:nvPr/>
+        </p:nvPicPr>
+        <p:blipFill>
+          <a:blip r:embed="rId3" cstate="print">
+            <a:extLst>
+              <a:ext uri="{28A0092B-C50C-407E-A947-70E740481C1C}">
+                <a14:useLocalDpi xmlns:a14="http://schemas.microsoft.com/office/drawing/2010/main"/>
+              </a:ext>
+            </a:extLst>
+          </a:blip>
+          <a:stretch>
+            <a:fillRect/>
+          </a:stretch>
+        </p:blipFill>
+        <p:spPr>
+          <a:xfrm>
+            <a:off x="7316153" y="3782068"/>
+            <a:ext cx="1545626" cy="1579864"/>
+          </a:xfrm>
+          <a:prstGeom prst="rect">
+            <a:avLst/>
+          </a:prstGeom>
+        </p:spPr>
+      </p:pic>
+      <p:sp>
+        <p:nvSpPr>
+          <p:cNvPr id="4" name="タイトル 3"/>
           <p:cNvSpPr>
             <a:spLocks noGrp="1"/>
           </p:cNvSpPr>
           <p:nvPr>
-            <p:ph type="sldNum" sz="quarter" idx="10"/>
+            <p:ph type="title"/>
           </p:nvPr>
         </p:nvSpPr>
         <p:spPr/>
@@ -5966,932 +10578,220 @@
           <a:bodyPr/>
           <a:lstStyle/>
           <a:p>
-            <a:fld id="{990DADC3-A982-4036-8418-CA3D2ADE099F}" type="slidenum">
-              <a:rPr kumimoji="1" lang="ja-JP" altLang="en-US" smtClean="0"/>
-              <a:pPr/>
-              <a:t>6</a:t>
-            </a:fld>
+            <a:r>
+              <a:rPr kumimoji="1" lang="ja-JP" altLang="en-US" dirty="0" smtClean="0"/>
+              <a:t>現状</a:t>
+            </a:r>
             <a:endParaRPr kumimoji="1" lang="ja-JP" altLang="en-US" dirty="0"/>
           </a:p>
         </p:txBody>
       </p:sp>
-      <p:graphicFrame>
-        <p:nvGraphicFramePr>
-          <p:cNvPr id="6" name="コンテンツ プレースホルダー 5"/>
-          <p:cNvGraphicFramePr>
-            <a:graphicFrameLocks noGrp="1"/>
-          </p:cNvGraphicFramePr>
-          <p:nvPr>
-            <p:ph sz="quarter" idx="13"/>
-            <p:extLst>
-              <p:ext uri="{D42A27DB-BD31-4B8C-83A1-F6EECF244321}">
-                <p14:modId xmlns:p14="http://schemas.microsoft.com/office/powerpoint/2010/main" val="4139497571"/>
-              </p:ext>
-            </p:extLst>
-          </p:nvPr>
-        </p:nvGraphicFramePr>
-        <p:xfrm>
-          <a:off x="323850" y="1658938"/>
-          <a:ext cx="8496300" cy="4800600"/>
-        </p:xfrm>
-        <a:graphic>
-          <a:graphicData uri="http://schemas.openxmlformats.org/drawingml/2006/table">
-            <a:tbl>
-              <a:tblPr firstRow="1" bandRow="1">
-                <a:tableStyleId>{5C22544A-7EE6-4342-B048-85BDC9FD1C3A}</a:tableStyleId>
-              </a:tblPr>
-              <a:tblGrid>
-                <a:gridCol w="1593993"/>
-                <a:gridCol w="2131987"/>
-                <a:gridCol w="4770320"/>
-              </a:tblGrid>
-              <a:tr h="370840">
-                <a:tc>
-                  <a:txBody>
-                    <a:bodyPr/>
-                    <a:lstStyle/>
-                    <a:p>
-                      <a:pPr algn="ctr"/>
-                      <a:r>
-                        <a:rPr kumimoji="1" lang="ja-JP" altLang="en-US" b="1" i="0" dirty="0" smtClean="0">
-                          <a:latin typeface="+mj-ea"/>
-                          <a:ea typeface="+mj-ea"/>
-                          <a:cs typeface="メイリオ"/>
-                        </a:rPr>
-                        <a:t>日付</a:t>
-                      </a:r>
-                      <a:endParaRPr kumimoji="1" lang="ja-JP" altLang="en-US" b="1" i="0" dirty="0">
-                        <a:latin typeface="+mj-ea"/>
-                        <a:ea typeface="+mj-ea"/>
-                        <a:cs typeface="メイリオ"/>
-                      </a:endParaRPr>
-                    </a:p>
-                  </a:txBody>
-                  <a:tcPr marL="95939" marR="95939"/>
-                </a:tc>
-                <a:tc>
-                  <a:txBody>
-                    <a:bodyPr/>
-                    <a:lstStyle/>
-                    <a:p>
-                      <a:pPr algn="ctr"/>
-                      <a:r>
-                        <a:rPr kumimoji="1" lang="ja-JP" altLang="en-US" b="1" i="0" dirty="0" smtClean="0">
-                          <a:latin typeface="+mj-ea"/>
-                          <a:ea typeface="+mj-ea"/>
-                          <a:cs typeface="メイリオ"/>
-                        </a:rPr>
-                        <a:t>時間</a:t>
-                      </a:r>
-                      <a:endParaRPr kumimoji="1" lang="ja-JP" altLang="en-US" b="1" i="0" dirty="0">
-                        <a:latin typeface="+mj-ea"/>
-                        <a:ea typeface="+mj-ea"/>
-                        <a:cs typeface="メイリオ"/>
-                      </a:endParaRPr>
-                    </a:p>
-                  </a:txBody>
-                  <a:tcPr marL="95939" marR="95939"/>
-                </a:tc>
-                <a:tc>
-                  <a:txBody>
-                    <a:bodyPr/>
-                    <a:lstStyle/>
-                    <a:p>
-                      <a:pPr algn="ctr"/>
-                      <a:r>
-                        <a:rPr kumimoji="1" lang="ja-JP" altLang="en-US" b="1" i="0" dirty="0" smtClean="0">
-                          <a:latin typeface="+mj-ea"/>
-                          <a:ea typeface="+mj-ea"/>
-                          <a:cs typeface="メイリオ"/>
-                        </a:rPr>
-                        <a:t>内容</a:t>
-                      </a:r>
-                      <a:endParaRPr kumimoji="1" lang="ja-JP" altLang="en-US" b="1" i="0" dirty="0">
-                        <a:latin typeface="+mj-ea"/>
-                        <a:ea typeface="+mj-ea"/>
-                        <a:cs typeface="メイリオ"/>
-                      </a:endParaRPr>
-                    </a:p>
-                  </a:txBody>
-                  <a:tcPr marL="95939" marR="95939"/>
-                </a:tc>
-              </a:tr>
-              <a:tr h="370840">
-                <a:tc>
-                  <a:txBody>
-                    <a:bodyPr/>
-                    <a:lstStyle/>
-                    <a:p>
-                      <a:pPr algn="ctr"/>
-                      <a:r>
-                        <a:rPr kumimoji="1" lang="en-US" altLang="ja-JP" b="0" i="0" dirty="0" smtClean="0">
-                          <a:latin typeface="+mj-ea"/>
-                          <a:ea typeface="+mj-ea"/>
-                          <a:cs typeface="メイリオ"/>
-                        </a:rPr>
-                        <a:t>12/20</a:t>
-                      </a:r>
-                      <a:r>
-                        <a:rPr kumimoji="1" lang="ja-JP" altLang="en-US" b="0" i="0" dirty="0" smtClean="0">
-                          <a:latin typeface="+mj-ea"/>
-                          <a:ea typeface="+mj-ea"/>
-                          <a:cs typeface="メイリオ"/>
-                        </a:rPr>
-                        <a:t>（日）</a:t>
-                      </a:r>
-                      <a:endParaRPr kumimoji="1" lang="ja-JP" altLang="en-US" b="0" i="0" dirty="0">
-                        <a:latin typeface="+mj-ea"/>
-                        <a:ea typeface="+mj-ea"/>
-                        <a:cs typeface="メイリオ"/>
-                      </a:endParaRPr>
-                    </a:p>
-                  </a:txBody>
-                  <a:tcPr marL="95939" marR="95939"/>
-                </a:tc>
-                <a:tc>
-                  <a:txBody>
-                    <a:bodyPr/>
-                    <a:lstStyle/>
-                    <a:p>
-                      <a:pPr algn="ctr"/>
-                      <a:r>
-                        <a:rPr kumimoji="1" lang="en-US" altLang="ja-JP" b="0" i="0" dirty="0" smtClean="0">
-                          <a:latin typeface="+mj-ea"/>
-                          <a:ea typeface="+mj-ea"/>
-                          <a:cs typeface="メイリオ"/>
-                        </a:rPr>
-                        <a:t>10:00</a:t>
-                      </a:r>
-                      <a:r>
-                        <a:rPr kumimoji="1" lang="en-US" altLang="ja-JP" b="0" i="0" baseline="0" dirty="0" smtClean="0">
-                          <a:latin typeface="+mj-ea"/>
-                          <a:ea typeface="+mj-ea"/>
-                          <a:cs typeface="メイリオ"/>
-                        </a:rPr>
-                        <a:t> - </a:t>
-                      </a:r>
-                      <a:r>
-                        <a:rPr kumimoji="1" lang="en-US" altLang="ja-JP" b="0" i="0" dirty="0" smtClean="0">
-                          <a:latin typeface="+mj-ea"/>
-                          <a:ea typeface="+mj-ea"/>
-                          <a:cs typeface="メイリオ"/>
-                        </a:rPr>
-                        <a:t>12:30</a:t>
-                      </a:r>
-                      <a:endParaRPr kumimoji="1" lang="ja-JP" altLang="en-US" b="0" i="0" dirty="0">
-                        <a:latin typeface="+mj-ea"/>
-                        <a:ea typeface="+mj-ea"/>
-                        <a:cs typeface="メイリオ"/>
-                      </a:endParaRPr>
-                    </a:p>
-                  </a:txBody>
-                  <a:tcPr marL="95939" marR="95939"/>
-                </a:tc>
-                <a:tc>
-                  <a:txBody>
-                    <a:bodyPr/>
-                    <a:lstStyle/>
-                    <a:p>
-                      <a:r>
-                        <a:rPr kumimoji="1" lang="ja-JP" altLang="en-US" b="0" i="0" dirty="0" smtClean="0">
-                          <a:latin typeface="+mj-ea"/>
-                          <a:ea typeface="+mj-ea"/>
-                          <a:cs typeface="メイリオ"/>
-                        </a:rPr>
-                        <a:t>（作業）テスト設計、環境構築</a:t>
-                      </a:r>
-                      <a:endParaRPr kumimoji="1" lang="en-US" altLang="ja-JP" b="0" i="0" dirty="0" smtClean="0">
-                        <a:latin typeface="+mj-ea"/>
-                        <a:ea typeface="+mj-ea"/>
-                        <a:cs typeface="メイリオ"/>
-                      </a:endParaRPr>
-                    </a:p>
-                    <a:p>
-                      <a:r>
-                        <a:rPr kumimoji="1" lang="en-US" altLang="ja-JP" sz="1600" b="0" i="0" dirty="0" smtClean="0">
-                          <a:latin typeface="+mj-ea"/>
-                          <a:ea typeface="+mj-ea"/>
-                          <a:cs typeface="メイリオ"/>
-                        </a:rPr>
-                        <a:t>※</a:t>
-                      </a:r>
-                      <a:r>
-                        <a:rPr kumimoji="1" lang="ja-JP" altLang="en-US" sz="1600" b="0" i="0" dirty="0" smtClean="0">
-                          <a:latin typeface="+mj-ea"/>
-                          <a:ea typeface="+mj-ea"/>
-                          <a:cs typeface="メイリオ"/>
-                        </a:rPr>
-                        <a:t>どちらかは終えているくらいが目安</a:t>
-                      </a:r>
-                      <a:endParaRPr kumimoji="1" lang="ja-JP" altLang="en-US" sz="1600" b="0" i="0" dirty="0">
-                        <a:latin typeface="+mj-ea"/>
-                        <a:ea typeface="+mj-ea"/>
-                        <a:cs typeface="メイリオ"/>
-                      </a:endParaRPr>
-                    </a:p>
-                  </a:txBody>
-                  <a:tcPr marL="95939" marR="95939"/>
-                </a:tc>
-              </a:tr>
-              <a:tr h="370840">
-                <a:tc>
-                  <a:txBody>
-                    <a:bodyPr/>
-                    <a:lstStyle/>
-                    <a:p>
-                      <a:pPr algn="ctr"/>
-                      <a:endParaRPr kumimoji="1" lang="ja-JP" altLang="en-US" b="0" i="0" dirty="0">
-                        <a:latin typeface="+mj-ea"/>
-                        <a:ea typeface="+mj-ea"/>
-                        <a:cs typeface="メイリオ"/>
-                      </a:endParaRPr>
-                    </a:p>
-                  </a:txBody>
-                  <a:tcPr marL="95939" marR="95939"/>
-                </a:tc>
-                <a:tc>
-                  <a:txBody>
-                    <a:bodyPr/>
-                    <a:lstStyle/>
-                    <a:p>
-                      <a:pPr algn="ctr"/>
-                      <a:r>
-                        <a:rPr kumimoji="1" lang="en-US" altLang="ja-JP" b="0" i="0" dirty="0" smtClean="0">
-                          <a:latin typeface="+mj-ea"/>
-                          <a:ea typeface="+mj-ea"/>
-                          <a:cs typeface="メイリオ"/>
-                        </a:rPr>
-                        <a:t>12:30</a:t>
-                      </a:r>
-                      <a:r>
-                        <a:rPr kumimoji="1" lang="en-US" altLang="ja-JP" b="0" i="0" baseline="0" dirty="0" smtClean="0">
-                          <a:latin typeface="+mj-ea"/>
-                          <a:ea typeface="+mj-ea"/>
-                          <a:cs typeface="メイリオ"/>
-                        </a:rPr>
-                        <a:t> - 13:00</a:t>
-                      </a:r>
-                      <a:endParaRPr kumimoji="1" lang="ja-JP" altLang="en-US" b="0" i="0" dirty="0">
-                        <a:latin typeface="+mj-ea"/>
-                        <a:ea typeface="+mj-ea"/>
-                        <a:cs typeface="メイリオ"/>
-                      </a:endParaRPr>
-                    </a:p>
-                  </a:txBody>
-                  <a:tcPr marL="95939" marR="95939"/>
-                </a:tc>
-                <a:tc>
-                  <a:txBody>
-                    <a:bodyPr/>
-                    <a:lstStyle/>
-                    <a:p>
-                      <a:r>
-                        <a:rPr kumimoji="1" lang="ja-JP" altLang="en-US" b="0" i="0" dirty="0" smtClean="0">
-                          <a:latin typeface="+mj-ea"/>
-                          <a:ea typeface="+mj-ea"/>
-                          <a:cs typeface="メイリオ"/>
-                        </a:rPr>
-                        <a:t>（講師から）様々な便利ツールの紹介</a:t>
-                      </a:r>
-                      <a:endParaRPr kumimoji="1" lang="ja-JP" altLang="en-US" b="0" i="0" dirty="0">
-                        <a:latin typeface="+mj-ea"/>
-                        <a:ea typeface="+mj-ea"/>
-                        <a:cs typeface="メイリオ"/>
-                      </a:endParaRPr>
-                    </a:p>
-                  </a:txBody>
-                  <a:tcPr marL="95939" marR="95939"/>
-                </a:tc>
-              </a:tr>
-              <a:tr h="370840">
-                <a:tc>
-                  <a:txBody>
-                    <a:bodyPr/>
-                    <a:lstStyle/>
-                    <a:p>
-                      <a:pPr algn="ctr"/>
-                      <a:endParaRPr kumimoji="1" lang="ja-JP" altLang="en-US" b="0" i="0" dirty="0">
-                        <a:latin typeface="+mj-ea"/>
-                        <a:ea typeface="+mj-ea"/>
-                        <a:cs typeface="メイリオ"/>
-                      </a:endParaRPr>
-                    </a:p>
-                  </a:txBody>
-                  <a:tcPr marL="95939" marR="95939"/>
-                </a:tc>
-                <a:tc>
-                  <a:txBody>
-                    <a:bodyPr/>
-                    <a:lstStyle/>
-                    <a:p>
-                      <a:pPr algn="ctr"/>
-                      <a:r>
-                        <a:rPr kumimoji="1" lang="en-US" altLang="ja-JP" b="0" i="0" dirty="0" smtClean="0">
-                          <a:latin typeface="+mj-ea"/>
-                          <a:ea typeface="+mj-ea"/>
-                          <a:cs typeface="メイリオ"/>
-                        </a:rPr>
-                        <a:t>13:00</a:t>
-                      </a:r>
-                      <a:r>
-                        <a:rPr kumimoji="1" lang="en-US" altLang="ja-JP" b="0" i="0" baseline="0" dirty="0" smtClean="0">
-                          <a:latin typeface="+mj-ea"/>
-                          <a:ea typeface="+mj-ea"/>
-                          <a:cs typeface="メイリオ"/>
-                        </a:rPr>
-                        <a:t> - 14:00</a:t>
-                      </a:r>
-                      <a:endParaRPr kumimoji="1" lang="ja-JP" altLang="en-US" b="0" i="0" dirty="0">
-                        <a:latin typeface="+mj-ea"/>
-                        <a:ea typeface="+mj-ea"/>
-                        <a:cs typeface="メイリオ"/>
-                      </a:endParaRPr>
-                    </a:p>
-                  </a:txBody>
-                  <a:tcPr marL="95939" marR="95939"/>
-                </a:tc>
-                <a:tc>
-                  <a:txBody>
-                    <a:bodyPr/>
-                    <a:lstStyle/>
-                    <a:p>
-                      <a:pPr algn="ctr"/>
-                      <a:r>
-                        <a:rPr kumimoji="1" lang="ja-JP" altLang="en-US" b="0" i="0" dirty="0" smtClean="0">
-                          <a:latin typeface="+mj-ea"/>
-                          <a:ea typeface="+mj-ea"/>
-                          <a:cs typeface="メイリオ"/>
-                        </a:rPr>
-                        <a:t>お昼休憩</a:t>
-                      </a:r>
-                      <a:endParaRPr kumimoji="1" lang="ja-JP" altLang="en-US" b="0" i="0" dirty="0">
-                        <a:latin typeface="+mj-ea"/>
-                        <a:ea typeface="+mj-ea"/>
-                        <a:cs typeface="メイリオ"/>
-                      </a:endParaRPr>
-                    </a:p>
-                  </a:txBody>
-                  <a:tcPr marL="95939" marR="95939"/>
-                </a:tc>
-              </a:tr>
-              <a:tr h="370840">
-                <a:tc>
-                  <a:txBody>
-                    <a:bodyPr/>
-                    <a:lstStyle/>
-                    <a:p>
-                      <a:pPr algn="ctr"/>
-                      <a:endParaRPr kumimoji="1" lang="ja-JP" altLang="en-US" b="0" i="0" dirty="0">
-                        <a:latin typeface="+mj-ea"/>
-                        <a:ea typeface="+mj-ea"/>
-                        <a:cs typeface="メイリオ"/>
-                      </a:endParaRPr>
-                    </a:p>
-                  </a:txBody>
-                  <a:tcPr marL="95939" marR="95939"/>
-                </a:tc>
-                <a:tc>
-                  <a:txBody>
-                    <a:bodyPr/>
-                    <a:lstStyle/>
-                    <a:p>
-                      <a:pPr algn="ctr"/>
-                      <a:r>
-                        <a:rPr kumimoji="1" lang="en-US" altLang="ja-JP" b="0" i="0" dirty="0" smtClean="0">
-                          <a:latin typeface="+mj-ea"/>
-                          <a:ea typeface="+mj-ea"/>
-                          <a:cs typeface="メイリオ"/>
-                        </a:rPr>
-                        <a:t>14:00 - 19:00</a:t>
-                      </a:r>
-                      <a:endParaRPr kumimoji="1" lang="ja-JP" altLang="en-US" b="0" i="0" dirty="0">
-                        <a:latin typeface="+mj-ea"/>
-                        <a:ea typeface="+mj-ea"/>
-                        <a:cs typeface="メイリオ"/>
-                      </a:endParaRPr>
-                    </a:p>
-                  </a:txBody>
-                  <a:tcPr marL="95939" marR="95939"/>
-                </a:tc>
-                <a:tc>
-                  <a:txBody>
-                    <a:bodyPr/>
-                    <a:lstStyle/>
-                    <a:p>
-                      <a:r>
-                        <a:rPr kumimoji="1" lang="ja-JP" altLang="en-US" b="0" i="0" dirty="0" smtClean="0">
-                          <a:latin typeface="+mj-ea"/>
-                          <a:ea typeface="+mj-ea"/>
-                          <a:cs typeface="メイリオ"/>
-                        </a:rPr>
-                        <a:t>（作業）午前中の続き、テスト実装</a:t>
-                      </a:r>
-                      <a:endParaRPr kumimoji="1" lang="ja-JP" altLang="en-US" b="0" i="0" dirty="0">
-                        <a:latin typeface="+mj-ea"/>
-                        <a:ea typeface="+mj-ea"/>
-                        <a:cs typeface="メイリオ"/>
-                      </a:endParaRPr>
-                    </a:p>
-                  </a:txBody>
-                  <a:tcPr marL="95939" marR="95939"/>
-                </a:tc>
-              </a:tr>
-              <a:tr h="370840">
-                <a:tc>
-                  <a:txBody>
-                    <a:bodyPr/>
-                    <a:lstStyle/>
-                    <a:p>
-                      <a:pPr algn="ctr"/>
-                      <a:r>
-                        <a:rPr kumimoji="1" lang="en-US" altLang="ja-JP" b="0" i="0" dirty="0" smtClean="0">
-                          <a:latin typeface="+mj-ea"/>
-                          <a:ea typeface="+mj-ea"/>
-                          <a:cs typeface="メイリオ"/>
-                        </a:rPr>
-                        <a:t>12/21</a:t>
-                      </a:r>
-                      <a:r>
-                        <a:rPr kumimoji="1" lang="ja-JP" altLang="en-US" b="0" i="0" dirty="0" smtClean="0">
-                          <a:latin typeface="+mj-ea"/>
-                          <a:ea typeface="+mj-ea"/>
-                          <a:cs typeface="メイリオ"/>
-                        </a:rPr>
-                        <a:t>（月）</a:t>
-                      </a:r>
-                      <a:endParaRPr kumimoji="1" lang="ja-JP" altLang="en-US" b="0" i="0" dirty="0">
-                        <a:latin typeface="+mj-ea"/>
-                        <a:ea typeface="+mj-ea"/>
-                        <a:cs typeface="メイリオ"/>
-                      </a:endParaRPr>
-                    </a:p>
-                  </a:txBody>
-                  <a:tcPr marL="95939" marR="95939"/>
-                </a:tc>
-                <a:tc>
-                  <a:txBody>
-                    <a:bodyPr/>
-                    <a:lstStyle/>
-                    <a:p>
-                      <a:pPr algn="ctr"/>
-                      <a:r>
-                        <a:rPr kumimoji="1" lang="en-US" altLang="ja-JP" b="0" i="0" dirty="0" smtClean="0">
-                          <a:latin typeface="+mj-ea"/>
-                          <a:ea typeface="+mj-ea"/>
-                          <a:cs typeface="メイリオ"/>
-                        </a:rPr>
-                        <a:t>10:00 - 12:00</a:t>
-                      </a:r>
-                      <a:endParaRPr kumimoji="1" lang="ja-JP" altLang="en-US" b="0" i="0" dirty="0">
-                        <a:latin typeface="+mj-ea"/>
-                        <a:ea typeface="+mj-ea"/>
-                        <a:cs typeface="メイリオ"/>
-                      </a:endParaRPr>
-                    </a:p>
-                  </a:txBody>
-                  <a:tcPr marL="95939" marR="95939"/>
-                </a:tc>
-                <a:tc>
-                  <a:txBody>
-                    <a:bodyPr/>
-                    <a:lstStyle/>
-                    <a:p>
-                      <a:r>
-                        <a:rPr kumimoji="1" lang="ja-JP" altLang="en-US" b="0" i="0" dirty="0" smtClean="0">
-                          <a:latin typeface="+mj-ea"/>
-                          <a:ea typeface="+mj-ea"/>
-                          <a:cs typeface="メイリオ"/>
-                        </a:rPr>
-                        <a:t>（作業）</a:t>
-                      </a:r>
-                      <a:r>
-                        <a:rPr kumimoji="1" lang="en-US" altLang="ja-JP" b="0" i="0" dirty="0" smtClean="0">
-                          <a:latin typeface="+mj-ea"/>
-                          <a:ea typeface="+mj-ea"/>
-                          <a:cs typeface="メイリオ"/>
-                        </a:rPr>
-                        <a:t>12/20</a:t>
-                      </a:r>
-                      <a:r>
-                        <a:rPr kumimoji="1" lang="ja-JP" altLang="en-US" b="0" i="0" dirty="0" smtClean="0">
-                          <a:latin typeface="+mj-ea"/>
-                          <a:ea typeface="+mj-ea"/>
-                          <a:cs typeface="メイリオ"/>
-                        </a:rPr>
-                        <a:t>の続き</a:t>
-                      </a:r>
-                      <a:endParaRPr kumimoji="1" lang="ja-JP" altLang="en-US" b="0" i="0" dirty="0">
-                        <a:latin typeface="+mj-ea"/>
-                        <a:ea typeface="+mj-ea"/>
-                        <a:cs typeface="メイリオ"/>
-                      </a:endParaRPr>
-                    </a:p>
-                  </a:txBody>
-                  <a:tcPr marL="95939" marR="95939"/>
-                </a:tc>
-              </a:tr>
-              <a:tr h="370840">
-                <a:tc>
-                  <a:txBody>
-                    <a:bodyPr/>
-                    <a:lstStyle/>
-                    <a:p>
-                      <a:pPr algn="ctr"/>
-                      <a:endParaRPr kumimoji="1" lang="ja-JP" altLang="en-US" b="0" i="0" dirty="0">
-                        <a:latin typeface="+mj-ea"/>
-                        <a:ea typeface="+mj-ea"/>
-                        <a:cs typeface="メイリオ"/>
-                      </a:endParaRPr>
-                    </a:p>
-                  </a:txBody>
-                  <a:tcPr marL="95939" marR="95939"/>
-                </a:tc>
-                <a:tc>
-                  <a:txBody>
-                    <a:bodyPr/>
-                    <a:lstStyle/>
-                    <a:p>
-                      <a:pPr algn="ctr"/>
-                      <a:r>
-                        <a:rPr kumimoji="1" lang="en-US" altLang="ja-JP" b="0" i="0" dirty="0" smtClean="0">
-                          <a:latin typeface="+mj-ea"/>
-                          <a:ea typeface="+mj-ea"/>
-                          <a:cs typeface="メイリオ"/>
-                        </a:rPr>
-                        <a:t>12:00</a:t>
-                      </a:r>
-                      <a:r>
-                        <a:rPr kumimoji="1" lang="en-US" altLang="ja-JP" b="0" i="0" baseline="0" dirty="0" smtClean="0">
-                          <a:latin typeface="+mj-ea"/>
-                          <a:ea typeface="+mj-ea"/>
-                          <a:cs typeface="メイリオ"/>
-                        </a:rPr>
-                        <a:t> - 13:00</a:t>
-                      </a:r>
-                      <a:endParaRPr kumimoji="1" lang="ja-JP" altLang="en-US" b="0" i="0" dirty="0">
-                        <a:latin typeface="+mj-ea"/>
-                        <a:ea typeface="+mj-ea"/>
-                        <a:cs typeface="メイリオ"/>
-                      </a:endParaRPr>
-                    </a:p>
-                  </a:txBody>
-                  <a:tcPr marL="95939" marR="95939"/>
-                </a:tc>
-                <a:tc>
-                  <a:txBody>
-                    <a:bodyPr/>
-                    <a:lstStyle/>
-                    <a:p>
-                      <a:pPr algn="ctr"/>
-                      <a:r>
-                        <a:rPr kumimoji="1" lang="ja-JP" altLang="en-US" sz="1800" b="0" i="0" dirty="0" smtClean="0">
-                          <a:latin typeface="+mj-ea"/>
-                          <a:ea typeface="+mj-ea"/>
-                          <a:cs typeface="メイリオ"/>
-                        </a:rPr>
-                        <a:t>お昼休憩</a:t>
-                      </a:r>
-                      <a:endParaRPr kumimoji="1" lang="ja-JP" altLang="en-US" sz="1800" b="0" i="0" dirty="0">
-                        <a:latin typeface="+mj-ea"/>
-                        <a:ea typeface="+mj-ea"/>
-                        <a:cs typeface="メイリオ"/>
-                      </a:endParaRPr>
-                    </a:p>
-                  </a:txBody>
-                  <a:tcPr marL="95939" marR="95939"/>
-                </a:tc>
-              </a:tr>
-              <a:tr h="370840">
-                <a:tc>
-                  <a:txBody>
-                    <a:bodyPr/>
-                    <a:lstStyle/>
-                    <a:p>
-                      <a:pPr algn="ctr"/>
-                      <a:endParaRPr kumimoji="1" lang="ja-JP" altLang="en-US" b="0" i="0" dirty="0">
-                        <a:latin typeface="+mj-ea"/>
-                        <a:ea typeface="+mj-ea"/>
-                        <a:cs typeface="メイリオ"/>
-                      </a:endParaRPr>
-                    </a:p>
-                  </a:txBody>
-                  <a:tcPr marL="95939" marR="95939"/>
-                </a:tc>
-                <a:tc>
-                  <a:txBody>
-                    <a:bodyPr/>
-                    <a:lstStyle/>
-                    <a:p>
-                      <a:pPr algn="ctr"/>
-                      <a:r>
-                        <a:rPr kumimoji="1" lang="en-US" altLang="ja-JP" b="0" i="0" dirty="0" smtClean="0">
-                          <a:latin typeface="+mj-ea"/>
-                          <a:ea typeface="+mj-ea"/>
-                          <a:cs typeface="メイリオ"/>
-                        </a:rPr>
-                        <a:t>13:00 - 13:30</a:t>
-                      </a:r>
-                      <a:endParaRPr kumimoji="1" lang="ja-JP" altLang="en-US" b="0" i="0" dirty="0">
-                        <a:latin typeface="+mj-ea"/>
-                        <a:ea typeface="+mj-ea"/>
-                        <a:cs typeface="メイリオ"/>
-                      </a:endParaRPr>
-                    </a:p>
-                  </a:txBody>
-                  <a:tcPr marL="95939" marR="95939"/>
-                </a:tc>
-                <a:tc>
-                  <a:txBody>
-                    <a:bodyPr/>
-                    <a:lstStyle/>
-                    <a:p>
-                      <a:r>
-                        <a:rPr kumimoji="1" lang="ja-JP" altLang="en-US" sz="1800" b="0" i="0" dirty="0" smtClean="0">
-                          <a:latin typeface="+mj-ea"/>
-                          <a:ea typeface="+mj-ea"/>
-                          <a:cs typeface="メイリオ"/>
-                        </a:rPr>
-                        <a:t>（作業）</a:t>
-                      </a:r>
-                      <a:r>
-                        <a:rPr kumimoji="1" lang="en-US" altLang="ja-JP" sz="1800" b="0" i="0" dirty="0" smtClean="0">
-                          <a:latin typeface="+mj-ea"/>
-                          <a:ea typeface="+mj-ea"/>
-                          <a:cs typeface="メイリオ"/>
-                        </a:rPr>
-                        <a:t>12/20</a:t>
-                      </a:r>
-                      <a:r>
-                        <a:rPr kumimoji="1" lang="ja-JP" altLang="en-US" sz="1800" b="0" i="0" dirty="0" smtClean="0">
-                          <a:latin typeface="+mj-ea"/>
-                          <a:ea typeface="+mj-ea"/>
-                          <a:cs typeface="メイリオ"/>
-                        </a:rPr>
-                        <a:t>の続き</a:t>
-                      </a:r>
-                      <a:endParaRPr kumimoji="1" lang="ja-JP" altLang="en-US" sz="1800" b="0" i="0" dirty="0">
-                        <a:latin typeface="+mj-ea"/>
-                        <a:ea typeface="+mj-ea"/>
-                        <a:cs typeface="メイリオ"/>
-                      </a:endParaRPr>
-                    </a:p>
-                  </a:txBody>
-                  <a:tcPr marL="95939" marR="95939"/>
-                </a:tc>
-              </a:tr>
-              <a:tr h="370840">
-                <a:tc>
-                  <a:txBody>
-                    <a:bodyPr/>
-                    <a:lstStyle/>
-                    <a:p>
-                      <a:pPr algn="ctr"/>
-                      <a:endParaRPr kumimoji="1" lang="ja-JP" altLang="en-US" b="0" i="0" dirty="0">
-                        <a:latin typeface="+mj-ea"/>
-                        <a:ea typeface="+mj-ea"/>
-                        <a:cs typeface="メイリオ"/>
-                      </a:endParaRPr>
-                    </a:p>
-                  </a:txBody>
-                  <a:tcPr marL="95939" marR="95939"/>
-                </a:tc>
-                <a:tc>
-                  <a:txBody>
-                    <a:bodyPr/>
-                    <a:lstStyle/>
-                    <a:p>
-                      <a:pPr algn="ctr"/>
-                      <a:r>
-                        <a:rPr kumimoji="1" lang="en-US" altLang="ja-JP" b="0" i="0" dirty="0" smtClean="0">
-                          <a:latin typeface="+mj-ea"/>
-                          <a:ea typeface="+mj-ea"/>
-                          <a:cs typeface="メイリオ"/>
-                        </a:rPr>
-                        <a:t>13:30 - 15:00</a:t>
-                      </a:r>
-                      <a:endParaRPr kumimoji="1" lang="ja-JP" altLang="en-US" b="0" i="0" dirty="0">
-                        <a:latin typeface="+mj-ea"/>
-                        <a:ea typeface="+mj-ea"/>
-                        <a:cs typeface="メイリオ"/>
-                      </a:endParaRPr>
-                    </a:p>
-                  </a:txBody>
-                  <a:tcPr marL="95939" marR="95939"/>
-                </a:tc>
-                <a:tc>
-                  <a:txBody>
-                    <a:bodyPr/>
-                    <a:lstStyle/>
-                    <a:p>
-                      <a:r>
-                        <a:rPr kumimoji="1" lang="ja-JP" altLang="en-US" b="0" i="0" dirty="0" smtClean="0">
-                          <a:latin typeface="+mj-ea"/>
-                          <a:ea typeface="+mj-ea"/>
-                          <a:cs typeface="メイリオ"/>
-                        </a:rPr>
-                        <a:t>発表資料作成</a:t>
-                      </a:r>
-                      <a:endParaRPr kumimoji="1" lang="en-US" altLang="ja-JP" b="0" i="0" dirty="0" smtClean="0">
-                        <a:latin typeface="+mj-ea"/>
-                        <a:ea typeface="+mj-ea"/>
-                        <a:cs typeface="メイリオ"/>
-                      </a:endParaRPr>
-                    </a:p>
-                    <a:p>
-                      <a:r>
-                        <a:rPr kumimoji="1" lang="en-US" altLang="ja-JP" sz="1600" b="0" i="0" dirty="0" smtClean="0">
-                          <a:latin typeface="+mj-ea"/>
-                          <a:ea typeface="+mj-ea"/>
-                          <a:cs typeface="メイリオ"/>
-                        </a:rPr>
-                        <a:t>※</a:t>
-                      </a:r>
-                      <a:r>
-                        <a:rPr kumimoji="1" lang="ja-JP" altLang="en-US" sz="1600" b="0" i="0" dirty="0" smtClean="0">
-                          <a:latin typeface="+mj-ea"/>
-                          <a:ea typeface="+mj-ea"/>
-                          <a:cs typeface="メイリオ"/>
-                        </a:rPr>
-                        <a:t>資料作成時間は目安なので、いつ作業を切り上げるかの判断はお任せします</a:t>
-                      </a:r>
-                      <a:endParaRPr kumimoji="1" lang="ja-JP" altLang="en-US" sz="1600" b="0" i="0" dirty="0">
-                        <a:latin typeface="+mj-ea"/>
-                        <a:ea typeface="+mj-ea"/>
-                        <a:cs typeface="メイリオ"/>
-                      </a:endParaRPr>
-                    </a:p>
-                  </a:txBody>
-                  <a:tcPr marL="95939" marR="95939"/>
-                </a:tc>
-              </a:tr>
-              <a:tr h="370840">
-                <a:tc>
-                  <a:txBody>
-                    <a:bodyPr/>
-                    <a:lstStyle/>
-                    <a:p>
-                      <a:pPr algn="ctr"/>
-                      <a:endParaRPr kumimoji="1" lang="ja-JP" altLang="en-US" b="0" i="0" dirty="0">
-                        <a:latin typeface="+mj-ea"/>
-                        <a:ea typeface="+mj-ea"/>
-                        <a:cs typeface="メイリオ"/>
-                      </a:endParaRPr>
-                    </a:p>
-                  </a:txBody>
-                  <a:tcPr marL="95939" marR="95939"/>
-                </a:tc>
-                <a:tc>
-                  <a:txBody>
-                    <a:bodyPr/>
-                    <a:lstStyle/>
-                    <a:p>
-                      <a:pPr algn="ctr"/>
-                      <a:r>
-                        <a:rPr kumimoji="1" lang="en-US" altLang="ja-JP" b="0" i="0" dirty="0" smtClean="0">
-                          <a:latin typeface="+mj-ea"/>
-                          <a:ea typeface="+mj-ea"/>
-                          <a:cs typeface="メイリオ"/>
-                        </a:rPr>
-                        <a:t>15:00 - 17:00</a:t>
-                      </a:r>
-                      <a:endParaRPr kumimoji="1" lang="ja-JP" altLang="en-US" b="0" i="0" dirty="0">
-                        <a:latin typeface="+mj-ea"/>
-                        <a:ea typeface="+mj-ea"/>
-                        <a:cs typeface="メイリオ"/>
-                      </a:endParaRPr>
-                    </a:p>
-                  </a:txBody>
-                  <a:tcPr marL="95939" marR="95939"/>
-                </a:tc>
-                <a:tc>
-                  <a:txBody>
-                    <a:bodyPr/>
-                    <a:lstStyle/>
-                    <a:p>
-                      <a:r>
-                        <a:rPr kumimoji="1" lang="ja-JP" altLang="en-US" b="0" i="0" dirty="0" smtClean="0">
-                          <a:latin typeface="+mj-ea"/>
-                          <a:ea typeface="+mj-ea"/>
-                          <a:cs typeface="メイリオ"/>
-                        </a:rPr>
-                        <a:t>成果発表</a:t>
-                      </a:r>
-                      <a:endParaRPr kumimoji="1" lang="ja-JP" altLang="en-US" b="0" i="0" dirty="0">
-                        <a:latin typeface="+mj-ea"/>
-                        <a:ea typeface="+mj-ea"/>
-                        <a:cs typeface="メイリオ"/>
-                      </a:endParaRPr>
-                    </a:p>
-                  </a:txBody>
-                  <a:tcPr marL="95939" marR="95939"/>
-                </a:tc>
-              </a:tr>
-              <a:tr h="370840">
-                <a:tc>
-                  <a:txBody>
-                    <a:bodyPr/>
-                    <a:lstStyle/>
-                    <a:p>
-                      <a:pPr algn="ctr"/>
-                      <a:endParaRPr kumimoji="1" lang="ja-JP" altLang="en-US" b="0" i="0" dirty="0">
-                        <a:latin typeface="+mj-ea"/>
-                        <a:ea typeface="+mj-ea"/>
-                        <a:cs typeface="メイリオ"/>
-                      </a:endParaRPr>
-                    </a:p>
-                  </a:txBody>
-                  <a:tcPr marL="95939" marR="95939"/>
-                </a:tc>
-                <a:tc>
-                  <a:txBody>
-                    <a:bodyPr/>
-                    <a:lstStyle/>
-                    <a:p>
-                      <a:pPr algn="ctr"/>
-                      <a:r>
-                        <a:rPr kumimoji="1" lang="en-US" altLang="ja-JP" b="0" i="0" dirty="0" smtClean="0">
-                          <a:latin typeface="+mj-ea"/>
-                          <a:ea typeface="+mj-ea"/>
-                          <a:cs typeface="メイリオ"/>
-                        </a:rPr>
-                        <a:t>17:00 - </a:t>
-                      </a:r>
-                      <a:r>
-                        <a:rPr kumimoji="1" lang="en-US" altLang="ja-JP" b="0" i="0" baseline="0" dirty="0" smtClean="0">
-                          <a:latin typeface="+mj-ea"/>
-                          <a:ea typeface="+mj-ea"/>
-                          <a:cs typeface="メイリオ"/>
-                        </a:rPr>
-                        <a:t>19:00</a:t>
-                      </a:r>
-                      <a:endParaRPr kumimoji="1" lang="ja-JP" altLang="en-US" b="0" i="0" dirty="0">
-                        <a:latin typeface="+mj-ea"/>
-                        <a:ea typeface="+mj-ea"/>
-                        <a:cs typeface="メイリオ"/>
-                      </a:endParaRPr>
-                    </a:p>
-                  </a:txBody>
-                  <a:tcPr marL="95939" marR="95939"/>
-                </a:tc>
-                <a:tc>
-                  <a:txBody>
-                    <a:bodyPr/>
-                    <a:lstStyle/>
-                    <a:p>
-                      <a:r>
-                        <a:rPr kumimoji="1" lang="ja-JP" altLang="en-US" b="0" i="0" dirty="0" smtClean="0">
-                          <a:latin typeface="+mj-ea"/>
-                          <a:ea typeface="+mj-ea"/>
-                          <a:cs typeface="メイリオ"/>
-                        </a:rPr>
-                        <a:t>懇親会</a:t>
-                      </a:r>
-                      <a:r>
-                        <a:rPr kumimoji="1" lang="en-US" altLang="ja-JP" b="0" i="0" dirty="0" smtClean="0">
-                          <a:latin typeface="+mj-ea"/>
-                          <a:ea typeface="+mj-ea"/>
-                          <a:cs typeface="メイリオ"/>
-                        </a:rPr>
-                        <a:t> </a:t>
-                      </a:r>
-                      <a:r>
-                        <a:rPr kumimoji="1" lang="ja-JP" altLang="en-US" b="0" i="0" dirty="0" smtClean="0">
-                          <a:latin typeface="+mj-ea"/>
-                          <a:ea typeface="+mj-ea"/>
-                          <a:cs typeface="メイリオ"/>
-                        </a:rPr>
-                        <a:t>＆</a:t>
-                      </a:r>
-                      <a:r>
-                        <a:rPr kumimoji="1" lang="en-US" altLang="ja-JP" b="0" i="0" dirty="0" smtClean="0">
-                          <a:latin typeface="+mj-ea"/>
-                          <a:ea typeface="+mj-ea"/>
-                          <a:cs typeface="メイリオ"/>
-                        </a:rPr>
-                        <a:t> </a:t>
-                      </a:r>
-                      <a:r>
-                        <a:rPr kumimoji="1" lang="ja-JP" altLang="en-US" b="0" i="0" dirty="0" smtClean="0">
-                          <a:latin typeface="+mj-ea"/>
-                          <a:ea typeface="+mj-ea"/>
-                          <a:cs typeface="メイリオ"/>
-                        </a:rPr>
-                        <a:t>表彰</a:t>
-                      </a:r>
-                      <a:endParaRPr kumimoji="1" lang="ja-JP" altLang="en-US" b="0" i="0" dirty="0">
-                        <a:latin typeface="+mj-ea"/>
-                        <a:ea typeface="+mj-ea"/>
-                        <a:cs typeface="メイリオ"/>
-                      </a:endParaRPr>
-                    </a:p>
-                  </a:txBody>
-                  <a:tcPr marL="95939" marR="95939"/>
-                </a:tc>
-              </a:tr>
-            </a:tbl>
-          </a:graphicData>
-        </a:graphic>
-      </p:graphicFrame>
+      <p:cxnSp>
+        <p:nvCxnSpPr>
+          <p:cNvPr id="17" name="直線コネクタ 16"/>
+          <p:cNvCxnSpPr/>
+          <p:nvPr/>
+        </p:nvCxnSpPr>
+        <p:spPr>
+          <a:xfrm>
+            <a:off x="338667" y="2370667"/>
+            <a:ext cx="4670777" cy="0"/>
+          </a:xfrm>
+          <a:prstGeom prst="line">
+            <a:avLst/>
+          </a:prstGeom>
+        </p:spPr>
+        <p:style>
+          <a:lnRef idx="2">
+            <a:schemeClr val="accent1"/>
+          </a:lnRef>
+          <a:fillRef idx="0">
+            <a:schemeClr val="accent1"/>
+          </a:fillRef>
+          <a:effectRef idx="1">
+            <a:schemeClr val="accent1"/>
+          </a:effectRef>
+          <a:fontRef idx="minor">
+            <a:schemeClr val="tx1"/>
+          </a:fontRef>
+        </p:style>
+      </p:cxnSp>
+      <p:grpSp>
+        <p:nvGrpSpPr>
+          <p:cNvPr id="18" name="図形グループ 17"/>
+          <p:cNvGrpSpPr/>
+          <p:nvPr/>
+        </p:nvGrpSpPr>
+        <p:grpSpPr>
+          <a:xfrm>
+            <a:off x="3386666" y="395111"/>
+            <a:ext cx="5464798" cy="1055511"/>
+            <a:chOff x="3386666" y="395111"/>
+            <a:chExt cx="5464798" cy="1055511"/>
+          </a:xfrm>
+        </p:grpSpPr>
+        <p:sp>
+          <p:nvSpPr>
+            <p:cNvPr id="22" name="円/楕円 21"/>
+            <p:cNvSpPr/>
+            <p:nvPr/>
+          </p:nvSpPr>
+          <p:spPr>
+            <a:xfrm>
+              <a:off x="3386666" y="395111"/>
+              <a:ext cx="2913509" cy="1044222"/>
+            </a:xfrm>
+            <a:prstGeom prst="ellipse">
+              <a:avLst/>
+            </a:prstGeom>
+            <a:solidFill>
+              <a:schemeClr val="bg1">
+                <a:alpha val="80000"/>
+              </a:schemeClr>
+            </a:solidFill>
+            <a:ln w="19050">
+              <a:solidFill>
+                <a:schemeClr val="tx2"/>
+              </a:solidFill>
+            </a:ln>
+          </p:spPr>
+          <p:style>
+            <a:lnRef idx="2">
+              <a:schemeClr val="accent1">
+                <a:shade val="50000"/>
+              </a:schemeClr>
+            </a:lnRef>
+            <a:fillRef idx="1">
+              <a:schemeClr val="accent1"/>
+            </a:fillRef>
+            <a:effectRef idx="0">
+              <a:schemeClr val="accent1"/>
+            </a:effectRef>
+            <a:fontRef idx="minor">
+              <a:schemeClr val="lt1"/>
+            </a:fontRef>
+          </p:style>
+          <p:txBody>
+            <a:bodyPr rtlCol="0" anchor="ctr"/>
+            <a:lstStyle/>
+            <a:p>
+              <a:pPr algn="ctr"/>
+              <a:r>
+                <a:rPr lang="ja-JP" altLang="en-US" dirty="0" smtClean="0">
+                  <a:solidFill>
+                    <a:schemeClr val="tx1"/>
+                  </a:solidFill>
+                </a:rPr>
+                <a:t>頻繁なカスタマイズ</a:t>
+              </a:r>
+              <a:endParaRPr lang="en-US" altLang="ja-JP" dirty="0" smtClean="0">
+                <a:solidFill>
+                  <a:schemeClr val="tx1"/>
+                </a:solidFill>
+              </a:endParaRPr>
+            </a:p>
+          </p:txBody>
+        </p:sp>
+        <p:sp>
+          <p:nvSpPr>
+            <p:cNvPr id="23" name="円/楕円 22"/>
+            <p:cNvSpPr/>
+            <p:nvPr/>
+          </p:nvSpPr>
+          <p:spPr>
+            <a:xfrm>
+              <a:off x="5937955" y="406400"/>
+              <a:ext cx="2913509" cy="1044222"/>
+            </a:xfrm>
+            <a:prstGeom prst="ellipse">
+              <a:avLst/>
+            </a:prstGeom>
+            <a:solidFill>
+              <a:schemeClr val="bg1">
+                <a:alpha val="80000"/>
+              </a:schemeClr>
+            </a:solidFill>
+            <a:ln w="19050">
+              <a:solidFill>
+                <a:schemeClr val="tx2"/>
+              </a:solidFill>
+            </a:ln>
+          </p:spPr>
+          <p:style>
+            <a:lnRef idx="2">
+              <a:schemeClr val="accent1">
+                <a:shade val="50000"/>
+              </a:schemeClr>
+            </a:lnRef>
+            <a:fillRef idx="1">
+              <a:schemeClr val="accent1"/>
+            </a:fillRef>
+            <a:effectRef idx="0">
+              <a:schemeClr val="accent1"/>
+            </a:effectRef>
+            <a:fontRef idx="minor">
+              <a:schemeClr val="lt1"/>
+            </a:fontRef>
+          </p:style>
+          <p:txBody>
+            <a:bodyPr rtlCol="0" anchor="ctr"/>
+            <a:lstStyle/>
+            <a:p>
+              <a:pPr algn="ctr"/>
+              <a:r>
+                <a:rPr lang="ja-JP" altLang="en-US" dirty="0" smtClean="0">
+                  <a:solidFill>
+                    <a:schemeClr val="tx1"/>
+                  </a:solidFill>
+                </a:rPr>
+                <a:t>既存機能の保証</a:t>
+              </a:r>
+              <a:endParaRPr lang="en-US" altLang="ja-JP" dirty="0" smtClean="0">
+                <a:solidFill>
+                  <a:schemeClr val="tx1"/>
+                </a:solidFill>
+              </a:endParaRPr>
+            </a:p>
+          </p:txBody>
+        </p:sp>
+      </p:grpSp>
+    </p:spTree>
+    <p:extLst>
+      <p:ext uri="{BB962C8B-B14F-4D97-AF65-F5344CB8AC3E}">
+        <p14:creationId xmlns:p14="http://schemas.microsoft.com/office/powerpoint/2010/main" val="2434076561"/>
+      </p:ext>
+    </p:extLst>
+  </p:cSld>
+  <p:clrMapOvr>
+    <a:masterClrMapping/>
+  </p:clrMapOvr>
+  <p:timing>
+    <p:tnLst>
+      <p:par>
+        <p:cTn xmlns:p14="http://schemas.microsoft.com/office/powerpoint/2010/main" id="1" dur="indefinite" restart="never" nodeType="tmRoot"/>
+      </p:par>
+    </p:tnLst>
+  </p:timing>
+</p:sld>
+</file>
+
+<file path=ppt/slides/slide8.xml><?xml version="1.0" encoding="utf-8"?>
+<p:sld xmlns:a="http://schemas.openxmlformats.org/drawingml/2006/main" xmlns:r="http://schemas.openxmlformats.org/officeDocument/2006/relationships" xmlns:p="http://schemas.openxmlformats.org/presentationml/2006/main">
+  <p:cSld>
+    <p:spTree>
+      <p:nvGrpSpPr>
+        <p:cNvPr id="1" name=""/>
+        <p:cNvGrpSpPr/>
+        <p:nvPr/>
+      </p:nvGrpSpPr>
+      <p:grpSpPr>
+        <a:xfrm>
+          <a:off x="0" y="0"/>
+          <a:ext cx="0" cy="0"/>
+          <a:chOff x="0" y="0"/>
+          <a:chExt cx="0" cy="0"/>
+        </a:xfrm>
+      </p:grpSpPr>
       <p:sp>
         <p:nvSpPr>
           <p:cNvPr id="2" name="タイトル 1"/>
@@ -6908,8 +10808,8 @@
           <a:lstStyle/>
           <a:p>
             <a:r>
-              <a:rPr kumimoji="1" lang="ja-JP" altLang="en-US" dirty="0" smtClean="0"/>
-              <a:t>スケジュール</a:t>
+              <a:rPr lang="ja-JP" altLang="en-US" dirty="0" smtClean="0"/>
+              <a:t>現状</a:t>
             </a:r>
             <a:endParaRPr kumimoji="1" lang="ja-JP" altLang="en-US" dirty="0"/>
           </a:p>
@@ -6917,27 +10817,226 @@
       </p:sp>
       <p:sp>
         <p:nvSpPr>
-          <p:cNvPr id="7" name="テキスト プレースホルダー 6"/>
-          <p:cNvSpPr>
-            <a:spLocks noGrp="1"/>
-          </p:cNvSpPr>
-          <p:nvPr>
-            <p:ph type="body" sz="quarter" idx="14"/>
-          </p:nvPr>
+          <p:cNvPr id="5" name="テキスト ボックス 4"/>
+          <p:cNvSpPr txBox="1"/>
+          <p:nvPr/>
         </p:nvSpPr>
-        <p:spPr/>
+        <p:spPr>
+          <a:xfrm>
+            <a:off x="663222" y="1933223"/>
+            <a:ext cx="7493000" cy="898126"/>
+          </a:xfrm>
+          <a:prstGeom prst="rect">
+            <a:avLst/>
+          </a:prstGeom>
+          <a:noFill/>
+          <a:ln w="19050">
+            <a:noFill/>
+          </a:ln>
+          <a:effectLst>
+            <a:outerShdw blurRad="76200" dir="18900000" sy="23000" kx="-1200000" algn="bl" rotWithShape="0">
+              <a:prstClr val="black">
+                <a:alpha val="20000"/>
+              </a:prstClr>
+            </a:outerShdw>
+          </a:effectLst>
+        </p:spPr>
         <p:txBody>
-          <a:bodyPr/>
+          <a:bodyPr wrap="square" lIns="18000" tIns="18000" rIns="18000" bIns="18000" rtlCol="0">
+            <a:spAutoFit/>
+          </a:bodyPr>
           <a:lstStyle/>
           <a:p>
-            <a:endParaRPr kumimoji="1" lang="ja-JP" altLang="en-US"/>
+            <a:pPr algn="ctr"/>
+            <a:r>
+              <a:rPr kumimoji="1" lang="ja-JP" altLang="en-US" sz="2800" u="none" dirty="0" smtClean="0"/>
+              <a:t>保守性が高く，迅速にスクリプト作成できれば</a:t>
+            </a:r>
+            <a:endParaRPr kumimoji="1" lang="en-US" altLang="ja-JP" sz="2800" u="none" dirty="0" smtClean="0"/>
+          </a:p>
+          <a:p>
+            <a:pPr algn="ctr"/>
+            <a:r>
+              <a:rPr lang="ja-JP" altLang="en-US" sz="2800" dirty="0" smtClean="0"/>
+              <a:t>みんなハッピー！</a:t>
+            </a:r>
+            <a:endParaRPr lang="en-US" altLang="ja-JP" sz="2800" dirty="0"/>
           </a:p>
         </p:txBody>
       </p:sp>
+      <p:pic>
+        <p:nvPicPr>
+          <p:cNvPr id="7" name="図 6"/>
+          <p:cNvPicPr>
+            <a:picLocks noChangeAspect="1"/>
+          </p:cNvPicPr>
+          <p:nvPr/>
+        </p:nvPicPr>
+        <p:blipFill>
+          <a:blip r:embed="rId2"/>
+          <a:stretch>
+            <a:fillRect/>
+          </a:stretch>
+        </p:blipFill>
+        <p:spPr>
+          <a:xfrm>
+            <a:off x="2102556" y="3019778"/>
+            <a:ext cx="4938888" cy="3289300"/>
+          </a:xfrm>
+          <a:prstGeom prst="rect">
+            <a:avLst/>
+          </a:prstGeom>
+          <a:ln>
+            <a:noFill/>
+          </a:ln>
+          <a:effectLst>
+            <a:softEdge rad="112500"/>
+          </a:effectLst>
+        </p:spPr>
+      </p:pic>
+      <p:grpSp>
+        <p:nvGrpSpPr>
+          <p:cNvPr id="11" name="図形グループ 10"/>
+          <p:cNvGrpSpPr/>
+          <p:nvPr/>
+        </p:nvGrpSpPr>
+        <p:grpSpPr>
+          <a:xfrm>
+            <a:off x="3386666" y="395111"/>
+            <a:ext cx="5464798" cy="1055511"/>
+            <a:chOff x="3386666" y="395111"/>
+            <a:chExt cx="5464798" cy="1055511"/>
+          </a:xfrm>
+        </p:grpSpPr>
+        <p:sp>
+          <p:nvSpPr>
+            <p:cNvPr id="12" name="円/楕円 11"/>
+            <p:cNvSpPr/>
+            <p:nvPr/>
+          </p:nvSpPr>
+          <p:spPr>
+            <a:xfrm>
+              <a:off x="3386666" y="395111"/>
+              <a:ext cx="2913509" cy="1044222"/>
+            </a:xfrm>
+            <a:prstGeom prst="ellipse">
+              <a:avLst/>
+            </a:prstGeom>
+            <a:solidFill>
+              <a:schemeClr val="bg1">
+                <a:alpha val="80000"/>
+              </a:schemeClr>
+            </a:solidFill>
+            <a:ln w="19050">
+              <a:solidFill>
+                <a:schemeClr val="tx2"/>
+              </a:solidFill>
+            </a:ln>
+          </p:spPr>
+          <p:style>
+            <a:lnRef idx="2">
+              <a:schemeClr val="accent1">
+                <a:shade val="50000"/>
+              </a:schemeClr>
+            </a:lnRef>
+            <a:fillRef idx="1">
+              <a:schemeClr val="accent1"/>
+            </a:fillRef>
+            <a:effectRef idx="0">
+              <a:schemeClr val="accent1"/>
+            </a:effectRef>
+            <a:fontRef idx="minor">
+              <a:schemeClr val="lt1"/>
+            </a:fontRef>
+          </p:style>
+          <p:txBody>
+            <a:bodyPr rtlCol="0" anchor="ctr"/>
+            <a:lstStyle/>
+            <a:p>
+              <a:pPr algn="ctr"/>
+              <a:r>
+                <a:rPr lang="ja-JP" altLang="en-US" dirty="0" smtClean="0">
+                  <a:solidFill>
+                    <a:schemeClr val="tx1"/>
+                  </a:solidFill>
+                </a:rPr>
+                <a:t>頻繁なカスタマイズ</a:t>
+              </a:r>
+              <a:endParaRPr lang="en-US" altLang="ja-JP" dirty="0" smtClean="0">
+                <a:solidFill>
+                  <a:schemeClr val="tx1"/>
+                </a:solidFill>
+              </a:endParaRPr>
+            </a:p>
+          </p:txBody>
+        </p:sp>
+        <p:sp>
+          <p:nvSpPr>
+            <p:cNvPr id="13" name="円/楕円 12"/>
+            <p:cNvSpPr/>
+            <p:nvPr/>
+          </p:nvSpPr>
+          <p:spPr>
+            <a:xfrm>
+              <a:off x="5937955" y="406400"/>
+              <a:ext cx="2913509" cy="1044222"/>
+            </a:xfrm>
+            <a:prstGeom prst="ellipse">
+              <a:avLst/>
+            </a:prstGeom>
+            <a:solidFill>
+              <a:schemeClr val="bg1">
+                <a:alpha val="80000"/>
+              </a:schemeClr>
+            </a:solidFill>
+            <a:ln w="19050">
+              <a:solidFill>
+                <a:schemeClr val="tx2"/>
+              </a:solidFill>
+            </a:ln>
+          </p:spPr>
+          <p:style>
+            <a:lnRef idx="2">
+              <a:schemeClr val="accent1">
+                <a:shade val="50000"/>
+              </a:schemeClr>
+            </a:lnRef>
+            <a:fillRef idx="1">
+              <a:schemeClr val="accent1"/>
+            </a:fillRef>
+            <a:effectRef idx="0">
+              <a:schemeClr val="accent1"/>
+            </a:effectRef>
+            <a:fontRef idx="minor">
+              <a:schemeClr val="lt1"/>
+            </a:fontRef>
+          </p:style>
+          <p:txBody>
+            <a:bodyPr rtlCol="0" anchor="ctr"/>
+            <a:lstStyle/>
+            <a:p>
+              <a:pPr algn="ctr"/>
+              <a:r>
+                <a:rPr lang="ja-JP" altLang="en-US" dirty="0" smtClean="0">
+                  <a:solidFill>
+                    <a:schemeClr val="tx1"/>
+                  </a:solidFill>
+                </a:rPr>
+                <a:t>既存機能の保証</a:t>
+              </a:r>
+              <a:endParaRPr lang="en-US" altLang="ja-JP" dirty="0" smtClean="0">
+                <a:solidFill>
+                  <a:schemeClr val="tx1"/>
+                </a:solidFill>
+              </a:endParaRPr>
+            </a:p>
+          </p:txBody>
+        </p:sp>
+      </p:grpSp>
     </p:spTree>
     <p:extLst>
       <p:ext uri="{BB962C8B-B14F-4D97-AF65-F5344CB8AC3E}">
-        <p14:creationId xmlns:p14="http://schemas.microsoft.com/office/powerpoint/2010/main" val="3752496713"/>
+        <p14:creationId xmlns:p14="http://schemas.microsoft.com/office/powerpoint/2010/main" val="3745092143"/>
       </p:ext>
     </p:extLst>
   </p:cSld>
@@ -6947,7 +11046,415 @@
   <p:timing>
     <p:tnLst>
       <p:par>
-        <p:cTn id="1" dur="indefinite" restart="never" nodeType="tmRoot"/>
+        <p:cTn xmlns:p14="http://schemas.microsoft.com/office/powerpoint/2010/main" id="1" dur="indefinite" restart="never" nodeType="tmRoot"/>
+      </p:par>
+    </p:tnLst>
+  </p:timing>
+</p:sld>
+</file>
+
+<file path=ppt/slides/slide9.xml><?xml version="1.0" encoding="utf-8"?>
+<p:sld xmlns:a="http://schemas.openxmlformats.org/drawingml/2006/main" xmlns:r="http://schemas.openxmlformats.org/officeDocument/2006/relationships" xmlns:p="http://schemas.openxmlformats.org/presentationml/2006/main">
+  <p:cSld>
+    <p:spTree>
+      <p:nvGrpSpPr>
+        <p:cNvPr id="1" name=""/>
+        <p:cNvGrpSpPr/>
+        <p:nvPr/>
+      </p:nvGrpSpPr>
+      <p:grpSpPr>
+        <a:xfrm>
+          <a:off x="0" y="0"/>
+          <a:ext cx="0" cy="0"/>
+          <a:chOff x="0" y="0"/>
+          <a:chExt cx="0" cy="0"/>
+        </a:xfrm>
+      </p:grpSpPr>
+      <p:sp>
+        <p:nvSpPr>
+          <p:cNvPr id="2" name="タイトル 1"/>
+          <p:cNvSpPr>
+            <a:spLocks noGrp="1"/>
+          </p:cNvSpPr>
+          <p:nvPr>
+            <p:ph type="title"/>
+          </p:nvPr>
+        </p:nvSpPr>
+        <p:spPr/>
+        <p:txBody>
+          <a:bodyPr/>
+          <a:lstStyle/>
+          <a:p>
+            <a:r>
+              <a:rPr lang="ja-JP" altLang="en-US" dirty="0" smtClean="0"/>
+              <a:t>成果報告</a:t>
+            </a:r>
+            <a:endParaRPr kumimoji="1" lang="ja-JP" altLang="en-US" dirty="0"/>
+          </a:p>
+        </p:txBody>
+      </p:sp>
+      <p:sp>
+        <p:nvSpPr>
+          <p:cNvPr id="8" name="テキスト ボックス 7"/>
+          <p:cNvSpPr txBox="1"/>
+          <p:nvPr/>
+        </p:nvSpPr>
+        <p:spPr>
+          <a:xfrm>
+            <a:off x="423333" y="1947333"/>
+            <a:ext cx="6547556" cy="405683"/>
+          </a:xfrm>
+          <a:prstGeom prst="rect">
+            <a:avLst/>
+          </a:prstGeom>
+          <a:noFill/>
+          <a:ln w="19050">
+            <a:noFill/>
+          </a:ln>
+          <a:effectLst>
+            <a:outerShdw blurRad="76200" dir="18900000" sy="23000" kx="-1200000" algn="bl" rotWithShape="0">
+              <a:prstClr val="black">
+                <a:alpha val="20000"/>
+              </a:prstClr>
+            </a:outerShdw>
+          </a:effectLst>
+        </p:spPr>
+        <p:txBody>
+          <a:bodyPr wrap="square" lIns="18000" tIns="18000" rIns="18000" bIns="18000" rtlCol="0">
+            <a:spAutoFit/>
+          </a:bodyPr>
+          <a:lstStyle/>
+          <a:p>
+            <a:r>
+              <a:rPr kumimoji="1" lang="ja-JP" altLang="en-US" sz="2400" u="none" dirty="0" smtClean="0"/>
+              <a:t>自動テストスクリプト自動生成プラットフォーム</a:t>
+            </a:r>
+            <a:endParaRPr kumimoji="1" lang="ja-JP" altLang="en-US" sz="2400" u="none" dirty="0" smtClean="0"/>
+          </a:p>
+        </p:txBody>
+      </p:sp>
+      <p:cxnSp>
+        <p:nvCxnSpPr>
+          <p:cNvPr id="9" name="直線コネクタ 8"/>
+          <p:cNvCxnSpPr/>
+          <p:nvPr/>
+        </p:nvCxnSpPr>
+        <p:spPr>
+          <a:xfrm>
+            <a:off x="338667" y="2370667"/>
+            <a:ext cx="6632222" cy="0"/>
+          </a:xfrm>
+          <a:prstGeom prst="line">
+            <a:avLst/>
+          </a:prstGeom>
+        </p:spPr>
+        <p:style>
+          <a:lnRef idx="2">
+            <a:schemeClr val="accent1"/>
+          </a:lnRef>
+          <a:fillRef idx="0">
+            <a:schemeClr val="accent1"/>
+          </a:fillRef>
+          <a:effectRef idx="1">
+            <a:schemeClr val="accent1"/>
+          </a:effectRef>
+          <a:fontRef idx="minor">
+            <a:schemeClr val="tx1"/>
+          </a:fontRef>
+        </p:style>
+      </p:cxnSp>
+      <p:grpSp>
+        <p:nvGrpSpPr>
+          <p:cNvPr id="25" name="図形グループ 24"/>
+          <p:cNvGrpSpPr/>
+          <p:nvPr/>
+        </p:nvGrpSpPr>
+        <p:grpSpPr>
+          <a:xfrm>
+            <a:off x="1707444" y="2889583"/>
+            <a:ext cx="6057900" cy="3212930"/>
+            <a:chOff x="1707444" y="2889583"/>
+            <a:chExt cx="6057900" cy="3212930"/>
+          </a:xfrm>
+        </p:grpSpPr>
+        <p:pic>
+          <p:nvPicPr>
+            <p:cNvPr id="4" name="図 3" descr="スクリーンショット 2015-12-21 11.14.23.png"/>
+            <p:cNvPicPr>
+              <a:picLocks noChangeAspect="1"/>
+            </p:cNvPicPr>
+            <p:nvPr/>
+          </p:nvPicPr>
+          <p:blipFill rotWithShape="1">
+            <a:blip r:embed="rId2" cstate="print">
+              <a:extLst>
+                <a:ext uri="{28A0092B-C50C-407E-A947-70E740481C1C}">
+                  <a14:useLocalDpi xmlns:a14="http://schemas.microsoft.com/office/drawing/2010/main"/>
+                </a:ext>
+              </a:extLst>
+            </a:blip>
+            <a:srcRect/>
+            <a:stretch/>
+          </p:blipFill>
+          <p:spPr>
+            <a:xfrm>
+              <a:off x="1707444" y="2889583"/>
+              <a:ext cx="6057900" cy="1428417"/>
+            </a:xfrm>
+            <a:prstGeom prst="rect">
+              <a:avLst/>
+            </a:prstGeom>
+          </p:spPr>
+        </p:pic>
+        <p:pic>
+          <p:nvPicPr>
+            <p:cNvPr id="6" name="図 5" descr="スクリーンショット 2015-12-21 11.14.23.png"/>
+            <p:cNvPicPr>
+              <a:picLocks noChangeAspect="1"/>
+            </p:cNvPicPr>
+            <p:nvPr/>
+          </p:nvPicPr>
+          <p:blipFill rotWithShape="1">
+            <a:blip r:embed="rId3" cstate="print">
+              <a:extLst>
+                <a:ext uri="{28A0092B-C50C-407E-A947-70E740481C1C}">
+                  <a14:useLocalDpi xmlns:a14="http://schemas.microsoft.com/office/drawing/2010/main"/>
+                </a:ext>
+              </a:extLst>
+            </a:blip>
+            <a:srcRect/>
+            <a:stretch/>
+          </p:blipFill>
+          <p:spPr>
+            <a:xfrm>
+              <a:off x="1707444" y="4543777"/>
+              <a:ext cx="6057900" cy="1558736"/>
+            </a:xfrm>
+            <a:prstGeom prst="rect">
+              <a:avLst/>
+            </a:prstGeom>
+          </p:spPr>
+        </p:pic>
+      </p:grpSp>
+      <p:sp>
+        <p:nvSpPr>
+          <p:cNvPr id="10" name="正方形/長方形 9"/>
+          <p:cNvSpPr/>
+          <p:nvPr/>
+        </p:nvSpPr>
+        <p:spPr>
+          <a:xfrm>
+            <a:off x="1481667" y="2751667"/>
+            <a:ext cx="6434666" cy="3570111"/>
+          </a:xfrm>
+          <a:prstGeom prst="rect">
+            <a:avLst/>
+          </a:prstGeom>
+          <a:noFill/>
+          <a:ln w="19050" cmpd="sng"/>
+        </p:spPr>
+        <p:style>
+          <a:lnRef idx="2">
+            <a:schemeClr val="dk1"/>
+          </a:lnRef>
+          <a:fillRef idx="1">
+            <a:schemeClr val="lt1"/>
+          </a:fillRef>
+          <a:effectRef idx="0">
+            <a:schemeClr val="dk1"/>
+          </a:effectRef>
+          <a:fontRef idx="minor">
+            <a:schemeClr val="dk1"/>
+          </a:fontRef>
+        </p:style>
+        <p:txBody>
+          <a:bodyPr rtlCol="0" anchor="ctr"/>
+          <a:lstStyle/>
+          <a:p>
+            <a:pPr algn="ctr"/>
+            <a:endParaRPr kumimoji="1" lang="ja-JP" altLang="en-US" sz="1400" u="none" dirty="0" smtClean="0">
+              <a:solidFill>
+                <a:schemeClr val="tx1"/>
+              </a:solidFill>
+            </a:endParaRPr>
+          </a:p>
+        </p:txBody>
+      </p:sp>
+      <p:cxnSp>
+        <p:nvCxnSpPr>
+          <p:cNvPr id="17" name="直線矢印コネクタ 16"/>
+          <p:cNvCxnSpPr/>
+          <p:nvPr/>
+        </p:nvCxnSpPr>
+        <p:spPr>
+          <a:xfrm>
+            <a:off x="3587750" y="5016500"/>
+            <a:ext cx="656166" cy="423333"/>
+          </a:xfrm>
+          <a:prstGeom prst="straightConnector1">
+            <a:avLst/>
+          </a:prstGeom>
+          <a:ln>
+            <a:tailEnd type="arrow"/>
+          </a:ln>
+        </p:spPr>
+        <p:style>
+          <a:lnRef idx="2">
+            <a:schemeClr val="accent1"/>
+          </a:lnRef>
+          <a:fillRef idx="0">
+            <a:schemeClr val="accent1"/>
+          </a:fillRef>
+          <a:effectRef idx="1">
+            <a:schemeClr val="accent1"/>
+          </a:effectRef>
+          <a:fontRef idx="minor">
+            <a:schemeClr val="tx1"/>
+          </a:fontRef>
+        </p:style>
+      </p:cxnSp>
+      <p:sp>
+        <p:nvSpPr>
+          <p:cNvPr id="19" name="テキスト ボックス 18"/>
+          <p:cNvSpPr txBox="1"/>
+          <p:nvPr/>
+        </p:nvSpPr>
+        <p:spPr>
+          <a:xfrm>
+            <a:off x="2624667" y="4667250"/>
+            <a:ext cx="1576917" cy="313350"/>
+          </a:xfrm>
+          <a:prstGeom prst="rect">
+            <a:avLst/>
+          </a:prstGeom>
+          <a:noFill/>
+          <a:ln w="19050">
+            <a:noFill/>
+          </a:ln>
+          <a:effectLst>
+            <a:outerShdw blurRad="76200" dir="18900000" sy="23000" kx="-1200000" algn="bl" rotWithShape="0">
+              <a:prstClr val="black">
+                <a:alpha val="20000"/>
+              </a:prstClr>
+            </a:outerShdw>
+          </a:effectLst>
+        </p:spPr>
+        <p:txBody>
+          <a:bodyPr wrap="square" lIns="18000" tIns="18000" rIns="18000" bIns="18000" rtlCol="0">
+            <a:spAutoFit/>
+          </a:bodyPr>
+          <a:lstStyle/>
+          <a:p>
+            <a:r>
+              <a:rPr kumimoji="1" lang="en-US" altLang="ja-JP" u="none" dirty="0" smtClean="0"/>
+              <a:t>GUI </a:t>
+            </a:r>
+            <a:r>
+              <a:rPr lang="ja-JP" altLang="en-US" dirty="0" smtClean="0"/>
+              <a:t>で操作可能</a:t>
+            </a:r>
+            <a:endParaRPr kumimoji="1" lang="ja-JP" altLang="en-US" u="none" dirty="0" smtClean="0"/>
+          </a:p>
+        </p:txBody>
+      </p:sp>
+      <p:sp>
+        <p:nvSpPr>
+          <p:cNvPr id="20" name="テキスト ボックス 19"/>
+          <p:cNvSpPr txBox="1"/>
+          <p:nvPr/>
+        </p:nvSpPr>
+        <p:spPr>
+          <a:xfrm>
+            <a:off x="4523318" y="3327400"/>
+            <a:ext cx="2906182" cy="590349"/>
+          </a:xfrm>
+          <a:prstGeom prst="rect">
+            <a:avLst/>
+          </a:prstGeom>
+          <a:noFill/>
+          <a:ln w="19050">
+            <a:noFill/>
+          </a:ln>
+          <a:effectLst>
+            <a:outerShdw blurRad="76200" dir="18900000" sy="23000" kx="-1200000" algn="bl" rotWithShape="0">
+              <a:prstClr val="black">
+                <a:alpha val="20000"/>
+              </a:prstClr>
+            </a:outerShdw>
+          </a:effectLst>
+        </p:spPr>
+        <p:txBody>
+          <a:bodyPr wrap="square" lIns="18000" tIns="18000" rIns="18000" bIns="18000" rtlCol="0">
+            <a:spAutoFit/>
+          </a:bodyPr>
+          <a:lstStyle/>
+          <a:p>
+            <a:r>
+              <a:rPr kumimoji="1" lang="en-US" altLang="ja-JP" u="none" dirty="0" smtClean="0"/>
+              <a:t>Web </a:t>
+            </a:r>
+            <a:r>
+              <a:rPr kumimoji="1" lang="ja-JP" altLang="en-US" u="none" dirty="0" smtClean="0"/>
+              <a:t>ブラウザの対応箇所を</a:t>
+            </a:r>
+            <a:endParaRPr kumimoji="1" lang="en-US" altLang="ja-JP" u="none" dirty="0" smtClean="0"/>
+          </a:p>
+          <a:p>
+            <a:r>
+              <a:rPr lang="ja-JP" altLang="en-US" dirty="0" smtClean="0"/>
+              <a:t>一目で把握できる</a:t>
+            </a:r>
+            <a:endParaRPr kumimoji="1" lang="en-US" altLang="ja-JP" u="none" dirty="0" smtClean="0"/>
+          </a:p>
+        </p:txBody>
+      </p:sp>
+      <p:cxnSp>
+        <p:nvCxnSpPr>
+          <p:cNvPr id="21" name="直線矢印コネクタ 20"/>
+          <p:cNvCxnSpPr/>
+          <p:nvPr/>
+        </p:nvCxnSpPr>
+        <p:spPr>
+          <a:xfrm flipH="1" flipV="1">
+            <a:off x="3608917" y="3545417"/>
+            <a:ext cx="740833" cy="84666"/>
+          </a:xfrm>
+          <a:prstGeom prst="straightConnector1">
+            <a:avLst/>
+          </a:prstGeom>
+          <a:ln>
+            <a:tailEnd type="arrow"/>
+          </a:ln>
+        </p:spPr>
+        <p:style>
+          <a:lnRef idx="2">
+            <a:schemeClr val="accent1"/>
+          </a:lnRef>
+          <a:fillRef idx="0">
+            <a:schemeClr val="accent1"/>
+          </a:fillRef>
+          <a:effectRef idx="1">
+            <a:schemeClr val="accent1"/>
+          </a:effectRef>
+          <a:fontRef idx="minor">
+            <a:schemeClr val="tx1"/>
+          </a:fontRef>
+        </p:style>
+      </p:cxnSp>
+    </p:spTree>
+    <p:extLst>
+      <p:ext uri="{BB962C8B-B14F-4D97-AF65-F5344CB8AC3E}">
+        <p14:creationId xmlns:p14="http://schemas.microsoft.com/office/powerpoint/2010/main" val="3505684616"/>
+      </p:ext>
+    </p:extLst>
+  </p:cSld>
+  <p:clrMapOvr>
+    <a:masterClrMapping/>
+  </p:clrMapOvr>
+  <p:timing>
+    <p:tnLst>
+      <p:par>
+        <p:cTn xmlns:p14="http://schemas.microsoft.com/office/powerpoint/2010/main" id="1" dur="indefinite" restart="never" nodeType="tmRoot"/>
       </p:par>
     </p:tnLst>
   </p:timing>

--- a/20151221_吉崎.pptx
+++ b/20151221_吉崎.pptx
@@ -124,7 +124,7 @@
   </p:defaultTextStyle>
   <p:extLst>
     <p:ext uri="{EFAFB233-063F-42B5-8137-9DF3F51BA10A}">
-      <p15:sldGuideLst xmlns:p15="http://schemas.microsoft.com/office/powerpoint/2012/main" xmlns="">
+      <p15:sldGuideLst xmlns="" xmlns:p15="http://schemas.microsoft.com/office/powerpoint/2012/main">
         <p15:guide id="1" orient="horz" pos="2160">
           <p15:clr>
             <a:srgbClr val="A4A3A4"/>
@@ -694,6 +694,1441 @@
     </a:lvl9pPr>
   </p:notesStyle>
 </p:notesMaster>
+</file>
+
+<file path=ppt/notesSlides/notesSlide1.xml><?xml version="1.0" encoding="utf-8"?>
+<p:notes xmlns:a="http://schemas.openxmlformats.org/drawingml/2006/main" xmlns:r="http://schemas.openxmlformats.org/officeDocument/2006/relationships" xmlns:p="http://schemas.openxmlformats.org/presentationml/2006/main">
+  <p:cSld>
+    <p:spTree>
+      <p:nvGrpSpPr>
+        <p:cNvPr id="1" name=""/>
+        <p:cNvGrpSpPr/>
+        <p:nvPr/>
+      </p:nvGrpSpPr>
+      <p:grpSpPr>
+        <a:xfrm>
+          <a:off x="0" y="0"/>
+          <a:ext cx="0" cy="0"/>
+          <a:chOff x="0" y="0"/>
+          <a:chExt cx="0" cy="0"/>
+        </a:xfrm>
+      </p:grpSpPr>
+      <p:sp>
+        <p:nvSpPr>
+          <p:cNvPr id="2" name="スライド イメージ プレースホルダー 1"/>
+          <p:cNvSpPr>
+            <a:spLocks noGrp="1" noRot="1" noChangeAspect="1"/>
+          </p:cNvSpPr>
+          <p:nvPr>
+            <p:ph type="sldImg"/>
+          </p:nvPr>
+        </p:nvSpPr>
+        <p:spPr/>
+      </p:sp>
+      <p:sp>
+        <p:nvSpPr>
+          <p:cNvPr id="3" name="ノート プレースホルダー 2"/>
+          <p:cNvSpPr>
+            <a:spLocks noGrp="1"/>
+          </p:cNvSpPr>
+          <p:nvPr>
+            <p:ph type="body" idx="1"/>
+          </p:nvPr>
+        </p:nvSpPr>
+        <p:spPr/>
+        <p:txBody>
+          <a:bodyPr/>
+          <a:lstStyle/>
+          <a:p>
+            <a:r>
+              <a:rPr kumimoji="1" lang="ja-JP" altLang="en-US" dirty="0" smtClean="0"/>
+              <a:t>それでは，</a:t>
+            </a:r>
+            <a:r>
+              <a:rPr kumimoji="1" lang="en-US" altLang="ja-JP" dirty="0" smtClean="0"/>
+              <a:t>16</a:t>
+            </a:r>
+            <a:r>
+              <a:rPr kumimoji="1" lang="ja-JP" altLang="en-US" dirty="0" smtClean="0"/>
+              <a:t>卒の吉崎が今回のインターン成果報告を行います．</a:t>
+            </a:r>
+            <a:endParaRPr kumimoji="1" lang="en-US" altLang="ja-JP" dirty="0" smtClean="0"/>
+          </a:p>
+          <a:p>
+            <a:r>
+              <a:rPr kumimoji="1" lang="ja-JP" altLang="en-US" dirty="0" smtClean="0"/>
+              <a:t>今回の成果物は「自動化テストスクリプト高速生成プラットフォーム」というお堅い名前のものを作りました．</a:t>
+            </a:r>
+            <a:endParaRPr kumimoji="1" lang="en-US" altLang="ja-JP" dirty="0" smtClean="0"/>
+          </a:p>
+          <a:p>
+            <a:r>
+              <a:rPr kumimoji="1" lang="ja-JP" altLang="en-US" dirty="0" smtClean="0"/>
+              <a:t>今回皆さんと一緒に初めてソフトウェアテストを学び，テストエンジニアとして感じた不満を解消できるものだと確信しています．</a:t>
+            </a:r>
+            <a:endParaRPr kumimoji="1" lang="en-US" altLang="ja-JP" dirty="0" smtClean="0"/>
+          </a:p>
+        </p:txBody>
+      </p:sp>
+      <p:sp>
+        <p:nvSpPr>
+          <p:cNvPr id="4" name="スライド番号プレースホルダー 3"/>
+          <p:cNvSpPr>
+            <a:spLocks noGrp="1"/>
+          </p:cNvSpPr>
+          <p:nvPr>
+            <p:ph type="sldNum" sz="quarter" idx="10"/>
+          </p:nvPr>
+        </p:nvSpPr>
+        <p:spPr/>
+        <p:txBody>
+          <a:bodyPr/>
+          <a:lstStyle/>
+          <a:p>
+            <a:fld id="{9ACEB137-84D2-4C58-AF70-536C9A15327B}" type="slidenum">
+              <a:rPr kumimoji="1" lang="ja-JP" altLang="en-US" smtClean="0"/>
+              <a:pPr/>
+              <a:t>0</a:t>
+            </a:fld>
+            <a:endParaRPr kumimoji="1" lang="ja-JP" altLang="en-US"/>
+          </a:p>
+        </p:txBody>
+      </p:sp>
+    </p:spTree>
+    <p:extLst>
+      <p:ext uri="{BB962C8B-B14F-4D97-AF65-F5344CB8AC3E}">
+        <p14:creationId xmlns:p14="http://schemas.microsoft.com/office/powerpoint/2010/main" val="3109738581"/>
+      </p:ext>
+    </p:extLst>
+  </p:cSld>
+  <p:clrMapOvr>
+    <a:masterClrMapping/>
+  </p:clrMapOvr>
+</p:notes>
+</file>
+
+<file path=ppt/notesSlides/notesSlide10.xml><?xml version="1.0" encoding="utf-8"?>
+<p:notes xmlns:a="http://schemas.openxmlformats.org/drawingml/2006/main" xmlns:r="http://schemas.openxmlformats.org/officeDocument/2006/relationships" xmlns:p="http://schemas.openxmlformats.org/presentationml/2006/main">
+  <p:cSld>
+    <p:spTree>
+      <p:nvGrpSpPr>
+        <p:cNvPr id="1" name=""/>
+        <p:cNvGrpSpPr/>
+        <p:nvPr/>
+      </p:nvGrpSpPr>
+      <p:grpSpPr>
+        <a:xfrm>
+          <a:off x="0" y="0"/>
+          <a:ext cx="0" cy="0"/>
+          <a:chOff x="0" y="0"/>
+          <a:chExt cx="0" cy="0"/>
+        </a:xfrm>
+      </p:grpSpPr>
+      <p:sp>
+        <p:nvSpPr>
+          <p:cNvPr id="2" name="スライド イメージ プレースホルダー 1"/>
+          <p:cNvSpPr>
+            <a:spLocks noGrp="1" noRot="1" noChangeAspect="1"/>
+          </p:cNvSpPr>
+          <p:nvPr>
+            <p:ph type="sldImg"/>
+          </p:nvPr>
+        </p:nvSpPr>
+        <p:spPr/>
+      </p:sp>
+      <p:sp>
+        <p:nvSpPr>
+          <p:cNvPr id="3" name="ノート プレースホルダー 2"/>
+          <p:cNvSpPr>
+            <a:spLocks noGrp="1"/>
+          </p:cNvSpPr>
+          <p:nvPr>
+            <p:ph type="body" idx="1"/>
+          </p:nvPr>
+        </p:nvSpPr>
+        <p:spPr/>
+        <p:txBody>
+          <a:bodyPr/>
+          <a:lstStyle/>
+          <a:p>
+            <a:r>
+              <a:rPr kumimoji="1" lang="ja-JP" altLang="en-US" dirty="0" smtClean="0"/>
+              <a:t>プログラミング未経験者がこのプラットフォームを介して，プロ並みの保守性や可読性の高いテストスクリプトを組んでしまえるというものです．</a:t>
+            </a:r>
+            <a:endParaRPr kumimoji="1" lang="en-US" altLang="ja-JP" dirty="0" smtClean="0"/>
+          </a:p>
+        </p:txBody>
+      </p:sp>
+      <p:sp>
+        <p:nvSpPr>
+          <p:cNvPr id="4" name="スライド番号プレースホルダー 3"/>
+          <p:cNvSpPr>
+            <a:spLocks noGrp="1"/>
+          </p:cNvSpPr>
+          <p:nvPr>
+            <p:ph type="sldNum" sz="quarter" idx="10"/>
+          </p:nvPr>
+        </p:nvSpPr>
+        <p:spPr/>
+        <p:txBody>
+          <a:bodyPr/>
+          <a:lstStyle/>
+          <a:p>
+            <a:fld id="{9ACEB137-84D2-4C58-AF70-536C9A15327B}" type="slidenum">
+              <a:rPr kumimoji="1" lang="ja-JP" altLang="en-US" smtClean="0"/>
+              <a:pPr/>
+              <a:t>9</a:t>
+            </a:fld>
+            <a:endParaRPr kumimoji="1" lang="ja-JP" altLang="en-US"/>
+          </a:p>
+        </p:txBody>
+      </p:sp>
+    </p:spTree>
+    <p:extLst>
+      <p:ext uri="{BB962C8B-B14F-4D97-AF65-F5344CB8AC3E}">
+        <p14:creationId xmlns:p14="http://schemas.microsoft.com/office/powerpoint/2010/main" val="1377107665"/>
+      </p:ext>
+    </p:extLst>
+  </p:cSld>
+  <p:clrMapOvr>
+    <a:masterClrMapping/>
+  </p:clrMapOvr>
+</p:notes>
+</file>
+
+<file path=ppt/notesSlides/notesSlide11.xml><?xml version="1.0" encoding="utf-8"?>
+<p:notes xmlns:a="http://schemas.openxmlformats.org/drawingml/2006/main" xmlns:r="http://schemas.openxmlformats.org/officeDocument/2006/relationships" xmlns:p="http://schemas.openxmlformats.org/presentationml/2006/main">
+  <p:cSld>
+    <p:spTree>
+      <p:nvGrpSpPr>
+        <p:cNvPr id="1" name=""/>
+        <p:cNvGrpSpPr/>
+        <p:nvPr/>
+      </p:nvGrpSpPr>
+      <p:grpSpPr>
+        <a:xfrm>
+          <a:off x="0" y="0"/>
+          <a:ext cx="0" cy="0"/>
+          <a:chOff x="0" y="0"/>
+          <a:chExt cx="0" cy="0"/>
+        </a:xfrm>
+      </p:grpSpPr>
+      <p:sp>
+        <p:nvSpPr>
+          <p:cNvPr id="2" name="スライド イメージ プレースホルダー 1"/>
+          <p:cNvSpPr>
+            <a:spLocks noGrp="1" noRot="1" noChangeAspect="1"/>
+          </p:cNvSpPr>
+          <p:nvPr>
+            <p:ph type="sldImg"/>
+          </p:nvPr>
+        </p:nvSpPr>
+        <p:spPr/>
+      </p:sp>
+      <p:sp>
+        <p:nvSpPr>
+          <p:cNvPr id="3" name="ノート プレースホルダー 2"/>
+          <p:cNvSpPr>
+            <a:spLocks noGrp="1"/>
+          </p:cNvSpPr>
+          <p:nvPr>
+            <p:ph type="body" idx="1"/>
+          </p:nvPr>
+        </p:nvSpPr>
+        <p:spPr/>
+        <p:txBody>
+          <a:bodyPr/>
+          <a:lstStyle/>
+          <a:p>
+            <a:r>
+              <a:rPr kumimoji="1" lang="ja-JP" altLang="en-US" dirty="0" smtClean="0"/>
+              <a:t>では，</a:t>
+            </a:r>
+            <a:r>
+              <a:rPr kumimoji="1" lang="en-US" altLang="ja-JP" dirty="0" err="1" smtClean="0"/>
+              <a:t>Eccube</a:t>
+            </a:r>
+            <a:r>
+              <a:rPr kumimoji="1" lang="ja-JP" altLang="en-US" dirty="0" smtClean="0"/>
+              <a:t>にはまだ未対応ですが，時間の都合上，一番簡単なこちらのデモをご覧下さい．</a:t>
+            </a:r>
+            <a:endParaRPr kumimoji="1" lang="ja-JP" altLang="en-US" dirty="0"/>
+          </a:p>
+        </p:txBody>
+      </p:sp>
+      <p:sp>
+        <p:nvSpPr>
+          <p:cNvPr id="4" name="スライド番号プレースホルダー 3"/>
+          <p:cNvSpPr>
+            <a:spLocks noGrp="1"/>
+          </p:cNvSpPr>
+          <p:nvPr>
+            <p:ph type="sldNum" sz="quarter" idx="10"/>
+          </p:nvPr>
+        </p:nvSpPr>
+        <p:spPr/>
+        <p:txBody>
+          <a:bodyPr/>
+          <a:lstStyle/>
+          <a:p>
+            <a:fld id="{9ACEB137-84D2-4C58-AF70-536C9A15327B}" type="slidenum">
+              <a:rPr kumimoji="1" lang="ja-JP" altLang="en-US" smtClean="0"/>
+              <a:pPr/>
+              <a:t>10</a:t>
+            </a:fld>
+            <a:endParaRPr kumimoji="1" lang="ja-JP" altLang="en-US"/>
+          </a:p>
+        </p:txBody>
+      </p:sp>
+    </p:spTree>
+    <p:extLst>
+      <p:ext uri="{BB962C8B-B14F-4D97-AF65-F5344CB8AC3E}">
+        <p14:creationId xmlns:p14="http://schemas.microsoft.com/office/powerpoint/2010/main" val="789385106"/>
+      </p:ext>
+    </p:extLst>
+  </p:cSld>
+  <p:clrMapOvr>
+    <a:masterClrMapping/>
+  </p:clrMapOvr>
+</p:notes>
+</file>
+
+<file path=ppt/notesSlides/notesSlide12.xml><?xml version="1.0" encoding="utf-8"?>
+<p:notes xmlns:a="http://schemas.openxmlformats.org/drawingml/2006/main" xmlns:r="http://schemas.openxmlformats.org/officeDocument/2006/relationships" xmlns:p="http://schemas.openxmlformats.org/presentationml/2006/main">
+  <p:cSld>
+    <p:spTree>
+      <p:nvGrpSpPr>
+        <p:cNvPr id="1" name=""/>
+        <p:cNvGrpSpPr/>
+        <p:nvPr/>
+      </p:nvGrpSpPr>
+      <p:grpSpPr>
+        <a:xfrm>
+          <a:off x="0" y="0"/>
+          <a:ext cx="0" cy="0"/>
+          <a:chOff x="0" y="0"/>
+          <a:chExt cx="0" cy="0"/>
+        </a:xfrm>
+      </p:grpSpPr>
+      <p:sp>
+        <p:nvSpPr>
+          <p:cNvPr id="2" name="スライド イメージ プレースホルダー 1"/>
+          <p:cNvSpPr>
+            <a:spLocks noGrp="1" noRot="1" noChangeAspect="1"/>
+          </p:cNvSpPr>
+          <p:nvPr>
+            <p:ph type="sldImg"/>
+          </p:nvPr>
+        </p:nvSpPr>
+        <p:spPr/>
+      </p:sp>
+      <p:sp>
+        <p:nvSpPr>
+          <p:cNvPr id="3" name="ノート プレースホルダー 2"/>
+          <p:cNvSpPr>
+            <a:spLocks noGrp="1"/>
+          </p:cNvSpPr>
+          <p:nvPr>
+            <p:ph type="body" idx="1"/>
+          </p:nvPr>
+        </p:nvSpPr>
+        <p:spPr/>
+        <p:txBody>
+          <a:bodyPr/>
+          <a:lstStyle/>
+          <a:p>
+            <a:r>
+              <a:rPr kumimoji="1" lang="ja-JP" altLang="en-US" dirty="0" smtClean="0"/>
+              <a:t>簡単に技術を紹介しておくと，</a:t>
+            </a:r>
+            <a:endParaRPr kumimoji="1" lang="en-US" altLang="ja-JP" dirty="0" smtClean="0"/>
+          </a:p>
+          <a:p>
+            <a:r>
+              <a:rPr kumimoji="1" lang="ja-JP" altLang="en-US" dirty="0" smtClean="0"/>
+              <a:t>言語は</a:t>
+            </a:r>
+            <a:r>
+              <a:rPr kumimoji="1" lang="en-US" altLang="ja-JP" dirty="0" smtClean="0"/>
+              <a:t>Python </a:t>
+            </a:r>
+            <a:r>
+              <a:rPr kumimoji="1" lang="ja-JP" altLang="en-US" dirty="0" smtClean="0"/>
+              <a:t>でライブラリはこんな感じのものを使っています．</a:t>
+            </a:r>
+            <a:endParaRPr kumimoji="1" lang="en-US" altLang="ja-JP" dirty="0" smtClean="0"/>
+          </a:p>
+          <a:p>
+            <a:r>
+              <a:rPr kumimoji="1" lang="ja-JP" altLang="en-US" dirty="0" smtClean="0"/>
+              <a:t>プラットフォームの中のやりとりはこのような感じです．</a:t>
+            </a:r>
+            <a:endParaRPr kumimoji="1" lang="en-US" altLang="ja-JP" dirty="0" smtClean="0"/>
+          </a:p>
+          <a:p>
+            <a:r>
+              <a:rPr kumimoji="1" lang="ja-JP" altLang="en-US" dirty="0" smtClean="0"/>
+              <a:t>この構成は，特にブラウザにも依存せず，しかもライセンスにもひっかからず，そして，</a:t>
+            </a:r>
+            <a:r>
+              <a:rPr kumimoji="1" lang="en-US" altLang="ja-JP" dirty="0" smtClean="0"/>
+              <a:t>JavaScript</a:t>
+            </a:r>
+            <a:r>
+              <a:rPr kumimoji="1" lang="ja-JP" altLang="en-US" dirty="0" smtClean="0"/>
+              <a:t>の動的なページにも対応可能です．</a:t>
+            </a:r>
+            <a:endParaRPr kumimoji="1" lang="en-US" altLang="ja-JP" dirty="0" smtClean="0"/>
+          </a:p>
+          <a:p>
+            <a:r>
+              <a:rPr kumimoji="1" lang="ja-JP" altLang="en-US" dirty="0" smtClean="0"/>
+              <a:t>また，このプラットフォームを使えば，出力されるテストスクリプトが</a:t>
+            </a:r>
+            <a:r>
+              <a:rPr kumimoji="1" lang="en-US" altLang="ja-JP" dirty="0" smtClean="0"/>
+              <a:t>Java</a:t>
+            </a:r>
+            <a:r>
+              <a:rPr kumimoji="1" lang="ja-JP" altLang="en-US" dirty="0" smtClean="0"/>
+              <a:t>に限られないので，</a:t>
+            </a:r>
+            <a:r>
+              <a:rPr kumimoji="1" lang="en-US" altLang="ja-JP" dirty="0" smtClean="0"/>
+              <a:t>Python, Ruby </a:t>
+            </a:r>
+            <a:r>
+              <a:rPr kumimoji="1" lang="ja-JP" altLang="en-US" dirty="0" smtClean="0"/>
+              <a:t>といった</a:t>
+            </a:r>
+            <a:r>
+              <a:rPr kumimoji="1" lang="en-US" altLang="ja-JP" dirty="0" smtClean="0"/>
+              <a:t> Selenium</a:t>
+            </a:r>
+            <a:r>
+              <a:rPr kumimoji="1" lang="en-US" altLang="ja-JP" baseline="0" dirty="0" smtClean="0"/>
+              <a:t> </a:t>
+            </a:r>
+            <a:r>
+              <a:rPr kumimoji="1" lang="ja-JP" altLang="en-US" baseline="0" dirty="0" smtClean="0"/>
+              <a:t>環境が使える言語を選択できると</a:t>
+            </a:r>
+            <a:endParaRPr kumimoji="1" lang="en-US" altLang="ja-JP" baseline="0" dirty="0" smtClean="0"/>
+          </a:p>
+          <a:p>
+            <a:r>
+              <a:rPr kumimoji="1" lang="ja-JP" altLang="en-US" baseline="0" dirty="0" smtClean="0"/>
+              <a:t>いう柔軟さを持っています．</a:t>
+            </a:r>
+            <a:endParaRPr kumimoji="1" lang="en-US" altLang="ja-JP" baseline="0" dirty="0" smtClean="0"/>
+          </a:p>
+        </p:txBody>
+      </p:sp>
+      <p:sp>
+        <p:nvSpPr>
+          <p:cNvPr id="4" name="スライド番号プレースホルダー 3"/>
+          <p:cNvSpPr>
+            <a:spLocks noGrp="1"/>
+          </p:cNvSpPr>
+          <p:nvPr>
+            <p:ph type="sldNum" sz="quarter" idx="10"/>
+          </p:nvPr>
+        </p:nvSpPr>
+        <p:spPr/>
+        <p:txBody>
+          <a:bodyPr/>
+          <a:lstStyle/>
+          <a:p>
+            <a:fld id="{9ACEB137-84D2-4C58-AF70-536C9A15327B}" type="slidenum">
+              <a:rPr kumimoji="1" lang="ja-JP" altLang="en-US" smtClean="0"/>
+              <a:pPr/>
+              <a:t>11</a:t>
+            </a:fld>
+            <a:endParaRPr kumimoji="1" lang="ja-JP" altLang="en-US"/>
+          </a:p>
+        </p:txBody>
+      </p:sp>
+    </p:spTree>
+    <p:extLst>
+      <p:ext uri="{BB962C8B-B14F-4D97-AF65-F5344CB8AC3E}">
+        <p14:creationId xmlns:p14="http://schemas.microsoft.com/office/powerpoint/2010/main" val="333365034"/>
+      </p:ext>
+    </p:extLst>
+  </p:cSld>
+  <p:clrMapOvr>
+    <a:masterClrMapping/>
+  </p:clrMapOvr>
+</p:notes>
+</file>
+
+<file path=ppt/notesSlides/notesSlide13.xml><?xml version="1.0" encoding="utf-8"?>
+<p:notes xmlns:a="http://schemas.openxmlformats.org/drawingml/2006/main" xmlns:r="http://schemas.openxmlformats.org/officeDocument/2006/relationships" xmlns:p="http://schemas.openxmlformats.org/presentationml/2006/main">
+  <p:cSld>
+    <p:spTree>
+      <p:nvGrpSpPr>
+        <p:cNvPr id="1" name=""/>
+        <p:cNvGrpSpPr/>
+        <p:nvPr/>
+      </p:nvGrpSpPr>
+      <p:grpSpPr>
+        <a:xfrm>
+          <a:off x="0" y="0"/>
+          <a:ext cx="0" cy="0"/>
+          <a:chOff x="0" y="0"/>
+          <a:chExt cx="0" cy="0"/>
+        </a:xfrm>
+      </p:grpSpPr>
+      <p:sp>
+        <p:nvSpPr>
+          <p:cNvPr id="2" name="スライド イメージ プレースホルダー 1"/>
+          <p:cNvSpPr>
+            <a:spLocks noGrp="1" noRot="1" noChangeAspect="1"/>
+          </p:cNvSpPr>
+          <p:nvPr>
+            <p:ph type="sldImg"/>
+          </p:nvPr>
+        </p:nvSpPr>
+        <p:spPr/>
+      </p:sp>
+      <p:sp>
+        <p:nvSpPr>
+          <p:cNvPr id="3" name="ノート プレースホルダー 2"/>
+          <p:cNvSpPr>
+            <a:spLocks noGrp="1"/>
+          </p:cNvSpPr>
+          <p:nvPr>
+            <p:ph type="body" idx="1"/>
+          </p:nvPr>
+        </p:nvSpPr>
+        <p:spPr/>
+        <p:txBody>
+          <a:bodyPr/>
+          <a:lstStyle/>
+          <a:p>
+            <a:r>
+              <a:rPr kumimoji="1" lang="ja-JP" altLang="en-US" dirty="0" smtClean="0"/>
+              <a:t>保守性や可読性が高く，容易かつ高速にスクリプト作成ができるプラットフォームを作りました！</a:t>
+            </a:r>
+            <a:endParaRPr kumimoji="1" lang="en-US" altLang="ja-JP" dirty="0" smtClean="0"/>
+          </a:p>
+          <a:p>
+            <a:r>
+              <a:rPr kumimoji="1" lang="ja-JP" altLang="en-US" dirty="0" smtClean="0"/>
+              <a:t>ご静聴ありがとうございました．</a:t>
+            </a:r>
+            <a:endParaRPr kumimoji="1" lang="ja-JP" altLang="en-US" dirty="0"/>
+          </a:p>
+        </p:txBody>
+      </p:sp>
+      <p:sp>
+        <p:nvSpPr>
+          <p:cNvPr id="4" name="スライド番号プレースホルダー 3"/>
+          <p:cNvSpPr>
+            <a:spLocks noGrp="1"/>
+          </p:cNvSpPr>
+          <p:nvPr>
+            <p:ph type="sldNum" sz="quarter" idx="10"/>
+          </p:nvPr>
+        </p:nvSpPr>
+        <p:spPr/>
+        <p:txBody>
+          <a:bodyPr/>
+          <a:lstStyle/>
+          <a:p>
+            <a:fld id="{9ACEB137-84D2-4C58-AF70-536C9A15327B}" type="slidenum">
+              <a:rPr kumimoji="1" lang="ja-JP" altLang="en-US" smtClean="0"/>
+              <a:pPr/>
+              <a:t>12</a:t>
+            </a:fld>
+            <a:endParaRPr kumimoji="1" lang="ja-JP" altLang="en-US"/>
+          </a:p>
+        </p:txBody>
+      </p:sp>
+    </p:spTree>
+    <p:extLst>
+      <p:ext uri="{BB962C8B-B14F-4D97-AF65-F5344CB8AC3E}">
+        <p14:creationId xmlns:p14="http://schemas.microsoft.com/office/powerpoint/2010/main" val="1859924680"/>
+      </p:ext>
+    </p:extLst>
+  </p:cSld>
+  <p:clrMapOvr>
+    <a:masterClrMapping/>
+  </p:clrMapOvr>
+</p:notes>
+</file>
+
+<file path=ppt/notesSlides/notesSlide2.xml><?xml version="1.0" encoding="utf-8"?>
+<p:notes xmlns:a="http://schemas.openxmlformats.org/drawingml/2006/main" xmlns:r="http://schemas.openxmlformats.org/officeDocument/2006/relationships" xmlns:p="http://schemas.openxmlformats.org/presentationml/2006/main">
+  <p:cSld>
+    <p:spTree>
+      <p:nvGrpSpPr>
+        <p:cNvPr id="1" name=""/>
+        <p:cNvGrpSpPr/>
+        <p:nvPr/>
+      </p:nvGrpSpPr>
+      <p:grpSpPr>
+        <a:xfrm>
+          <a:off x="0" y="0"/>
+          <a:ext cx="0" cy="0"/>
+          <a:chOff x="0" y="0"/>
+          <a:chExt cx="0" cy="0"/>
+        </a:xfrm>
+      </p:grpSpPr>
+      <p:sp>
+        <p:nvSpPr>
+          <p:cNvPr id="2" name="スライド イメージ プレースホルダー 1"/>
+          <p:cNvSpPr>
+            <a:spLocks noGrp="1" noRot="1" noChangeAspect="1"/>
+          </p:cNvSpPr>
+          <p:nvPr>
+            <p:ph type="sldImg"/>
+          </p:nvPr>
+        </p:nvSpPr>
+        <p:spPr/>
+      </p:sp>
+      <p:sp>
+        <p:nvSpPr>
+          <p:cNvPr id="3" name="ノート プレースホルダー 2"/>
+          <p:cNvSpPr>
+            <a:spLocks noGrp="1"/>
+          </p:cNvSpPr>
+          <p:nvPr>
+            <p:ph type="body" idx="1"/>
+          </p:nvPr>
+        </p:nvSpPr>
+        <p:spPr/>
+        <p:txBody>
+          <a:bodyPr/>
+          <a:lstStyle/>
+          <a:p>
+            <a:r>
+              <a:rPr kumimoji="1" lang="ja-JP" altLang="en-US" dirty="0" smtClean="0"/>
+              <a:t>はじめに，なんですが，</a:t>
+            </a:r>
+            <a:endParaRPr kumimoji="1" lang="en-US" altLang="ja-JP" dirty="0" smtClean="0"/>
+          </a:p>
+          <a:p>
+            <a:r>
+              <a:rPr kumimoji="1" lang="ja-JP" altLang="en-US" dirty="0" smtClean="0"/>
+              <a:t>今回は，</a:t>
+            </a:r>
+            <a:r>
+              <a:rPr kumimoji="1" lang="en-US" altLang="ja-JP" dirty="0" err="1" smtClean="0"/>
+              <a:t>Jenins</a:t>
+            </a:r>
+            <a:r>
+              <a:rPr kumimoji="1" lang="ja-JP" altLang="en-US" dirty="0" smtClean="0"/>
+              <a:t>，</a:t>
+            </a:r>
+            <a:r>
+              <a:rPr kumimoji="1" lang="en-US" altLang="ja-JP" dirty="0" err="1" smtClean="0"/>
+              <a:t>Docker</a:t>
+            </a:r>
+            <a:r>
+              <a:rPr kumimoji="1" lang="ja-JP" altLang="en-US" dirty="0" smtClean="0"/>
+              <a:t>，それから</a:t>
+            </a:r>
+            <a:r>
+              <a:rPr kumimoji="1" lang="en-US" altLang="ja-JP" dirty="0" smtClean="0"/>
+              <a:t>Selenium</a:t>
+            </a:r>
+            <a:r>
+              <a:rPr kumimoji="1" lang="en-US" altLang="ja-JP" baseline="0" dirty="0" smtClean="0"/>
+              <a:t> Grid</a:t>
+            </a:r>
+            <a:r>
+              <a:rPr kumimoji="1" lang="ja-JP" altLang="en-US" baseline="0" dirty="0" smtClean="0"/>
+              <a:t>といった素晴らしいツールは使っていません．</a:t>
+            </a:r>
+            <a:endParaRPr kumimoji="1" lang="en-US" altLang="ja-JP" baseline="0" dirty="0" smtClean="0"/>
+          </a:p>
+          <a:p>
+            <a:r>
+              <a:rPr kumimoji="1" lang="ja-JP" altLang="en-US" baseline="0" dirty="0" smtClean="0"/>
+              <a:t>今回，これらのツールを使用しなかった理由も含めて，最初に今回の課題を整理したいと思います．</a:t>
+            </a:r>
+            <a:endParaRPr kumimoji="1" lang="en-US" altLang="ja-JP" baseline="0" dirty="0" smtClean="0"/>
+          </a:p>
+        </p:txBody>
+      </p:sp>
+      <p:sp>
+        <p:nvSpPr>
+          <p:cNvPr id="4" name="スライド番号プレースホルダー 3"/>
+          <p:cNvSpPr>
+            <a:spLocks noGrp="1"/>
+          </p:cNvSpPr>
+          <p:nvPr>
+            <p:ph type="sldNum" sz="quarter" idx="10"/>
+          </p:nvPr>
+        </p:nvSpPr>
+        <p:spPr/>
+        <p:txBody>
+          <a:bodyPr/>
+          <a:lstStyle/>
+          <a:p>
+            <a:fld id="{9ACEB137-84D2-4C58-AF70-536C9A15327B}" type="slidenum">
+              <a:rPr kumimoji="1" lang="ja-JP" altLang="en-US" smtClean="0"/>
+              <a:pPr/>
+              <a:t>1</a:t>
+            </a:fld>
+            <a:endParaRPr kumimoji="1" lang="ja-JP" altLang="en-US"/>
+          </a:p>
+        </p:txBody>
+      </p:sp>
+    </p:spTree>
+    <p:extLst>
+      <p:ext uri="{BB962C8B-B14F-4D97-AF65-F5344CB8AC3E}">
+        <p14:creationId xmlns:p14="http://schemas.microsoft.com/office/powerpoint/2010/main" val="627946669"/>
+      </p:ext>
+    </p:extLst>
+  </p:cSld>
+  <p:clrMapOvr>
+    <a:masterClrMapping/>
+  </p:clrMapOvr>
+</p:notes>
+</file>
+
+<file path=ppt/notesSlides/notesSlide3.xml><?xml version="1.0" encoding="utf-8"?>
+<p:notes xmlns:a="http://schemas.openxmlformats.org/drawingml/2006/main" xmlns:r="http://schemas.openxmlformats.org/officeDocument/2006/relationships" xmlns:p="http://schemas.openxmlformats.org/presentationml/2006/main">
+  <p:cSld>
+    <p:spTree>
+      <p:nvGrpSpPr>
+        <p:cNvPr id="1" name=""/>
+        <p:cNvGrpSpPr/>
+        <p:nvPr/>
+      </p:nvGrpSpPr>
+      <p:grpSpPr>
+        <a:xfrm>
+          <a:off x="0" y="0"/>
+          <a:ext cx="0" cy="0"/>
+          <a:chOff x="0" y="0"/>
+          <a:chExt cx="0" cy="0"/>
+        </a:xfrm>
+      </p:grpSpPr>
+      <p:sp>
+        <p:nvSpPr>
+          <p:cNvPr id="2" name="スライド イメージ プレースホルダー 1"/>
+          <p:cNvSpPr>
+            <a:spLocks noGrp="1" noRot="1" noChangeAspect="1"/>
+          </p:cNvSpPr>
+          <p:nvPr>
+            <p:ph type="sldImg"/>
+          </p:nvPr>
+        </p:nvSpPr>
+        <p:spPr/>
+      </p:sp>
+      <p:sp>
+        <p:nvSpPr>
+          <p:cNvPr id="3" name="ノート プレースホルダー 2"/>
+          <p:cNvSpPr>
+            <a:spLocks noGrp="1"/>
+          </p:cNvSpPr>
+          <p:nvPr>
+            <p:ph type="body" idx="1"/>
+          </p:nvPr>
+        </p:nvSpPr>
+        <p:spPr/>
+        <p:txBody>
+          <a:bodyPr/>
+          <a:lstStyle/>
+          <a:p>
+            <a:r>
+              <a:rPr kumimoji="1" lang="ja-JP" altLang="en-US" dirty="0" smtClean="0"/>
+              <a:t>まず，みなさんもご存じの通り，今回の課題である顧客の要望はこのようなものでした．</a:t>
+            </a:r>
+            <a:endParaRPr kumimoji="1" lang="en-US" altLang="ja-JP" dirty="0" smtClean="0"/>
+          </a:p>
+          <a:p>
+            <a:r>
+              <a:rPr kumimoji="1" lang="ja-JP" altLang="en-US" dirty="0" smtClean="0"/>
+              <a:t>この長い要望は大きくふたつに分けられると分析しました．</a:t>
+            </a:r>
+            <a:endParaRPr kumimoji="1" lang="en-US" altLang="ja-JP" dirty="0" smtClean="0"/>
+          </a:p>
+          <a:p>
+            <a:r>
+              <a:rPr kumimoji="1" lang="ja-JP" altLang="en-US" dirty="0" smtClean="0"/>
+              <a:t>頻繁なカスタマイズと既存機能の保証です．</a:t>
+            </a:r>
+            <a:endParaRPr kumimoji="1" lang="en-US" altLang="ja-JP" dirty="0" smtClean="0"/>
+          </a:p>
+          <a:p>
+            <a:r>
+              <a:rPr kumimoji="1" lang="ja-JP" altLang="en-US" dirty="0" smtClean="0"/>
+              <a:t>そこで，今回はこの二つの問題を解決できるようなツールを作成しました．</a:t>
+            </a:r>
+            <a:endParaRPr kumimoji="1" lang="en-US" altLang="ja-JP" dirty="0" smtClean="0"/>
+          </a:p>
+        </p:txBody>
+      </p:sp>
+      <p:sp>
+        <p:nvSpPr>
+          <p:cNvPr id="4" name="スライド番号プレースホルダー 3"/>
+          <p:cNvSpPr>
+            <a:spLocks noGrp="1"/>
+          </p:cNvSpPr>
+          <p:nvPr>
+            <p:ph type="sldNum" sz="quarter" idx="10"/>
+          </p:nvPr>
+        </p:nvSpPr>
+        <p:spPr/>
+        <p:txBody>
+          <a:bodyPr/>
+          <a:lstStyle/>
+          <a:p>
+            <a:fld id="{9ACEB137-84D2-4C58-AF70-536C9A15327B}" type="slidenum">
+              <a:rPr kumimoji="1" lang="ja-JP" altLang="en-US" smtClean="0"/>
+              <a:pPr/>
+              <a:t>2</a:t>
+            </a:fld>
+            <a:endParaRPr kumimoji="1" lang="ja-JP" altLang="en-US"/>
+          </a:p>
+        </p:txBody>
+      </p:sp>
+    </p:spTree>
+    <p:extLst>
+      <p:ext uri="{BB962C8B-B14F-4D97-AF65-F5344CB8AC3E}">
+        <p14:creationId xmlns:p14="http://schemas.microsoft.com/office/powerpoint/2010/main" val="2369053366"/>
+      </p:ext>
+    </p:extLst>
+  </p:cSld>
+  <p:clrMapOvr>
+    <a:masterClrMapping/>
+  </p:clrMapOvr>
+</p:notes>
+</file>
+
+<file path=ppt/notesSlides/notesSlide4.xml><?xml version="1.0" encoding="utf-8"?>
+<p:notes xmlns:a="http://schemas.openxmlformats.org/drawingml/2006/main" xmlns:r="http://schemas.openxmlformats.org/officeDocument/2006/relationships" xmlns:p="http://schemas.openxmlformats.org/presentationml/2006/main">
+  <p:cSld>
+    <p:spTree>
+      <p:nvGrpSpPr>
+        <p:cNvPr id="1" name=""/>
+        <p:cNvGrpSpPr/>
+        <p:nvPr/>
+      </p:nvGrpSpPr>
+      <p:grpSpPr>
+        <a:xfrm>
+          <a:off x="0" y="0"/>
+          <a:ext cx="0" cy="0"/>
+          <a:chOff x="0" y="0"/>
+          <a:chExt cx="0" cy="0"/>
+        </a:xfrm>
+      </p:grpSpPr>
+      <p:sp>
+        <p:nvSpPr>
+          <p:cNvPr id="2" name="スライド イメージ プレースホルダー 1"/>
+          <p:cNvSpPr>
+            <a:spLocks noGrp="1" noRot="1" noChangeAspect="1"/>
+          </p:cNvSpPr>
+          <p:nvPr>
+            <p:ph type="sldImg"/>
+          </p:nvPr>
+        </p:nvSpPr>
+        <p:spPr/>
+      </p:sp>
+      <p:sp>
+        <p:nvSpPr>
+          <p:cNvPr id="3" name="ノート プレースホルダー 2"/>
+          <p:cNvSpPr>
+            <a:spLocks noGrp="1"/>
+          </p:cNvSpPr>
+          <p:nvPr>
+            <p:ph type="body" idx="1"/>
+          </p:nvPr>
+        </p:nvSpPr>
+        <p:spPr/>
+        <p:txBody>
+          <a:bodyPr/>
+          <a:lstStyle/>
+          <a:p>
+            <a:r>
+              <a:rPr kumimoji="1" lang="ja-JP" altLang="en-US" dirty="0" smtClean="0"/>
+              <a:t>次に，ツールを作る際に重要となってくるファクターを洗い出しました．</a:t>
+            </a:r>
+            <a:endParaRPr kumimoji="1" lang="en-US" altLang="ja-JP" dirty="0" smtClean="0"/>
+          </a:p>
+          <a:p>
+            <a:r>
+              <a:rPr kumimoji="1" lang="ja-JP" altLang="en-US" dirty="0" smtClean="0"/>
+              <a:t>テストの自動化には大きく二つの構成要素があり，スクリプト作成とテスト実行です．</a:t>
+            </a:r>
+            <a:endParaRPr kumimoji="1" lang="en-US" altLang="ja-JP" dirty="0" smtClean="0"/>
+          </a:p>
+          <a:p>
+            <a:r>
+              <a:rPr kumimoji="1" lang="ja-JP" altLang="en-US" dirty="0" smtClean="0"/>
+              <a:t>こちらは，テストエンジニアさんの統計的なデータをもとに考えれば正確ですが，とりあえず初日の初心者の状態での作業時間を見てみました．</a:t>
+            </a:r>
+            <a:endParaRPr kumimoji="1" lang="en-US" altLang="ja-JP" dirty="0" smtClean="0"/>
+          </a:p>
+          <a:p>
+            <a:r>
+              <a:rPr kumimoji="1" lang="ja-JP" altLang="en-US" dirty="0" smtClean="0"/>
+              <a:t>スクリプト作成には</a:t>
+            </a:r>
+            <a:r>
+              <a:rPr kumimoji="1" lang="en-US" altLang="ja-JP" dirty="0" smtClean="0"/>
+              <a:t>30</a:t>
+            </a:r>
+            <a:r>
+              <a:rPr kumimoji="1" lang="ja-JP" altLang="en-US" dirty="0" smtClean="0"/>
+              <a:t>分ほど要し，テスト実行は</a:t>
+            </a:r>
+            <a:r>
+              <a:rPr kumimoji="1" lang="en-US" altLang="ja-JP" dirty="0" smtClean="0"/>
+              <a:t>10</a:t>
+            </a:r>
+            <a:r>
+              <a:rPr kumimoji="1" lang="ja-JP" altLang="en-US" dirty="0" smtClean="0"/>
+              <a:t>秒程度だっだと思います．</a:t>
+            </a:r>
+            <a:endParaRPr kumimoji="1" lang="en-US" altLang="ja-JP" dirty="0" smtClean="0"/>
+          </a:p>
+          <a:p>
+            <a:r>
+              <a:rPr kumimoji="1" lang="ja-JP" altLang="en-US" dirty="0" smtClean="0"/>
+              <a:t>もちろん，テスト回数が増えればテスト実行の重要度は高まりますが，頻繁なカスタマイズがある場合は，それほど実行回数が多くないと考えられます．</a:t>
+            </a:r>
+            <a:endParaRPr kumimoji="1" lang="en-US" altLang="ja-JP" dirty="0" smtClean="0"/>
+          </a:p>
+          <a:p>
+            <a:r>
+              <a:rPr kumimoji="1" lang="ja-JP" altLang="en-US" dirty="0" smtClean="0"/>
+              <a:t>したがって，テスト実行を高速化するよりも，スクリプト作成を高速化する方が遙かに重要だと分析しました．</a:t>
+            </a:r>
+            <a:endParaRPr kumimoji="1" lang="en-US" altLang="ja-JP" dirty="0" smtClean="0"/>
+          </a:p>
+        </p:txBody>
+      </p:sp>
+      <p:sp>
+        <p:nvSpPr>
+          <p:cNvPr id="4" name="スライド番号プレースホルダー 3"/>
+          <p:cNvSpPr>
+            <a:spLocks noGrp="1"/>
+          </p:cNvSpPr>
+          <p:nvPr>
+            <p:ph type="sldNum" sz="quarter" idx="10"/>
+          </p:nvPr>
+        </p:nvSpPr>
+        <p:spPr/>
+        <p:txBody>
+          <a:bodyPr/>
+          <a:lstStyle/>
+          <a:p>
+            <a:fld id="{9ACEB137-84D2-4C58-AF70-536C9A15327B}" type="slidenum">
+              <a:rPr kumimoji="1" lang="ja-JP" altLang="en-US" smtClean="0"/>
+              <a:pPr/>
+              <a:t>3</a:t>
+            </a:fld>
+            <a:endParaRPr kumimoji="1" lang="ja-JP" altLang="en-US"/>
+          </a:p>
+        </p:txBody>
+      </p:sp>
+    </p:spTree>
+    <p:extLst>
+      <p:ext uri="{BB962C8B-B14F-4D97-AF65-F5344CB8AC3E}">
+        <p14:creationId xmlns:p14="http://schemas.microsoft.com/office/powerpoint/2010/main" val="4031838278"/>
+      </p:ext>
+    </p:extLst>
+  </p:cSld>
+  <p:clrMapOvr>
+    <a:masterClrMapping/>
+  </p:clrMapOvr>
+</p:notes>
+</file>
+
+<file path=ppt/notesSlides/notesSlide5.xml><?xml version="1.0" encoding="utf-8"?>
+<p:notes xmlns:a="http://schemas.openxmlformats.org/drawingml/2006/main" xmlns:r="http://schemas.openxmlformats.org/officeDocument/2006/relationships" xmlns:p="http://schemas.openxmlformats.org/presentationml/2006/main">
+  <p:cSld>
+    <p:spTree>
+      <p:nvGrpSpPr>
+        <p:cNvPr id="1" name=""/>
+        <p:cNvGrpSpPr/>
+        <p:nvPr/>
+      </p:nvGrpSpPr>
+      <p:grpSpPr>
+        <a:xfrm>
+          <a:off x="0" y="0"/>
+          <a:ext cx="0" cy="0"/>
+          <a:chOff x="0" y="0"/>
+          <a:chExt cx="0" cy="0"/>
+        </a:xfrm>
+      </p:grpSpPr>
+      <p:sp>
+        <p:nvSpPr>
+          <p:cNvPr id="2" name="スライド イメージ プレースホルダー 1"/>
+          <p:cNvSpPr>
+            <a:spLocks noGrp="1" noRot="1" noChangeAspect="1"/>
+          </p:cNvSpPr>
+          <p:nvPr>
+            <p:ph type="sldImg"/>
+          </p:nvPr>
+        </p:nvSpPr>
+        <p:spPr/>
+      </p:sp>
+      <p:sp>
+        <p:nvSpPr>
+          <p:cNvPr id="3" name="ノート プレースホルダー 2"/>
+          <p:cNvSpPr>
+            <a:spLocks noGrp="1"/>
+          </p:cNvSpPr>
+          <p:nvPr>
+            <p:ph type="body" idx="1"/>
+          </p:nvPr>
+        </p:nvSpPr>
+        <p:spPr/>
+        <p:txBody>
+          <a:bodyPr/>
+          <a:lstStyle/>
+          <a:p>
+            <a:r>
+              <a:rPr kumimoji="1" lang="ja-JP" altLang="en-US" dirty="0" smtClean="0"/>
+              <a:t>そういった理由で，テスト実行を高速化してくれる</a:t>
+            </a:r>
+            <a:endParaRPr kumimoji="1" lang="en-US" altLang="ja-JP" dirty="0" smtClean="0"/>
+          </a:p>
+          <a:p>
+            <a:r>
+              <a:rPr kumimoji="1" lang="ja-JP" altLang="en-US" dirty="0" smtClean="0"/>
+              <a:t>これらのツールではなく，自動化スクリプトの高速生成に注力しました．</a:t>
+            </a:r>
+            <a:endParaRPr kumimoji="1" lang="en-US" altLang="ja-JP" dirty="0" smtClean="0"/>
+          </a:p>
+        </p:txBody>
+      </p:sp>
+      <p:sp>
+        <p:nvSpPr>
+          <p:cNvPr id="4" name="スライド番号プレースホルダー 3"/>
+          <p:cNvSpPr>
+            <a:spLocks noGrp="1"/>
+          </p:cNvSpPr>
+          <p:nvPr>
+            <p:ph type="sldNum" sz="quarter" idx="10"/>
+          </p:nvPr>
+        </p:nvSpPr>
+        <p:spPr/>
+        <p:txBody>
+          <a:bodyPr/>
+          <a:lstStyle/>
+          <a:p>
+            <a:fld id="{9ACEB137-84D2-4C58-AF70-536C9A15327B}" type="slidenum">
+              <a:rPr kumimoji="1" lang="ja-JP" altLang="en-US" smtClean="0"/>
+              <a:pPr/>
+              <a:t>4</a:t>
+            </a:fld>
+            <a:endParaRPr kumimoji="1" lang="ja-JP" altLang="en-US"/>
+          </a:p>
+        </p:txBody>
+      </p:sp>
+    </p:spTree>
+    <p:extLst>
+      <p:ext uri="{BB962C8B-B14F-4D97-AF65-F5344CB8AC3E}">
+        <p14:creationId xmlns:p14="http://schemas.microsoft.com/office/powerpoint/2010/main" val="2925284419"/>
+      </p:ext>
+    </p:extLst>
+  </p:cSld>
+  <p:clrMapOvr>
+    <a:masterClrMapping/>
+  </p:clrMapOvr>
+</p:notes>
+</file>
+
+<file path=ppt/notesSlides/notesSlide6.xml><?xml version="1.0" encoding="utf-8"?>
+<p:notes xmlns:a="http://schemas.openxmlformats.org/drawingml/2006/main" xmlns:r="http://schemas.openxmlformats.org/officeDocument/2006/relationships" xmlns:p="http://schemas.openxmlformats.org/presentationml/2006/main">
+  <p:cSld>
+    <p:spTree>
+      <p:nvGrpSpPr>
+        <p:cNvPr id="1" name=""/>
+        <p:cNvGrpSpPr/>
+        <p:nvPr/>
+      </p:nvGrpSpPr>
+      <p:grpSpPr>
+        <a:xfrm>
+          <a:off x="0" y="0"/>
+          <a:ext cx="0" cy="0"/>
+          <a:chOff x="0" y="0"/>
+          <a:chExt cx="0" cy="0"/>
+        </a:xfrm>
+      </p:grpSpPr>
+      <p:sp>
+        <p:nvSpPr>
+          <p:cNvPr id="2" name="スライド イメージ プレースホルダー 1"/>
+          <p:cNvSpPr>
+            <a:spLocks noGrp="1" noRot="1" noChangeAspect="1"/>
+          </p:cNvSpPr>
+          <p:nvPr>
+            <p:ph type="sldImg"/>
+          </p:nvPr>
+        </p:nvSpPr>
+        <p:spPr/>
+      </p:sp>
+      <p:sp>
+        <p:nvSpPr>
+          <p:cNvPr id="3" name="ノート プレースホルダー 2"/>
+          <p:cNvSpPr>
+            <a:spLocks noGrp="1"/>
+          </p:cNvSpPr>
+          <p:nvPr>
+            <p:ph type="body" idx="1"/>
+          </p:nvPr>
+        </p:nvSpPr>
+        <p:spPr/>
+        <p:txBody>
+          <a:bodyPr/>
+          <a:lstStyle/>
+          <a:p>
+            <a:r>
+              <a:rPr kumimoji="1" lang="ja-JP" altLang="en-US" dirty="0" smtClean="0"/>
+              <a:t>今回の問題をさらに分析していきます．</a:t>
+            </a:r>
+            <a:endParaRPr kumimoji="1" lang="en-US" altLang="ja-JP" dirty="0" smtClean="0"/>
+          </a:p>
+          <a:p>
+            <a:r>
+              <a:rPr kumimoji="1" lang="ja-JP" altLang="en-US" dirty="0" smtClean="0"/>
+              <a:t>頻繁なカスタマイズへの対応では，必要なコトとしては，テストスクリプトの大量作成であり，こちらは</a:t>
+            </a:r>
+            <a:r>
+              <a:rPr kumimoji="1" lang="en-US" altLang="ja-JP" dirty="0" smtClean="0"/>
+              <a:t>Selenium</a:t>
+            </a:r>
+            <a:r>
+              <a:rPr kumimoji="1" lang="en-US" altLang="ja-JP" baseline="0" dirty="0" smtClean="0"/>
+              <a:t> IDE</a:t>
+            </a:r>
+            <a:r>
+              <a:rPr kumimoji="1" lang="ja-JP" altLang="en-US" baseline="0" dirty="0" smtClean="0"/>
+              <a:t>を使ってテスト初心者を大量に集めることで対応できます．</a:t>
+            </a:r>
+            <a:endParaRPr kumimoji="1" lang="en-US" altLang="ja-JP" baseline="0" dirty="0" smtClean="0"/>
+          </a:p>
+          <a:p>
+            <a:r>
+              <a:rPr kumimoji="1" lang="ja-JP" altLang="en-US" baseline="0" dirty="0" smtClean="0"/>
+              <a:t>しかし，これにより生成されるスクリプトは保守性が悪く，別課題の既存機能の保証とコンフリクトしてしまいます．</a:t>
+            </a:r>
+            <a:endParaRPr kumimoji="1" lang="en-US" altLang="ja-JP" baseline="0" dirty="0" smtClean="0"/>
+          </a:p>
+        </p:txBody>
+      </p:sp>
+      <p:sp>
+        <p:nvSpPr>
+          <p:cNvPr id="4" name="スライド番号プレースホルダー 3"/>
+          <p:cNvSpPr>
+            <a:spLocks noGrp="1"/>
+          </p:cNvSpPr>
+          <p:nvPr>
+            <p:ph type="sldNum" sz="quarter" idx="10"/>
+          </p:nvPr>
+        </p:nvSpPr>
+        <p:spPr/>
+        <p:txBody>
+          <a:bodyPr/>
+          <a:lstStyle/>
+          <a:p>
+            <a:fld id="{9ACEB137-84D2-4C58-AF70-536C9A15327B}" type="slidenum">
+              <a:rPr kumimoji="1" lang="ja-JP" altLang="en-US" smtClean="0"/>
+              <a:pPr/>
+              <a:t>5</a:t>
+            </a:fld>
+            <a:endParaRPr kumimoji="1" lang="ja-JP" altLang="en-US"/>
+          </a:p>
+        </p:txBody>
+      </p:sp>
+    </p:spTree>
+    <p:extLst>
+      <p:ext uri="{BB962C8B-B14F-4D97-AF65-F5344CB8AC3E}">
+        <p14:creationId xmlns:p14="http://schemas.microsoft.com/office/powerpoint/2010/main" val="1249189282"/>
+      </p:ext>
+    </p:extLst>
+  </p:cSld>
+  <p:clrMapOvr>
+    <a:masterClrMapping/>
+  </p:clrMapOvr>
+</p:notes>
+</file>
+
+<file path=ppt/notesSlides/notesSlide7.xml><?xml version="1.0" encoding="utf-8"?>
+<p:notes xmlns:a="http://schemas.openxmlformats.org/drawingml/2006/main" xmlns:r="http://schemas.openxmlformats.org/officeDocument/2006/relationships" xmlns:p="http://schemas.openxmlformats.org/presentationml/2006/main">
+  <p:cSld>
+    <p:spTree>
+      <p:nvGrpSpPr>
+        <p:cNvPr id="1" name=""/>
+        <p:cNvGrpSpPr/>
+        <p:nvPr/>
+      </p:nvGrpSpPr>
+      <p:grpSpPr>
+        <a:xfrm>
+          <a:off x="0" y="0"/>
+          <a:ext cx="0" cy="0"/>
+          <a:chOff x="0" y="0"/>
+          <a:chExt cx="0" cy="0"/>
+        </a:xfrm>
+      </p:grpSpPr>
+      <p:sp>
+        <p:nvSpPr>
+          <p:cNvPr id="2" name="スライド イメージ プレースホルダー 1"/>
+          <p:cNvSpPr>
+            <a:spLocks noGrp="1" noRot="1" noChangeAspect="1"/>
+          </p:cNvSpPr>
+          <p:nvPr>
+            <p:ph type="sldImg"/>
+          </p:nvPr>
+        </p:nvSpPr>
+        <p:spPr/>
+      </p:sp>
+      <p:sp>
+        <p:nvSpPr>
+          <p:cNvPr id="3" name="ノート プレースホルダー 2"/>
+          <p:cNvSpPr>
+            <a:spLocks noGrp="1"/>
+          </p:cNvSpPr>
+          <p:nvPr>
+            <p:ph type="body" idx="1"/>
+          </p:nvPr>
+        </p:nvSpPr>
+        <p:spPr/>
+        <p:txBody>
+          <a:bodyPr/>
+          <a:lstStyle/>
+          <a:p>
+            <a:r>
+              <a:rPr kumimoji="1" lang="ja-JP" altLang="en-US" dirty="0" smtClean="0"/>
+              <a:t>また，既存機能の保守は，再利用可能なスクリプトの作成が必要となりますが，これを実現するためには，スクリプト作成コストの高さが障害となります．</a:t>
+            </a:r>
+            <a:endParaRPr kumimoji="1" lang="en-US" altLang="ja-JP" dirty="0" smtClean="0"/>
+          </a:p>
+        </p:txBody>
+      </p:sp>
+      <p:sp>
+        <p:nvSpPr>
+          <p:cNvPr id="4" name="スライド番号プレースホルダー 3"/>
+          <p:cNvSpPr>
+            <a:spLocks noGrp="1"/>
+          </p:cNvSpPr>
+          <p:nvPr>
+            <p:ph type="sldNum" sz="quarter" idx="10"/>
+          </p:nvPr>
+        </p:nvSpPr>
+        <p:spPr/>
+        <p:txBody>
+          <a:bodyPr/>
+          <a:lstStyle/>
+          <a:p>
+            <a:fld id="{9ACEB137-84D2-4C58-AF70-536C9A15327B}" type="slidenum">
+              <a:rPr kumimoji="1" lang="ja-JP" altLang="en-US" smtClean="0"/>
+              <a:pPr/>
+              <a:t>6</a:t>
+            </a:fld>
+            <a:endParaRPr kumimoji="1" lang="ja-JP" altLang="en-US"/>
+          </a:p>
+        </p:txBody>
+      </p:sp>
+    </p:spTree>
+    <p:extLst>
+      <p:ext uri="{BB962C8B-B14F-4D97-AF65-F5344CB8AC3E}">
+        <p14:creationId xmlns:p14="http://schemas.microsoft.com/office/powerpoint/2010/main" val="4154193367"/>
+      </p:ext>
+    </p:extLst>
+  </p:cSld>
+  <p:clrMapOvr>
+    <a:masterClrMapping/>
+  </p:clrMapOvr>
+</p:notes>
+</file>
+
+<file path=ppt/notesSlides/notesSlide8.xml><?xml version="1.0" encoding="utf-8"?>
+<p:notes xmlns:a="http://schemas.openxmlformats.org/drawingml/2006/main" xmlns:r="http://schemas.openxmlformats.org/officeDocument/2006/relationships" xmlns:p="http://schemas.openxmlformats.org/presentationml/2006/main">
+  <p:cSld>
+    <p:spTree>
+      <p:nvGrpSpPr>
+        <p:cNvPr id="1" name=""/>
+        <p:cNvGrpSpPr/>
+        <p:nvPr/>
+      </p:nvGrpSpPr>
+      <p:grpSpPr>
+        <a:xfrm>
+          <a:off x="0" y="0"/>
+          <a:ext cx="0" cy="0"/>
+          <a:chOff x="0" y="0"/>
+          <a:chExt cx="0" cy="0"/>
+        </a:xfrm>
+      </p:grpSpPr>
+      <p:sp>
+        <p:nvSpPr>
+          <p:cNvPr id="2" name="スライド イメージ プレースホルダー 1"/>
+          <p:cNvSpPr>
+            <a:spLocks noGrp="1" noRot="1" noChangeAspect="1"/>
+          </p:cNvSpPr>
+          <p:nvPr>
+            <p:ph type="sldImg"/>
+          </p:nvPr>
+        </p:nvSpPr>
+        <p:spPr/>
+      </p:sp>
+      <p:sp>
+        <p:nvSpPr>
+          <p:cNvPr id="3" name="ノート プレースホルダー 2"/>
+          <p:cNvSpPr>
+            <a:spLocks noGrp="1"/>
+          </p:cNvSpPr>
+          <p:nvPr>
+            <p:ph type="body" idx="1"/>
+          </p:nvPr>
+        </p:nvSpPr>
+        <p:spPr/>
+        <p:txBody>
+          <a:bodyPr/>
+          <a:lstStyle/>
+          <a:p>
+            <a:r>
+              <a:rPr kumimoji="1" lang="ja-JP" altLang="en-US" dirty="0" smtClean="0"/>
+              <a:t>つまり，保守性が高く高速にスクリプト作成できればみんなハッピーになります．</a:t>
+            </a:r>
+            <a:endParaRPr kumimoji="1" lang="en-US" altLang="ja-JP" dirty="0" smtClean="0"/>
+          </a:p>
+        </p:txBody>
+      </p:sp>
+      <p:sp>
+        <p:nvSpPr>
+          <p:cNvPr id="4" name="スライド番号プレースホルダー 3"/>
+          <p:cNvSpPr>
+            <a:spLocks noGrp="1"/>
+          </p:cNvSpPr>
+          <p:nvPr>
+            <p:ph type="sldNum" sz="quarter" idx="10"/>
+          </p:nvPr>
+        </p:nvSpPr>
+        <p:spPr/>
+        <p:txBody>
+          <a:bodyPr/>
+          <a:lstStyle/>
+          <a:p>
+            <a:fld id="{9ACEB137-84D2-4C58-AF70-536C9A15327B}" type="slidenum">
+              <a:rPr kumimoji="1" lang="ja-JP" altLang="en-US" smtClean="0"/>
+              <a:pPr/>
+              <a:t>7</a:t>
+            </a:fld>
+            <a:endParaRPr kumimoji="1" lang="ja-JP" altLang="en-US"/>
+          </a:p>
+        </p:txBody>
+      </p:sp>
+    </p:spTree>
+    <p:extLst>
+      <p:ext uri="{BB962C8B-B14F-4D97-AF65-F5344CB8AC3E}">
+        <p14:creationId xmlns:p14="http://schemas.microsoft.com/office/powerpoint/2010/main" val="2889635096"/>
+      </p:ext>
+    </p:extLst>
+  </p:cSld>
+  <p:clrMapOvr>
+    <a:masterClrMapping/>
+  </p:clrMapOvr>
+</p:notes>
+</file>
+
+<file path=ppt/notesSlides/notesSlide9.xml><?xml version="1.0" encoding="utf-8"?>
+<p:notes xmlns:a="http://schemas.openxmlformats.org/drawingml/2006/main" xmlns:r="http://schemas.openxmlformats.org/officeDocument/2006/relationships" xmlns:p="http://schemas.openxmlformats.org/presentationml/2006/main">
+  <p:cSld>
+    <p:spTree>
+      <p:nvGrpSpPr>
+        <p:cNvPr id="1" name=""/>
+        <p:cNvGrpSpPr/>
+        <p:nvPr/>
+      </p:nvGrpSpPr>
+      <p:grpSpPr>
+        <a:xfrm>
+          <a:off x="0" y="0"/>
+          <a:ext cx="0" cy="0"/>
+          <a:chOff x="0" y="0"/>
+          <a:chExt cx="0" cy="0"/>
+        </a:xfrm>
+      </p:grpSpPr>
+      <p:sp>
+        <p:nvSpPr>
+          <p:cNvPr id="2" name="スライド イメージ プレースホルダー 1"/>
+          <p:cNvSpPr>
+            <a:spLocks noGrp="1" noRot="1" noChangeAspect="1"/>
+          </p:cNvSpPr>
+          <p:nvPr>
+            <p:ph type="sldImg"/>
+          </p:nvPr>
+        </p:nvSpPr>
+        <p:spPr/>
+      </p:sp>
+      <p:sp>
+        <p:nvSpPr>
+          <p:cNvPr id="3" name="ノート プレースホルダー 2"/>
+          <p:cNvSpPr>
+            <a:spLocks noGrp="1"/>
+          </p:cNvSpPr>
+          <p:nvPr>
+            <p:ph type="body" idx="1"/>
+          </p:nvPr>
+        </p:nvSpPr>
+        <p:spPr/>
+        <p:txBody>
+          <a:bodyPr/>
+          <a:lstStyle/>
+          <a:p>
+            <a:r>
+              <a:rPr kumimoji="1" lang="ja-JP" altLang="en-US" dirty="0" smtClean="0"/>
+              <a:t>そこで，自動テストスクリプト高速作成プラットフォームの出番です．</a:t>
+            </a:r>
+            <a:endParaRPr kumimoji="1" lang="en-US" altLang="ja-JP" dirty="0" smtClean="0"/>
+          </a:p>
+          <a:p>
+            <a:r>
+              <a:rPr kumimoji="1" lang="ja-JP" altLang="en-US" dirty="0" smtClean="0"/>
+              <a:t>これから簡単なデモを行いますが，</a:t>
+            </a:r>
+            <a:r>
+              <a:rPr kumimoji="1" lang="en-US" altLang="ja-JP" dirty="0" smtClean="0"/>
+              <a:t>GUI</a:t>
+            </a:r>
+            <a:r>
+              <a:rPr kumimoji="1" lang="ja-JP" altLang="en-US" dirty="0" smtClean="0"/>
+              <a:t>操作だけで簡単に保守性の高いテストスクリプトを作成できます．</a:t>
+            </a:r>
+            <a:endParaRPr kumimoji="1" lang="ja-JP" altLang="en-US" dirty="0"/>
+          </a:p>
+        </p:txBody>
+      </p:sp>
+      <p:sp>
+        <p:nvSpPr>
+          <p:cNvPr id="4" name="スライド番号プレースホルダー 3"/>
+          <p:cNvSpPr>
+            <a:spLocks noGrp="1"/>
+          </p:cNvSpPr>
+          <p:nvPr>
+            <p:ph type="sldNum" sz="quarter" idx="10"/>
+          </p:nvPr>
+        </p:nvSpPr>
+        <p:spPr/>
+        <p:txBody>
+          <a:bodyPr/>
+          <a:lstStyle/>
+          <a:p>
+            <a:fld id="{9ACEB137-84D2-4C58-AF70-536C9A15327B}" type="slidenum">
+              <a:rPr kumimoji="1" lang="ja-JP" altLang="en-US" smtClean="0"/>
+              <a:pPr/>
+              <a:t>8</a:t>
+            </a:fld>
+            <a:endParaRPr kumimoji="1" lang="ja-JP" altLang="en-US"/>
+          </a:p>
+        </p:txBody>
+      </p:sp>
+    </p:spTree>
+    <p:extLst>
+      <p:ext uri="{BB962C8B-B14F-4D97-AF65-F5344CB8AC3E}">
+        <p14:creationId xmlns:p14="http://schemas.microsoft.com/office/powerpoint/2010/main" val="2856602133"/>
+      </p:ext>
+    </p:extLst>
+  </p:cSld>
+  <p:clrMapOvr>
+    <a:masterClrMapping/>
+  </p:clrMapOvr>
+</p:notes>
 </file>
 
 <file path=ppt/slideLayouts/slideLayout1.xml><?xml version="1.0" encoding="utf-8"?>
@@ -4943,7 +6378,11 @@
             <a:pPr algn="ctr"/>
             <a:r>
               <a:rPr lang="ja-JP" altLang="en-US" sz="3600" dirty="0" smtClean="0"/>
-              <a:t>自動生成プラットフォーム</a:t>
+              <a:t>高速作成</a:t>
+            </a:r>
+            <a:r>
+              <a:rPr lang="ja-JP" altLang="en-US" sz="3600" dirty="0" smtClean="0"/>
+              <a:t>プラットフォーム</a:t>
             </a:r>
             <a:endParaRPr lang="ja-JP" altLang="en-US" sz="3600" dirty="0"/>
           </a:p>
@@ -5043,7 +6482,19 @@
           <a:p>
             <a:r>
               <a:rPr kumimoji="1" lang="ja-JP" altLang="en-US" sz="2400" u="none" dirty="0" smtClean="0"/>
-              <a:t>自動化テストスクリプト自動生成プラットフォーム</a:t>
+              <a:t>自動化</a:t>
+            </a:r>
+            <a:r>
+              <a:rPr kumimoji="1" lang="ja-JP" altLang="en-US" sz="2400" u="none" dirty="0" smtClean="0"/>
+              <a:t>テストスクリプト</a:t>
+            </a:r>
+            <a:r>
+              <a:rPr lang="ja-JP" altLang="en-US" sz="2400" dirty="0" smtClean="0"/>
+              <a:t>高速作成</a:t>
+            </a:r>
+            <a:r>
+              <a:rPr kumimoji="1" lang="ja-JP" altLang="en-US" sz="2400" u="none" dirty="0" smtClean="0"/>
+              <a:t>プラットフォーム</a:t>
             </a:r>
             <a:endParaRPr kumimoji="1" lang="ja-JP" altLang="en-US" sz="2400" u="none" dirty="0" smtClean="0"/>
           </a:p>
@@ -5102,7 +6553,7 @@
             <p:nvPr/>
           </p:nvPicPr>
           <p:blipFill>
-            <a:blip r:embed="rId2" cstate="print">
+            <a:blip r:embed="rId3" cstate="print">
               <a:extLst>
                 <a:ext uri="{28A0092B-C50C-407E-A947-70E740481C1C}">
                   <a14:useLocalDpi xmlns:a14="http://schemas.microsoft.com/office/drawing/2010/main"/>
@@ -5261,7 +6712,7 @@
                   <a:schemeClr val="bg1"/>
                 </a:solidFill>
               </a:rPr>
-              <a:t>自動生成</a:t>
+              <a:t>高速作成</a:t>
             </a:r>
             <a:endParaRPr lang="en-US" altLang="ja-JP" sz="2400" dirty="0" smtClean="0">
               <a:solidFill>
@@ -5410,7 +6861,7 @@
             <p:nvPr/>
           </p:nvPicPr>
           <p:blipFill rotWithShape="1">
-            <a:blip r:embed="rId3" cstate="print">
+            <a:blip r:embed="rId4" cstate="print">
               <a:extLst>
                 <a:ext uri="{28A0092B-C50C-407E-A947-70E740481C1C}">
                   <a14:useLocalDpi xmlns:a14="http://schemas.microsoft.com/office/drawing/2010/main"/>
@@ -5720,7 +7171,6 @@
               <a:rPr kumimoji="1" lang="ja-JP" altLang="en-US" sz="2400" u="none" dirty="0" smtClean="0"/>
               <a:t>デモ</a:t>
             </a:r>
-            <a:endParaRPr kumimoji="1" lang="ja-JP" altLang="en-US" sz="2400" u="none" dirty="0" smtClean="0"/>
           </a:p>
         </p:txBody>
       </p:sp>
@@ -5791,7 +7241,7 @@
               <p:nvPr/>
             </p:nvPicPr>
             <p:blipFill rotWithShape="1">
-              <a:blip r:embed="rId2" cstate="print">
+              <a:blip r:embed="rId3" cstate="print">
                 <a:extLst>
                   <a:ext uri="{28A0092B-C50C-407E-A947-70E740481C1C}">
                     <a14:useLocalDpi xmlns:a14="http://schemas.microsoft.com/office/drawing/2010/main"/>
@@ -5820,7 +7270,7 @@
               <p:nvPr/>
             </p:nvPicPr>
             <p:blipFill rotWithShape="1">
-              <a:blip r:embed="rId3" cstate="print">
+              <a:blip r:embed="rId4" cstate="print">
                 <a:extLst>
                   <a:ext uri="{28A0092B-C50C-407E-A947-70E740481C1C}">
                     <a14:useLocalDpi xmlns:a14="http://schemas.microsoft.com/office/drawing/2010/main"/>
@@ -6266,7 +7716,7 @@
             <p:nvPr/>
           </p:nvPicPr>
           <p:blipFill>
-            <a:blip r:embed="rId2" cstate="print">
+            <a:blip r:embed="rId3" cstate="print">
               <a:extLst>
                 <a:ext uri="{28A0092B-C50C-407E-A947-70E740481C1C}">
                   <a14:useLocalDpi xmlns:a14="http://schemas.microsoft.com/office/drawing/2010/main"/>
@@ -6406,7 +7856,7 @@
               <p:nvPr/>
             </p:nvPicPr>
             <p:blipFill rotWithShape="1">
-              <a:blip r:embed="rId3" cstate="print">
+              <a:blip r:embed="rId4" cstate="print">
                 <a:extLst>
                   <a:ext uri="{28A0092B-C50C-407E-A947-70E740481C1C}">
                     <a14:useLocalDpi xmlns:a14="http://schemas.microsoft.com/office/drawing/2010/main"/>
@@ -6435,7 +7885,7 @@
               <p:nvPr/>
             </p:nvPicPr>
             <p:blipFill rotWithShape="1">
-              <a:blip r:embed="rId4" cstate="print">
+              <a:blip r:embed="rId5" cstate="print">
                 <a:extLst>
                   <a:ext uri="{28A0092B-C50C-407E-A947-70E740481C1C}">
                     <a14:useLocalDpi xmlns:a14="http://schemas.microsoft.com/office/drawing/2010/main"/>
@@ -6510,7 +7960,7 @@
           <p:nvPr/>
         </p:nvPicPr>
         <p:blipFill>
-          <a:blip r:embed="rId5" cstate="print">
+          <a:blip r:embed="rId6" cstate="print">
             <a:extLst>
               <a:ext uri="{28A0092B-C50C-407E-A947-70E740481C1C}">
                 <a14:useLocalDpi xmlns:a14="http://schemas.microsoft.com/office/drawing/2010/main"/>
@@ -6724,7 +8174,6 @@
               <a:rPr kumimoji="1" lang="ja-JP" altLang="en-US" sz="2400" u="none" dirty="0" smtClean="0"/>
               <a:t>プログラミング未経験者</a:t>
             </a:r>
-            <a:endParaRPr kumimoji="1" lang="ja-JP" altLang="en-US" sz="2400" u="none" dirty="0" smtClean="0"/>
           </a:p>
         </p:txBody>
       </p:sp>
@@ -6765,7 +8214,6 @@
               <a:rPr kumimoji="1" lang="ja-JP" altLang="en-US" sz="2400" u="none" dirty="0" smtClean="0"/>
               <a:t>プラットフォーム</a:t>
             </a:r>
-            <a:endParaRPr kumimoji="1" lang="ja-JP" altLang="en-US" sz="2400" u="none" dirty="0" smtClean="0"/>
           </a:p>
         </p:txBody>
       </p:sp>
@@ -6960,7 +8408,6 @@
               <a:rPr kumimoji="1" lang="ja-JP" altLang="en-US" sz="2400" u="none" dirty="0" smtClean="0"/>
               <a:t>ページ</a:t>
             </a:r>
-            <a:endParaRPr kumimoji="1" lang="ja-JP" altLang="en-US" sz="2400" u="none" dirty="0" smtClean="0"/>
           </a:p>
         </p:txBody>
       </p:sp>
@@ -7090,7 +8537,6 @@
               <a:rPr kumimoji="1" lang="ja-JP" altLang="en-US" u="none" dirty="0" smtClean="0"/>
               <a:t>コード生成</a:t>
             </a:r>
-            <a:endParaRPr kumimoji="1" lang="ja-JP" altLang="en-US" u="none" dirty="0" smtClean="0"/>
           </a:p>
         </p:txBody>
       </p:sp>
@@ -7103,7 +8549,7 @@
           <p:nvPr/>
         </p:nvPicPr>
         <p:blipFill rotWithShape="1">
-          <a:blip r:embed="rId6" cstate="print">
+          <a:blip r:embed="rId7" cstate="print">
             <a:extLst>
               <a:ext uri="{28A0092B-C50C-407E-A947-70E740481C1C}">
                 <a14:useLocalDpi xmlns:a14="http://schemas.microsoft.com/office/drawing/2010/main"/>
@@ -7317,7 +8763,11 @@
             <a:pPr algn="ctr"/>
             <a:r>
               <a:rPr kumimoji="1" lang="ja-JP" altLang="en-US" sz="2800" u="none" dirty="0" smtClean="0"/>
-              <a:t>スクリプト作成ができるプラットフォームを作成！</a:t>
+              <a:t>スクリプト作成ができる</a:t>
+            </a:r>
+            <a:r>
+              <a:rPr kumimoji="1" lang="ja-JP" altLang="en-US" sz="2800" u="none" dirty="0" smtClean="0"/>
+              <a:t>プラットフォーム！</a:t>
             </a:r>
             <a:endParaRPr kumimoji="1" lang="en-US" altLang="ja-JP" sz="2800" u="none" dirty="0" smtClean="0"/>
           </a:p>
@@ -7332,7 +8782,7 @@
           <p:nvPr/>
         </p:nvPicPr>
         <p:blipFill>
-          <a:blip r:embed="rId2"/>
+          <a:blip r:embed="rId3"/>
           <a:stretch>
             <a:fillRect/>
           </a:stretch>
@@ -7473,7 +8923,6 @@
               <a:rPr kumimoji="1" lang="ja-JP" altLang="en-US" sz="2400" u="none" dirty="0" smtClean="0"/>
               <a:t>今回は．．．</a:t>
             </a:r>
-            <a:endParaRPr kumimoji="1" lang="ja-JP" altLang="en-US" sz="2400" u="none" dirty="0" smtClean="0"/>
           </a:p>
         </p:txBody>
       </p:sp>
@@ -7486,7 +8935,7 @@
           <p:nvPr/>
         </p:nvPicPr>
         <p:blipFill>
-          <a:blip r:embed="rId2" cstate="print">
+          <a:blip r:embed="rId3" cstate="print">
             <a:extLst>
               <a:ext uri="{28A0092B-C50C-407E-A947-70E740481C1C}">
                 <a14:useLocalDpi xmlns:a14="http://schemas.microsoft.com/office/drawing/2010/main"/>
@@ -7516,7 +8965,7 @@
           <p:nvPr/>
         </p:nvPicPr>
         <p:blipFill>
-          <a:blip r:embed="rId3"/>
+          <a:blip r:embed="rId4"/>
           <a:stretch>
             <a:fillRect/>
           </a:stretch>
@@ -7540,7 +8989,7 @@
           <p:nvPr/>
         </p:nvPicPr>
         <p:blipFill>
-          <a:blip r:embed="rId4"/>
+          <a:blip r:embed="rId5"/>
           <a:stretch>
             <a:fillRect/>
           </a:stretch>
@@ -8332,7 +9781,6 @@
               <a:rPr kumimoji="1" lang="ja-JP" altLang="en-US" u="none" dirty="0" smtClean="0"/>
               <a:t>つのカスタマイズにかけられる期間は短く，既存機能のテストに十分な時間を割けない</a:t>
             </a:r>
-            <a:endParaRPr kumimoji="1" lang="ja-JP" altLang="en-US" u="none" dirty="0" smtClean="0"/>
           </a:p>
         </p:txBody>
       </p:sp>
@@ -8536,7 +9984,6 @@
               <a:rPr kumimoji="1" lang="ja-JP" altLang="en-US" sz="2400" u="none" dirty="0" smtClean="0"/>
               <a:t>テスト自動化の合計時間</a:t>
             </a:r>
-            <a:endParaRPr kumimoji="1" lang="ja-JP" altLang="en-US" sz="2400" u="none" dirty="0" smtClean="0"/>
           </a:p>
         </p:txBody>
       </p:sp>
@@ -8736,11 +10183,6 @@
               </a:rPr>
               <a:t>秒</a:t>
             </a:r>
-            <a:endParaRPr kumimoji="1" lang="ja-JP" altLang="en-US" sz="2400" u="none" dirty="0" smtClean="0">
-              <a:solidFill>
-                <a:schemeClr val="accent1"/>
-              </a:solidFill>
-            </a:endParaRPr>
           </a:p>
         </p:txBody>
       </p:sp>
@@ -9119,7 +10561,31 @@
                   <a:schemeClr val="accent1"/>
                 </a:solidFill>
               </a:rPr>
-              <a:t>もちろんテスト</a:t>
+              <a:t>もちろん</a:t>
+            </a:r>
+            <a:r>
+              <a:rPr lang="ja-JP" altLang="en-US" sz="1600" dirty="0" smtClean="0">
+                <a:solidFill>
+                  <a:schemeClr val="accent1"/>
+                </a:solidFill>
+              </a:rPr>
+              <a:t>テスト回数</a:t>
+            </a:r>
+            <a:r>
+              <a:rPr lang="ja-JP" altLang="en-US" sz="1600" dirty="0" smtClean="0">
+                <a:solidFill>
+                  <a:schemeClr val="accent1"/>
+                </a:solidFill>
+              </a:rPr>
+              <a:t>が</a:t>
+            </a:r>
+            <a:r>
+              <a:rPr lang="ja-JP" altLang="en-US" sz="1600" dirty="0" smtClean="0">
+                <a:solidFill>
+                  <a:schemeClr val="accent1"/>
+                </a:solidFill>
+              </a:rPr>
+              <a:t>増えれば重要度は</a:t>
             </a:r>
             <a:endParaRPr lang="en-US" altLang="ja-JP" sz="1600" dirty="0" smtClean="0">
               <a:solidFill>
@@ -9134,7 +10600,31 @@
                   <a:schemeClr val="accent1"/>
                 </a:solidFill>
               </a:rPr>
-              <a:t>回数が増えれば</a:t>
+              <a:t>高まるが</a:t>
+            </a:r>
+            <a:r>
+              <a:rPr lang="ja-JP" altLang="en-US" sz="1600" dirty="0" smtClean="0">
+                <a:solidFill>
+                  <a:schemeClr val="accent1"/>
+                </a:solidFill>
+              </a:rPr>
+              <a:t>，</a:t>
+            </a:r>
+            <a:r>
+              <a:rPr lang="ja-JP" altLang="en-US" sz="1600" dirty="0" smtClean="0">
+                <a:solidFill>
+                  <a:schemeClr val="accent1"/>
+                </a:solidFill>
+              </a:rPr>
+              <a:t>頻繁</a:t>
+            </a:r>
+            <a:r>
+              <a:rPr lang="ja-JP" altLang="en-US" sz="1600" dirty="0" smtClean="0">
+                <a:solidFill>
+                  <a:schemeClr val="accent1"/>
+                </a:solidFill>
+              </a:rPr>
+              <a:t>な</a:t>
             </a:r>
             <a:endParaRPr lang="en-US" altLang="ja-JP" sz="1600" dirty="0" smtClean="0">
               <a:solidFill>
@@ -9149,22 +10639,15 @@
                   <a:schemeClr val="accent1"/>
                 </a:solidFill>
               </a:rPr>
-              <a:t>重要度は高まるが</a:t>
-            </a:r>
-            <a:endParaRPr lang="en-US" altLang="ja-JP" sz="1600" dirty="0" smtClean="0">
-              <a:solidFill>
-                <a:schemeClr val="accent1"/>
-              </a:solidFill>
-            </a:endParaRPr>
-          </a:p>
-          <a:p>
+              <a:t>カスタマイズ</a:t>
+            </a:r>
             <a:r>
               <a:rPr lang="ja-JP" altLang="en-US" sz="1600" dirty="0" smtClean="0">
                 <a:solidFill>
                   <a:schemeClr val="accent1"/>
                 </a:solidFill>
               </a:rPr>
-              <a:t>頻繁カスタマイズは実行回数が多くない</a:t>
+              <a:t>は実行回数が多くない</a:t>
             </a:r>
             <a:endParaRPr lang="en-US" altLang="ja-JP" sz="1600" dirty="0" smtClean="0">
               <a:solidFill>
@@ -9337,7 +10820,7 @@
           <p:nvPr/>
         </p:nvPicPr>
         <p:blipFill>
-          <a:blip r:embed="rId2" cstate="print">
+          <a:blip r:embed="rId3" cstate="print">
             <a:extLst>
               <a:ext uri="{28A0092B-C50C-407E-A947-70E740481C1C}">
                 <a14:useLocalDpi xmlns:a14="http://schemas.microsoft.com/office/drawing/2010/main"/>
@@ -9367,7 +10850,7 @@
           <p:nvPr/>
         </p:nvPicPr>
         <p:blipFill>
-          <a:blip r:embed="rId3"/>
+          <a:blip r:embed="rId4"/>
           <a:stretch>
             <a:fillRect/>
           </a:stretch>
@@ -9391,7 +10874,7 @@
           <p:nvPr/>
         </p:nvPicPr>
         <p:blipFill>
-          <a:blip r:embed="rId4"/>
+          <a:blip r:embed="rId5"/>
           <a:stretch>
             <a:fillRect/>
           </a:stretch>
@@ -9596,9 +11079,32 @@
           <a:p>
             <a:r>
               <a:rPr kumimoji="1" lang="ja-JP" altLang="en-US" sz="2400" u="none" dirty="0" smtClean="0"/>
-              <a:t>ではなく，スクリプト作成に注力しました！</a:t>
-            </a:r>
-            <a:endParaRPr kumimoji="1" lang="ja-JP" altLang="en-US" sz="2400" u="none" dirty="0" smtClean="0"/>
+              <a:t>ではなく</a:t>
+            </a:r>
+            <a:r>
+              <a:rPr kumimoji="1" lang="ja-JP" altLang="en-US" sz="2400" u="none" dirty="0" smtClean="0"/>
+              <a:t>，</a:t>
+            </a:r>
+            <a:r>
+              <a:rPr kumimoji="1" lang="ja-JP" altLang="en-US" sz="2400" u="none" dirty="0" smtClean="0"/>
+              <a:t>自動化</a:t>
+            </a:r>
+            <a:r>
+              <a:rPr kumimoji="1" lang="ja-JP" altLang="en-US" sz="2400" u="none" dirty="0" smtClean="0"/>
+              <a:t>スクリプト</a:t>
+            </a:r>
+            <a:r>
+              <a:rPr kumimoji="1" lang="ja-JP" altLang="en-US" sz="2400" u="none" dirty="0" smtClean="0"/>
+              <a:t>の高速作成</a:t>
+            </a:r>
+            <a:r>
+              <a:rPr kumimoji="1" lang="ja-JP" altLang="en-US" sz="2400" u="none" dirty="0" smtClean="0"/>
+              <a:t>に</a:t>
+            </a:r>
+            <a:r>
+              <a:rPr kumimoji="1" lang="ja-JP" altLang="en-US" sz="2400" u="none" dirty="0" smtClean="0"/>
+              <a:t>注力しました！</a:t>
+            </a:r>
           </a:p>
         </p:txBody>
       </p:sp>
@@ -9698,7 +11204,6 @@
               <a:rPr kumimoji="1" lang="ja-JP" altLang="en-US" sz="2400" u="none" dirty="0" smtClean="0"/>
               <a:t>「頻繁なカスタマイズ」への対応</a:t>
             </a:r>
-            <a:endParaRPr kumimoji="1" lang="ja-JP" altLang="en-US" sz="2400" u="none" dirty="0" smtClean="0"/>
           </a:p>
         </p:txBody>
       </p:sp>
@@ -9759,12 +11264,12 @@
               <a:t>テストスクリプト</a:t>
             </a:r>
             <a:r>
-              <a:rPr lang="ja-JP" altLang="en-US" sz="2400" dirty="0"/>
-              <a:t>の迅速</a:t>
-            </a:r>
-            <a:r>
               <a:rPr lang="ja-JP" altLang="en-US" sz="2400" dirty="0" smtClean="0"/>
-              <a:t>な</a:t>
+              <a:t>の</a:t>
+            </a:r>
+            <a:r>
+              <a:rPr lang="ja-JP" altLang="en-US" sz="2400" dirty="0" smtClean="0"/>
+              <a:t>大量</a:t>
             </a:r>
             <a:r>
               <a:rPr lang="ja-JP" altLang="en-US" sz="2400" dirty="0" smtClean="0"/>
@@ -9891,7 +11396,7 @@
             <p:nvPr/>
           </p:nvPicPr>
           <p:blipFill>
-            <a:blip r:embed="rId2" cstate="print">
+            <a:blip r:embed="rId3" cstate="print">
               <a:extLst>
                 <a:ext uri="{28A0092B-C50C-407E-A947-70E740481C1C}">
                   <a14:useLocalDpi xmlns:a14="http://schemas.microsoft.com/office/drawing/2010/main"/>
@@ -9921,7 +11426,7 @@
             <p:nvPr/>
           </p:nvPicPr>
           <p:blipFill>
-            <a:blip r:embed="rId2" cstate="print">
+            <a:blip r:embed="rId3" cstate="print">
               <a:extLst>
                 <a:ext uri="{28A0092B-C50C-407E-A947-70E740481C1C}">
                   <a14:useLocalDpi xmlns:a14="http://schemas.microsoft.com/office/drawing/2010/main"/>
@@ -9951,7 +11456,7 @@
             <p:nvPr/>
           </p:nvPicPr>
           <p:blipFill>
-            <a:blip r:embed="rId2" cstate="print">
+            <a:blip r:embed="rId3" cstate="print">
               <a:extLst>
                 <a:ext uri="{28A0092B-C50C-407E-A947-70E740481C1C}">
                   <a14:useLocalDpi xmlns:a14="http://schemas.microsoft.com/office/drawing/2010/main"/>
@@ -9981,7 +11486,7 @@
             <p:nvPr/>
           </p:nvPicPr>
           <p:blipFill>
-            <a:blip r:embed="rId3" cstate="print">
+            <a:blip r:embed="rId4" cstate="print">
               <a:extLst>
                 <a:ext uri="{28A0092B-C50C-407E-A947-70E740481C1C}">
                   <a14:useLocalDpi xmlns:a14="http://schemas.microsoft.com/office/drawing/2010/main"/>
@@ -10335,7 +11840,6 @@
               <a:rPr kumimoji="1" lang="ja-JP" altLang="en-US" sz="2400" u="none" dirty="0" smtClean="0"/>
               <a:t>「既存機能の保守」への対応</a:t>
             </a:r>
-            <a:endParaRPr kumimoji="1" lang="ja-JP" altLang="en-US" sz="2400" u="none" dirty="0" smtClean="0"/>
           </a:p>
         </p:txBody>
       </p:sp>
@@ -10482,7 +11986,7 @@
           <p:nvPr/>
         </p:nvPicPr>
         <p:blipFill>
-          <a:blip r:embed="rId2" cstate="print">
+          <a:blip r:embed="rId3" cstate="print">
             <a:extLst>
               <a:ext uri="{28A0092B-C50C-407E-A947-70E740481C1C}">
                 <a14:useLocalDpi xmlns:a14="http://schemas.microsoft.com/office/drawing/2010/main"/>
@@ -10542,7 +12046,7 @@
           <p:nvPr/>
         </p:nvPicPr>
         <p:blipFill>
-          <a:blip r:embed="rId3" cstate="print">
+          <a:blip r:embed="rId4" cstate="print">
             <a:extLst>
               <a:ext uri="{28A0092B-C50C-407E-A947-70E740481C1C}">
                 <a14:useLocalDpi xmlns:a14="http://schemas.microsoft.com/office/drawing/2010/main"/>
@@ -10849,8 +12353,40 @@
           <a:p>
             <a:pPr algn="ctr"/>
             <a:r>
+              <a:rPr kumimoji="1" lang="ja-JP" altLang="en-US" sz="2800" u="none" dirty="0" smtClean="0">
+                <a:solidFill>
+                  <a:srgbClr val="FF0000"/>
+                </a:solidFill>
+              </a:rPr>
+              <a:t>保守性</a:t>
+            </a:r>
+            <a:r>
               <a:rPr kumimoji="1" lang="ja-JP" altLang="en-US" sz="2800" u="none" dirty="0" smtClean="0"/>
-              <a:t>保守性が高く，迅速にスクリプト作成できれば</a:t>
+              <a:t>が高く</a:t>
+            </a:r>
+            <a:r>
+              <a:rPr kumimoji="1" lang="ja-JP" altLang="en-US" sz="2800" u="none" dirty="0" smtClean="0"/>
+              <a:t>，</a:t>
+            </a:r>
+            <a:r>
+              <a:rPr lang="ja-JP" altLang="en-US" sz="2800" dirty="0" smtClean="0">
+                <a:solidFill>
+                  <a:srgbClr val="FF0000"/>
+                </a:solidFill>
+              </a:rPr>
+              <a:t>高速</a:t>
+            </a:r>
+            <a:r>
+              <a:rPr kumimoji="1" lang="ja-JP" altLang="en-US" sz="2800" u="none" dirty="0" smtClean="0"/>
+              <a:t>にスクリプト</a:t>
+            </a:r>
+            <a:r>
+              <a:rPr lang="ja-JP" altLang="en-US" sz="2800" dirty="0" smtClean="0"/>
+              <a:t>作成</a:t>
+            </a:r>
+            <a:r>
+              <a:rPr kumimoji="1" lang="ja-JP" altLang="en-US" sz="2800" u="none" dirty="0" smtClean="0"/>
+              <a:t>できれば</a:t>
             </a:r>
             <a:endParaRPr kumimoji="1" lang="en-US" altLang="ja-JP" sz="2800" u="none" dirty="0" smtClean="0"/>
           </a:p>
@@ -10873,7 +12409,7 @@
           <p:nvPr/>
         </p:nvPicPr>
         <p:blipFill>
-          <a:blip r:embed="rId2"/>
+          <a:blip r:embed="rId3"/>
           <a:stretch>
             <a:fillRect/>
           </a:stretch>
@@ -11127,7 +12663,19 @@
           <a:p>
             <a:r>
               <a:rPr kumimoji="1" lang="ja-JP" altLang="en-US" sz="2400" u="none" dirty="0" smtClean="0"/>
-              <a:t>自動テストスクリプト自動生成プラットフォーム</a:t>
+              <a:t>自動</a:t>
+            </a:r>
+            <a:r>
+              <a:rPr kumimoji="1" lang="ja-JP" altLang="en-US" sz="2400" u="none" dirty="0" smtClean="0"/>
+              <a:t>テストスクリプト</a:t>
+            </a:r>
+            <a:r>
+              <a:rPr lang="ja-JP" altLang="en-US" sz="2400" dirty="0" smtClean="0"/>
+              <a:t>高速作成</a:t>
+            </a:r>
+            <a:r>
+              <a:rPr kumimoji="1" lang="ja-JP" altLang="en-US" sz="2400" u="none" dirty="0" smtClean="0"/>
+              <a:t>プラットフォーム</a:t>
             </a:r>
             <a:endParaRPr kumimoji="1" lang="ja-JP" altLang="en-US" sz="2400" u="none" dirty="0" smtClean="0"/>
           </a:p>
@@ -11186,7 +12734,7 @@
             <p:nvPr/>
           </p:nvPicPr>
           <p:blipFill rotWithShape="1">
-            <a:blip r:embed="rId2" cstate="print">
+            <a:blip r:embed="rId3" cstate="print">
               <a:extLst>
                 <a:ext uri="{28A0092B-C50C-407E-A947-70E740481C1C}">
                   <a14:useLocalDpi xmlns:a14="http://schemas.microsoft.com/office/drawing/2010/main"/>
@@ -11215,7 +12763,7 @@
             <p:nvPr/>
           </p:nvPicPr>
           <p:blipFill rotWithShape="1">
-            <a:blip r:embed="rId3" cstate="print">
+            <a:blip r:embed="rId4" cstate="print">
               <a:extLst>
                 <a:ext uri="{28A0092B-C50C-407E-A947-70E740481C1C}">
                   <a14:useLocalDpi xmlns:a14="http://schemas.microsoft.com/office/drawing/2010/main"/>
